--- a/infrastructure-week-3.pptx
+++ b/infrastructure-week-3.pptx
@@ -22,9 +22,32 @@
     <p:sldId id="272" r:id="rId16"/>
     <p:sldId id="273" r:id="rId17"/>
     <p:sldId id="274" r:id="rId18"/>
-    <p:sldId id="275" r:id="rId19"/>
-    <p:sldId id="276" r:id="rId20"/>
-    <p:sldId id="277" r:id="rId21"/>
+    <p:sldId id="279" r:id="rId19"/>
+    <p:sldId id="280" r:id="rId20"/>
+    <p:sldId id="281" r:id="rId21"/>
+    <p:sldId id="282" r:id="rId22"/>
+    <p:sldId id="283" r:id="rId23"/>
+    <p:sldId id="275" r:id="rId24"/>
+    <p:sldId id="276" r:id="rId25"/>
+    <p:sldId id="277" r:id="rId26"/>
+    <p:sldId id="284" r:id="rId27"/>
+    <p:sldId id="285" r:id="rId28"/>
+    <p:sldId id="286" r:id="rId29"/>
+    <p:sldId id="287" r:id="rId30"/>
+    <p:sldId id="289" r:id="rId31"/>
+    <p:sldId id="290" r:id="rId32"/>
+    <p:sldId id="288" r:id="rId33"/>
+    <p:sldId id="291" r:id="rId34"/>
+    <p:sldId id="292" r:id="rId35"/>
+    <p:sldId id="293" r:id="rId36"/>
+    <p:sldId id="294" r:id="rId37"/>
+    <p:sldId id="295" r:id="rId38"/>
+    <p:sldId id="296" r:id="rId39"/>
+    <p:sldId id="297" r:id="rId40"/>
+    <p:sldId id="298" r:id="rId41"/>
+    <p:sldId id="300" r:id="rId42"/>
+    <p:sldId id="299" r:id="rId43"/>
+    <p:sldId id="278" r:id="rId44"/>
   </p:sldIdLst>
   <p:sldSz cx="9144000" cy="6858000" type="screen4x3"/>
   <p:notesSz cx="6858000" cy="9144000"/>
@@ -307,7 +330,7 @@
           <a:p>
             <a:fld id="{C721276B-38BC-F24F-B36B-D23FB353AB88}" type="datetimeFigureOut">
               <a:rPr lang="en-US" smtClean="0"/>
-              <a:t>3/22/16</a:t>
+              <a:t>3/31/16</a:t>
             </a:fld>
             <a:endParaRPr lang="en-US"/>
           </a:p>
@@ -477,7 +500,7 @@
           <a:p>
             <a:fld id="{C721276B-38BC-F24F-B36B-D23FB353AB88}" type="datetimeFigureOut">
               <a:rPr lang="en-US" smtClean="0"/>
-              <a:t>3/22/16</a:t>
+              <a:t>3/31/16</a:t>
             </a:fld>
             <a:endParaRPr lang="en-US"/>
           </a:p>
@@ -657,7 +680,7 @@
           <a:p>
             <a:fld id="{C721276B-38BC-F24F-B36B-D23FB353AB88}" type="datetimeFigureOut">
               <a:rPr lang="en-US" smtClean="0"/>
-              <a:t>3/22/16</a:t>
+              <a:t>3/31/16</a:t>
             </a:fld>
             <a:endParaRPr lang="en-US"/>
           </a:p>
@@ -827,7 +850,7 @@
           <a:p>
             <a:fld id="{C721276B-38BC-F24F-B36B-D23FB353AB88}" type="datetimeFigureOut">
               <a:rPr lang="en-US" smtClean="0"/>
-              <a:t>3/22/16</a:t>
+              <a:t>3/31/16</a:t>
             </a:fld>
             <a:endParaRPr lang="en-US"/>
           </a:p>
@@ -1073,7 +1096,7 @@
           <a:p>
             <a:fld id="{C721276B-38BC-F24F-B36B-D23FB353AB88}" type="datetimeFigureOut">
               <a:rPr lang="en-US" smtClean="0"/>
-              <a:t>3/22/16</a:t>
+              <a:t>3/31/16</a:t>
             </a:fld>
             <a:endParaRPr lang="en-US"/>
           </a:p>
@@ -1361,7 +1384,7 @@
           <a:p>
             <a:fld id="{C721276B-38BC-F24F-B36B-D23FB353AB88}" type="datetimeFigureOut">
               <a:rPr lang="en-US" smtClean="0"/>
-              <a:t>3/22/16</a:t>
+              <a:t>3/31/16</a:t>
             </a:fld>
             <a:endParaRPr lang="en-US"/>
           </a:p>
@@ -1783,7 +1806,7 @@
           <a:p>
             <a:fld id="{C721276B-38BC-F24F-B36B-D23FB353AB88}" type="datetimeFigureOut">
               <a:rPr lang="en-US" smtClean="0"/>
-              <a:t>3/22/16</a:t>
+              <a:t>3/31/16</a:t>
             </a:fld>
             <a:endParaRPr lang="en-US"/>
           </a:p>
@@ -1901,7 +1924,7 @@
           <a:p>
             <a:fld id="{C721276B-38BC-F24F-B36B-D23FB353AB88}" type="datetimeFigureOut">
               <a:rPr lang="en-US" smtClean="0"/>
-              <a:t>3/22/16</a:t>
+              <a:t>3/31/16</a:t>
             </a:fld>
             <a:endParaRPr lang="en-US"/>
           </a:p>
@@ -1996,7 +2019,7 @@
           <a:p>
             <a:fld id="{C721276B-38BC-F24F-B36B-D23FB353AB88}" type="datetimeFigureOut">
               <a:rPr lang="en-US" smtClean="0"/>
-              <a:t>3/22/16</a:t>
+              <a:t>3/31/16</a:t>
             </a:fld>
             <a:endParaRPr lang="en-US"/>
           </a:p>
@@ -2273,7 +2296,7 @@
           <a:p>
             <a:fld id="{C721276B-38BC-F24F-B36B-D23FB353AB88}" type="datetimeFigureOut">
               <a:rPr lang="en-US" smtClean="0"/>
-              <a:t>3/22/16</a:t>
+              <a:t>3/31/16</a:t>
             </a:fld>
             <a:endParaRPr lang="en-US"/>
           </a:p>
@@ -2526,7 +2549,7 @@
           <a:p>
             <a:fld id="{C721276B-38BC-F24F-B36B-D23FB353AB88}" type="datetimeFigureOut">
               <a:rPr lang="en-US" smtClean="0"/>
-              <a:t>3/22/16</a:t>
+              <a:t>3/31/16</a:t>
             </a:fld>
             <a:endParaRPr lang="en-US"/>
           </a:p>
@@ -2739,7 +2762,7 @@
           <a:p>
             <a:fld id="{C721276B-38BC-F24F-B36B-D23FB353AB88}" type="datetimeFigureOut">
               <a:rPr lang="en-US" smtClean="0"/>
-              <a:t>3/22/16</a:t>
+              <a:t>3/31/16</a:t>
             </a:fld>
             <a:endParaRPr lang="en-US"/>
           </a:p>
@@ -3132,7 +3155,7 @@
         </p:spPr>
         <p:txBody>
           <a:bodyPr>
-            <a:normAutofit/>
+            <a:normAutofit fontScale="90000"/>
           </a:bodyPr>
           <a:lstStyle/>
           <a:p>
@@ -3145,7 +3168,18 @@
             </a:br>
             <a:r>
               <a:rPr lang="en-US" sz="6000" dirty="0" smtClean="0"/>
-              <a:t>IT Infrastructure</a:t>
+              <a:t>IT </a:t>
+            </a:r>
+            <a:r>
+              <a:rPr lang="en-US" sz="6000" dirty="0" smtClean="0"/>
+              <a:t>Infrastructure</a:t>
+            </a:r>
+            <a:br>
+              <a:rPr lang="en-US" sz="6000" dirty="0" smtClean="0"/>
+            </a:br>
+            <a:r>
+              <a:rPr lang="en-US" sz="6000" dirty="0" smtClean="0"/>
+              <a:t>Week 3</a:t>
             </a:r>
             <a:endParaRPr lang="en-US" sz="6000" dirty="0"/>
           </a:p>
@@ -3471,7 +3505,6 @@
               <a:rPr lang="en-US" dirty="0" smtClean="0"/>
               <a:t>	</a:t>
             </a:r>
-            <a:endParaRPr lang="en-US" dirty="0" smtClean="0"/>
           </a:p>
           <a:p>
             <a:pPr lvl="1"/>
@@ -3626,7 +3659,6 @@
               <a:rPr lang="en-US" dirty="0" smtClean="0"/>
               <a:t>	</a:t>
             </a:r>
-            <a:endParaRPr lang="en-US" dirty="0" smtClean="0"/>
           </a:p>
           <a:p>
             <a:pPr lvl="1"/>
@@ -3758,7 +3790,6 @@
               <a:rPr lang="en-US" dirty="0" smtClean="0"/>
               <a:t>	</a:t>
             </a:r>
-            <a:endParaRPr lang="en-US" dirty="0" smtClean="0"/>
           </a:p>
           <a:p>
             <a:pPr lvl="1"/>
@@ -4359,8 +4390,8 @@
           <a:lstStyle/>
           <a:p>
             <a:r>
-              <a:rPr lang="en-US" dirty="0" smtClean="0"/>
-              <a:t>Distributed system coupling</a:t>
+              <a:rPr lang="en-US" dirty="0" err="1" smtClean="0"/>
+              <a:t>NoSQL</a:t>
             </a:r>
             <a:endParaRPr lang="en-US" dirty="0"/>
           </a:p>
@@ -4384,46 +4415,83 @@
         </p:spPr>
         <p:txBody>
           <a:bodyPr>
-            <a:normAutofit/>
+            <a:normAutofit fontScale="92500" lnSpcReduction="20000"/>
           </a:bodyPr>
           <a:lstStyle/>
           <a:p>
             <a:r>
               <a:rPr lang="en-US" dirty="0" smtClean="0"/>
-              <a:t>You learned about the concept of coupling in the software engineering course </a:t>
-            </a:r>
-          </a:p>
-          <a:p>
-            <a:r>
-              <a:rPr lang="en-US" dirty="0" smtClean="0"/>
-              <a:t>In general, loose coupling is desirable</a:t>
-            </a:r>
-          </a:p>
-          <a:p>
-            <a:pPr lvl="1"/>
-            <a:r>
-              <a:rPr lang="en-US" dirty="0" smtClean="0"/>
-              <a:t>Easier to maintain and replace components</a:t>
-            </a:r>
-          </a:p>
-          <a:p>
-            <a:pPr lvl="1"/>
-            <a:r>
-              <a:rPr lang="en-US" dirty="0" smtClean="0"/>
-              <a:t>Fewer bugs and hidden dependencies</a:t>
-            </a:r>
-          </a:p>
-          <a:p>
-            <a:pPr lvl="1"/>
-            <a:r>
-              <a:rPr lang="en-US" dirty="0" smtClean="0"/>
-              <a:t>More flexible</a:t>
-            </a:r>
-          </a:p>
-          <a:p>
-            <a:r>
-              <a:rPr lang="en-US" dirty="0" smtClean="0"/>
-              <a:t>Loose coupling is highly desirable in distributed systems as well</a:t>
+              <a:t>Growth of </a:t>
+            </a:r>
+            <a:r>
+              <a:rPr lang="en-US" dirty="0" err="1" smtClean="0"/>
+              <a:t>NoSQL</a:t>
+            </a:r>
+            <a:r>
+              <a:rPr lang="en-US" dirty="0" smtClean="0"/>
+              <a:t> correlated to the growth of distributed systems</a:t>
+            </a:r>
+          </a:p>
+          <a:p>
+            <a:r>
+              <a:rPr lang="en-US" dirty="0" smtClean="0"/>
+              <a:t>Store data closer to the way it’s actually represented</a:t>
+            </a:r>
+          </a:p>
+          <a:p>
+            <a:r>
+              <a:rPr lang="en-US" dirty="0" err="1" smtClean="0"/>
+              <a:t>NoSQL</a:t>
+            </a:r>
+            <a:r>
+              <a:rPr lang="en-US" dirty="0"/>
+              <a:t> </a:t>
+            </a:r>
+            <a:r>
+              <a:rPr lang="en-US" dirty="0" smtClean="0"/>
+              <a:t>= Not only SQL</a:t>
+            </a:r>
+          </a:p>
+          <a:p>
+            <a:r>
+              <a:rPr lang="en-US" dirty="0" smtClean="0"/>
+              <a:t>Several different types of </a:t>
+            </a:r>
+            <a:r>
+              <a:rPr lang="en-US" dirty="0" err="1" smtClean="0"/>
+              <a:t>NoSQL</a:t>
+            </a:r>
+            <a:r>
+              <a:rPr lang="en-US" dirty="0" smtClean="0"/>
+              <a:t> database, each solving different scaling issues</a:t>
+            </a:r>
+          </a:p>
+          <a:p>
+            <a:r>
+              <a:rPr lang="en-US" dirty="0" smtClean="0"/>
+              <a:t>Big data is a major scaling issue</a:t>
+            </a:r>
+          </a:p>
+          <a:p>
+            <a:pPr lvl="1"/>
+            <a:r>
+              <a:rPr lang="en-US" dirty="0" err="1" smtClean="0"/>
+              <a:t>NoSQL</a:t>
+            </a:r>
+            <a:r>
+              <a:rPr lang="en-US" dirty="0" smtClean="0"/>
+              <a:t> approach is to shard the data</a:t>
+            </a:r>
+          </a:p>
+          <a:p>
+            <a:pPr lvl="1"/>
+            <a:r>
+              <a:rPr lang="en-US" dirty="0" err="1" smtClean="0"/>
+              <a:t>Sharding</a:t>
+            </a:r>
+            <a:r>
+              <a:rPr lang="en-US" dirty="0" smtClean="0"/>
+              <a:t> = partitioning the data across multiple databases</a:t>
             </a:r>
             <a:endParaRPr lang="en-US" dirty="0"/>
           </a:p>
@@ -4438,7 +4506,7 @@
     </p:spTree>
     <p:extLst>
       <p:ext uri="{BB962C8B-B14F-4D97-AF65-F5344CB8AC3E}">
-        <p14:creationId xmlns:p14="http://schemas.microsoft.com/office/powerpoint/2010/main" val="3666338030"/>
+        <p14:creationId xmlns:p14="http://schemas.microsoft.com/office/powerpoint/2010/main" val="1927538517"/>
       </p:ext>
     </p:extLst>
   </p:cSld>
@@ -4483,8 +4551,12 @@
           <a:lstStyle/>
           <a:p>
             <a:r>
-              <a:rPr lang="en-US" dirty="0" smtClean="0"/>
-              <a:t>Scaling distributed performance</a:t>
+              <a:rPr lang="en-US" dirty="0" err="1" smtClean="0"/>
+              <a:t>NoSQL</a:t>
+            </a:r>
+            <a:r>
+              <a:rPr lang="en-US" dirty="0" smtClean="0"/>
+              <a:t> types</a:t>
             </a:r>
             <a:endParaRPr lang="en-US" dirty="0"/>
           </a:p>
@@ -4514,40 +4586,79 @@
           <a:p>
             <a:r>
               <a:rPr lang="en-US" dirty="0" smtClean="0"/>
-              <a:t>The speed of small systems cannot easily be translated to large distributed systems</a:t>
-            </a:r>
-          </a:p>
-          <a:p>
-            <a:r>
-              <a:rPr lang="en-US" dirty="0"/>
-              <a:t>N</a:t>
-            </a:r>
-            <a:r>
-              <a:rPr lang="en-US" dirty="0" smtClean="0"/>
-              <a:t>etwork and disk I/O is orders of magnitude slower than </a:t>
+              <a:t>Key/value</a:t>
+            </a:r>
+          </a:p>
+          <a:p>
+            <a:pPr lvl="1"/>
+            <a:r>
+              <a:rPr lang="en-US" dirty="0" smtClean="0"/>
+              <a:t>Provide a key/value</a:t>
+            </a:r>
+          </a:p>
+          <a:p>
+            <a:pPr lvl="1"/>
+            <a:r>
+              <a:rPr lang="en-US" dirty="0" smtClean="0"/>
+              <a:t>Query a key and get a value returned</a:t>
+            </a:r>
+          </a:p>
+          <a:p>
+            <a:pPr lvl="1"/>
+            <a:r>
+              <a:rPr lang="en-US" dirty="0" smtClean="0"/>
+              <a:t>Based on hashing algorithm &amp; easy to shard</a:t>
+            </a:r>
+          </a:p>
+          <a:p>
+            <a:pPr lvl="1"/>
+            <a:r>
+              <a:rPr lang="en-US" dirty="0" smtClean="0"/>
+              <a:t>Popular way to store web user sessions</a:t>
+            </a:r>
+          </a:p>
+          <a:p>
+            <a:pPr lvl="2"/>
+            <a:r>
+              <a:rPr lang="en-US" dirty="0" smtClean="0"/>
+              <a:t>Key = </a:t>
             </a:r>
             <a:r>
               <a:rPr lang="en-US" dirty="0" err="1" smtClean="0"/>
-              <a:t>cpu</a:t>
-            </a:r>
-            <a:r>
-              <a:rPr lang="en-US" dirty="0" smtClean="0"/>
-              <a:t> and memory access</a:t>
-            </a:r>
-          </a:p>
-          <a:p>
-            <a:pPr lvl="1"/>
-            <a:r>
-              <a:rPr lang="en-US" dirty="0" smtClean="0"/>
-              <a:t>Be very wary of these kinds of requests</a:t>
-            </a:r>
-          </a:p>
-          <a:p>
-            <a:r>
-              <a:rPr lang="en-US" dirty="0" smtClean="0"/>
-              <a:t>Slow request latencies are magnified at scale</a:t>
-            </a:r>
-            <a:endParaRPr lang="en-US" dirty="0"/>
+              <a:t>sessionId</a:t>
+            </a:r>
+            <a:endParaRPr lang="en-US" dirty="0" smtClean="0"/>
+          </a:p>
+          <a:p>
+            <a:pPr lvl="2"/>
+            <a:r>
+              <a:rPr lang="en-US" dirty="0" smtClean="0"/>
+              <a:t>Value = serialized session object</a:t>
+            </a:r>
+          </a:p>
+          <a:p>
+            <a:pPr lvl="1"/>
+            <a:r>
+              <a:rPr lang="en-US" dirty="0" smtClean="0"/>
+              <a:t>Examples: </a:t>
+            </a:r>
+            <a:r>
+              <a:rPr lang="en-US" dirty="0" err="1" smtClean="0"/>
+              <a:t>Redis</a:t>
+            </a:r>
+            <a:r>
+              <a:rPr lang="en-US" dirty="0" smtClean="0"/>
+              <a:t>, </a:t>
+            </a:r>
+            <a:r>
+              <a:rPr lang="en-US" dirty="0" err="1" smtClean="0"/>
+              <a:t>memcached</a:t>
+            </a:r>
+            <a:endParaRPr lang="en-US" dirty="0"/>
+          </a:p>
+          <a:p>
+            <a:pPr lvl="1"/>
+            <a:endParaRPr lang="en-US" dirty="0" smtClean="0"/>
           </a:p>
           <a:p>
             <a:pPr marL="457200" lvl="1" indent="0">
@@ -4560,7 +4671,7 @@
     </p:spTree>
     <p:extLst>
       <p:ext uri="{BB962C8B-B14F-4D97-AF65-F5344CB8AC3E}">
-        <p14:creationId xmlns:p14="http://schemas.microsoft.com/office/powerpoint/2010/main" val="2353493060"/>
+        <p14:creationId xmlns:p14="http://schemas.microsoft.com/office/powerpoint/2010/main" val="1948312763"/>
       </p:ext>
     </p:extLst>
   </p:cSld>
@@ -4604,7 +4715,7 @@
           <a:p>
             <a:r>
               <a:rPr lang="en-US" dirty="0" smtClean="0"/>
-              <a:t>Readings</a:t>
+              <a:t>Agenda</a:t>
             </a:r>
             <a:endParaRPr lang="en-US" dirty="0"/>
           </a:p>
@@ -4629,13 +4740,19 @@
               <a:rPr lang="en-US" dirty="0" smtClean="0"/>
               <a:t>Distributed infrastructure (CSA Chapter 1)</a:t>
             </a:r>
+          </a:p>
+          <a:p>
+            <a:r>
+              <a:rPr lang="en-US" dirty="0" smtClean="0"/>
+              <a:t>Virtualization</a:t>
+            </a:r>
+          </a:p>
+          <a:p>
+            <a:r>
+              <a:rPr lang="en-US" dirty="0" smtClean="0"/>
+              <a:t>Vagrant</a:t>
+            </a:r>
             <a:endParaRPr lang="en-US" dirty="0" smtClean="0"/>
-          </a:p>
-          <a:p>
-            <a:r>
-              <a:rPr lang="en-US" dirty="0" smtClean="0"/>
-              <a:t>Virtualization</a:t>
-            </a:r>
           </a:p>
         </p:txBody>
       </p:sp>
@@ -4687,8 +4804,12 @@
           <a:lstStyle/>
           <a:p>
             <a:r>
-              <a:rPr lang="en-US" dirty="0" smtClean="0"/>
-              <a:t>Designing for Operations</a:t>
+              <a:rPr lang="en-US" dirty="0" err="1" smtClean="0"/>
+              <a:t>NoSQL</a:t>
+            </a:r>
+            <a:r>
+              <a:rPr lang="en-US" dirty="0" smtClean="0"/>
+              <a:t> types</a:t>
             </a:r>
             <a:endParaRPr lang="en-US" dirty="0"/>
           </a:p>
@@ -4716,6 +4837,56 @@
           </a:bodyPr>
           <a:lstStyle/>
           <a:p>
+            <a:r>
+              <a:rPr lang="en-US" dirty="0" smtClean="0"/>
+              <a:t>Columnar</a:t>
+            </a:r>
+          </a:p>
+          <a:p>
+            <a:pPr lvl="1"/>
+            <a:r>
+              <a:rPr lang="en-US" dirty="0" smtClean="0"/>
+              <a:t>Imaging pivoting a traditional database table</a:t>
+            </a:r>
+          </a:p>
+          <a:p>
+            <a:pPr lvl="1"/>
+            <a:r>
+              <a:rPr lang="en-US" dirty="0" smtClean="0"/>
+              <a:t>Store columns instead of storing columns in sequential disk pages</a:t>
+            </a:r>
+          </a:p>
+          <a:p>
+            <a:pPr lvl="1"/>
+            <a:r>
+              <a:rPr lang="en-US" dirty="0" smtClean="0"/>
+              <a:t>Super-fast tabulation-type operations (</a:t>
+            </a:r>
+            <a:r>
+              <a:rPr lang="en-US" dirty="0" err="1" smtClean="0"/>
+              <a:t>whats</a:t>
+            </a:r>
+            <a:r>
+              <a:rPr lang="en-US" dirty="0" smtClean="0"/>
+              <a:t> the total profit across all products in the company)</a:t>
+            </a:r>
+          </a:p>
+          <a:p>
+            <a:pPr lvl="1"/>
+            <a:r>
+              <a:rPr lang="en-US" dirty="0" smtClean="0"/>
+              <a:t>Examples: </a:t>
+            </a:r>
+            <a:r>
+              <a:rPr lang="en-US" dirty="0" err="1" smtClean="0"/>
+              <a:t>Hbase</a:t>
+            </a:r>
+            <a:r>
+              <a:rPr lang="en-US" dirty="0" smtClean="0"/>
+              <a:t>, Redshift</a:t>
+            </a:r>
+          </a:p>
+          <a:p>
             <a:pPr marL="457200" lvl="1" indent="0">
               <a:buNone/>
             </a:pPr>
@@ -4723,10 +4894,1381 @@
           </a:p>
         </p:txBody>
       </p:sp>
+    </p:spTree>
+    <p:extLst>
+      <p:ext uri="{BB962C8B-B14F-4D97-AF65-F5344CB8AC3E}">
+        <p14:creationId xmlns:p14="http://schemas.microsoft.com/office/powerpoint/2010/main" val="617873407"/>
+      </p:ext>
+    </p:extLst>
+  </p:cSld>
+  <p:clrMapOvr>
+    <a:masterClrMapping/>
+  </p:clrMapOvr>
+</p:sld>
+</file>
+
+<file path=ppt/slides/slide21.xml><?xml version="1.0" encoding="utf-8"?>
+<p:sld xmlns:a="http://schemas.openxmlformats.org/drawingml/2006/main" xmlns:r="http://schemas.openxmlformats.org/officeDocument/2006/relationships" xmlns:p="http://schemas.openxmlformats.org/presentationml/2006/main">
+  <p:cSld>
+    <p:spTree>
+      <p:nvGrpSpPr>
+        <p:cNvPr id="1" name=""/>
+        <p:cNvGrpSpPr/>
+        <p:nvPr/>
+      </p:nvGrpSpPr>
+      <p:grpSpPr>
+        <a:xfrm>
+          <a:off x="0" y="0"/>
+          <a:ext cx="0" cy="0"/>
+          <a:chOff x="0" y="0"/>
+          <a:chExt cx="0" cy="0"/>
+        </a:xfrm>
+      </p:grpSpPr>
+      <p:sp>
+        <p:nvSpPr>
+          <p:cNvPr id="2" name="Title 1"/>
+          <p:cNvSpPr>
+            <a:spLocks noGrp="1"/>
+          </p:cNvSpPr>
+          <p:nvPr>
+            <p:ph type="title"/>
+          </p:nvPr>
+        </p:nvSpPr>
+        <p:spPr/>
+        <p:txBody>
+          <a:bodyPr>
+            <a:normAutofit/>
+          </a:bodyPr>
+          <a:lstStyle/>
+          <a:p>
+            <a:r>
+              <a:rPr lang="en-US" dirty="0" err="1" smtClean="0"/>
+              <a:t>NoSQL</a:t>
+            </a:r>
+            <a:r>
+              <a:rPr lang="en-US" dirty="0" smtClean="0"/>
+              <a:t> types</a:t>
+            </a:r>
+            <a:endParaRPr lang="en-US" dirty="0"/>
+          </a:p>
+        </p:txBody>
+      </p:sp>
+      <p:sp>
+        <p:nvSpPr>
+          <p:cNvPr id="3" name="Content Placeholder 2"/>
+          <p:cNvSpPr>
+            <a:spLocks noGrp="1"/>
+          </p:cNvSpPr>
+          <p:nvPr>
+            <p:ph idx="1"/>
+          </p:nvPr>
+        </p:nvSpPr>
+        <p:spPr>
+          <a:xfrm>
+            <a:off x="457200" y="1600200"/>
+            <a:ext cx="8229600" cy="4920629"/>
+          </a:xfrm>
+        </p:spPr>
+        <p:txBody>
+          <a:bodyPr>
+            <a:normAutofit/>
+          </a:bodyPr>
+          <a:lstStyle/>
+          <a:p>
+            <a:r>
+              <a:rPr lang="en-US" dirty="0" smtClean="0"/>
+              <a:t>Document</a:t>
+            </a:r>
+          </a:p>
+          <a:p>
+            <a:pPr lvl="1"/>
+            <a:r>
+              <a:rPr lang="en-US" dirty="0" smtClean="0"/>
+              <a:t>Store documents instead of individual atomic records</a:t>
+            </a:r>
+          </a:p>
+          <a:p>
+            <a:pPr lvl="1"/>
+            <a:r>
+              <a:rPr lang="en-US" dirty="0" smtClean="0"/>
+              <a:t>Each document is stored in the form of </a:t>
+            </a:r>
+            <a:r>
+              <a:rPr lang="en-US" dirty="0" err="1" smtClean="0"/>
+              <a:t>Javascript</a:t>
+            </a:r>
+            <a:r>
+              <a:rPr lang="en-US" dirty="0" smtClean="0"/>
+              <a:t> Object Notation (JSON)</a:t>
+            </a:r>
+          </a:p>
+          <a:p>
+            <a:pPr lvl="1"/>
+            <a:r>
+              <a:rPr lang="en-US" dirty="0" smtClean="0"/>
+              <a:t>Supports hierarchical and embedded data structures</a:t>
+            </a:r>
+          </a:p>
+          <a:p>
+            <a:pPr lvl="2"/>
+            <a:r>
+              <a:rPr lang="en-US" dirty="0" smtClean="0"/>
+              <a:t>A person can have many addresses, each address is embedded in the document</a:t>
+            </a:r>
+          </a:p>
+          <a:p>
+            <a:pPr lvl="1"/>
+            <a:r>
+              <a:rPr lang="en-US" dirty="0" smtClean="0"/>
+              <a:t>Examples: </a:t>
+            </a:r>
+            <a:r>
+              <a:rPr lang="en-US" dirty="0" err="1" smtClean="0"/>
+              <a:t>MongoDB</a:t>
+            </a:r>
+            <a:r>
+              <a:rPr lang="en-US" dirty="0" smtClean="0"/>
+              <a:t>, </a:t>
+            </a:r>
+            <a:r>
+              <a:rPr lang="en-US" dirty="0" err="1" smtClean="0"/>
+              <a:t>DynamoDB</a:t>
+            </a:r>
+            <a:endParaRPr lang="en-US" dirty="0" smtClean="0"/>
+          </a:p>
+          <a:p>
+            <a:pPr marL="457200" lvl="1" indent="0">
+              <a:buNone/>
+            </a:pPr>
+            <a:endParaRPr lang="en-US" dirty="0" smtClean="0"/>
+          </a:p>
+        </p:txBody>
+      </p:sp>
+    </p:spTree>
+    <p:extLst>
+      <p:ext uri="{BB962C8B-B14F-4D97-AF65-F5344CB8AC3E}">
+        <p14:creationId xmlns:p14="http://schemas.microsoft.com/office/powerpoint/2010/main" val="3038125591"/>
+      </p:ext>
+    </p:extLst>
+  </p:cSld>
+  <p:clrMapOvr>
+    <a:masterClrMapping/>
+  </p:clrMapOvr>
+</p:sld>
+</file>
+
+<file path=ppt/slides/slide22.xml><?xml version="1.0" encoding="utf-8"?>
+<p:sld xmlns:a="http://schemas.openxmlformats.org/drawingml/2006/main" xmlns:r="http://schemas.openxmlformats.org/officeDocument/2006/relationships" xmlns:p="http://schemas.openxmlformats.org/presentationml/2006/main">
+  <p:cSld>
+    <p:spTree>
+      <p:nvGrpSpPr>
+        <p:cNvPr id="1" name=""/>
+        <p:cNvGrpSpPr/>
+        <p:nvPr/>
+      </p:nvGrpSpPr>
+      <p:grpSpPr>
+        <a:xfrm>
+          <a:off x="0" y="0"/>
+          <a:ext cx="0" cy="0"/>
+          <a:chOff x="0" y="0"/>
+          <a:chExt cx="0" cy="0"/>
+        </a:xfrm>
+      </p:grpSpPr>
+      <p:sp>
+        <p:nvSpPr>
+          <p:cNvPr id="2" name="Title 1"/>
+          <p:cNvSpPr>
+            <a:spLocks noGrp="1"/>
+          </p:cNvSpPr>
+          <p:nvPr>
+            <p:ph type="title"/>
+          </p:nvPr>
+        </p:nvSpPr>
+        <p:spPr/>
+        <p:txBody>
+          <a:bodyPr>
+            <a:normAutofit/>
+          </a:bodyPr>
+          <a:lstStyle/>
+          <a:p>
+            <a:r>
+              <a:rPr lang="en-US" dirty="0" err="1" smtClean="0"/>
+              <a:t>NoSQL</a:t>
+            </a:r>
+            <a:r>
+              <a:rPr lang="en-US" dirty="0" smtClean="0"/>
+              <a:t> types</a:t>
+            </a:r>
+            <a:endParaRPr lang="en-US" dirty="0"/>
+          </a:p>
+        </p:txBody>
+      </p:sp>
+      <p:sp>
+        <p:nvSpPr>
+          <p:cNvPr id="3" name="Content Placeholder 2"/>
+          <p:cNvSpPr>
+            <a:spLocks noGrp="1"/>
+          </p:cNvSpPr>
+          <p:nvPr>
+            <p:ph idx="1"/>
+          </p:nvPr>
+        </p:nvSpPr>
+        <p:spPr>
+          <a:xfrm>
+            <a:off x="457200" y="1600200"/>
+            <a:ext cx="8229600" cy="4920629"/>
+          </a:xfrm>
+        </p:spPr>
+        <p:txBody>
+          <a:bodyPr>
+            <a:normAutofit/>
+          </a:bodyPr>
+          <a:lstStyle/>
+          <a:p>
+            <a:r>
+              <a:rPr lang="en-US" dirty="0" smtClean="0"/>
+              <a:t>Graph</a:t>
+            </a:r>
+          </a:p>
+          <a:p>
+            <a:pPr lvl="1"/>
+            <a:r>
+              <a:rPr lang="en-US" dirty="0" smtClean="0"/>
+              <a:t>Stores data in nodes and edges of a graph</a:t>
+            </a:r>
+          </a:p>
+          <a:p>
+            <a:pPr lvl="1"/>
+            <a:r>
+              <a:rPr lang="en-US" dirty="0" smtClean="0"/>
+              <a:t>Able to easily store and maintain complex relationships (social media)</a:t>
+            </a:r>
+          </a:p>
+          <a:p>
+            <a:pPr lvl="1"/>
+            <a:r>
+              <a:rPr lang="en-US" dirty="0" smtClean="0"/>
+              <a:t>Example Neo4j</a:t>
+            </a:r>
+          </a:p>
+          <a:p>
+            <a:pPr lvl="1"/>
+            <a:endParaRPr lang="en-US" dirty="0"/>
+          </a:p>
+          <a:p>
+            <a:r>
+              <a:rPr lang="en-US" dirty="0" smtClean="0"/>
+              <a:t>If you are interested in </a:t>
+            </a:r>
+            <a:r>
+              <a:rPr lang="en-US" dirty="0" err="1" smtClean="0"/>
+              <a:t>NoSQL</a:t>
+            </a:r>
+            <a:r>
+              <a:rPr lang="en-US" dirty="0" smtClean="0"/>
+              <a:t>, take the Big Data Management course</a:t>
+            </a:r>
+          </a:p>
+          <a:p>
+            <a:pPr marL="457200" lvl="1" indent="0">
+              <a:buNone/>
+            </a:pPr>
+            <a:endParaRPr lang="en-US" dirty="0" smtClean="0"/>
+          </a:p>
+        </p:txBody>
+      </p:sp>
+    </p:spTree>
+    <p:extLst>
+      <p:ext uri="{BB962C8B-B14F-4D97-AF65-F5344CB8AC3E}">
+        <p14:creationId xmlns:p14="http://schemas.microsoft.com/office/powerpoint/2010/main" val="545553094"/>
+      </p:ext>
+    </p:extLst>
+  </p:cSld>
+  <p:clrMapOvr>
+    <a:masterClrMapping/>
+  </p:clrMapOvr>
+</p:sld>
+</file>
+
+<file path=ppt/slides/slide23.xml><?xml version="1.0" encoding="utf-8"?>
+<p:sld xmlns:a="http://schemas.openxmlformats.org/drawingml/2006/main" xmlns:r="http://schemas.openxmlformats.org/officeDocument/2006/relationships" xmlns:p="http://schemas.openxmlformats.org/presentationml/2006/main">
+  <p:cSld>
+    <p:spTree>
+      <p:nvGrpSpPr>
+        <p:cNvPr id="1" name=""/>
+        <p:cNvGrpSpPr/>
+        <p:nvPr/>
+      </p:nvGrpSpPr>
+      <p:grpSpPr>
+        <a:xfrm>
+          <a:off x="0" y="0"/>
+          <a:ext cx="0" cy="0"/>
+          <a:chOff x="0" y="0"/>
+          <a:chExt cx="0" cy="0"/>
+        </a:xfrm>
+      </p:grpSpPr>
+      <p:sp>
+        <p:nvSpPr>
+          <p:cNvPr id="2" name="Title 1"/>
+          <p:cNvSpPr>
+            <a:spLocks noGrp="1"/>
+          </p:cNvSpPr>
+          <p:nvPr>
+            <p:ph type="title"/>
+          </p:nvPr>
+        </p:nvSpPr>
+        <p:spPr/>
+        <p:txBody>
+          <a:bodyPr>
+            <a:normAutofit/>
+          </a:bodyPr>
+          <a:lstStyle/>
+          <a:p>
+            <a:r>
+              <a:rPr lang="en-US" dirty="0" smtClean="0"/>
+              <a:t>Distributed system coupling</a:t>
+            </a:r>
+            <a:endParaRPr lang="en-US" dirty="0"/>
+          </a:p>
+        </p:txBody>
+      </p:sp>
+      <p:sp>
+        <p:nvSpPr>
+          <p:cNvPr id="3" name="Content Placeholder 2"/>
+          <p:cNvSpPr>
+            <a:spLocks noGrp="1"/>
+          </p:cNvSpPr>
+          <p:nvPr>
+            <p:ph idx="1"/>
+          </p:nvPr>
+        </p:nvSpPr>
+        <p:spPr>
+          <a:xfrm>
+            <a:off x="457200" y="1600200"/>
+            <a:ext cx="8229600" cy="4920629"/>
+          </a:xfrm>
+        </p:spPr>
+        <p:txBody>
+          <a:bodyPr>
+            <a:normAutofit/>
+          </a:bodyPr>
+          <a:lstStyle/>
+          <a:p>
+            <a:r>
+              <a:rPr lang="en-US" dirty="0" smtClean="0"/>
+              <a:t>You learned about the concept of coupling in the software engineering course </a:t>
+            </a:r>
+          </a:p>
+          <a:p>
+            <a:r>
+              <a:rPr lang="en-US" dirty="0" smtClean="0"/>
+              <a:t>In general, loose coupling is desirable</a:t>
+            </a:r>
+          </a:p>
+          <a:p>
+            <a:pPr lvl="1"/>
+            <a:r>
+              <a:rPr lang="en-US" dirty="0" smtClean="0"/>
+              <a:t>Easier to maintain and replace components</a:t>
+            </a:r>
+          </a:p>
+          <a:p>
+            <a:pPr lvl="1"/>
+            <a:r>
+              <a:rPr lang="en-US" dirty="0" smtClean="0"/>
+              <a:t>Fewer bugs and hidden dependencies</a:t>
+            </a:r>
+          </a:p>
+          <a:p>
+            <a:pPr lvl="1"/>
+            <a:r>
+              <a:rPr lang="en-US" dirty="0" smtClean="0"/>
+              <a:t>More flexible</a:t>
+            </a:r>
+          </a:p>
+          <a:p>
+            <a:r>
+              <a:rPr lang="en-US" dirty="0" smtClean="0"/>
+              <a:t>Loose coupling is highly desirable in distributed systems as well</a:t>
+            </a:r>
+            <a:endParaRPr lang="en-US" dirty="0"/>
+          </a:p>
+          <a:p>
+            <a:pPr marL="457200" lvl="1" indent="0">
+              <a:buNone/>
+            </a:pPr>
+            <a:endParaRPr lang="en-US" dirty="0" smtClean="0"/>
+          </a:p>
+        </p:txBody>
+      </p:sp>
+    </p:spTree>
+    <p:extLst>
+      <p:ext uri="{BB962C8B-B14F-4D97-AF65-F5344CB8AC3E}">
+        <p14:creationId xmlns:p14="http://schemas.microsoft.com/office/powerpoint/2010/main" val="3666338030"/>
+      </p:ext>
+    </p:extLst>
+  </p:cSld>
+  <p:clrMapOvr>
+    <a:masterClrMapping/>
+  </p:clrMapOvr>
+</p:sld>
+</file>
+
+<file path=ppt/slides/slide24.xml><?xml version="1.0" encoding="utf-8"?>
+<p:sld xmlns:a="http://schemas.openxmlformats.org/drawingml/2006/main" xmlns:r="http://schemas.openxmlformats.org/officeDocument/2006/relationships" xmlns:p="http://schemas.openxmlformats.org/presentationml/2006/main">
+  <p:cSld>
+    <p:spTree>
+      <p:nvGrpSpPr>
+        <p:cNvPr id="1" name=""/>
+        <p:cNvGrpSpPr/>
+        <p:nvPr/>
+      </p:nvGrpSpPr>
+      <p:grpSpPr>
+        <a:xfrm>
+          <a:off x="0" y="0"/>
+          <a:ext cx="0" cy="0"/>
+          <a:chOff x="0" y="0"/>
+          <a:chExt cx="0" cy="0"/>
+        </a:xfrm>
+      </p:grpSpPr>
+      <p:sp>
+        <p:nvSpPr>
+          <p:cNvPr id="2" name="Title 1"/>
+          <p:cNvSpPr>
+            <a:spLocks noGrp="1"/>
+          </p:cNvSpPr>
+          <p:nvPr>
+            <p:ph type="title"/>
+          </p:nvPr>
+        </p:nvSpPr>
+        <p:spPr/>
+        <p:txBody>
+          <a:bodyPr>
+            <a:normAutofit/>
+          </a:bodyPr>
+          <a:lstStyle/>
+          <a:p>
+            <a:r>
+              <a:rPr lang="en-US" dirty="0" smtClean="0"/>
+              <a:t>Scaling distributed performance</a:t>
+            </a:r>
+            <a:endParaRPr lang="en-US" dirty="0"/>
+          </a:p>
+        </p:txBody>
+      </p:sp>
+      <p:sp>
+        <p:nvSpPr>
+          <p:cNvPr id="3" name="Content Placeholder 2"/>
+          <p:cNvSpPr>
+            <a:spLocks noGrp="1"/>
+          </p:cNvSpPr>
+          <p:nvPr>
+            <p:ph idx="1"/>
+          </p:nvPr>
+        </p:nvSpPr>
+        <p:spPr>
+          <a:xfrm>
+            <a:off x="457200" y="1600200"/>
+            <a:ext cx="8229600" cy="4920629"/>
+          </a:xfrm>
+        </p:spPr>
+        <p:txBody>
+          <a:bodyPr>
+            <a:normAutofit/>
+          </a:bodyPr>
+          <a:lstStyle/>
+          <a:p>
+            <a:r>
+              <a:rPr lang="en-US" dirty="0" smtClean="0"/>
+              <a:t>The speed of small systems cannot easily be translated to large distributed systems</a:t>
+            </a:r>
+          </a:p>
+          <a:p>
+            <a:r>
+              <a:rPr lang="en-US" dirty="0"/>
+              <a:t>N</a:t>
+            </a:r>
+            <a:r>
+              <a:rPr lang="en-US" dirty="0" smtClean="0"/>
+              <a:t>etwork and disk I/O is orders of magnitude slower than </a:t>
+            </a:r>
+            <a:r>
+              <a:rPr lang="en-US" dirty="0" err="1" smtClean="0"/>
+              <a:t>cpu</a:t>
+            </a:r>
+            <a:r>
+              <a:rPr lang="en-US" dirty="0" smtClean="0"/>
+              <a:t> and memory access</a:t>
+            </a:r>
+          </a:p>
+          <a:p>
+            <a:pPr lvl="1"/>
+            <a:r>
+              <a:rPr lang="en-US" dirty="0" smtClean="0"/>
+              <a:t>Be very wary of these kinds of requests</a:t>
+            </a:r>
+          </a:p>
+          <a:p>
+            <a:r>
+              <a:rPr lang="en-US" dirty="0" smtClean="0"/>
+              <a:t>Slow request latencies are magnified at scale</a:t>
+            </a:r>
+            <a:endParaRPr lang="en-US" dirty="0"/>
+          </a:p>
+          <a:p>
+            <a:pPr marL="457200" lvl="1" indent="0">
+              <a:buNone/>
+            </a:pPr>
+            <a:endParaRPr lang="en-US" dirty="0" smtClean="0"/>
+          </a:p>
+        </p:txBody>
+      </p:sp>
+    </p:spTree>
+    <p:extLst>
+      <p:ext uri="{BB962C8B-B14F-4D97-AF65-F5344CB8AC3E}">
+        <p14:creationId xmlns:p14="http://schemas.microsoft.com/office/powerpoint/2010/main" val="2353493060"/>
+      </p:ext>
+    </p:extLst>
+  </p:cSld>
+  <p:clrMapOvr>
+    <a:masterClrMapping/>
+  </p:clrMapOvr>
+</p:sld>
+</file>
+
+<file path=ppt/slides/slide25.xml><?xml version="1.0" encoding="utf-8"?>
+<p:sld xmlns:a="http://schemas.openxmlformats.org/drawingml/2006/main" xmlns:r="http://schemas.openxmlformats.org/officeDocument/2006/relationships" xmlns:p="http://schemas.openxmlformats.org/presentationml/2006/main">
+  <p:cSld>
+    <p:spTree>
+      <p:nvGrpSpPr>
+        <p:cNvPr id="1" name=""/>
+        <p:cNvGrpSpPr/>
+        <p:nvPr/>
+      </p:nvGrpSpPr>
+      <p:grpSpPr>
+        <a:xfrm>
+          <a:off x="0" y="0"/>
+          <a:ext cx="0" cy="0"/>
+          <a:chOff x="0" y="0"/>
+          <a:chExt cx="0" cy="0"/>
+        </a:xfrm>
+      </p:grpSpPr>
+      <p:sp>
+        <p:nvSpPr>
+          <p:cNvPr id="2" name="Title 1"/>
+          <p:cNvSpPr>
+            <a:spLocks noGrp="1"/>
+          </p:cNvSpPr>
+          <p:nvPr>
+            <p:ph type="title"/>
+          </p:nvPr>
+        </p:nvSpPr>
+        <p:spPr/>
+        <p:txBody>
+          <a:bodyPr>
+            <a:normAutofit/>
+          </a:bodyPr>
+          <a:lstStyle/>
+          <a:p>
+            <a:r>
+              <a:rPr lang="en-US" dirty="0" smtClean="0"/>
+              <a:t>Virtualization</a:t>
+            </a:r>
+            <a:endParaRPr lang="en-US" dirty="0"/>
+          </a:p>
+        </p:txBody>
+      </p:sp>
+      <p:sp>
+        <p:nvSpPr>
+          <p:cNvPr id="3" name="Content Placeholder 2"/>
+          <p:cNvSpPr>
+            <a:spLocks noGrp="1"/>
+          </p:cNvSpPr>
+          <p:nvPr>
+            <p:ph idx="1"/>
+          </p:nvPr>
+        </p:nvSpPr>
+        <p:spPr>
+          <a:xfrm>
+            <a:off x="457200" y="1600200"/>
+            <a:ext cx="8229600" cy="4920629"/>
+          </a:xfrm>
+        </p:spPr>
+        <p:txBody>
+          <a:bodyPr>
+            <a:normAutofit/>
+          </a:bodyPr>
+          <a:lstStyle/>
+          <a:p>
+            <a:r>
+              <a:rPr lang="en-US" dirty="0" smtClean="0"/>
+              <a:t>A stack: combination of infrastructure, OS, and applications required to support a service</a:t>
+            </a:r>
+          </a:p>
+          <a:p>
+            <a:endParaRPr lang="en-US" dirty="0"/>
+          </a:p>
+          <a:p>
+            <a:endParaRPr lang="en-US" dirty="0" smtClean="0"/>
+          </a:p>
+          <a:p>
+            <a:endParaRPr lang="en-US" dirty="0"/>
+          </a:p>
+          <a:p>
+            <a:endParaRPr lang="en-US" dirty="0" smtClean="0"/>
+          </a:p>
+          <a:p>
+            <a:endParaRPr lang="en-US" dirty="0"/>
+          </a:p>
+          <a:p>
+            <a:r>
+              <a:rPr lang="en-US" dirty="0" smtClean="0"/>
+              <a:t>Before early 2000’s, a stack = 1 server &amp; 1 OS</a:t>
+            </a:r>
+          </a:p>
+          <a:p>
+            <a:endParaRPr lang="en-US" dirty="0"/>
+          </a:p>
+          <a:p>
+            <a:endParaRPr lang="en-US" dirty="0" smtClean="0"/>
+          </a:p>
+        </p:txBody>
+      </p:sp>
+      <p:grpSp>
+        <p:nvGrpSpPr>
+          <p:cNvPr id="4" name="Group 3"/>
+          <p:cNvGrpSpPr/>
+          <p:nvPr/>
+        </p:nvGrpSpPr>
+        <p:grpSpPr>
+          <a:xfrm>
+            <a:off x="973291" y="2694683"/>
+            <a:ext cx="7036736" cy="2437440"/>
+            <a:chOff x="735891" y="3175233"/>
+            <a:chExt cx="7036736" cy="2437440"/>
+          </a:xfrm>
+        </p:grpSpPr>
+        <p:sp>
+          <p:nvSpPr>
+            <p:cNvPr id="6" name="Rectangle 5"/>
+            <p:cNvSpPr/>
+            <p:nvPr/>
+          </p:nvSpPr>
+          <p:spPr>
+            <a:xfrm>
+              <a:off x="735892" y="4924203"/>
+              <a:ext cx="7036733" cy="688470"/>
+            </a:xfrm>
+            <a:prstGeom prst="rect">
+              <a:avLst/>
+            </a:prstGeom>
+          </p:spPr>
+          <p:style>
+            <a:lnRef idx="1">
+              <a:schemeClr val="accent1"/>
+            </a:lnRef>
+            <a:fillRef idx="3">
+              <a:schemeClr val="accent1"/>
+            </a:fillRef>
+            <a:effectRef idx="2">
+              <a:schemeClr val="accent1"/>
+            </a:effectRef>
+            <a:fontRef idx="minor">
+              <a:schemeClr val="lt1"/>
+            </a:fontRef>
+          </p:style>
+          <p:txBody>
+            <a:bodyPr rtlCol="0" anchor="ctr"/>
+            <a:lstStyle/>
+            <a:p>
+              <a:pPr algn="ctr"/>
+              <a:r>
+                <a:rPr lang="en-US" dirty="0" smtClean="0"/>
+                <a:t>Compute/Storage</a:t>
+              </a:r>
+              <a:endParaRPr lang="en-US" dirty="0"/>
+            </a:p>
+          </p:txBody>
+        </p:sp>
+        <p:sp>
+          <p:nvSpPr>
+            <p:cNvPr id="10" name="Rectangle 9"/>
+            <p:cNvSpPr/>
+            <p:nvPr/>
+          </p:nvSpPr>
+          <p:spPr>
+            <a:xfrm>
+              <a:off x="735891" y="3175233"/>
+              <a:ext cx="7036734" cy="688470"/>
+            </a:xfrm>
+            <a:prstGeom prst="rect">
+              <a:avLst/>
+            </a:prstGeom>
+            <a:solidFill>
+              <a:schemeClr val="tx2"/>
+            </a:solidFill>
+          </p:spPr>
+          <p:style>
+            <a:lnRef idx="1">
+              <a:schemeClr val="accent1"/>
+            </a:lnRef>
+            <a:fillRef idx="3">
+              <a:schemeClr val="accent1"/>
+            </a:fillRef>
+            <a:effectRef idx="2">
+              <a:schemeClr val="accent1"/>
+            </a:effectRef>
+            <a:fontRef idx="minor">
+              <a:schemeClr val="lt1"/>
+            </a:fontRef>
+          </p:style>
+          <p:txBody>
+            <a:bodyPr rtlCol="0" anchor="ctr"/>
+            <a:lstStyle/>
+            <a:p>
+              <a:pPr algn="ctr"/>
+              <a:r>
+                <a:rPr lang="en-US" dirty="0" smtClean="0"/>
+                <a:t>Software applications</a:t>
+              </a:r>
+              <a:endParaRPr lang="en-US" dirty="0"/>
+            </a:p>
+          </p:txBody>
+        </p:sp>
+        <p:sp>
+          <p:nvSpPr>
+            <p:cNvPr id="11" name="Rectangle 10"/>
+            <p:cNvSpPr/>
+            <p:nvPr/>
+          </p:nvSpPr>
+          <p:spPr>
+            <a:xfrm>
+              <a:off x="735893" y="4083739"/>
+              <a:ext cx="7036734" cy="688470"/>
+            </a:xfrm>
+            <a:prstGeom prst="rect">
+              <a:avLst/>
+            </a:prstGeom>
+            <a:solidFill>
+              <a:schemeClr val="accent5"/>
+            </a:solidFill>
+          </p:spPr>
+          <p:style>
+            <a:lnRef idx="1">
+              <a:schemeClr val="accent1"/>
+            </a:lnRef>
+            <a:fillRef idx="3">
+              <a:schemeClr val="accent1"/>
+            </a:fillRef>
+            <a:effectRef idx="2">
+              <a:schemeClr val="accent1"/>
+            </a:effectRef>
+            <a:fontRef idx="minor">
+              <a:schemeClr val="lt1"/>
+            </a:fontRef>
+          </p:style>
+          <p:txBody>
+            <a:bodyPr rtlCol="0" anchor="ctr"/>
+            <a:lstStyle/>
+            <a:p>
+              <a:pPr algn="ctr"/>
+              <a:r>
+                <a:rPr lang="en-US" dirty="0" smtClean="0"/>
+                <a:t>Operating System</a:t>
+              </a:r>
+              <a:endParaRPr lang="en-US" dirty="0"/>
+            </a:p>
+          </p:txBody>
+        </p:sp>
+      </p:grpSp>
     </p:spTree>
     <p:extLst>
       <p:ext uri="{BB962C8B-B14F-4D97-AF65-F5344CB8AC3E}">
         <p14:creationId xmlns:p14="http://schemas.microsoft.com/office/powerpoint/2010/main" val="3719897397"/>
+      </p:ext>
+    </p:extLst>
+  </p:cSld>
+  <p:clrMapOvr>
+    <a:masterClrMapping/>
+  </p:clrMapOvr>
+</p:sld>
+</file>
+
+<file path=ppt/slides/slide26.xml><?xml version="1.0" encoding="utf-8"?>
+<p:sld xmlns:a="http://schemas.openxmlformats.org/drawingml/2006/main" xmlns:r="http://schemas.openxmlformats.org/officeDocument/2006/relationships" xmlns:p="http://schemas.openxmlformats.org/presentationml/2006/main">
+  <p:cSld>
+    <p:spTree>
+      <p:nvGrpSpPr>
+        <p:cNvPr id="1" name=""/>
+        <p:cNvGrpSpPr/>
+        <p:nvPr/>
+      </p:nvGrpSpPr>
+      <p:grpSpPr>
+        <a:xfrm>
+          <a:off x="0" y="0"/>
+          <a:ext cx="0" cy="0"/>
+          <a:chOff x="0" y="0"/>
+          <a:chExt cx="0" cy="0"/>
+        </a:xfrm>
+      </p:grpSpPr>
+      <p:sp>
+        <p:nvSpPr>
+          <p:cNvPr id="2" name="Title 1"/>
+          <p:cNvSpPr>
+            <a:spLocks noGrp="1"/>
+          </p:cNvSpPr>
+          <p:nvPr>
+            <p:ph type="title"/>
+          </p:nvPr>
+        </p:nvSpPr>
+        <p:spPr/>
+        <p:txBody>
+          <a:bodyPr>
+            <a:normAutofit/>
+          </a:bodyPr>
+          <a:lstStyle/>
+          <a:p>
+            <a:r>
+              <a:rPr lang="en-US" dirty="0" smtClean="0"/>
+              <a:t>Virtualization</a:t>
+            </a:r>
+            <a:endParaRPr lang="en-US" dirty="0"/>
+          </a:p>
+        </p:txBody>
+      </p:sp>
+      <p:sp>
+        <p:nvSpPr>
+          <p:cNvPr id="3" name="Content Placeholder 2"/>
+          <p:cNvSpPr>
+            <a:spLocks noGrp="1"/>
+          </p:cNvSpPr>
+          <p:nvPr>
+            <p:ph idx="1"/>
+          </p:nvPr>
+        </p:nvSpPr>
+        <p:spPr>
+          <a:xfrm>
+            <a:off x="457200" y="1600200"/>
+            <a:ext cx="8229600" cy="4920629"/>
+          </a:xfrm>
+        </p:spPr>
+        <p:txBody>
+          <a:bodyPr>
+            <a:normAutofit fontScale="92500" lnSpcReduction="20000"/>
+          </a:bodyPr>
+          <a:lstStyle/>
+          <a:p>
+            <a:r>
+              <a:rPr lang="en-US" dirty="0" smtClean="0"/>
+              <a:t>Problem: It’s hard for IT organizations to determine the right-size server to support a required stack</a:t>
+            </a:r>
+          </a:p>
+          <a:p>
+            <a:pPr lvl="1"/>
+            <a:r>
+              <a:rPr lang="en-US" dirty="0" smtClean="0"/>
+              <a:t>How much </a:t>
+            </a:r>
+            <a:r>
+              <a:rPr lang="en-US" dirty="0" err="1" smtClean="0"/>
+              <a:t>cpu</a:t>
+            </a:r>
+            <a:r>
+              <a:rPr lang="en-US" dirty="0" smtClean="0"/>
+              <a:t>, memory, and network?</a:t>
+            </a:r>
+          </a:p>
+          <a:p>
+            <a:pPr lvl="1"/>
+            <a:r>
+              <a:rPr lang="en-US" dirty="0" smtClean="0"/>
+              <a:t>Selected server is either going to be oversized or undersized</a:t>
+            </a:r>
+          </a:p>
+          <a:p>
+            <a:pPr lvl="1"/>
+            <a:r>
+              <a:rPr lang="en-US" dirty="0" smtClean="0"/>
+              <a:t>Common to see servers with 10% </a:t>
+            </a:r>
+            <a:r>
+              <a:rPr lang="en-US" dirty="0" err="1" smtClean="0"/>
+              <a:t>avg</a:t>
+            </a:r>
+            <a:r>
+              <a:rPr lang="en-US" dirty="0" smtClean="0"/>
+              <a:t> </a:t>
+            </a:r>
+            <a:r>
+              <a:rPr lang="en-US" dirty="0" err="1" smtClean="0"/>
+              <a:t>cpu</a:t>
+            </a:r>
+            <a:r>
+              <a:rPr lang="en-US" dirty="0" smtClean="0"/>
+              <a:t> utilization, 90% of system capacity wasted!</a:t>
+            </a:r>
+          </a:p>
+          <a:p>
+            <a:r>
+              <a:rPr lang="en-US" dirty="0" smtClean="0"/>
+              <a:t>Problem: What happens when IT needs to move or upgrade stack to a bigger server?</a:t>
+            </a:r>
+          </a:p>
+          <a:p>
+            <a:pPr lvl="1"/>
+            <a:r>
+              <a:rPr lang="en-US" dirty="0" smtClean="0"/>
+              <a:t>Painful process of building new server, installing applications and moving data (forklift upgrade)</a:t>
+            </a:r>
+            <a:endParaRPr lang="en-US" dirty="0"/>
+          </a:p>
+          <a:p>
+            <a:endParaRPr lang="en-US" dirty="0" smtClean="0"/>
+          </a:p>
+          <a:p>
+            <a:endParaRPr lang="en-US" dirty="0"/>
+          </a:p>
+          <a:p>
+            <a:endParaRPr lang="en-US" dirty="0" smtClean="0"/>
+          </a:p>
+          <a:p>
+            <a:endParaRPr lang="en-US" dirty="0"/>
+          </a:p>
+          <a:p>
+            <a:pPr marL="0" indent="0">
+              <a:buNone/>
+            </a:pPr>
+            <a:endParaRPr lang="en-US" dirty="0"/>
+          </a:p>
+          <a:p>
+            <a:endParaRPr lang="en-US" dirty="0" smtClean="0"/>
+          </a:p>
+        </p:txBody>
+      </p:sp>
+    </p:spTree>
+    <p:extLst>
+      <p:ext uri="{BB962C8B-B14F-4D97-AF65-F5344CB8AC3E}">
+        <p14:creationId xmlns:p14="http://schemas.microsoft.com/office/powerpoint/2010/main" val="3877920237"/>
+      </p:ext>
+    </p:extLst>
+  </p:cSld>
+  <p:clrMapOvr>
+    <a:masterClrMapping/>
+  </p:clrMapOvr>
+</p:sld>
+</file>
+
+<file path=ppt/slides/slide27.xml><?xml version="1.0" encoding="utf-8"?>
+<p:sld xmlns:a="http://schemas.openxmlformats.org/drawingml/2006/main" xmlns:r="http://schemas.openxmlformats.org/officeDocument/2006/relationships" xmlns:p="http://schemas.openxmlformats.org/presentationml/2006/main">
+  <p:cSld>
+    <p:spTree>
+      <p:nvGrpSpPr>
+        <p:cNvPr id="1" name=""/>
+        <p:cNvGrpSpPr/>
+        <p:nvPr/>
+      </p:nvGrpSpPr>
+      <p:grpSpPr>
+        <a:xfrm>
+          <a:off x="0" y="0"/>
+          <a:ext cx="0" cy="0"/>
+          <a:chOff x="0" y="0"/>
+          <a:chExt cx="0" cy="0"/>
+        </a:xfrm>
+      </p:grpSpPr>
+      <p:sp>
+        <p:nvSpPr>
+          <p:cNvPr id="2" name="Title 1"/>
+          <p:cNvSpPr>
+            <a:spLocks noGrp="1"/>
+          </p:cNvSpPr>
+          <p:nvPr>
+            <p:ph type="title"/>
+          </p:nvPr>
+        </p:nvSpPr>
+        <p:spPr/>
+        <p:txBody>
+          <a:bodyPr>
+            <a:normAutofit/>
+          </a:bodyPr>
+          <a:lstStyle/>
+          <a:p>
+            <a:r>
+              <a:rPr lang="en-US" dirty="0" smtClean="0"/>
+              <a:t>Virtualization</a:t>
+            </a:r>
+            <a:endParaRPr lang="en-US" dirty="0"/>
+          </a:p>
+        </p:txBody>
+      </p:sp>
+      <p:sp>
+        <p:nvSpPr>
+          <p:cNvPr id="3" name="Content Placeholder 2"/>
+          <p:cNvSpPr>
+            <a:spLocks noGrp="1"/>
+          </p:cNvSpPr>
+          <p:nvPr>
+            <p:ph idx="1"/>
+          </p:nvPr>
+        </p:nvSpPr>
+        <p:spPr>
+          <a:xfrm>
+            <a:off x="457200" y="1600200"/>
+            <a:ext cx="8229600" cy="4920629"/>
+          </a:xfrm>
+        </p:spPr>
+        <p:txBody>
+          <a:bodyPr>
+            <a:normAutofit/>
+          </a:bodyPr>
+          <a:lstStyle/>
+          <a:p>
+            <a:r>
+              <a:rPr lang="en-US" dirty="0" smtClean="0"/>
+              <a:t>Problem: How does IT partition one customer from another?</a:t>
+            </a:r>
+          </a:p>
+          <a:p>
+            <a:pPr lvl="1"/>
+            <a:r>
+              <a:rPr lang="en-US" dirty="0" smtClean="0"/>
+              <a:t>Just buy another server </a:t>
+            </a:r>
+            <a:r>
+              <a:rPr lang="en-US" dirty="0" smtClean="0">
+                <a:sym typeface="Wingdings"/>
+              </a:rPr>
+              <a:t></a:t>
+            </a:r>
+          </a:p>
+          <a:p>
+            <a:pPr lvl="1"/>
+            <a:r>
+              <a:rPr lang="en-US" dirty="0" smtClean="0">
+                <a:sym typeface="Wingdings"/>
+              </a:rPr>
+              <a:t>Expensive to scale when every stack needs a separate physical server</a:t>
+            </a:r>
+          </a:p>
+          <a:p>
+            <a:endParaRPr lang="en-US" dirty="0" smtClean="0"/>
+          </a:p>
+          <a:p>
+            <a:endParaRPr lang="en-US" dirty="0" smtClean="0"/>
+          </a:p>
+          <a:p>
+            <a:endParaRPr lang="en-US" dirty="0"/>
+          </a:p>
+          <a:p>
+            <a:endParaRPr lang="en-US" dirty="0" smtClean="0"/>
+          </a:p>
+          <a:p>
+            <a:endParaRPr lang="en-US" dirty="0"/>
+          </a:p>
+          <a:p>
+            <a:pPr marL="0" indent="0">
+              <a:buNone/>
+            </a:pPr>
+            <a:endParaRPr lang="en-US" dirty="0"/>
+          </a:p>
+          <a:p>
+            <a:endParaRPr lang="en-US" dirty="0" smtClean="0"/>
+          </a:p>
+        </p:txBody>
+      </p:sp>
+    </p:spTree>
+    <p:extLst>
+      <p:ext uri="{BB962C8B-B14F-4D97-AF65-F5344CB8AC3E}">
+        <p14:creationId xmlns:p14="http://schemas.microsoft.com/office/powerpoint/2010/main" val="3417819335"/>
+      </p:ext>
+    </p:extLst>
+  </p:cSld>
+  <p:clrMapOvr>
+    <a:masterClrMapping/>
+  </p:clrMapOvr>
+</p:sld>
+</file>
+
+<file path=ppt/slides/slide28.xml><?xml version="1.0" encoding="utf-8"?>
+<p:sld xmlns:a="http://schemas.openxmlformats.org/drawingml/2006/main" xmlns:r="http://schemas.openxmlformats.org/officeDocument/2006/relationships" xmlns:p="http://schemas.openxmlformats.org/presentationml/2006/main">
+  <p:cSld>
+    <p:spTree>
+      <p:nvGrpSpPr>
+        <p:cNvPr id="1" name=""/>
+        <p:cNvGrpSpPr/>
+        <p:nvPr/>
+      </p:nvGrpSpPr>
+      <p:grpSpPr>
+        <a:xfrm>
+          <a:off x="0" y="0"/>
+          <a:ext cx="0" cy="0"/>
+          <a:chOff x="0" y="0"/>
+          <a:chExt cx="0" cy="0"/>
+        </a:xfrm>
+      </p:grpSpPr>
+      <p:sp>
+        <p:nvSpPr>
+          <p:cNvPr id="2" name="Title 1"/>
+          <p:cNvSpPr>
+            <a:spLocks noGrp="1"/>
+          </p:cNvSpPr>
+          <p:nvPr>
+            <p:ph type="title"/>
+          </p:nvPr>
+        </p:nvSpPr>
+        <p:spPr/>
+        <p:txBody>
+          <a:bodyPr>
+            <a:normAutofit/>
+          </a:bodyPr>
+          <a:lstStyle/>
+          <a:p>
+            <a:r>
+              <a:rPr lang="en-US" dirty="0" smtClean="0"/>
+              <a:t>Virtualization</a:t>
+            </a:r>
+            <a:endParaRPr lang="en-US" dirty="0"/>
+          </a:p>
+        </p:txBody>
+      </p:sp>
+      <p:sp>
+        <p:nvSpPr>
+          <p:cNvPr id="3" name="Content Placeholder 2"/>
+          <p:cNvSpPr>
+            <a:spLocks noGrp="1"/>
+          </p:cNvSpPr>
+          <p:nvPr>
+            <p:ph idx="1"/>
+          </p:nvPr>
+        </p:nvSpPr>
+        <p:spPr>
+          <a:xfrm>
+            <a:off x="457200" y="1600200"/>
+            <a:ext cx="8229600" cy="4920629"/>
+          </a:xfrm>
+        </p:spPr>
+        <p:txBody>
+          <a:bodyPr>
+            <a:normAutofit fontScale="92500" lnSpcReduction="20000"/>
+          </a:bodyPr>
+          <a:lstStyle/>
+          <a:p>
+            <a:r>
+              <a:rPr lang="en-US" dirty="0" smtClean="0"/>
+              <a:t>Computers basically just execute code statements and address memory</a:t>
+            </a:r>
+          </a:p>
+          <a:p>
+            <a:pPr lvl="1"/>
+            <a:r>
+              <a:rPr lang="en-US" dirty="0" smtClean="0"/>
+              <a:t>Manipulating memory in the right patterns and sequences allows us to create operating systems and applications</a:t>
+            </a:r>
+          </a:p>
+          <a:p>
+            <a:pPr lvl="1"/>
+            <a:r>
+              <a:rPr lang="en-US" dirty="0" smtClean="0"/>
+              <a:t>Program code can be designed to emulate a physical computer</a:t>
+            </a:r>
+          </a:p>
+          <a:p>
+            <a:r>
+              <a:rPr lang="en-US" dirty="0" smtClean="0"/>
+              <a:t>“Virtualization turns hardware into software.”</a:t>
+            </a:r>
+          </a:p>
+          <a:p>
+            <a:pPr lvl="1"/>
+            <a:r>
+              <a:rPr lang="en-US" dirty="0" smtClean="0"/>
+              <a:t>Allows us to run multiple operating systems and stacks of applications on a single physical server</a:t>
+            </a:r>
+          </a:p>
+          <a:p>
+            <a:pPr lvl="1"/>
+            <a:r>
+              <a:rPr lang="en-US" dirty="0" smtClean="0"/>
+              <a:t>Multiple stacks have logical partitions from a process, memory, and networking perspective</a:t>
+            </a:r>
+          </a:p>
+          <a:p>
+            <a:endParaRPr lang="en-US" dirty="0" smtClean="0"/>
+          </a:p>
+          <a:p>
+            <a:endParaRPr lang="en-US" dirty="0" smtClean="0"/>
+          </a:p>
+          <a:p>
+            <a:endParaRPr lang="en-US" dirty="0"/>
+          </a:p>
+          <a:p>
+            <a:endParaRPr lang="en-US" dirty="0" smtClean="0"/>
+          </a:p>
+          <a:p>
+            <a:endParaRPr lang="en-US" dirty="0"/>
+          </a:p>
+          <a:p>
+            <a:pPr marL="0" indent="0">
+              <a:buNone/>
+            </a:pPr>
+            <a:endParaRPr lang="en-US" dirty="0"/>
+          </a:p>
+          <a:p>
+            <a:endParaRPr lang="en-US" dirty="0" smtClean="0"/>
+          </a:p>
+        </p:txBody>
+      </p:sp>
+    </p:spTree>
+    <p:extLst>
+      <p:ext uri="{BB962C8B-B14F-4D97-AF65-F5344CB8AC3E}">
+        <p14:creationId xmlns:p14="http://schemas.microsoft.com/office/powerpoint/2010/main" val="4270857555"/>
+      </p:ext>
+    </p:extLst>
+  </p:cSld>
+  <p:clrMapOvr>
+    <a:masterClrMapping/>
+  </p:clrMapOvr>
+</p:sld>
+</file>
+
+<file path=ppt/slides/slide29.xml><?xml version="1.0" encoding="utf-8"?>
+<p:sld xmlns:a="http://schemas.openxmlformats.org/drawingml/2006/main" xmlns:r="http://schemas.openxmlformats.org/officeDocument/2006/relationships" xmlns:p="http://schemas.openxmlformats.org/presentationml/2006/main">
+  <p:cSld>
+    <p:spTree>
+      <p:nvGrpSpPr>
+        <p:cNvPr id="1" name=""/>
+        <p:cNvGrpSpPr/>
+        <p:nvPr/>
+      </p:nvGrpSpPr>
+      <p:grpSpPr>
+        <a:xfrm>
+          <a:off x="0" y="0"/>
+          <a:ext cx="0" cy="0"/>
+          <a:chOff x="0" y="0"/>
+          <a:chExt cx="0" cy="0"/>
+        </a:xfrm>
+      </p:grpSpPr>
+      <p:sp>
+        <p:nvSpPr>
+          <p:cNvPr id="2" name="Title 1"/>
+          <p:cNvSpPr>
+            <a:spLocks noGrp="1"/>
+          </p:cNvSpPr>
+          <p:nvPr>
+            <p:ph type="title"/>
+          </p:nvPr>
+        </p:nvSpPr>
+        <p:spPr/>
+        <p:txBody>
+          <a:bodyPr>
+            <a:normAutofit/>
+          </a:bodyPr>
+          <a:lstStyle/>
+          <a:p>
+            <a:r>
+              <a:rPr lang="en-US" dirty="0" smtClean="0"/>
+              <a:t>Virtualization</a:t>
+            </a:r>
+            <a:endParaRPr lang="en-US" dirty="0"/>
+          </a:p>
+        </p:txBody>
+      </p:sp>
+      <p:sp>
+        <p:nvSpPr>
+          <p:cNvPr id="3" name="Content Placeholder 2"/>
+          <p:cNvSpPr>
+            <a:spLocks noGrp="1"/>
+          </p:cNvSpPr>
+          <p:nvPr>
+            <p:ph idx="1"/>
+          </p:nvPr>
+        </p:nvSpPr>
+        <p:spPr>
+          <a:xfrm>
+            <a:off x="457200" y="1600200"/>
+            <a:ext cx="8229600" cy="4920629"/>
+          </a:xfrm>
+        </p:spPr>
+        <p:txBody>
+          <a:bodyPr>
+            <a:normAutofit/>
+          </a:bodyPr>
+          <a:lstStyle/>
+          <a:p>
+            <a:r>
+              <a:rPr lang="en-US" dirty="0" smtClean="0"/>
+              <a:t>4 things that gave rise to server-based virtualization:</a:t>
+            </a:r>
+          </a:p>
+          <a:p>
+            <a:pPr lvl="1"/>
+            <a:r>
+              <a:rPr lang="en-US" dirty="0" smtClean="0"/>
+              <a:t>Faster, multi-socket CPU boards</a:t>
+            </a:r>
+          </a:p>
+          <a:p>
+            <a:pPr lvl="2"/>
+            <a:r>
+              <a:rPr lang="en-US" dirty="0" smtClean="0"/>
+              <a:t>Powerful old mainframes supported virtualization, but Intel/AMD-based servers were not powerful enough until late 90’s. </a:t>
+            </a:r>
+          </a:p>
+          <a:p>
+            <a:pPr lvl="1"/>
+            <a:r>
+              <a:rPr lang="en-US" dirty="0" smtClean="0"/>
+              <a:t>Faster, cheaper memory</a:t>
+            </a:r>
+          </a:p>
+          <a:p>
+            <a:pPr lvl="1"/>
+            <a:r>
+              <a:rPr lang="en-US" dirty="0" smtClean="0"/>
+              <a:t>Faster network storage (NAS/Fiber-channel)</a:t>
+            </a:r>
+          </a:p>
+          <a:p>
+            <a:pPr lvl="1"/>
+            <a:r>
+              <a:rPr lang="en-US" dirty="0" smtClean="0"/>
+              <a:t>Development of </a:t>
+            </a:r>
+            <a:r>
+              <a:rPr lang="en-US" dirty="0" err="1" smtClean="0"/>
+              <a:t>VMWare</a:t>
+            </a:r>
+            <a:r>
+              <a:rPr lang="en-US" dirty="0" smtClean="0"/>
+              <a:t> software</a:t>
+            </a:r>
+          </a:p>
+          <a:p>
+            <a:endParaRPr lang="en-US" dirty="0" smtClean="0"/>
+          </a:p>
+          <a:p>
+            <a:endParaRPr lang="en-US" dirty="0"/>
+          </a:p>
+          <a:p>
+            <a:endParaRPr lang="en-US" dirty="0" smtClean="0"/>
+          </a:p>
+          <a:p>
+            <a:endParaRPr lang="en-US" dirty="0"/>
+          </a:p>
+          <a:p>
+            <a:pPr marL="0" indent="0">
+              <a:buNone/>
+            </a:pPr>
+            <a:endParaRPr lang="en-US" dirty="0"/>
+          </a:p>
+          <a:p>
+            <a:endParaRPr lang="en-US" dirty="0" smtClean="0"/>
+          </a:p>
+        </p:txBody>
+      </p:sp>
+    </p:spTree>
+    <p:extLst>
+      <p:ext uri="{BB962C8B-B14F-4D97-AF65-F5344CB8AC3E}">
+        <p14:creationId xmlns:p14="http://schemas.microsoft.com/office/powerpoint/2010/main" val="1840026850"/>
       </p:ext>
     </p:extLst>
   </p:cSld>
@@ -4778,7 +6320,7 @@
             </a:pPr>
             <a:r>
               <a:rPr lang="en-US" dirty="0" smtClean="0"/>
-              <a:t>How challenging was last week’s assignment?</a:t>
+              <a:t>How was last week’s assignment?</a:t>
             </a:r>
           </a:p>
           <a:p>
@@ -4826,6 +6368,1458 @@
 </p:sld>
 </file>
 
+<file path=ppt/slides/slide30.xml><?xml version="1.0" encoding="utf-8"?>
+<p:sld xmlns:a="http://schemas.openxmlformats.org/drawingml/2006/main" xmlns:r="http://schemas.openxmlformats.org/officeDocument/2006/relationships" xmlns:p="http://schemas.openxmlformats.org/presentationml/2006/main">
+  <p:cSld>
+    <p:spTree>
+      <p:nvGrpSpPr>
+        <p:cNvPr id="1" name=""/>
+        <p:cNvGrpSpPr/>
+        <p:nvPr/>
+      </p:nvGrpSpPr>
+      <p:grpSpPr>
+        <a:xfrm>
+          <a:off x="0" y="0"/>
+          <a:ext cx="0" cy="0"/>
+          <a:chOff x="0" y="0"/>
+          <a:chExt cx="0" cy="0"/>
+        </a:xfrm>
+      </p:grpSpPr>
+      <p:sp>
+        <p:nvSpPr>
+          <p:cNvPr id="2" name="Title 1"/>
+          <p:cNvSpPr>
+            <a:spLocks noGrp="1"/>
+          </p:cNvSpPr>
+          <p:nvPr>
+            <p:ph type="title"/>
+          </p:nvPr>
+        </p:nvSpPr>
+        <p:spPr/>
+        <p:txBody>
+          <a:bodyPr>
+            <a:normAutofit/>
+          </a:bodyPr>
+          <a:lstStyle/>
+          <a:p>
+            <a:r>
+              <a:rPr lang="en-US" dirty="0" smtClean="0"/>
+              <a:t>Virtualization solves problems</a:t>
+            </a:r>
+            <a:endParaRPr lang="en-US" dirty="0"/>
+          </a:p>
+        </p:txBody>
+      </p:sp>
+      <p:sp>
+        <p:nvSpPr>
+          <p:cNvPr id="3" name="Content Placeholder 2"/>
+          <p:cNvSpPr>
+            <a:spLocks noGrp="1"/>
+          </p:cNvSpPr>
+          <p:nvPr>
+            <p:ph idx="1"/>
+          </p:nvPr>
+        </p:nvSpPr>
+        <p:spPr>
+          <a:xfrm>
+            <a:off x="457200" y="1600200"/>
+            <a:ext cx="8229600" cy="4920629"/>
+          </a:xfrm>
+        </p:spPr>
+        <p:txBody>
+          <a:bodyPr>
+            <a:normAutofit/>
+          </a:bodyPr>
+          <a:lstStyle/>
+          <a:p>
+            <a:r>
+              <a:rPr lang="en-US" dirty="0" smtClean="0"/>
+              <a:t>Virtualization allows multiple stacks to run on one physical machine</a:t>
+            </a:r>
+          </a:p>
+          <a:p>
+            <a:pPr lvl="1"/>
+            <a:r>
+              <a:rPr lang="en-US" dirty="0" smtClean="0"/>
+              <a:t>Increases average resource utilization from 10% to 80-90%</a:t>
+            </a:r>
+          </a:p>
+          <a:p>
+            <a:pPr lvl="1"/>
+            <a:r>
+              <a:rPr lang="en-US" dirty="0" smtClean="0"/>
+              <a:t>Reduces physical footprint of servers</a:t>
+            </a:r>
+          </a:p>
+          <a:p>
+            <a:pPr lvl="1"/>
+            <a:r>
+              <a:rPr lang="en-US" dirty="0" smtClean="0"/>
+              <a:t>Greener approach</a:t>
+            </a:r>
+          </a:p>
+          <a:p>
+            <a:pPr lvl="1"/>
+            <a:r>
+              <a:rPr lang="en-US" dirty="0" smtClean="0"/>
+              <a:t>Sometimes we call this phenomenon </a:t>
+            </a:r>
+            <a:r>
+              <a:rPr lang="en-US" i="1" dirty="0" smtClean="0"/>
+              <a:t>server compression</a:t>
+            </a:r>
+          </a:p>
+          <a:p>
+            <a:pPr lvl="1"/>
+            <a:endParaRPr lang="en-US" dirty="0" smtClean="0"/>
+          </a:p>
+          <a:p>
+            <a:endParaRPr lang="en-US" dirty="0"/>
+          </a:p>
+          <a:p>
+            <a:endParaRPr lang="en-US" dirty="0" smtClean="0"/>
+          </a:p>
+          <a:p>
+            <a:endParaRPr lang="en-US" dirty="0"/>
+          </a:p>
+          <a:p>
+            <a:pPr marL="0" indent="0">
+              <a:buNone/>
+            </a:pPr>
+            <a:endParaRPr lang="en-US" dirty="0"/>
+          </a:p>
+          <a:p>
+            <a:endParaRPr lang="en-US" dirty="0" smtClean="0"/>
+          </a:p>
+        </p:txBody>
+      </p:sp>
+    </p:spTree>
+    <p:extLst>
+      <p:ext uri="{BB962C8B-B14F-4D97-AF65-F5344CB8AC3E}">
+        <p14:creationId xmlns:p14="http://schemas.microsoft.com/office/powerpoint/2010/main" val="370587444"/>
+      </p:ext>
+    </p:extLst>
+  </p:cSld>
+  <p:clrMapOvr>
+    <a:masterClrMapping/>
+  </p:clrMapOvr>
+</p:sld>
+</file>
+
+<file path=ppt/slides/slide31.xml><?xml version="1.0" encoding="utf-8"?>
+<p:sld xmlns:a="http://schemas.openxmlformats.org/drawingml/2006/main" xmlns:r="http://schemas.openxmlformats.org/officeDocument/2006/relationships" xmlns:p="http://schemas.openxmlformats.org/presentationml/2006/main">
+  <p:cSld>
+    <p:spTree>
+      <p:nvGrpSpPr>
+        <p:cNvPr id="1" name=""/>
+        <p:cNvGrpSpPr/>
+        <p:nvPr/>
+      </p:nvGrpSpPr>
+      <p:grpSpPr>
+        <a:xfrm>
+          <a:off x="0" y="0"/>
+          <a:ext cx="0" cy="0"/>
+          <a:chOff x="0" y="0"/>
+          <a:chExt cx="0" cy="0"/>
+        </a:xfrm>
+      </p:grpSpPr>
+      <p:sp>
+        <p:nvSpPr>
+          <p:cNvPr id="2" name="Title 1"/>
+          <p:cNvSpPr>
+            <a:spLocks noGrp="1"/>
+          </p:cNvSpPr>
+          <p:nvPr>
+            <p:ph type="title"/>
+          </p:nvPr>
+        </p:nvSpPr>
+        <p:spPr/>
+        <p:txBody>
+          <a:bodyPr>
+            <a:normAutofit/>
+          </a:bodyPr>
+          <a:lstStyle/>
+          <a:p>
+            <a:r>
+              <a:rPr lang="en-US" dirty="0" smtClean="0"/>
+              <a:t>Virtualization solves problems</a:t>
+            </a:r>
+            <a:endParaRPr lang="en-US" dirty="0"/>
+          </a:p>
+        </p:txBody>
+      </p:sp>
+      <p:sp>
+        <p:nvSpPr>
+          <p:cNvPr id="3" name="Content Placeholder 2"/>
+          <p:cNvSpPr>
+            <a:spLocks noGrp="1"/>
+          </p:cNvSpPr>
+          <p:nvPr>
+            <p:ph idx="1"/>
+          </p:nvPr>
+        </p:nvSpPr>
+        <p:spPr>
+          <a:xfrm>
+            <a:off x="457200" y="1600200"/>
+            <a:ext cx="8229600" cy="4920629"/>
+          </a:xfrm>
+        </p:spPr>
+        <p:txBody>
+          <a:bodyPr>
+            <a:normAutofit/>
+          </a:bodyPr>
+          <a:lstStyle/>
+          <a:p>
+            <a:r>
+              <a:rPr lang="en-US" dirty="0" smtClean="0"/>
+              <a:t>Servers are turned into software</a:t>
+            </a:r>
+          </a:p>
+          <a:p>
+            <a:pPr lvl="1"/>
+            <a:r>
+              <a:rPr lang="en-US" dirty="0" smtClean="0"/>
+              <a:t>It’s easier to move software around</a:t>
+            </a:r>
+          </a:p>
+          <a:p>
+            <a:pPr lvl="1"/>
+            <a:r>
+              <a:rPr lang="en-US" dirty="0" smtClean="0"/>
+              <a:t>Easy to move a stack from an older physical server to a newer physical server</a:t>
+            </a:r>
+          </a:p>
+          <a:p>
+            <a:r>
+              <a:rPr lang="en-US" dirty="0" smtClean="0"/>
+              <a:t>No need to purchase a separate server for each customer because virtualization provides partitioning.</a:t>
+            </a:r>
+          </a:p>
+          <a:p>
+            <a:endParaRPr lang="en-US" dirty="0"/>
+          </a:p>
+          <a:p>
+            <a:endParaRPr lang="en-US" dirty="0" smtClean="0"/>
+          </a:p>
+          <a:p>
+            <a:endParaRPr lang="en-US" dirty="0"/>
+          </a:p>
+          <a:p>
+            <a:pPr marL="0" indent="0">
+              <a:buNone/>
+            </a:pPr>
+            <a:endParaRPr lang="en-US" dirty="0"/>
+          </a:p>
+          <a:p>
+            <a:endParaRPr lang="en-US" dirty="0" smtClean="0"/>
+          </a:p>
+        </p:txBody>
+      </p:sp>
+    </p:spTree>
+    <p:extLst>
+      <p:ext uri="{BB962C8B-B14F-4D97-AF65-F5344CB8AC3E}">
+        <p14:creationId xmlns:p14="http://schemas.microsoft.com/office/powerpoint/2010/main" val="2273451257"/>
+      </p:ext>
+    </p:extLst>
+  </p:cSld>
+  <p:clrMapOvr>
+    <a:masterClrMapping/>
+  </p:clrMapOvr>
+</p:sld>
+</file>
+
+<file path=ppt/slides/slide32.xml><?xml version="1.0" encoding="utf-8"?>
+<p:sld xmlns:a="http://schemas.openxmlformats.org/drawingml/2006/main" xmlns:r="http://schemas.openxmlformats.org/officeDocument/2006/relationships" xmlns:p="http://schemas.openxmlformats.org/presentationml/2006/main">
+  <p:cSld>
+    <p:spTree>
+      <p:nvGrpSpPr>
+        <p:cNvPr id="1" name=""/>
+        <p:cNvGrpSpPr/>
+        <p:nvPr/>
+      </p:nvGrpSpPr>
+      <p:grpSpPr>
+        <a:xfrm>
+          <a:off x="0" y="0"/>
+          <a:ext cx="0" cy="0"/>
+          <a:chOff x="0" y="0"/>
+          <a:chExt cx="0" cy="0"/>
+        </a:xfrm>
+      </p:grpSpPr>
+      <p:sp>
+        <p:nvSpPr>
+          <p:cNvPr id="2" name="Title 1"/>
+          <p:cNvSpPr>
+            <a:spLocks noGrp="1"/>
+          </p:cNvSpPr>
+          <p:nvPr>
+            <p:ph type="title"/>
+          </p:nvPr>
+        </p:nvSpPr>
+        <p:spPr/>
+        <p:txBody>
+          <a:bodyPr>
+            <a:normAutofit/>
+          </a:bodyPr>
+          <a:lstStyle/>
+          <a:p>
+            <a:r>
+              <a:rPr lang="en-US" dirty="0" smtClean="0"/>
+              <a:t>Virtualization Types</a:t>
+            </a:r>
+            <a:endParaRPr lang="en-US" dirty="0"/>
+          </a:p>
+        </p:txBody>
+      </p:sp>
+      <p:sp>
+        <p:nvSpPr>
+          <p:cNvPr id="3" name="Content Placeholder 2"/>
+          <p:cNvSpPr>
+            <a:spLocks noGrp="1"/>
+          </p:cNvSpPr>
+          <p:nvPr>
+            <p:ph idx="1"/>
+          </p:nvPr>
+        </p:nvSpPr>
+        <p:spPr>
+          <a:xfrm>
+            <a:off x="457200" y="1600200"/>
+            <a:ext cx="8229600" cy="4920629"/>
+          </a:xfrm>
+        </p:spPr>
+        <p:txBody>
+          <a:bodyPr>
+            <a:normAutofit fontScale="92500" lnSpcReduction="10000"/>
+          </a:bodyPr>
+          <a:lstStyle/>
+          <a:p>
+            <a:r>
+              <a:rPr lang="en-US" dirty="0" smtClean="0"/>
+              <a:t>First, some definitions:</a:t>
+            </a:r>
+          </a:p>
+          <a:p>
+            <a:pPr lvl="1"/>
+            <a:r>
+              <a:rPr lang="en-US" dirty="0" smtClean="0"/>
+              <a:t>Host machine: physical server that supports multiple stacks</a:t>
+            </a:r>
+          </a:p>
+          <a:p>
+            <a:pPr lvl="1"/>
+            <a:r>
+              <a:rPr lang="en-US" dirty="0" smtClean="0"/>
+              <a:t>Virtual machine: virtualized server instance running on a host machine (also known as an instance)</a:t>
+            </a:r>
+          </a:p>
+          <a:p>
+            <a:pPr lvl="1"/>
+            <a:r>
+              <a:rPr lang="en-US" dirty="0" smtClean="0"/>
+              <a:t>Host OS: operating system running on a bare-metal server</a:t>
+            </a:r>
+          </a:p>
+          <a:p>
+            <a:pPr lvl="1"/>
+            <a:r>
+              <a:rPr lang="en-US" dirty="0" smtClean="0"/>
+              <a:t>Guest OS: operating system running on a virtual machine</a:t>
+            </a:r>
+          </a:p>
+          <a:p>
+            <a:pPr lvl="1"/>
+            <a:r>
+              <a:rPr lang="en-US" dirty="0" smtClean="0"/>
+              <a:t>Hypervisor: Software that emulates and manages the communication between virtual machines and the physical server</a:t>
+            </a:r>
+          </a:p>
+          <a:p>
+            <a:endParaRPr lang="en-US" dirty="0"/>
+          </a:p>
+          <a:p>
+            <a:endParaRPr lang="en-US" dirty="0" smtClean="0"/>
+          </a:p>
+          <a:p>
+            <a:endParaRPr lang="en-US" dirty="0"/>
+          </a:p>
+          <a:p>
+            <a:pPr marL="0" indent="0">
+              <a:buNone/>
+            </a:pPr>
+            <a:endParaRPr lang="en-US" dirty="0"/>
+          </a:p>
+          <a:p>
+            <a:endParaRPr lang="en-US" dirty="0" smtClean="0"/>
+          </a:p>
+        </p:txBody>
+      </p:sp>
+    </p:spTree>
+    <p:extLst>
+      <p:ext uri="{BB962C8B-B14F-4D97-AF65-F5344CB8AC3E}">
+        <p14:creationId xmlns:p14="http://schemas.microsoft.com/office/powerpoint/2010/main" val="3992047205"/>
+      </p:ext>
+    </p:extLst>
+  </p:cSld>
+  <p:clrMapOvr>
+    <a:masterClrMapping/>
+  </p:clrMapOvr>
+</p:sld>
+</file>
+
+<file path=ppt/slides/slide33.xml><?xml version="1.0" encoding="utf-8"?>
+<p:sld xmlns:a="http://schemas.openxmlformats.org/drawingml/2006/main" xmlns:r="http://schemas.openxmlformats.org/officeDocument/2006/relationships" xmlns:p="http://schemas.openxmlformats.org/presentationml/2006/main">
+  <p:cSld>
+    <p:spTree>
+      <p:nvGrpSpPr>
+        <p:cNvPr id="1" name=""/>
+        <p:cNvGrpSpPr/>
+        <p:nvPr/>
+      </p:nvGrpSpPr>
+      <p:grpSpPr>
+        <a:xfrm>
+          <a:off x="0" y="0"/>
+          <a:ext cx="0" cy="0"/>
+          <a:chOff x="0" y="0"/>
+          <a:chExt cx="0" cy="0"/>
+        </a:xfrm>
+      </p:grpSpPr>
+      <p:sp>
+        <p:nvSpPr>
+          <p:cNvPr id="2" name="Title 1"/>
+          <p:cNvSpPr>
+            <a:spLocks noGrp="1"/>
+          </p:cNvSpPr>
+          <p:nvPr>
+            <p:ph type="title"/>
+          </p:nvPr>
+        </p:nvSpPr>
+        <p:spPr/>
+        <p:txBody>
+          <a:bodyPr>
+            <a:normAutofit/>
+          </a:bodyPr>
+          <a:lstStyle/>
+          <a:p>
+            <a:r>
+              <a:rPr lang="en-US" dirty="0" smtClean="0"/>
+              <a:t>Virtualization Types</a:t>
+            </a:r>
+            <a:endParaRPr lang="en-US" dirty="0"/>
+          </a:p>
+        </p:txBody>
+      </p:sp>
+      <p:sp>
+        <p:nvSpPr>
+          <p:cNvPr id="3" name="Content Placeholder 2"/>
+          <p:cNvSpPr>
+            <a:spLocks noGrp="1"/>
+          </p:cNvSpPr>
+          <p:nvPr>
+            <p:ph idx="1"/>
+          </p:nvPr>
+        </p:nvSpPr>
+        <p:spPr>
+          <a:xfrm>
+            <a:off x="457200" y="1600200"/>
+            <a:ext cx="8229600" cy="4920629"/>
+          </a:xfrm>
+        </p:spPr>
+        <p:txBody>
+          <a:bodyPr>
+            <a:normAutofit/>
+          </a:bodyPr>
+          <a:lstStyle/>
+          <a:p>
+            <a:r>
+              <a:rPr lang="en-US" dirty="0" smtClean="0"/>
+              <a:t>Hardware virtualization</a:t>
+            </a:r>
+          </a:p>
+          <a:p>
+            <a:pPr lvl="1"/>
+            <a:r>
+              <a:rPr lang="en-US" dirty="0" smtClean="0"/>
+              <a:t>Part of physical server dedicated to a specific stack</a:t>
+            </a:r>
+          </a:p>
+          <a:p>
+            <a:pPr lvl="1"/>
+            <a:r>
+              <a:rPr lang="en-US" dirty="0" smtClean="0"/>
+              <a:t>Big expensive mainframe-type systems</a:t>
+            </a:r>
+          </a:p>
+          <a:p>
+            <a:r>
+              <a:rPr lang="en-US" dirty="0" smtClean="0"/>
+              <a:t>Software virtualization</a:t>
+            </a:r>
+          </a:p>
+          <a:p>
+            <a:pPr lvl="1"/>
+            <a:r>
+              <a:rPr lang="en-US" dirty="0" smtClean="0"/>
+              <a:t>Type 1 Hypervisor</a:t>
+            </a:r>
+          </a:p>
+          <a:p>
+            <a:pPr lvl="2"/>
+            <a:r>
+              <a:rPr lang="en-US" dirty="0" smtClean="0"/>
+              <a:t>Runs on top of the bare-metal server and sits between hardware and operating systems in the stacks</a:t>
+            </a:r>
+          </a:p>
+          <a:p>
+            <a:pPr lvl="2"/>
+            <a:r>
+              <a:rPr lang="en-US" dirty="0" smtClean="0"/>
+              <a:t>Examples: </a:t>
+            </a:r>
+            <a:r>
+              <a:rPr lang="en-US" dirty="0" err="1" smtClean="0"/>
+              <a:t>VMWare</a:t>
+            </a:r>
+            <a:r>
+              <a:rPr lang="en-US" dirty="0" smtClean="0"/>
+              <a:t> ESX, Microsoft Virtual Server, </a:t>
+            </a:r>
+            <a:r>
+              <a:rPr lang="en-US" dirty="0" err="1" smtClean="0"/>
+              <a:t>Xen</a:t>
+            </a:r>
+            <a:endParaRPr lang="en-US" dirty="0"/>
+          </a:p>
+          <a:p>
+            <a:endParaRPr lang="en-US" dirty="0" smtClean="0"/>
+          </a:p>
+          <a:p>
+            <a:endParaRPr lang="en-US" dirty="0"/>
+          </a:p>
+          <a:p>
+            <a:pPr marL="0" indent="0">
+              <a:buNone/>
+            </a:pPr>
+            <a:endParaRPr lang="en-US" dirty="0"/>
+          </a:p>
+          <a:p>
+            <a:endParaRPr lang="en-US" dirty="0" smtClean="0"/>
+          </a:p>
+        </p:txBody>
+      </p:sp>
+    </p:spTree>
+    <p:extLst>
+      <p:ext uri="{BB962C8B-B14F-4D97-AF65-F5344CB8AC3E}">
+        <p14:creationId xmlns:p14="http://schemas.microsoft.com/office/powerpoint/2010/main" val="4033828629"/>
+      </p:ext>
+    </p:extLst>
+  </p:cSld>
+  <p:clrMapOvr>
+    <a:masterClrMapping/>
+  </p:clrMapOvr>
+</p:sld>
+</file>
+
+<file path=ppt/slides/slide34.xml><?xml version="1.0" encoding="utf-8"?>
+<p:sld xmlns:a="http://schemas.openxmlformats.org/drawingml/2006/main" xmlns:r="http://schemas.openxmlformats.org/officeDocument/2006/relationships" xmlns:p="http://schemas.openxmlformats.org/presentationml/2006/main">
+  <p:cSld>
+    <p:spTree>
+      <p:nvGrpSpPr>
+        <p:cNvPr id="1" name=""/>
+        <p:cNvGrpSpPr/>
+        <p:nvPr/>
+      </p:nvGrpSpPr>
+      <p:grpSpPr>
+        <a:xfrm>
+          <a:off x="0" y="0"/>
+          <a:ext cx="0" cy="0"/>
+          <a:chOff x="0" y="0"/>
+          <a:chExt cx="0" cy="0"/>
+        </a:xfrm>
+      </p:grpSpPr>
+      <p:sp>
+        <p:nvSpPr>
+          <p:cNvPr id="2" name="Title 1"/>
+          <p:cNvSpPr>
+            <a:spLocks noGrp="1"/>
+          </p:cNvSpPr>
+          <p:nvPr>
+            <p:ph type="title"/>
+          </p:nvPr>
+        </p:nvSpPr>
+        <p:spPr/>
+        <p:txBody>
+          <a:bodyPr>
+            <a:normAutofit/>
+          </a:bodyPr>
+          <a:lstStyle/>
+          <a:p>
+            <a:r>
+              <a:rPr lang="en-US" dirty="0" smtClean="0"/>
+              <a:t>Virtualization Types</a:t>
+            </a:r>
+            <a:endParaRPr lang="en-US" dirty="0"/>
+          </a:p>
+        </p:txBody>
+      </p:sp>
+      <p:sp>
+        <p:nvSpPr>
+          <p:cNvPr id="3" name="Content Placeholder 2"/>
+          <p:cNvSpPr>
+            <a:spLocks noGrp="1"/>
+          </p:cNvSpPr>
+          <p:nvPr>
+            <p:ph idx="1"/>
+          </p:nvPr>
+        </p:nvSpPr>
+        <p:spPr>
+          <a:xfrm>
+            <a:off x="457200" y="1600200"/>
+            <a:ext cx="8229600" cy="4920629"/>
+          </a:xfrm>
+        </p:spPr>
+        <p:txBody>
+          <a:bodyPr>
+            <a:normAutofit fontScale="92500"/>
+          </a:bodyPr>
+          <a:lstStyle/>
+          <a:p>
+            <a:pPr lvl="1"/>
+            <a:r>
+              <a:rPr lang="en-US" dirty="0" smtClean="0"/>
+              <a:t>Type 2 Hypervisor</a:t>
+            </a:r>
+          </a:p>
+          <a:p>
+            <a:pPr lvl="2"/>
+            <a:r>
+              <a:rPr lang="en-US" dirty="0" smtClean="0"/>
+              <a:t>Runs on top of an operating system</a:t>
+            </a:r>
+          </a:p>
+          <a:p>
+            <a:pPr lvl="2"/>
+            <a:r>
+              <a:rPr lang="en-US" dirty="0" smtClean="0"/>
+              <a:t>Easy installation</a:t>
+            </a:r>
+          </a:p>
+          <a:p>
+            <a:pPr lvl="2"/>
+            <a:r>
+              <a:rPr lang="en-US" dirty="0" smtClean="0"/>
+              <a:t>Example: Oracle </a:t>
+            </a:r>
+            <a:r>
+              <a:rPr lang="en-US" dirty="0" err="1" smtClean="0"/>
+              <a:t>VirtualBox</a:t>
+            </a:r>
+            <a:r>
+              <a:rPr lang="en-US" dirty="0" smtClean="0"/>
+              <a:t>, </a:t>
+            </a:r>
+            <a:r>
+              <a:rPr lang="en-US" dirty="0" err="1" smtClean="0"/>
+              <a:t>VMWare</a:t>
+            </a:r>
+            <a:r>
+              <a:rPr lang="en-US" dirty="0" smtClean="0"/>
+              <a:t> Fusion</a:t>
+            </a:r>
+            <a:endParaRPr lang="en-US" dirty="0"/>
+          </a:p>
+          <a:p>
+            <a:pPr lvl="1"/>
+            <a:r>
+              <a:rPr lang="en-US" dirty="0" smtClean="0"/>
+              <a:t>Type 1 vs. Type 2</a:t>
+            </a:r>
+          </a:p>
+          <a:p>
+            <a:pPr lvl="2"/>
+            <a:r>
+              <a:rPr lang="en-US" dirty="0" smtClean="0"/>
+              <a:t>Type 1 provides higher performance &amp; security</a:t>
+            </a:r>
+          </a:p>
+          <a:p>
+            <a:pPr lvl="1"/>
+            <a:r>
+              <a:rPr lang="en-US" dirty="0" smtClean="0"/>
+              <a:t>Full virtualization vs. </a:t>
+            </a:r>
+            <a:r>
+              <a:rPr lang="en-US" dirty="0" err="1" smtClean="0"/>
+              <a:t>Paravirtualization</a:t>
+            </a:r>
+            <a:endParaRPr lang="en-US" dirty="0" smtClean="0"/>
+          </a:p>
+          <a:p>
+            <a:pPr lvl="2"/>
+            <a:r>
+              <a:rPr lang="en-US" dirty="0" smtClean="0"/>
+              <a:t>Full virtualization = guest operating systems are not “aware” that they are being virtualized</a:t>
+            </a:r>
+          </a:p>
+          <a:p>
+            <a:pPr lvl="2"/>
+            <a:r>
+              <a:rPr lang="en-US" dirty="0" smtClean="0"/>
+              <a:t>Para virtualization = guest operating system are “aware” of virtualization and have special kernel modifications (better performance than full virtualization)</a:t>
+            </a:r>
+          </a:p>
+          <a:p>
+            <a:pPr lvl="1"/>
+            <a:endParaRPr lang="en-US" dirty="0" smtClean="0"/>
+          </a:p>
+          <a:p>
+            <a:pPr lvl="2"/>
+            <a:endParaRPr lang="en-US" dirty="0" smtClean="0"/>
+          </a:p>
+          <a:p>
+            <a:endParaRPr lang="en-US" dirty="0"/>
+          </a:p>
+          <a:p>
+            <a:pPr marL="0" indent="0">
+              <a:buNone/>
+            </a:pPr>
+            <a:endParaRPr lang="en-US" dirty="0"/>
+          </a:p>
+          <a:p>
+            <a:endParaRPr lang="en-US" dirty="0" smtClean="0"/>
+          </a:p>
+        </p:txBody>
+      </p:sp>
+      <p:sp>
+        <p:nvSpPr>
+          <p:cNvPr id="4" name="TextBox 3"/>
+          <p:cNvSpPr txBox="1"/>
+          <p:nvPr/>
+        </p:nvSpPr>
+        <p:spPr>
+          <a:xfrm>
+            <a:off x="3561365" y="4268655"/>
+            <a:ext cx="184666" cy="369332"/>
+          </a:xfrm>
+          <a:prstGeom prst="rect">
+            <a:avLst/>
+          </a:prstGeom>
+          <a:noFill/>
+        </p:spPr>
+        <p:txBody>
+          <a:bodyPr wrap="none" rtlCol="0">
+            <a:spAutoFit/>
+          </a:bodyPr>
+          <a:lstStyle/>
+          <a:p>
+            <a:endParaRPr lang="en-US" dirty="0"/>
+          </a:p>
+        </p:txBody>
+      </p:sp>
+    </p:spTree>
+    <p:extLst>
+      <p:ext uri="{BB962C8B-B14F-4D97-AF65-F5344CB8AC3E}">
+        <p14:creationId xmlns:p14="http://schemas.microsoft.com/office/powerpoint/2010/main" val="2526346320"/>
+      </p:ext>
+    </p:extLst>
+  </p:cSld>
+  <p:clrMapOvr>
+    <a:masterClrMapping/>
+  </p:clrMapOvr>
+</p:sld>
+</file>
+
+<file path=ppt/slides/slide35.xml><?xml version="1.0" encoding="utf-8"?>
+<p:sld xmlns:a="http://schemas.openxmlformats.org/drawingml/2006/main" xmlns:r="http://schemas.openxmlformats.org/officeDocument/2006/relationships" xmlns:p="http://schemas.openxmlformats.org/presentationml/2006/main">
+  <p:cSld>
+    <p:spTree>
+      <p:nvGrpSpPr>
+        <p:cNvPr id="1" name=""/>
+        <p:cNvGrpSpPr/>
+        <p:nvPr/>
+      </p:nvGrpSpPr>
+      <p:grpSpPr>
+        <a:xfrm>
+          <a:off x="0" y="0"/>
+          <a:ext cx="0" cy="0"/>
+          <a:chOff x="0" y="0"/>
+          <a:chExt cx="0" cy="0"/>
+        </a:xfrm>
+      </p:grpSpPr>
+      <p:sp>
+        <p:nvSpPr>
+          <p:cNvPr id="2" name="Title 1"/>
+          <p:cNvSpPr>
+            <a:spLocks noGrp="1"/>
+          </p:cNvSpPr>
+          <p:nvPr>
+            <p:ph type="title"/>
+          </p:nvPr>
+        </p:nvSpPr>
+        <p:spPr/>
+        <p:txBody>
+          <a:bodyPr>
+            <a:normAutofit/>
+          </a:bodyPr>
+          <a:lstStyle/>
+          <a:p>
+            <a:r>
+              <a:rPr lang="en-US" dirty="0" smtClean="0"/>
+              <a:t>Virtualization Types</a:t>
+            </a:r>
+            <a:endParaRPr lang="en-US" dirty="0"/>
+          </a:p>
+        </p:txBody>
+      </p:sp>
+      <p:sp>
+        <p:nvSpPr>
+          <p:cNvPr id="3" name="Content Placeholder 2"/>
+          <p:cNvSpPr>
+            <a:spLocks noGrp="1"/>
+          </p:cNvSpPr>
+          <p:nvPr>
+            <p:ph idx="1"/>
+          </p:nvPr>
+        </p:nvSpPr>
+        <p:spPr>
+          <a:xfrm>
+            <a:off x="457200" y="1600200"/>
+            <a:ext cx="8229600" cy="4920629"/>
+          </a:xfrm>
+        </p:spPr>
+        <p:txBody>
+          <a:bodyPr>
+            <a:normAutofit/>
+          </a:bodyPr>
+          <a:lstStyle/>
+          <a:p>
+            <a:r>
+              <a:rPr lang="en-US" dirty="0" smtClean="0"/>
+              <a:t>OS Partitioning</a:t>
+            </a:r>
+          </a:p>
+          <a:p>
+            <a:pPr lvl="1"/>
+            <a:r>
+              <a:rPr lang="en-US" dirty="0" smtClean="0"/>
+              <a:t>Host (or guest) operating system can partition out processes, memory, and scheduling to emulate a separate OS environment</a:t>
+            </a:r>
+          </a:p>
+          <a:p>
+            <a:pPr lvl="1"/>
+            <a:r>
+              <a:rPr lang="en-US" dirty="0" smtClean="0"/>
+              <a:t>Separate OS environments all use same kernel</a:t>
+            </a:r>
+          </a:p>
+          <a:p>
+            <a:pPr lvl="2"/>
+            <a:r>
+              <a:rPr lang="en-US" dirty="0" smtClean="0"/>
+              <a:t>If host is Linux then all “guests” are Linux</a:t>
+            </a:r>
+          </a:p>
+          <a:p>
+            <a:pPr lvl="1"/>
+            <a:r>
+              <a:rPr lang="en-US" dirty="0" smtClean="0"/>
+              <a:t>Example: </a:t>
+            </a:r>
+            <a:r>
+              <a:rPr lang="en-US" dirty="0" err="1" smtClean="0"/>
+              <a:t>Docker</a:t>
+            </a:r>
+            <a:endParaRPr lang="en-US" dirty="0" smtClean="0"/>
+          </a:p>
+          <a:p>
+            <a:pPr lvl="1"/>
+            <a:r>
+              <a:rPr lang="en-US" dirty="0" smtClean="0"/>
+              <a:t>We will cover this later in the course.</a:t>
+            </a:r>
+          </a:p>
+          <a:p>
+            <a:pPr lvl="2"/>
+            <a:endParaRPr lang="en-US" dirty="0" smtClean="0"/>
+          </a:p>
+          <a:p>
+            <a:endParaRPr lang="en-US" dirty="0"/>
+          </a:p>
+          <a:p>
+            <a:pPr marL="0" indent="0">
+              <a:buNone/>
+            </a:pPr>
+            <a:endParaRPr lang="en-US" dirty="0"/>
+          </a:p>
+          <a:p>
+            <a:endParaRPr lang="en-US" dirty="0" smtClean="0"/>
+          </a:p>
+        </p:txBody>
+      </p:sp>
+      <p:sp>
+        <p:nvSpPr>
+          <p:cNvPr id="4" name="TextBox 3"/>
+          <p:cNvSpPr txBox="1"/>
+          <p:nvPr/>
+        </p:nvSpPr>
+        <p:spPr>
+          <a:xfrm>
+            <a:off x="3561365" y="4268655"/>
+            <a:ext cx="184666" cy="369332"/>
+          </a:xfrm>
+          <a:prstGeom prst="rect">
+            <a:avLst/>
+          </a:prstGeom>
+          <a:noFill/>
+        </p:spPr>
+        <p:txBody>
+          <a:bodyPr wrap="none" rtlCol="0">
+            <a:spAutoFit/>
+          </a:bodyPr>
+          <a:lstStyle/>
+          <a:p>
+            <a:endParaRPr lang="en-US" dirty="0"/>
+          </a:p>
+        </p:txBody>
+      </p:sp>
+    </p:spTree>
+    <p:extLst>
+      <p:ext uri="{BB962C8B-B14F-4D97-AF65-F5344CB8AC3E}">
+        <p14:creationId xmlns:p14="http://schemas.microsoft.com/office/powerpoint/2010/main" val="680306424"/>
+      </p:ext>
+    </p:extLst>
+  </p:cSld>
+  <p:clrMapOvr>
+    <a:masterClrMapping/>
+  </p:clrMapOvr>
+</p:sld>
+</file>
+
+<file path=ppt/slides/slide36.xml><?xml version="1.0" encoding="utf-8"?>
+<p:sld xmlns:a="http://schemas.openxmlformats.org/drawingml/2006/main" xmlns:r="http://schemas.openxmlformats.org/officeDocument/2006/relationships" xmlns:p="http://schemas.openxmlformats.org/presentationml/2006/main">
+  <p:cSld>
+    <p:spTree>
+      <p:nvGrpSpPr>
+        <p:cNvPr id="1" name=""/>
+        <p:cNvGrpSpPr/>
+        <p:nvPr/>
+      </p:nvGrpSpPr>
+      <p:grpSpPr>
+        <a:xfrm>
+          <a:off x="0" y="0"/>
+          <a:ext cx="0" cy="0"/>
+          <a:chOff x="0" y="0"/>
+          <a:chExt cx="0" cy="0"/>
+        </a:xfrm>
+      </p:grpSpPr>
+      <p:sp>
+        <p:nvSpPr>
+          <p:cNvPr id="2" name="Title 1"/>
+          <p:cNvSpPr>
+            <a:spLocks noGrp="1"/>
+          </p:cNvSpPr>
+          <p:nvPr>
+            <p:ph type="title"/>
+          </p:nvPr>
+        </p:nvSpPr>
+        <p:spPr/>
+        <p:txBody>
+          <a:bodyPr>
+            <a:normAutofit/>
+          </a:bodyPr>
+          <a:lstStyle/>
+          <a:p>
+            <a:r>
+              <a:rPr lang="en-US" dirty="0" smtClean="0"/>
+              <a:t>Virtualization infrastructure</a:t>
+            </a:r>
+            <a:endParaRPr lang="en-US" dirty="0"/>
+          </a:p>
+        </p:txBody>
+      </p:sp>
+      <p:sp>
+        <p:nvSpPr>
+          <p:cNvPr id="3" name="Content Placeholder 2"/>
+          <p:cNvSpPr>
+            <a:spLocks noGrp="1"/>
+          </p:cNvSpPr>
+          <p:nvPr>
+            <p:ph idx="1"/>
+          </p:nvPr>
+        </p:nvSpPr>
+        <p:spPr>
+          <a:xfrm>
+            <a:off x="457200" y="1600200"/>
+            <a:ext cx="8229600" cy="4920629"/>
+          </a:xfrm>
+        </p:spPr>
+        <p:txBody>
+          <a:bodyPr>
+            <a:normAutofit/>
+          </a:bodyPr>
+          <a:lstStyle/>
+          <a:p>
+            <a:r>
+              <a:rPr lang="en-US" dirty="0" smtClean="0"/>
+              <a:t>Server virtualization is predominant form of virtualized infrastructure</a:t>
+            </a:r>
+          </a:p>
+          <a:p>
+            <a:pPr lvl="1"/>
+            <a:r>
+              <a:rPr lang="en-US" dirty="0" smtClean="0"/>
+              <a:t>Most servers in enterprises are now virtualized</a:t>
+            </a:r>
+          </a:p>
+          <a:p>
+            <a:endParaRPr lang="en-US" dirty="0"/>
+          </a:p>
+          <a:p>
+            <a:pPr marL="0" indent="0">
+              <a:buNone/>
+            </a:pPr>
+            <a:endParaRPr lang="en-US" dirty="0"/>
+          </a:p>
+          <a:p>
+            <a:endParaRPr lang="en-US" dirty="0" smtClean="0"/>
+          </a:p>
+        </p:txBody>
+      </p:sp>
+      <p:sp>
+        <p:nvSpPr>
+          <p:cNvPr id="4" name="TextBox 3"/>
+          <p:cNvSpPr txBox="1"/>
+          <p:nvPr/>
+        </p:nvSpPr>
+        <p:spPr>
+          <a:xfrm>
+            <a:off x="3561365" y="4268655"/>
+            <a:ext cx="184666" cy="369332"/>
+          </a:xfrm>
+          <a:prstGeom prst="rect">
+            <a:avLst/>
+          </a:prstGeom>
+          <a:noFill/>
+        </p:spPr>
+        <p:txBody>
+          <a:bodyPr wrap="none" rtlCol="0">
+            <a:spAutoFit/>
+          </a:bodyPr>
+          <a:lstStyle/>
+          <a:p>
+            <a:endParaRPr lang="en-US" dirty="0"/>
+          </a:p>
+        </p:txBody>
+      </p:sp>
+      <p:pic>
+        <p:nvPicPr>
+          <p:cNvPr id="5" name="Picture 4"/>
+          <p:cNvPicPr>
+            <a:picLocks noChangeAspect="1"/>
+          </p:cNvPicPr>
+          <p:nvPr/>
+        </p:nvPicPr>
+        <p:blipFill rotWithShape="1">
+          <a:blip r:embed="rId2"/>
+          <a:srcRect b="12409"/>
+          <a:stretch/>
+        </p:blipFill>
+        <p:spPr>
+          <a:xfrm>
+            <a:off x="2225853" y="3295843"/>
+            <a:ext cx="4106862" cy="3447583"/>
+          </a:xfrm>
+          <a:prstGeom prst="rect">
+            <a:avLst/>
+          </a:prstGeom>
+        </p:spPr>
+      </p:pic>
+    </p:spTree>
+    <p:extLst>
+      <p:ext uri="{BB962C8B-B14F-4D97-AF65-F5344CB8AC3E}">
+        <p14:creationId xmlns:p14="http://schemas.microsoft.com/office/powerpoint/2010/main" val="4180112050"/>
+      </p:ext>
+    </p:extLst>
+  </p:cSld>
+  <p:clrMapOvr>
+    <a:masterClrMapping/>
+  </p:clrMapOvr>
+</p:sld>
+</file>
+
+<file path=ppt/slides/slide37.xml><?xml version="1.0" encoding="utf-8"?>
+<p:sld xmlns:a="http://schemas.openxmlformats.org/drawingml/2006/main" xmlns:r="http://schemas.openxmlformats.org/officeDocument/2006/relationships" xmlns:p="http://schemas.openxmlformats.org/presentationml/2006/main">
+  <p:cSld>
+    <p:spTree>
+      <p:nvGrpSpPr>
+        <p:cNvPr id="1" name=""/>
+        <p:cNvGrpSpPr/>
+        <p:nvPr/>
+      </p:nvGrpSpPr>
+      <p:grpSpPr>
+        <a:xfrm>
+          <a:off x="0" y="0"/>
+          <a:ext cx="0" cy="0"/>
+          <a:chOff x="0" y="0"/>
+          <a:chExt cx="0" cy="0"/>
+        </a:xfrm>
+      </p:grpSpPr>
+      <p:sp>
+        <p:nvSpPr>
+          <p:cNvPr id="2" name="Title 1"/>
+          <p:cNvSpPr>
+            <a:spLocks noGrp="1"/>
+          </p:cNvSpPr>
+          <p:nvPr>
+            <p:ph type="title"/>
+          </p:nvPr>
+        </p:nvSpPr>
+        <p:spPr/>
+        <p:txBody>
+          <a:bodyPr>
+            <a:normAutofit/>
+          </a:bodyPr>
+          <a:lstStyle/>
+          <a:p>
+            <a:r>
+              <a:rPr lang="en-US" dirty="0" smtClean="0"/>
+              <a:t>Virtualization infrastructure</a:t>
+            </a:r>
+            <a:endParaRPr lang="en-US" dirty="0"/>
+          </a:p>
+        </p:txBody>
+      </p:sp>
+      <p:sp>
+        <p:nvSpPr>
+          <p:cNvPr id="3" name="Content Placeholder 2"/>
+          <p:cNvSpPr>
+            <a:spLocks noGrp="1"/>
+          </p:cNvSpPr>
+          <p:nvPr>
+            <p:ph idx="1"/>
+          </p:nvPr>
+        </p:nvSpPr>
+        <p:spPr>
+          <a:xfrm>
+            <a:off x="457200" y="1600200"/>
+            <a:ext cx="8229600" cy="4920629"/>
+          </a:xfrm>
+        </p:spPr>
+        <p:txBody>
+          <a:bodyPr>
+            <a:normAutofit/>
+          </a:bodyPr>
+          <a:lstStyle/>
+          <a:p>
+            <a:r>
+              <a:rPr lang="en-US" dirty="0" smtClean="0"/>
+              <a:t>Other forms of virtualized infrastructure:</a:t>
+            </a:r>
+          </a:p>
+          <a:p>
+            <a:pPr lvl="1"/>
+            <a:r>
+              <a:rPr lang="en-US" dirty="0" smtClean="0"/>
+              <a:t>Virtual Desktop Infrastructure (VDI)</a:t>
+            </a:r>
+          </a:p>
+          <a:p>
+            <a:pPr lvl="1"/>
+            <a:r>
+              <a:rPr lang="en-US" dirty="0" smtClean="0"/>
+              <a:t>Storage virtualization: pooling together storage devices from disparate vendors and presenting as a single device</a:t>
+            </a:r>
+          </a:p>
+          <a:p>
+            <a:pPr lvl="1"/>
+            <a:r>
+              <a:rPr lang="en-US" dirty="0" smtClean="0"/>
+              <a:t>Network virtualization: replace physical switches and firewalls with software (AWS VPC)</a:t>
+            </a:r>
+          </a:p>
+          <a:p>
+            <a:endParaRPr lang="en-US" dirty="0"/>
+          </a:p>
+          <a:p>
+            <a:pPr marL="0" indent="0">
+              <a:buNone/>
+            </a:pPr>
+            <a:endParaRPr lang="en-US" dirty="0"/>
+          </a:p>
+          <a:p>
+            <a:endParaRPr lang="en-US" dirty="0" smtClean="0"/>
+          </a:p>
+        </p:txBody>
+      </p:sp>
+      <p:sp>
+        <p:nvSpPr>
+          <p:cNvPr id="4" name="TextBox 3"/>
+          <p:cNvSpPr txBox="1"/>
+          <p:nvPr/>
+        </p:nvSpPr>
+        <p:spPr>
+          <a:xfrm>
+            <a:off x="3561365" y="4268655"/>
+            <a:ext cx="184666" cy="369332"/>
+          </a:xfrm>
+          <a:prstGeom prst="rect">
+            <a:avLst/>
+          </a:prstGeom>
+          <a:noFill/>
+        </p:spPr>
+        <p:txBody>
+          <a:bodyPr wrap="none" rtlCol="0">
+            <a:spAutoFit/>
+          </a:bodyPr>
+          <a:lstStyle/>
+          <a:p>
+            <a:endParaRPr lang="en-US" dirty="0"/>
+          </a:p>
+        </p:txBody>
+      </p:sp>
+    </p:spTree>
+    <p:extLst>
+      <p:ext uri="{BB962C8B-B14F-4D97-AF65-F5344CB8AC3E}">
+        <p14:creationId xmlns:p14="http://schemas.microsoft.com/office/powerpoint/2010/main" val="2330205531"/>
+      </p:ext>
+    </p:extLst>
+  </p:cSld>
+  <p:clrMapOvr>
+    <a:masterClrMapping/>
+  </p:clrMapOvr>
+</p:sld>
+</file>
+
+<file path=ppt/slides/slide38.xml><?xml version="1.0" encoding="utf-8"?>
+<p:sld xmlns:a="http://schemas.openxmlformats.org/drawingml/2006/main" xmlns:r="http://schemas.openxmlformats.org/officeDocument/2006/relationships" xmlns:p="http://schemas.openxmlformats.org/presentationml/2006/main">
+  <p:cSld>
+    <p:spTree>
+      <p:nvGrpSpPr>
+        <p:cNvPr id="1" name=""/>
+        <p:cNvGrpSpPr/>
+        <p:nvPr/>
+      </p:nvGrpSpPr>
+      <p:grpSpPr>
+        <a:xfrm>
+          <a:off x="0" y="0"/>
+          <a:ext cx="0" cy="0"/>
+          <a:chOff x="0" y="0"/>
+          <a:chExt cx="0" cy="0"/>
+        </a:xfrm>
+      </p:grpSpPr>
+      <p:sp>
+        <p:nvSpPr>
+          <p:cNvPr id="2" name="Title 1"/>
+          <p:cNvSpPr>
+            <a:spLocks noGrp="1"/>
+          </p:cNvSpPr>
+          <p:nvPr>
+            <p:ph type="title"/>
+          </p:nvPr>
+        </p:nvSpPr>
+        <p:spPr/>
+        <p:txBody>
+          <a:bodyPr>
+            <a:normAutofit/>
+          </a:bodyPr>
+          <a:lstStyle/>
+          <a:p>
+            <a:r>
+              <a:rPr lang="en-US" dirty="0" err="1" smtClean="0"/>
+              <a:t>VirtualBox</a:t>
+            </a:r>
+            <a:r>
+              <a:rPr lang="en-US" dirty="0" smtClean="0"/>
+              <a:t> Demo</a:t>
+            </a:r>
+            <a:endParaRPr lang="en-US" dirty="0"/>
+          </a:p>
+        </p:txBody>
+      </p:sp>
+      <p:sp>
+        <p:nvSpPr>
+          <p:cNvPr id="3" name="Content Placeholder 2"/>
+          <p:cNvSpPr>
+            <a:spLocks noGrp="1"/>
+          </p:cNvSpPr>
+          <p:nvPr>
+            <p:ph idx="1"/>
+          </p:nvPr>
+        </p:nvSpPr>
+        <p:spPr>
+          <a:xfrm>
+            <a:off x="457200" y="1600200"/>
+            <a:ext cx="8229600" cy="4920629"/>
+          </a:xfrm>
+        </p:spPr>
+        <p:txBody>
+          <a:bodyPr>
+            <a:normAutofit/>
+          </a:bodyPr>
+          <a:lstStyle/>
+          <a:p>
+            <a:r>
+              <a:rPr lang="en-US" dirty="0" smtClean="0"/>
+              <a:t>Hypervisor for x86 systems originally developed by </a:t>
+            </a:r>
+            <a:r>
+              <a:rPr lang="en-US" dirty="0" err="1" smtClean="0"/>
+              <a:t>Innotek</a:t>
+            </a:r>
+            <a:r>
+              <a:rPr lang="en-US" dirty="0" smtClean="0"/>
+              <a:t>, acquired by Sun, acquired by Oracle</a:t>
+            </a:r>
+          </a:p>
+          <a:p>
+            <a:r>
+              <a:rPr lang="en-US" dirty="0" smtClean="0"/>
+              <a:t>Core package is open source, extensions are licensed by Oracle for personal/educational use</a:t>
+            </a:r>
+          </a:p>
+          <a:p>
+            <a:r>
+              <a:rPr lang="en-US" dirty="0" smtClean="0"/>
+              <a:t>Not quite as fast as non-free offerings like </a:t>
+            </a:r>
+            <a:r>
+              <a:rPr lang="en-US" dirty="0" err="1" smtClean="0"/>
+              <a:t>VMWare</a:t>
+            </a:r>
+            <a:r>
+              <a:rPr lang="en-US" dirty="0" smtClean="0"/>
+              <a:t> Fusion, but good enough for </a:t>
+            </a:r>
+            <a:r>
+              <a:rPr lang="en-US" dirty="0" err="1" smtClean="0"/>
+              <a:t>dev</a:t>
+            </a:r>
+            <a:r>
+              <a:rPr lang="en-US" dirty="0" smtClean="0"/>
+              <a:t>/testing</a:t>
+            </a:r>
+            <a:endParaRPr lang="en-US" dirty="0"/>
+          </a:p>
+          <a:p>
+            <a:pPr marL="0" indent="0">
+              <a:buNone/>
+            </a:pPr>
+            <a:endParaRPr lang="en-US" dirty="0"/>
+          </a:p>
+          <a:p>
+            <a:endParaRPr lang="en-US" dirty="0" smtClean="0"/>
+          </a:p>
+        </p:txBody>
+      </p:sp>
+      <p:sp>
+        <p:nvSpPr>
+          <p:cNvPr id="4" name="TextBox 3"/>
+          <p:cNvSpPr txBox="1"/>
+          <p:nvPr/>
+        </p:nvSpPr>
+        <p:spPr>
+          <a:xfrm>
+            <a:off x="3561365" y="4268655"/>
+            <a:ext cx="184666" cy="369332"/>
+          </a:xfrm>
+          <a:prstGeom prst="rect">
+            <a:avLst/>
+          </a:prstGeom>
+          <a:noFill/>
+        </p:spPr>
+        <p:txBody>
+          <a:bodyPr wrap="none" rtlCol="0">
+            <a:spAutoFit/>
+          </a:bodyPr>
+          <a:lstStyle/>
+          <a:p>
+            <a:endParaRPr lang="en-US" dirty="0"/>
+          </a:p>
+        </p:txBody>
+      </p:sp>
+    </p:spTree>
+    <p:extLst>
+      <p:ext uri="{BB962C8B-B14F-4D97-AF65-F5344CB8AC3E}">
+        <p14:creationId xmlns:p14="http://schemas.microsoft.com/office/powerpoint/2010/main" val="3972677190"/>
+      </p:ext>
+    </p:extLst>
+  </p:cSld>
+  <p:clrMapOvr>
+    <a:masterClrMapping/>
+  </p:clrMapOvr>
+</p:sld>
+</file>
+
+<file path=ppt/slides/slide39.xml><?xml version="1.0" encoding="utf-8"?>
+<p:sld xmlns:a="http://schemas.openxmlformats.org/drawingml/2006/main" xmlns:r="http://schemas.openxmlformats.org/officeDocument/2006/relationships" xmlns:p="http://schemas.openxmlformats.org/presentationml/2006/main">
+  <p:cSld>
+    <p:spTree>
+      <p:nvGrpSpPr>
+        <p:cNvPr id="1" name=""/>
+        <p:cNvGrpSpPr/>
+        <p:nvPr/>
+      </p:nvGrpSpPr>
+      <p:grpSpPr>
+        <a:xfrm>
+          <a:off x="0" y="0"/>
+          <a:ext cx="0" cy="0"/>
+          <a:chOff x="0" y="0"/>
+          <a:chExt cx="0" cy="0"/>
+        </a:xfrm>
+      </p:grpSpPr>
+      <p:sp>
+        <p:nvSpPr>
+          <p:cNvPr id="2" name="Title 1"/>
+          <p:cNvSpPr>
+            <a:spLocks noGrp="1"/>
+          </p:cNvSpPr>
+          <p:nvPr>
+            <p:ph type="title"/>
+          </p:nvPr>
+        </p:nvSpPr>
+        <p:spPr/>
+        <p:txBody>
+          <a:bodyPr/>
+          <a:lstStyle/>
+          <a:p>
+            <a:r>
+              <a:rPr lang="en-US" dirty="0" smtClean="0"/>
+              <a:t>DEMO</a:t>
+            </a:r>
+            <a:endParaRPr lang="en-US" dirty="0"/>
+          </a:p>
+        </p:txBody>
+      </p:sp>
+      <p:pic>
+        <p:nvPicPr>
+          <p:cNvPr id="4" name="Content Placeholder 3"/>
+          <p:cNvPicPr>
+            <a:picLocks noGrp="1" noChangeAspect="1"/>
+          </p:cNvPicPr>
+          <p:nvPr>
+            <p:ph idx="1"/>
+          </p:nvPr>
+        </p:nvPicPr>
+        <p:blipFill>
+          <a:blip r:embed="rId2"/>
+          <a:srcRect t="2393" b="2393"/>
+          <a:stretch>
+            <a:fillRect/>
+          </a:stretch>
+        </p:blipFill>
+        <p:spPr/>
+      </p:pic>
+    </p:spTree>
+    <p:extLst>
+      <p:ext uri="{BB962C8B-B14F-4D97-AF65-F5344CB8AC3E}">
+        <p14:creationId xmlns:p14="http://schemas.microsoft.com/office/powerpoint/2010/main" val="157011206"/>
+      </p:ext>
+    </p:extLst>
+  </p:cSld>
+  <p:clrMapOvr>
+    <a:masterClrMapping/>
+  </p:clrMapOvr>
+</p:sld>
+</file>
+
 <file path=ppt/slides/slide4.xml><?xml version="1.0" encoding="utf-8"?>
 <p:sld xmlns:a="http://schemas.openxmlformats.org/drawingml/2006/main" xmlns:r="http://schemas.openxmlformats.org/officeDocument/2006/relationships" xmlns:p="http://schemas.openxmlformats.org/presentationml/2006/main">
   <p:cSld>
@@ -4899,7 +7893,6 @@
               <a:rPr lang="en-US" dirty="0" smtClean="0"/>
               <a:t>Personal computers running desktop applications</a:t>
             </a:r>
-            <a:endParaRPr lang="en-US" dirty="0" smtClean="0"/>
           </a:p>
           <a:p>
             <a:pPr lvl="2"/>
@@ -4950,6 +7943,382 @@
     <p:extLst>
       <p:ext uri="{BB962C8B-B14F-4D97-AF65-F5344CB8AC3E}">
         <p14:creationId xmlns:p14="http://schemas.microsoft.com/office/powerpoint/2010/main" val="3242115394"/>
+      </p:ext>
+    </p:extLst>
+  </p:cSld>
+  <p:clrMapOvr>
+    <a:masterClrMapping/>
+  </p:clrMapOvr>
+</p:sld>
+</file>
+
+<file path=ppt/slides/slide40.xml><?xml version="1.0" encoding="utf-8"?>
+<p:sld xmlns:a="http://schemas.openxmlformats.org/drawingml/2006/main" xmlns:r="http://schemas.openxmlformats.org/officeDocument/2006/relationships" xmlns:p="http://schemas.openxmlformats.org/presentationml/2006/main">
+  <p:cSld>
+    <p:spTree>
+      <p:nvGrpSpPr>
+        <p:cNvPr id="1" name=""/>
+        <p:cNvGrpSpPr/>
+        <p:nvPr/>
+      </p:nvGrpSpPr>
+      <p:grpSpPr>
+        <a:xfrm>
+          <a:off x="0" y="0"/>
+          <a:ext cx="0" cy="0"/>
+          <a:chOff x="0" y="0"/>
+          <a:chExt cx="0" cy="0"/>
+        </a:xfrm>
+      </p:grpSpPr>
+      <p:sp>
+        <p:nvSpPr>
+          <p:cNvPr id="2" name="Title 1"/>
+          <p:cNvSpPr>
+            <a:spLocks noGrp="1"/>
+          </p:cNvSpPr>
+          <p:nvPr>
+            <p:ph type="title"/>
+          </p:nvPr>
+        </p:nvSpPr>
+        <p:spPr/>
+        <p:txBody>
+          <a:bodyPr/>
+          <a:lstStyle/>
+          <a:p>
+            <a:r>
+              <a:rPr lang="en-US" dirty="0" smtClean="0"/>
+              <a:t>Vagrant demo</a:t>
+            </a:r>
+            <a:endParaRPr lang="en-US" dirty="0"/>
+          </a:p>
+        </p:txBody>
+      </p:sp>
+      <p:sp>
+        <p:nvSpPr>
+          <p:cNvPr id="3" name="Content Placeholder 2"/>
+          <p:cNvSpPr>
+            <a:spLocks noGrp="1"/>
+          </p:cNvSpPr>
+          <p:nvPr>
+            <p:ph idx="1"/>
+          </p:nvPr>
+        </p:nvSpPr>
+        <p:spPr/>
+        <p:txBody>
+          <a:bodyPr>
+            <a:normAutofit lnSpcReduction="10000"/>
+          </a:bodyPr>
+          <a:lstStyle/>
+          <a:p>
+            <a:r>
+              <a:rPr lang="en-US" dirty="0" smtClean="0"/>
+              <a:t>Creating </a:t>
+            </a:r>
+            <a:r>
+              <a:rPr lang="en-US" smtClean="0"/>
+              <a:t>virtual machines is </a:t>
+            </a:r>
+            <a:r>
+              <a:rPr lang="en-US" dirty="0" smtClean="0"/>
+              <a:t>time-consuming, repetitive, and mistake prone</a:t>
+            </a:r>
+          </a:p>
+          <a:p>
+            <a:pPr lvl="1"/>
+            <a:r>
+              <a:rPr lang="en-US" dirty="0" smtClean="0"/>
+              <a:t>Imagine writing code and needing to stand up a test environment several times a day</a:t>
+            </a:r>
+          </a:p>
+          <a:p>
+            <a:pPr lvl="1"/>
+            <a:r>
+              <a:rPr lang="en-US" dirty="0" smtClean="0"/>
+              <a:t>Need to share a virtual machine with other team members, clients, or the market (do they need to download a large virtual machine image?)</a:t>
+            </a:r>
+          </a:p>
+          <a:p>
+            <a:r>
+              <a:rPr lang="en-US" dirty="0" smtClean="0"/>
+              <a:t>Vagrant automates the creation of virtual machines</a:t>
+            </a:r>
+            <a:r>
+              <a:rPr lang="en-US" dirty="0"/>
+              <a:t> </a:t>
+            </a:r>
+            <a:r>
+              <a:rPr lang="en-US" dirty="0" smtClean="0"/>
+              <a:t>(configuration management)</a:t>
+            </a:r>
+          </a:p>
+          <a:p>
+            <a:pPr lvl="1"/>
+            <a:r>
+              <a:rPr lang="en-US" dirty="0" smtClean="0"/>
+              <a:t>Create one or entire group of machines</a:t>
+            </a:r>
+          </a:p>
+        </p:txBody>
+      </p:sp>
+    </p:spTree>
+    <p:extLst>
+      <p:ext uri="{BB962C8B-B14F-4D97-AF65-F5344CB8AC3E}">
+        <p14:creationId xmlns:p14="http://schemas.microsoft.com/office/powerpoint/2010/main" val="1765959263"/>
+      </p:ext>
+    </p:extLst>
+  </p:cSld>
+  <p:clrMapOvr>
+    <a:masterClrMapping/>
+  </p:clrMapOvr>
+</p:sld>
+</file>
+
+<file path=ppt/slides/slide41.xml><?xml version="1.0" encoding="utf-8"?>
+<p:sld xmlns:a="http://schemas.openxmlformats.org/drawingml/2006/main" xmlns:r="http://schemas.openxmlformats.org/officeDocument/2006/relationships" xmlns:p="http://schemas.openxmlformats.org/presentationml/2006/main">
+  <p:cSld>
+    <p:spTree>
+      <p:nvGrpSpPr>
+        <p:cNvPr id="1" name=""/>
+        <p:cNvGrpSpPr/>
+        <p:nvPr/>
+      </p:nvGrpSpPr>
+      <p:grpSpPr>
+        <a:xfrm>
+          <a:off x="0" y="0"/>
+          <a:ext cx="0" cy="0"/>
+          <a:chOff x="0" y="0"/>
+          <a:chExt cx="0" cy="0"/>
+        </a:xfrm>
+      </p:grpSpPr>
+      <p:sp>
+        <p:nvSpPr>
+          <p:cNvPr id="2" name="Title 1"/>
+          <p:cNvSpPr>
+            <a:spLocks noGrp="1"/>
+          </p:cNvSpPr>
+          <p:nvPr>
+            <p:ph type="title"/>
+          </p:nvPr>
+        </p:nvSpPr>
+        <p:spPr/>
+        <p:txBody>
+          <a:bodyPr/>
+          <a:lstStyle/>
+          <a:p>
+            <a:r>
+              <a:rPr lang="en-US" dirty="0" smtClean="0"/>
+              <a:t>Vagrant demo</a:t>
+            </a:r>
+            <a:endParaRPr lang="en-US" dirty="0"/>
+          </a:p>
+        </p:txBody>
+      </p:sp>
+      <p:pic>
+        <p:nvPicPr>
+          <p:cNvPr id="6" name="Picture 5"/>
+          <p:cNvPicPr>
+            <a:picLocks noChangeAspect="1"/>
+          </p:cNvPicPr>
+          <p:nvPr/>
+        </p:nvPicPr>
+        <p:blipFill>
+          <a:blip r:embed="rId2"/>
+          <a:stretch>
+            <a:fillRect/>
+          </a:stretch>
+        </p:blipFill>
+        <p:spPr>
+          <a:xfrm>
+            <a:off x="1466444" y="1417638"/>
+            <a:ext cx="6489173" cy="5148435"/>
+          </a:xfrm>
+          <a:prstGeom prst="rect">
+            <a:avLst/>
+          </a:prstGeom>
+        </p:spPr>
+      </p:pic>
+    </p:spTree>
+    <p:extLst>
+      <p:ext uri="{BB962C8B-B14F-4D97-AF65-F5344CB8AC3E}">
+        <p14:creationId xmlns:p14="http://schemas.microsoft.com/office/powerpoint/2010/main" val="180961419"/>
+      </p:ext>
+    </p:extLst>
+  </p:cSld>
+  <p:clrMapOvr>
+    <a:masterClrMapping/>
+  </p:clrMapOvr>
+</p:sld>
+</file>
+
+<file path=ppt/slides/slide42.xml><?xml version="1.0" encoding="utf-8"?>
+<p:sld xmlns:a="http://schemas.openxmlformats.org/drawingml/2006/main" xmlns:r="http://schemas.openxmlformats.org/officeDocument/2006/relationships" xmlns:p="http://schemas.openxmlformats.org/presentationml/2006/main">
+  <p:cSld>
+    <p:spTree>
+      <p:nvGrpSpPr>
+        <p:cNvPr id="1" name=""/>
+        <p:cNvGrpSpPr/>
+        <p:nvPr/>
+      </p:nvGrpSpPr>
+      <p:grpSpPr>
+        <a:xfrm>
+          <a:off x="0" y="0"/>
+          <a:ext cx="0" cy="0"/>
+          <a:chOff x="0" y="0"/>
+          <a:chExt cx="0" cy="0"/>
+        </a:xfrm>
+      </p:grpSpPr>
+      <p:sp>
+        <p:nvSpPr>
+          <p:cNvPr id="2" name="Title 1"/>
+          <p:cNvSpPr>
+            <a:spLocks noGrp="1"/>
+          </p:cNvSpPr>
+          <p:nvPr>
+            <p:ph type="title"/>
+          </p:nvPr>
+        </p:nvSpPr>
+        <p:spPr/>
+        <p:txBody>
+          <a:bodyPr/>
+          <a:lstStyle/>
+          <a:p>
+            <a:r>
+              <a:rPr lang="en-US" dirty="0" smtClean="0"/>
+              <a:t>DEMO</a:t>
+            </a:r>
+            <a:endParaRPr lang="en-US" dirty="0"/>
+          </a:p>
+        </p:txBody>
+      </p:sp>
+      <p:pic>
+        <p:nvPicPr>
+          <p:cNvPr id="6" name="Content Placeholder 5"/>
+          <p:cNvPicPr>
+            <a:picLocks noGrp="1" noChangeAspect="1"/>
+          </p:cNvPicPr>
+          <p:nvPr>
+            <p:ph idx="1"/>
+          </p:nvPr>
+        </p:nvPicPr>
+        <p:blipFill rotWithShape="1">
+          <a:blip r:embed="rId2"/>
+          <a:srcRect t="11350" b="11360"/>
+          <a:stretch/>
+        </p:blipFill>
+        <p:spPr>
+          <a:xfrm>
+            <a:off x="2171515" y="1417638"/>
+            <a:ext cx="4708416" cy="4159101"/>
+          </a:xfrm>
+        </p:spPr>
+      </p:pic>
+    </p:spTree>
+    <p:extLst>
+      <p:ext uri="{BB962C8B-B14F-4D97-AF65-F5344CB8AC3E}">
+        <p14:creationId xmlns:p14="http://schemas.microsoft.com/office/powerpoint/2010/main" val="834167572"/>
+      </p:ext>
+    </p:extLst>
+  </p:cSld>
+  <p:clrMapOvr>
+    <a:masterClrMapping/>
+  </p:clrMapOvr>
+</p:sld>
+</file>
+
+<file path=ppt/slides/slide43.xml><?xml version="1.0" encoding="utf-8"?>
+<p:sld xmlns:a="http://schemas.openxmlformats.org/drawingml/2006/main" xmlns:r="http://schemas.openxmlformats.org/officeDocument/2006/relationships" xmlns:p="http://schemas.openxmlformats.org/presentationml/2006/main">
+  <p:cSld>
+    <p:spTree>
+      <p:nvGrpSpPr>
+        <p:cNvPr id="1" name=""/>
+        <p:cNvGrpSpPr/>
+        <p:nvPr/>
+      </p:nvGrpSpPr>
+      <p:grpSpPr>
+        <a:xfrm>
+          <a:off x="0" y="0"/>
+          <a:ext cx="0" cy="0"/>
+          <a:chOff x="0" y="0"/>
+          <a:chExt cx="0" cy="0"/>
+        </a:xfrm>
+      </p:grpSpPr>
+      <p:sp>
+        <p:nvSpPr>
+          <p:cNvPr id="2" name="Title 1"/>
+          <p:cNvSpPr>
+            <a:spLocks noGrp="1"/>
+          </p:cNvSpPr>
+          <p:nvPr>
+            <p:ph type="title"/>
+          </p:nvPr>
+        </p:nvSpPr>
+        <p:spPr/>
+        <p:txBody>
+          <a:bodyPr>
+            <a:normAutofit/>
+          </a:bodyPr>
+          <a:lstStyle/>
+          <a:p>
+            <a:r>
+              <a:rPr lang="en-US" dirty="0" smtClean="0"/>
+              <a:t>Homework</a:t>
+            </a:r>
+            <a:endParaRPr lang="en-US" dirty="0"/>
+          </a:p>
+        </p:txBody>
+      </p:sp>
+      <p:sp>
+        <p:nvSpPr>
+          <p:cNvPr id="3" name="Content Placeholder 2"/>
+          <p:cNvSpPr>
+            <a:spLocks noGrp="1"/>
+          </p:cNvSpPr>
+          <p:nvPr>
+            <p:ph idx="1"/>
+          </p:nvPr>
+        </p:nvSpPr>
+        <p:spPr>
+          <a:xfrm>
+            <a:off x="457200" y="1600200"/>
+            <a:ext cx="8229600" cy="4920629"/>
+          </a:xfrm>
+        </p:spPr>
+        <p:txBody>
+          <a:bodyPr>
+            <a:normAutofit/>
+          </a:bodyPr>
+          <a:lstStyle/>
+          <a:p>
+            <a:r>
+              <a:rPr lang="en-US" dirty="0" smtClean="0"/>
+              <a:t>Assignment 3</a:t>
+            </a:r>
+          </a:p>
+          <a:p>
+            <a:r>
+              <a:rPr lang="en-US" dirty="0" smtClean="0"/>
+              <a:t>Read Practice of Cloud Systems Administration Appendix B</a:t>
+            </a:r>
+          </a:p>
+          <a:p>
+            <a:r>
+              <a:rPr lang="en-US" dirty="0" smtClean="0"/>
+              <a:t>Read Ov</a:t>
+            </a:r>
+            <a:r>
+              <a:rPr lang="en-US" i="1" dirty="0" smtClean="0"/>
+              <a:t>erview of Amazon Web Services </a:t>
+            </a:r>
+            <a:r>
+              <a:rPr lang="en-US" dirty="0" smtClean="0"/>
+              <a:t>(December 2015)</a:t>
+            </a:r>
+          </a:p>
+        </p:txBody>
+      </p:sp>
+    </p:spTree>
+    <p:extLst>
+      <p:ext uri="{BB962C8B-B14F-4D97-AF65-F5344CB8AC3E}">
+        <p14:creationId xmlns:p14="http://schemas.microsoft.com/office/powerpoint/2010/main" val="2746791343"/>
       </p:ext>
     </p:extLst>
   </p:cSld>

--- a/infrastructure-week-3.pptx
+++ b/infrastructure-week-3.pptx
@@ -9,45 +9,46 @@
     <p:sldId id="260" r:id="rId3"/>
     <p:sldId id="259" r:id="rId4"/>
     <p:sldId id="261" r:id="rId5"/>
-    <p:sldId id="262" r:id="rId6"/>
-    <p:sldId id="263" r:id="rId7"/>
-    <p:sldId id="264" r:id="rId8"/>
-    <p:sldId id="265" r:id="rId9"/>
-    <p:sldId id="266" r:id="rId10"/>
-    <p:sldId id="268" r:id="rId11"/>
-    <p:sldId id="267" r:id="rId12"/>
-    <p:sldId id="269" r:id="rId13"/>
-    <p:sldId id="270" r:id="rId14"/>
-    <p:sldId id="271" r:id="rId15"/>
-    <p:sldId id="272" r:id="rId16"/>
-    <p:sldId id="273" r:id="rId17"/>
-    <p:sldId id="274" r:id="rId18"/>
-    <p:sldId id="279" r:id="rId19"/>
-    <p:sldId id="280" r:id="rId20"/>
-    <p:sldId id="281" r:id="rId21"/>
-    <p:sldId id="282" r:id="rId22"/>
-    <p:sldId id="283" r:id="rId23"/>
-    <p:sldId id="275" r:id="rId24"/>
-    <p:sldId id="276" r:id="rId25"/>
-    <p:sldId id="277" r:id="rId26"/>
-    <p:sldId id="284" r:id="rId27"/>
-    <p:sldId id="285" r:id="rId28"/>
-    <p:sldId id="286" r:id="rId29"/>
-    <p:sldId id="287" r:id="rId30"/>
-    <p:sldId id="289" r:id="rId31"/>
-    <p:sldId id="290" r:id="rId32"/>
-    <p:sldId id="288" r:id="rId33"/>
-    <p:sldId id="291" r:id="rId34"/>
-    <p:sldId id="292" r:id="rId35"/>
-    <p:sldId id="293" r:id="rId36"/>
-    <p:sldId id="294" r:id="rId37"/>
-    <p:sldId id="295" r:id="rId38"/>
-    <p:sldId id="296" r:id="rId39"/>
-    <p:sldId id="297" r:id="rId40"/>
-    <p:sldId id="298" r:id="rId41"/>
-    <p:sldId id="300" r:id="rId42"/>
-    <p:sldId id="299" r:id="rId43"/>
-    <p:sldId id="278" r:id="rId44"/>
+    <p:sldId id="301" r:id="rId6"/>
+    <p:sldId id="262" r:id="rId7"/>
+    <p:sldId id="263" r:id="rId8"/>
+    <p:sldId id="264" r:id="rId9"/>
+    <p:sldId id="265" r:id="rId10"/>
+    <p:sldId id="266" r:id="rId11"/>
+    <p:sldId id="268" r:id="rId12"/>
+    <p:sldId id="267" r:id="rId13"/>
+    <p:sldId id="269" r:id="rId14"/>
+    <p:sldId id="270" r:id="rId15"/>
+    <p:sldId id="271" r:id="rId16"/>
+    <p:sldId id="272" r:id="rId17"/>
+    <p:sldId id="273" r:id="rId18"/>
+    <p:sldId id="274" r:id="rId19"/>
+    <p:sldId id="279" r:id="rId20"/>
+    <p:sldId id="280" r:id="rId21"/>
+    <p:sldId id="281" r:id="rId22"/>
+    <p:sldId id="282" r:id="rId23"/>
+    <p:sldId id="283" r:id="rId24"/>
+    <p:sldId id="275" r:id="rId25"/>
+    <p:sldId id="276" r:id="rId26"/>
+    <p:sldId id="277" r:id="rId27"/>
+    <p:sldId id="284" r:id="rId28"/>
+    <p:sldId id="285" r:id="rId29"/>
+    <p:sldId id="286" r:id="rId30"/>
+    <p:sldId id="287" r:id="rId31"/>
+    <p:sldId id="289" r:id="rId32"/>
+    <p:sldId id="290" r:id="rId33"/>
+    <p:sldId id="288" r:id="rId34"/>
+    <p:sldId id="291" r:id="rId35"/>
+    <p:sldId id="292" r:id="rId36"/>
+    <p:sldId id="293" r:id="rId37"/>
+    <p:sldId id="294" r:id="rId38"/>
+    <p:sldId id="295" r:id="rId39"/>
+    <p:sldId id="296" r:id="rId40"/>
+    <p:sldId id="297" r:id="rId41"/>
+    <p:sldId id="298" r:id="rId42"/>
+    <p:sldId id="300" r:id="rId43"/>
+    <p:sldId id="299" r:id="rId44"/>
+    <p:sldId id="278" r:id="rId45"/>
   </p:sldIdLst>
   <p:sldSz cx="9144000" cy="6858000" type="screen4x3"/>
   <p:notesSz cx="6858000" cy="9144000"/>
@@ -330,7 +331,7 @@
           <a:p>
             <a:fld id="{C721276B-38BC-F24F-B36B-D23FB353AB88}" type="datetimeFigureOut">
               <a:rPr lang="en-US" smtClean="0"/>
-              <a:t>3/31/16</a:t>
+              <a:t>4/11/16</a:t>
             </a:fld>
             <a:endParaRPr lang="en-US"/>
           </a:p>
@@ -500,7 +501,7 @@
           <a:p>
             <a:fld id="{C721276B-38BC-F24F-B36B-D23FB353AB88}" type="datetimeFigureOut">
               <a:rPr lang="en-US" smtClean="0"/>
-              <a:t>3/31/16</a:t>
+              <a:t>4/11/16</a:t>
             </a:fld>
             <a:endParaRPr lang="en-US"/>
           </a:p>
@@ -680,7 +681,7 @@
           <a:p>
             <a:fld id="{C721276B-38BC-F24F-B36B-D23FB353AB88}" type="datetimeFigureOut">
               <a:rPr lang="en-US" smtClean="0"/>
-              <a:t>3/31/16</a:t>
+              <a:t>4/11/16</a:t>
             </a:fld>
             <a:endParaRPr lang="en-US"/>
           </a:p>
@@ -850,7 +851,7 @@
           <a:p>
             <a:fld id="{C721276B-38BC-F24F-B36B-D23FB353AB88}" type="datetimeFigureOut">
               <a:rPr lang="en-US" smtClean="0"/>
-              <a:t>3/31/16</a:t>
+              <a:t>4/11/16</a:t>
             </a:fld>
             <a:endParaRPr lang="en-US"/>
           </a:p>
@@ -1096,7 +1097,7 @@
           <a:p>
             <a:fld id="{C721276B-38BC-F24F-B36B-D23FB353AB88}" type="datetimeFigureOut">
               <a:rPr lang="en-US" smtClean="0"/>
-              <a:t>3/31/16</a:t>
+              <a:t>4/11/16</a:t>
             </a:fld>
             <a:endParaRPr lang="en-US"/>
           </a:p>
@@ -1384,7 +1385,7 @@
           <a:p>
             <a:fld id="{C721276B-38BC-F24F-B36B-D23FB353AB88}" type="datetimeFigureOut">
               <a:rPr lang="en-US" smtClean="0"/>
-              <a:t>3/31/16</a:t>
+              <a:t>4/11/16</a:t>
             </a:fld>
             <a:endParaRPr lang="en-US"/>
           </a:p>
@@ -1806,7 +1807,7 @@
           <a:p>
             <a:fld id="{C721276B-38BC-F24F-B36B-D23FB353AB88}" type="datetimeFigureOut">
               <a:rPr lang="en-US" smtClean="0"/>
-              <a:t>3/31/16</a:t>
+              <a:t>4/11/16</a:t>
             </a:fld>
             <a:endParaRPr lang="en-US"/>
           </a:p>
@@ -1924,7 +1925,7 @@
           <a:p>
             <a:fld id="{C721276B-38BC-F24F-B36B-D23FB353AB88}" type="datetimeFigureOut">
               <a:rPr lang="en-US" smtClean="0"/>
-              <a:t>3/31/16</a:t>
+              <a:t>4/11/16</a:t>
             </a:fld>
             <a:endParaRPr lang="en-US"/>
           </a:p>
@@ -2019,7 +2020,7 @@
           <a:p>
             <a:fld id="{C721276B-38BC-F24F-B36B-D23FB353AB88}" type="datetimeFigureOut">
               <a:rPr lang="en-US" smtClean="0"/>
-              <a:t>3/31/16</a:t>
+              <a:t>4/11/16</a:t>
             </a:fld>
             <a:endParaRPr lang="en-US"/>
           </a:p>
@@ -2296,7 +2297,7 @@
           <a:p>
             <a:fld id="{C721276B-38BC-F24F-B36B-D23FB353AB88}" type="datetimeFigureOut">
               <a:rPr lang="en-US" smtClean="0"/>
-              <a:t>3/31/16</a:t>
+              <a:t>4/11/16</a:t>
             </a:fld>
             <a:endParaRPr lang="en-US"/>
           </a:p>
@@ -2549,7 +2550,7 @@
           <a:p>
             <a:fld id="{C721276B-38BC-F24F-B36B-D23FB353AB88}" type="datetimeFigureOut">
               <a:rPr lang="en-US" smtClean="0"/>
-              <a:t>3/31/16</a:t>
+              <a:t>4/11/16</a:t>
             </a:fld>
             <a:endParaRPr lang="en-US"/>
           </a:p>
@@ -2762,7 +2763,7 @@
           <a:p>
             <a:fld id="{C721276B-38BC-F24F-B36B-D23FB353AB88}" type="datetimeFigureOut">
               <a:rPr lang="en-US" smtClean="0"/>
-              <a:t>3/31/16</a:t>
+              <a:t>4/11/16</a:t>
             </a:fld>
             <a:endParaRPr lang="en-US"/>
           </a:p>
@@ -3137,6 +3138,30 @@
           <a:chExt cx="0" cy="0"/>
         </a:xfrm>
       </p:grpSpPr>
+      <p:pic>
+        <p:nvPicPr>
+          <p:cNvPr id="4" name="Picture 3"/>
+          <p:cNvPicPr>
+            <a:picLocks noChangeAspect="1"/>
+          </p:cNvPicPr>
+          <p:nvPr/>
+        </p:nvPicPr>
+        <p:blipFill>
+          <a:blip r:embed="rId2"/>
+          <a:stretch>
+            <a:fillRect/>
+          </a:stretch>
+        </p:blipFill>
+        <p:spPr>
+          <a:xfrm>
+            <a:off x="4498062" y="5103930"/>
+            <a:ext cx="4083616" cy="1069740"/>
+          </a:xfrm>
+          <a:prstGeom prst="rect">
+            <a:avLst/>
+          </a:prstGeom>
+        </p:spPr>
+      </p:pic>
       <p:sp>
         <p:nvSpPr>
           <p:cNvPr id="2" name="Title 1"/>
@@ -3155,31 +3180,63 @@
         </p:spPr>
         <p:txBody>
           <a:bodyPr>
-            <a:normAutofit fontScale="90000"/>
+            <a:normAutofit/>
           </a:bodyPr>
           <a:lstStyle/>
           <a:p>
             <a:r>
-              <a:rPr lang="en-US" sz="6000" dirty="0" smtClean="0"/>
+              <a:rPr lang="en-US" sz="3600" dirty="0" err="1">
+                <a:solidFill>
+                  <a:prstClr val="black"/>
+                </a:solidFill>
+              </a:rPr>
+              <a:t>DevOps</a:t>
+            </a:r>
+            <a:r>
+              <a:rPr lang="en-US" sz="3600" dirty="0">
+                <a:solidFill>
+                  <a:prstClr val="black"/>
+                </a:solidFill>
+              </a:rPr>
+              <a:t> &amp; Cloud Infrastructure</a:t>
+            </a:r>
+            <a:br>
+              <a:rPr lang="en-US" sz="3600" dirty="0">
+                <a:solidFill>
+                  <a:prstClr val="black"/>
+                </a:solidFill>
+              </a:rPr>
+            </a:br>
+            <a:r>
+              <a:rPr lang="en-US" sz="3600" dirty="0">
+                <a:solidFill>
+                  <a:prstClr val="black"/>
+                </a:solidFill>
+              </a:rPr>
               <a:t>SEIS 6XX</a:t>
             </a:r>
             <a:br>
-              <a:rPr lang="en-US" sz="6000" dirty="0" smtClean="0"/>
+              <a:rPr lang="en-US" sz="3600" dirty="0">
+                <a:solidFill>
+                  <a:prstClr val="black"/>
+                </a:solidFill>
+              </a:rPr>
             </a:br>
             <a:r>
-              <a:rPr lang="en-US" sz="6000" dirty="0" smtClean="0"/>
-              <a:t>IT </a:t>
-            </a:r>
-            <a:r>
-              <a:rPr lang="en-US" sz="6000" dirty="0" smtClean="0"/>
-              <a:t>Infrastructure</a:t>
-            </a:r>
-            <a:br>
-              <a:rPr lang="en-US" sz="6000" dirty="0" smtClean="0"/>
-            </a:br>
-            <a:r>
-              <a:rPr lang="en-US" sz="6000" dirty="0" smtClean="0"/>
-              <a:t>Week 3</a:t>
+              <a:rPr lang="en-US" sz="3600">
+                <a:solidFill>
+                  <a:prstClr val="black"/>
+                </a:solidFill>
+              </a:rPr>
+              <a:t>Week </a:t>
+            </a:r>
+            <a:r>
+              <a:rPr lang="en-US" sz="3600" smtClean="0">
+                <a:solidFill>
+                  <a:prstClr val="black"/>
+                </a:solidFill>
+              </a:rPr>
+              <a:t>3</a:t>
             </a:r>
             <a:endParaRPr lang="en-US" sz="6000" dirty="0"/>
           </a:p>
@@ -3294,6 +3351,120 @@
           </a:p>
         </p:txBody>
       </p:sp>
+      <p:sp>
+        <p:nvSpPr>
+          <p:cNvPr id="3" name="Content Placeholder 2"/>
+          <p:cNvSpPr>
+            <a:spLocks noGrp="1"/>
+          </p:cNvSpPr>
+          <p:nvPr>
+            <p:ph idx="1"/>
+          </p:nvPr>
+        </p:nvSpPr>
+        <p:spPr>
+          <a:xfrm>
+            <a:off x="457200" y="1600200"/>
+            <a:ext cx="8229600" cy="4920629"/>
+          </a:xfrm>
+        </p:spPr>
+        <p:txBody>
+          <a:bodyPr>
+            <a:normAutofit/>
+          </a:bodyPr>
+          <a:lstStyle/>
+          <a:p>
+            <a:pPr lvl="1"/>
+            <a:r>
+              <a:rPr lang="en-US" dirty="0" smtClean="0"/>
+              <a:t>Least load: LB monitors load of each server and sends requests to least loaded system</a:t>
+            </a:r>
+          </a:p>
+          <a:p>
+            <a:pPr lvl="2"/>
+            <a:r>
+              <a:rPr lang="en-US" dirty="0" smtClean="0"/>
+              <a:t>Problem? What if least loaded system is actually malfunctioning in some way the LB cannot detect.</a:t>
+            </a:r>
+          </a:p>
+          <a:p>
+            <a:pPr lvl="2"/>
+            <a:r>
+              <a:rPr lang="en-US" dirty="0" smtClean="0"/>
+              <a:t>Least loaded system could be quickly overwhelmed because </a:t>
+            </a:r>
+            <a:r>
+              <a:rPr lang="en-US" dirty="0" err="1" smtClean="0"/>
+              <a:t>avg</a:t>
+            </a:r>
+            <a:r>
+              <a:rPr lang="en-US" dirty="0" smtClean="0"/>
+              <a:t> load metrics lag behind requests (solution = slow start)</a:t>
+            </a:r>
+          </a:p>
+          <a:p>
+            <a:pPr lvl="1"/>
+            <a:r>
+              <a:rPr lang="en-US" dirty="0" smtClean="0"/>
+              <a:t>Weighted round robin: servers are given specific weights so that higher-weighted servers receive a greater percentage of requests</a:t>
+            </a:r>
+          </a:p>
+        </p:txBody>
+      </p:sp>
+    </p:spTree>
+    <p:extLst>
+      <p:ext uri="{BB962C8B-B14F-4D97-AF65-F5344CB8AC3E}">
+        <p14:creationId xmlns:p14="http://schemas.microsoft.com/office/powerpoint/2010/main" val="2950527336"/>
+      </p:ext>
+    </p:extLst>
+  </p:cSld>
+  <p:clrMapOvr>
+    <a:masterClrMapping/>
+  </p:clrMapOvr>
+</p:sld>
+</file>
+
+<file path=ppt/slides/slide11.xml><?xml version="1.0" encoding="utf-8"?>
+<p:sld xmlns:a="http://schemas.openxmlformats.org/drawingml/2006/main" xmlns:r="http://schemas.openxmlformats.org/officeDocument/2006/relationships" xmlns:p="http://schemas.openxmlformats.org/presentationml/2006/main">
+  <p:cSld>
+    <p:spTree>
+      <p:nvGrpSpPr>
+        <p:cNvPr id="1" name=""/>
+        <p:cNvGrpSpPr/>
+        <p:nvPr/>
+      </p:nvGrpSpPr>
+      <p:grpSpPr>
+        <a:xfrm>
+          <a:off x="0" y="0"/>
+          <a:ext cx="0" cy="0"/>
+          <a:chOff x="0" y="0"/>
+          <a:chExt cx="0" cy="0"/>
+        </a:xfrm>
+      </p:grpSpPr>
+      <p:sp>
+        <p:nvSpPr>
+          <p:cNvPr id="2" name="Title 1"/>
+          <p:cNvSpPr>
+            <a:spLocks noGrp="1"/>
+          </p:cNvSpPr>
+          <p:nvPr>
+            <p:ph type="title"/>
+          </p:nvPr>
+        </p:nvSpPr>
+        <p:spPr/>
+        <p:txBody>
+          <a:bodyPr>
+            <a:normAutofit/>
+          </a:bodyPr>
+          <a:lstStyle/>
+          <a:p>
+            <a:r>
+              <a:rPr lang="en-US" dirty="0" smtClean="0"/>
+              <a:t>Distributed composition patterns</a:t>
+            </a:r>
+            <a:endParaRPr lang="en-US" dirty="0"/>
+          </a:p>
+        </p:txBody>
+      </p:sp>
       <p:pic>
         <p:nvPicPr>
           <p:cNvPr id="4" name="Picture 3"/>
@@ -3341,13 +3512,8 @@
           <a:p>
             <a:r>
               <a:rPr lang="en-US" dirty="0" smtClean="0"/>
-              <a:t>Server with multiple </a:t>
-            </a:r>
-            <a:r>
-              <a:rPr lang="en-US" dirty="0" err="1" smtClean="0"/>
-              <a:t>backends</a:t>
-            </a:r>
-            <a:endParaRPr lang="en-US" dirty="0" smtClean="0"/>
+              <a:t>Server with multiple back-ends</a:t>
+            </a:r>
           </a:p>
           <a:p>
             <a:pPr lvl="1"/>
@@ -3395,7 +3561,7 @@
 </p:sld>
 </file>
 
-<file path=ppt/slides/slide11.xml><?xml version="1.0" encoding="utf-8"?>
+<file path=ppt/slides/slide12.xml><?xml version="1.0" encoding="utf-8"?>
 <p:sld xmlns:a="http://schemas.openxmlformats.org/drawingml/2006/main" xmlns:r="http://schemas.openxmlformats.org/officeDocument/2006/relationships" xmlns:p="http://schemas.openxmlformats.org/presentationml/2006/main">
   <p:cSld>
     <p:spTree>
@@ -3555,7 +3721,7 @@
 </p:sld>
 </file>
 
-<file path=ppt/slides/slide12.xml><?xml version="1.0" encoding="utf-8"?>
+<file path=ppt/slides/slide13.xml><?xml version="1.0" encoding="utf-8"?>
 <p:sld xmlns:a="http://schemas.openxmlformats.org/drawingml/2006/main" xmlns:r="http://schemas.openxmlformats.org/officeDocument/2006/relationships" xmlns:p="http://schemas.openxmlformats.org/presentationml/2006/main">
   <p:cSld>
     <p:spTree>
@@ -3685,7 +3851,7 @@
 </p:sld>
 </file>
 
-<file path=ppt/slides/slide13.xml><?xml version="1.0" encoding="utf-8"?>
+<file path=ppt/slides/slide14.xml><?xml version="1.0" encoding="utf-8"?>
 <p:sld xmlns:a="http://schemas.openxmlformats.org/drawingml/2006/main" xmlns:r="http://schemas.openxmlformats.org/officeDocument/2006/relationships" xmlns:p="http://schemas.openxmlformats.org/presentationml/2006/main">
   <p:cSld>
     <p:spTree>
@@ -3840,146 +4006,6 @@
 </p:sld>
 </file>
 
-<file path=ppt/slides/slide14.xml><?xml version="1.0" encoding="utf-8"?>
-<p:sld xmlns:a="http://schemas.openxmlformats.org/drawingml/2006/main" xmlns:r="http://schemas.openxmlformats.org/officeDocument/2006/relationships" xmlns:p="http://schemas.openxmlformats.org/presentationml/2006/main">
-  <p:cSld>
-    <p:spTree>
-      <p:nvGrpSpPr>
-        <p:cNvPr id="1" name=""/>
-        <p:cNvGrpSpPr/>
-        <p:nvPr/>
-      </p:nvGrpSpPr>
-      <p:grpSpPr>
-        <a:xfrm>
-          <a:off x="0" y="0"/>
-          <a:ext cx="0" cy="0"/>
-          <a:chOff x="0" y="0"/>
-          <a:chExt cx="0" cy="0"/>
-        </a:xfrm>
-      </p:grpSpPr>
-      <p:sp>
-        <p:nvSpPr>
-          <p:cNvPr id="2" name="Title 1"/>
-          <p:cNvSpPr>
-            <a:spLocks noGrp="1"/>
-          </p:cNvSpPr>
-          <p:nvPr>
-            <p:ph type="title"/>
-          </p:nvPr>
-        </p:nvSpPr>
-        <p:spPr/>
-        <p:txBody>
-          <a:bodyPr>
-            <a:normAutofit/>
-          </a:bodyPr>
-          <a:lstStyle/>
-          <a:p>
-            <a:r>
-              <a:rPr lang="en-US" dirty="0" smtClean="0"/>
-              <a:t>CAP Principle</a:t>
-            </a:r>
-            <a:endParaRPr lang="en-US" dirty="0"/>
-          </a:p>
-        </p:txBody>
-      </p:sp>
-      <p:sp>
-        <p:nvSpPr>
-          <p:cNvPr id="3" name="Content Placeholder 2"/>
-          <p:cNvSpPr>
-            <a:spLocks noGrp="1"/>
-          </p:cNvSpPr>
-          <p:nvPr>
-            <p:ph idx="1"/>
-          </p:nvPr>
-        </p:nvSpPr>
-        <p:spPr>
-          <a:xfrm>
-            <a:off x="457200" y="1600200"/>
-            <a:ext cx="8229600" cy="4920629"/>
-          </a:xfrm>
-        </p:spPr>
-        <p:txBody>
-          <a:bodyPr>
-            <a:normAutofit fontScale="92500"/>
-          </a:bodyPr>
-          <a:lstStyle/>
-          <a:p>
-            <a:r>
-              <a:rPr lang="en-US" dirty="0" smtClean="0"/>
-              <a:t>Consistency</a:t>
-            </a:r>
-          </a:p>
-          <a:p>
-            <a:pPr lvl="1"/>
-            <a:r>
-              <a:rPr lang="en-US" dirty="0" smtClean="0"/>
-              <a:t>All nodes see the same data at the same time</a:t>
-            </a:r>
-          </a:p>
-          <a:p>
-            <a:pPr lvl="1"/>
-            <a:r>
-              <a:rPr lang="en-US" dirty="0" smtClean="0"/>
-              <a:t>Options:</a:t>
-            </a:r>
-          </a:p>
-          <a:p>
-            <a:pPr lvl="2"/>
-            <a:r>
-              <a:rPr lang="en-US" dirty="0"/>
-              <a:t>A</a:t>
-            </a:r>
-            <a:r>
-              <a:rPr lang="en-US" dirty="0" smtClean="0"/>
-              <a:t>pplication waits until all server nodes are updated (slow)</a:t>
-            </a:r>
-          </a:p>
-          <a:p>
-            <a:pPr lvl="2"/>
-            <a:r>
-              <a:rPr lang="en-US" dirty="0" smtClean="0"/>
-              <a:t>Application reads data from an available server knowing data might be outdated (fast – eventual consistency)</a:t>
-            </a:r>
-          </a:p>
-          <a:p>
-            <a:pPr lvl="1"/>
-            <a:r>
-              <a:rPr lang="en-US" dirty="0" smtClean="0"/>
-              <a:t>Apps where transactions are significant, like banks, need strong consistency</a:t>
-            </a:r>
-          </a:p>
-          <a:p>
-            <a:pPr lvl="1"/>
-            <a:r>
-              <a:rPr lang="en-US" dirty="0" smtClean="0"/>
-              <a:t>Apps where speed is more important than data recency, like social media, leverage eventual consistency</a:t>
-            </a:r>
-          </a:p>
-          <a:p>
-            <a:pPr lvl="2"/>
-            <a:endParaRPr lang="en-US" dirty="0"/>
-          </a:p>
-          <a:p>
-            <a:pPr marL="457200" lvl="1" indent="0">
-              <a:buNone/>
-            </a:pPr>
-            <a:endParaRPr lang="en-US" dirty="0" smtClean="0"/>
-          </a:p>
-        </p:txBody>
-      </p:sp>
-    </p:spTree>
-    <p:extLst>
-      <p:ext uri="{BB962C8B-B14F-4D97-AF65-F5344CB8AC3E}">
-        <p14:creationId xmlns:p14="http://schemas.microsoft.com/office/powerpoint/2010/main" val="1430246649"/>
-      </p:ext>
-    </p:extLst>
-  </p:cSld>
-  <p:clrMapOvr>
-    <a:masterClrMapping/>
-  </p:clrMapOvr>
-</p:sld>
-</file>
-
 <file path=ppt/slides/slide15.xml><?xml version="1.0" encoding="utf-8"?>
 <p:sld xmlns:a="http://schemas.openxmlformats.org/drawingml/2006/main" xmlns:r="http://schemas.openxmlformats.org/officeDocument/2006/relationships" xmlns:p="http://schemas.openxmlformats.org/presentationml/2006/main">
   <p:cSld>
@@ -4040,45 +4066,63 @@
         </p:spPr>
         <p:txBody>
           <a:bodyPr>
-            <a:normAutofit/>
+            <a:normAutofit fontScale="92500"/>
           </a:bodyPr>
           <a:lstStyle/>
           <a:p>
             <a:r>
               <a:rPr lang="en-US" dirty="0" smtClean="0"/>
-              <a:t>Availability</a:t>
-            </a:r>
-          </a:p>
-          <a:p>
-            <a:pPr lvl="1"/>
-            <a:r>
-              <a:rPr lang="en-US" dirty="0" smtClean="0"/>
-              <a:t>Means that the system is accessible when a user makes a request. It’s up!</a:t>
-            </a:r>
-          </a:p>
-          <a:p>
-            <a:pPr lvl="1"/>
-            <a:r>
-              <a:rPr lang="en-US" dirty="0" smtClean="0"/>
-              <a:t>We spread and replicate data on multiple servers to guarantee availability</a:t>
-            </a:r>
-          </a:p>
-          <a:p>
-            <a:pPr lvl="1"/>
-            <a:r>
-              <a:rPr lang="en-US" dirty="0" smtClean="0"/>
-              <a:t>Can an application on a single server be available? Sure, but a single server isn’t a distributed architecture. </a:t>
-            </a:r>
-            <a:r>
-              <a:rPr lang="en-US" dirty="0" smtClean="0">
-                <a:sym typeface="Wingdings"/>
-              </a:rPr>
-              <a:t></a:t>
-            </a:r>
-            <a:r>
-              <a:rPr lang="en-US" dirty="0" smtClean="0"/>
-              <a:t> </a:t>
-            </a:r>
+              <a:t>Consistency</a:t>
+            </a:r>
+          </a:p>
+          <a:p>
+            <a:pPr lvl="1"/>
+            <a:r>
+              <a:rPr lang="en-US" dirty="0" smtClean="0"/>
+              <a:t>All nodes see the same data at the same time</a:t>
+            </a:r>
+          </a:p>
+          <a:p>
+            <a:pPr lvl="1"/>
+            <a:r>
+              <a:rPr lang="en-US" dirty="0" smtClean="0"/>
+              <a:t>Options:</a:t>
+            </a:r>
+          </a:p>
+          <a:p>
+            <a:pPr lvl="2"/>
+            <a:r>
+              <a:rPr lang="en-US" dirty="0"/>
+              <a:t>A</a:t>
+            </a:r>
+            <a:r>
+              <a:rPr lang="en-US" dirty="0" smtClean="0"/>
+              <a:t>pplication waits until all server nodes are updated (slow)</a:t>
+            </a:r>
+          </a:p>
+          <a:p>
+            <a:pPr lvl="2"/>
+            <a:r>
+              <a:rPr lang="en-US" dirty="0" smtClean="0"/>
+              <a:t>Application reads data from an available server knowing data might be outdated (fast – eventual consistency)</a:t>
+            </a:r>
+          </a:p>
+          <a:p>
+            <a:pPr lvl="1"/>
+            <a:r>
+              <a:rPr lang="en-US" dirty="0" smtClean="0"/>
+              <a:t>Apps where transactions are significant, like banks, need strong consistency</a:t>
+            </a:r>
+          </a:p>
+          <a:p>
+            <a:pPr lvl="1"/>
+            <a:r>
+              <a:rPr lang="en-US" dirty="0" smtClean="0"/>
+              <a:t>Apps where speed is more important than data recency, like social media, leverage eventual consistency</a:t>
+            </a:r>
+          </a:p>
+          <a:p>
+            <a:pPr lvl="2"/>
             <a:endParaRPr lang="en-US" dirty="0"/>
           </a:p>
           <a:p>
@@ -4092,7 +4136,7 @@
     </p:spTree>
     <p:extLst>
       <p:ext uri="{BB962C8B-B14F-4D97-AF65-F5344CB8AC3E}">
-        <p14:creationId xmlns:p14="http://schemas.microsoft.com/office/powerpoint/2010/main" val="680282628"/>
+        <p14:creationId xmlns:p14="http://schemas.microsoft.com/office/powerpoint/2010/main" val="1430246649"/>
       </p:ext>
     </p:extLst>
   </p:cSld>
@@ -4168,28 +4212,38 @@
           <a:p>
             <a:r>
               <a:rPr lang="en-US" dirty="0" smtClean="0"/>
-              <a:t>Partition tolerance</a:t>
-            </a:r>
-          </a:p>
-          <a:p>
-            <a:pPr lvl="1"/>
-            <a:r>
-              <a:rPr lang="en-US" dirty="0" smtClean="0"/>
-              <a:t>The system continues to operate despite the failure of part of the system.</a:t>
-            </a:r>
-          </a:p>
-          <a:p>
-            <a:pPr lvl="1"/>
-            <a:r>
-              <a:rPr lang="en-US" dirty="0" smtClean="0"/>
-              <a:t>Classic failure scenario: network link is severed between groups in a pool of servers, creating a partition (split-brain scenario)</a:t>
-            </a:r>
-          </a:p>
-          <a:p>
-            <a:pPr lvl="2"/>
-            <a:r>
-              <a:rPr lang="en-US" dirty="0" smtClean="0"/>
-              <a:t>Can’t maintain consistency because writes to one partition cannot be communicated to other.</a:t>
+              <a:t>Availability</a:t>
+            </a:r>
+          </a:p>
+          <a:p>
+            <a:pPr lvl="1"/>
+            <a:r>
+              <a:rPr lang="en-US" dirty="0" smtClean="0"/>
+              <a:t>Means that the system is accessible when a user makes a request. It’s up!</a:t>
+            </a:r>
+          </a:p>
+          <a:p>
+            <a:pPr lvl="1"/>
+            <a:r>
+              <a:rPr lang="en-US" dirty="0" smtClean="0"/>
+              <a:t>We spread and replicate data on multiple servers to guarantee availability</a:t>
+            </a:r>
+          </a:p>
+          <a:p>
+            <a:pPr lvl="1"/>
+            <a:r>
+              <a:rPr lang="en-US" dirty="0" smtClean="0"/>
+              <a:t>Can an application on a single server be available? Sure, but a single server isn’t a distributed architecture. </a:t>
+            </a:r>
+            <a:r>
+              <a:rPr lang="en-US" dirty="0" smtClean="0">
+                <a:sym typeface="Wingdings"/>
+              </a:rPr>
+              <a:t></a:t>
+            </a:r>
+            <a:r>
+              <a:rPr lang="en-US" dirty="0" smtClean="0"/>
+              <a:t> </a:t>
             </a:r>
             <a:endParaRPr lang="en-US" dirty="0"/>
           </a:p>
@@ -4204,7 +4258,7 @@
     </p:spTree>
     <p:extLst>
       <p:ext uri="{BB962C8B-B14F-4D97-AF65-F5344CB8AC3E}">
-        <p14:creationId xmlns:p14="http://schemas.microsoft.com/office/powerpoint/2010/main" val="2891315054"/>
+        <p14:creationId xmlns:p14="http://schemas.microsoft.com/office/powerpoint/2010/main" val="680282628"/>
       </p:ext>
     </p:extLst>
   </p:cSld>
@@ -4278,60 +4332,31 @@
           </a:bodyPr>
           <a:lstStyle/>
           <a:p>
-            <a:pPr marL="0" indent="0">
-              <a:buNone/>
-            </a:pPr>
-            <a:r>
-              <a:rPr lang="en-US" dirty="0" smtClean="0"/>
-              <a:t>Q: Why is understanding CAP important? </a:t>
-            </a:r>
-          </a:p>
-          <a:p>
-            <a:pPr marL="0" indent="0">
-              <a:buNone/>
-            </a:pPr>
-            <a:r>
-              <a:rPr lang="en-US" dirty="0" smtClean="0"/>
-              <a:t>A: Because it informs our design decisions when building highly distributed systems</a:t>
-            </a:r>
-          </a:p>
-          <a:p>
-            <a:pPr marL="0" indent="0">
-              <a:buNone/>
-            </a:pPr>
-            <a:endParaRPr lang="en-US" dirty="0"/>
-          </a:p>
-          <a:p>
-            <a:pPr lvl="1"/>
-            <a:r>
-              <a:rPr lang="en-US" dirty="0" smtClean="0"/>
-              <a:t>Consistency &amp; Availability (Traditional RDMS)</a:t>
-            </a:r>
-          </a:p>
-          <a:p>
-            <a:pPr lvl="1"/>
-            <a:r>
-              <a:rPr lang="en-US" dirty="0" smtClean="0"/>
-              <a:t>Consistency &amp; Partition Tolerance (</a:t>
-            </a:r>
-            <a:r>
-              <a:rPr lang="en-US" dirty="0" err="1" smtClean="0"/>
-              <a:t>MongoDB</a:t>
-            </a:r>
-            <a:r>
-              <a:rPr lang="en-US" dirty="0" smtClean="0"/>
-              <a:t>)</a:t>
-            </a:r>
-          </a:p>
-          <a:p>
-            <a:pPr lvl="1"/>
-            <a:r>
-              <a:rPr lang="en-US" dirty="0" smtClean="0"/>
-              <a:t>Availability &amp; Partition Tolerance (Dynamo)</a:t>
-            </a:r>
-          </a:p>
-          <a:p>
-            <a:pPr lvl="1"/>
+            <a:r>
+              <a:rPr lang="en-US" dirty="0" smtClean="0"/>
+              <a:t>Partition tolerance</a:t>
+            </a:r>
+          </a:p>
+          <a:p>
+            <a:pPr lvl="1"/>
+            <a:r>
+              <a:rPr lang="en-US" dirty="0" smtClean="0"/>
+              <a:t>The system continues to operate despite the failure of part of the system.</a:t>
+            </a:r>
+          </a:p>
+          <a:p>
+            <a:pPr lvl="1"/>
+            <a:r>
+              <a:rPr lang="en-US" dirty="0" smtClean="0"/>
+              <a:t>Classic failure scenario: network link is severed between groups in a pool of servers, creating a partition (split-brain scenario)</a:t>
+            </a:r>
+          </a:p>
+          <a:p>
+            <a:pPr lvl="2"/>
+            <a:r>
+              <a:rPr lang="en-US" dirty="0" smtClean="0"/>
+              <a:t>Can’t maintain consistency because writes to one partition cannot be communicated to other.</a:t>
+            </a:r>
             <a:endParaRPr lang="en-US" dirty="0"/>
           </a:p>
           <a:p>
@@ -4345,7 +4370,7 @@
     </p:spTree>
     <p:extLst>
       <p:ext uri="{BB962C8B-B14F-4D97-AF65-F5344CB8AC3E}">
-        <p14:creationId xmlns:p14="http://schemas.microsoft.com/office/powerpoint/2010/main" val="2830511430"/>
+        <p14:creationId xmlns:p14="http://schemas.microsoft.com/office/powerpoint/2010/main" val="2891315054"/>
       </p:ext>
     </p:extLst>
   </p:cSld>
@@ -4390,8 +4415,8 @@
           <a:lstStyle/>
           <a:p>
             <a:r>
-              <a:rPr lang="en-US" dirty="0" err="1" smtClean="0"/>
-              <a:t>NoSQL</a:t>
+              <a:rPr lang="en-US" dirty="0" smtClean="0"/>
+              <a:t>CAP Principle</a:t>
             </a:r>
             <a:endParaRPr lang="en-US" dirty="0"/>
           </a:p>
@@ -4415,84 +4440,64 @@
         </p:spPr>
         <p:txBody>
           <a:bodyPr>
-            <a:normAutofit fontScale="92500" lnSpcReduction="20000"/>
+            <a:normAutofit/>
           </a:bodyPr>
           <a:lstStyle/>
           <a:p>
-            <a:r>
-              <a:rPr lang="en-US" dirty="0" smtClean="0"/>
-              <a:t>Growth of </a:t>
+            <a:pPr marL="0" indent="0">
+              <a:buNone/>
+            </a:pPr>
+            <a:r>
+              <a:rPr lang="en-US" dirty="0" smtClean="0"/>
+              <a:t>Q: Why is understanding CAP important? </a:t>
+            </a:r>
+          </a:p>
+          <a:p>
+            <a:pPr marL="0" indent="0">
+              <a:buNone/>
+            </a:pPr>
+            <a:r>
+              <a:rPr lang="en-US" dirty="0" smtClean="0"/>
+              <a:t>A: Because it informs our design decisions when building highly distributed systems</a:t>
+            </a:r>
+          </a:p>
+          <a:p>
+            <a:pPr marL="0" indent="0">
+              <a:buNone/>
+            </a:pPr>
+            <a:endParaRPr lang="en-US" dirty="0"/>
+          </a:p>
+          <a:p>
+            <a:pPr lvl="1"/>
+            <a:r>
+              <a:rPr lang="en-US" dirty="0" smtClean="0"/>
+              <a:t>Consistency &amp; Availability (Traditional RDMS)</a:t>
+            </a:r>
+          </a:p>
+          <a:p>
+            <a:pPr lvl="1"/>
+            <a:r>
+              <a:rPr lang="en-US" dirty="0" smtClean="0"/>
+              <a:t>Consistency &amp; Partition Tolerance (</a:t>
             </a:r>
             <a:r>
               <a:rPr lang="en-US" dirty="0" err="1" smtClean="0"/>
-              <a:t>NoSQL</a:t>
-            </a:r>
-            <a:r>
-              <a:rPr lang="en-US" dirty="0" smtClean="0"/>
-              <a:t> correlated to the growth of distributed systems</a:t>
-            </a:r>
-          </a:p>
-          <a:p>
-            <a:r>
-              <a:rPr lang="en-US" dirty="0" smtClean="0"/>
-              <a:t>Store data closer to the way it’s actually represented</a:t>
-            </a:r>
-          </a:p>
-          <a:p>
-            <a:r>
-              <a:rPr lang="en-US" dirty="0" err="1" smtClean="0"/>
-              <a:t>NoSQL</a:t>
-            </a:r>
-            <a:r>
-              <a:rPr lang="en-US" dirty="0"/>
-              <a:t> </a:t>
-            </a:r>
-            <a:r>
-              <a:rPr lang="en-US" dirty="0" smtClean="0"/>
-              <a:t>= Not only SQL</a:t>
-            </a:r>
-          </a:p>
-          <a:p>
-            <a:r>
-              <a:rPr lang="en-US" dirty="0" smtClean="0"/>
-              <a:t>Several different types of </a:t>
-            </a:r>
-            <a:r>
-              <a:rPr lang="en-US" dirty="0" err="1" smtClean="0"/>
-              <a:t>NoSQL</a:t>
-            </a:r>
-            <a:r>
-              <a:rPr lang="en-US" dirty="0" smtClean="0"/>
-              <a:t> database, each solving different scaling issues</a:t>
-            </a:r>
-          </a:p>
-          <a:p>
-            <a:r>
-              <a:rPr lang="en-US" dirty="0" smtClean="0"/>
-              <a:t>Big data is a major scaling issue</a:t>
-            </a:r>
-          </a:p>
-          <a:p>
-            <a:pPr lvl="1"/>
-            <a:r>
-              <a:rPr lang="en-US" dirty="0" err="1" smtClean="0"/>
-              <a:t>NoSQL</a:t>
-            </a:r>
-            <a:r>
-              <a:rPr lang="en-US" dirty="0" smtClean="0"/>
-              <a:t> approach is to shard the data</a:t>
-            </a:r>
-          </a:p>
-          <a:p>
-            <a:pPr lvl="1"/>
-            <a:r>
-              <a:rPr lang="en-US" dirty="0" err="1" smtClean="0"/>
-              <a:t>Sharding</a:t>
-            </a:r>
-            <a:r>
-              <a:rPr lang="en-US" dirty="0" smtClean="0"/>
-              <a:t> = partitioning the data across multiple databases</a:t>
-            </a:r>
+              <a:t>MongoDB</a:t>
+            </a:r>
+            <a:r>
+              <a:rPr lang="en-US" dirty="0" smtClean="0"/>
+              <a:t>)</a:t>
+            </a:r>
+          </a:p>
+          <a:p>
+            <a:pPr lvl="1"/>
+            <a:r>
+              <a:rPr lang="en-US" dirty="0" smtClean="0"/>
+              <a:t>Availability &amp; Partition Tolerance (Dynamo)</a:t>
+            </a:r>
+          </a:p>
+          <a:p>
+            <a:pPr lvl="1"/>
             <a:endParaRPr lang="en-US" dirty="0"/>
           </a:p>
           <a:p>
@@ -4506,7 +4511,7 @@
     </p:spTree>
     <p:extLst>
       <p:ext uri="{BB962C8B-B14F-4D97-AF65-F5344CB8AC3E}">
-        <p14:creationId xmlns:p14="http://schemas.microsoft.com/office/powerpoint/2010/main" val="1927538517"/>
+        <p14:creationId xmlns:p14="http://schemas.microsoft.com/office/powerpoint/2010/main" val="2830511430"/>
       </p:ext>
     </p:extLst>
   </p:cSld>
@@ -4554,10 +4559,6 @@
               <a:rPr lang="en-US" dirty="0" err="1" smtClean="0"/>
               <a:t>NoSQL</a:t>
             </a:r>
-            <a:r>
-              <a:rPr lang="en-US" dirty="0" smtClean="0"/>
-              <a:t> types</a:t>
-            </a:r>
             <a:endParaRPr lang="en-US" dirty="0"/>
           </a:p>
         </p:txBody>
@@ -4580,85 +4581,85 @@
         </p:spPr>
         <p:txBody>
           <a:bodyPr>
-            <a:normAutofit/>
+            <a:normAutofit fontScale="92500" lnSpcReduction="20000"/>
           </a:bodyPr>
           <a:lstStyle/>
           <a:p>
             <a:r>
               <a:rPr lang="en-US" dirty="0" smtClean="0"/>
-              <a:t>Key/value</a:t>
-            </a:r>
-          </a:p>
-          <a:p>
-            <a:pPr lvl="1"/>
-            <a:r>
-              <a:rPr lang="en-US" dirty="0" smtClean="0"/>
-              <a:t>Provide a key/value</a:t>
-            </a:r>
-          </a:p>
-          <a:p>
-            <a:pPr lvl="1"/>
-            <a:r>
-              <a:rPr lang="en-US" dirty="0" smtClean="0"/>
-              <a:t>Query a key and get a value returned</a:t>
-            </a:r>
-          </a:p>
-          <a:p>
-            <a:pPr lvl="1"/>
-            <a:r>
-              <a:rPr lang="en-US" dirty="0" smtClean="0"/>
-              <a:t>Based on hashing algorithm &amp; easy to shard</a:t>
-            </a:r>
-          </a:p>
-          <a:p>
-            <a:pPr lvl="1"/>
-            <a:r>
-              <a:rPr lang="en-US" dirty="0" smtClean="0"/>
-              <a:t>Popular way to store web user sessions</a:t>
-            </a:r>
-          </a:p>
-          <a:p>
-            <a:pPr lvl="2"/>
-            <a:r>
-              <a:rPr lang="en-US" dirty="0" smtClean="0"/>
-              <a:t>Key = </a:t>
+              <a:t>Growth of </a:t>
             </a:r>
             <a:r>
               <a:rPr lang="en-US" dirty="0" err="1" smtClean="0"/>
-              <a:t>sessionId</a:t>
-            </a:r>
-            <a:endParaRPr lang="en-US" dirty="0" smtClean="0"/>
-          </a:p>
-          <a:p>
-            <a:pPr lvl="2"/>
-            <a:r>
-              <a:rPr lang="en-US" dirty="0" smtClean="0"/>
-              <a:t>Value = serialized session object</a:t>
-            </a:r>
-          </a:p>
-          <a:p>
-            <a:pPr lvl="1"/>
-            <a:r>
-              <a:rPr lang="en-US" dirty="0" smtClean="0"/>
-              <a:t>Examples: </a:t>
-            </a:r>
+              <a:t>NoSQL</a:t>
+            </a:r>
+            <a:r>
+              <a:rPr lang="en-US" dirty="0" smtClean="0"/>
+              <a:t> correlated to the growth of distributed systems</a:t>
+            </a:r>
+          </a:p>
+          <a:p>
+            <a:r>
+              <a:rPr lang="en-US" dirty="0" smtClean="0"/>
+              <a:t>Store data closer to the way it’s actually represented</a:t>
+            </a:r>
+          </a:p>
+          <a:p>
             <a:r>
               <a:rPr lang="en-US" dirty="0" err="1" smtClean="0"/>
-              <a:t>Redis</a:t>
-            </a:r>
-            <a:r>
-              <a:rPr lang="en-US" dirty="0" smtClean="0"/>
-              <a:t>, </a:t>
+              <a:t>NoSQL</a:t>
+            </a:r>
+            <a:r>
+              <a:rPr lang="en-US" dirty="0"/>
+              <a:t> </a:t>
+            </a:r>
+            <a:r>
+              <a:rPr lang="en-US" dirty="0" smtClean="0"/>
+              <a:t>= Not only SQL</a:t>
+            </a:r>
+          </a:p>
+          <a:p>
+            <a:r>
+              <a:rPr lang="en-US" dirty="0" smtClean="0"/>
+              <a:t>Several different types of </a:t>
             </a:r>
             <a:r>
               <a:rPr lang="en-US" dirty="0" err="1" smtClean="0"/>
-              <a:t>memcached</a:t>
-            </a:r>
-            <a:endParaRPr lang="en-US" dirty="0"/>
-          </a:p>
-          <a:p>
-            <a:pPr lvl="1"/>
-            <a:endParaRPr lang="en-US" dirty="0" smtClean="0"/>
+              <a:t>NoSQL</a:t>
+            </a:r>
+            <a:r>
+              <a:rPr lang="en-US" dirty="0" smtClean="0"/>
+              <a:t> database, each solving different scaling issues</a:t>
+            </a:r>
+          </a:p>
+          <a:p>
+            <a:r>
+              <a:rPr lang="en-US" dirty="0" smtClean="0"/>
+              <a:t>Big data is a major scaling issue</a:t>
+            </a:r>
+          </a:p>
+          <a:p>
+            <a:pPr lvl="1"/>
+            <a:r>
+              <a:rPr lang="en-US" dirty="0" err="1" smtClean="0"/>
+              <a:t>NoSQL</a:t>
+            </a:r>
+            <a:r>
+              <a:rPr lang="en-US" dirty="0" smtClean="0"/>
+              <a:t> approach is to shard the data</a:t>
+            </a:r>
+          </a:p>
+          <a:p>
+            <a:pPr lvl="1"/>
+            <a:r>
+              <a:rPr lang="en-US" dirty="0" err="1" smtClean="0"/>
+              <a:t>Sharding</a:t>
+            </a:r>
+            <a:r>
+              <a:rPr lang="en-US" dirty="0" smtClean="0"/>
+              <a:t> = partitioning the data across multiple databases</a:t>
+            </a:r>
+            <a:endParaRPr lang="en-US" dirty="0"/>
           </a:p>
           <a:p>
             <a:pPr marL="457200" lvl="1" indent="0">
@@ -4671,7 +4672,7 @@
     </p:spTree>
     <p:extLst>
       <p:ext uri="{BB962C8B-B14F-4D97-AF65-F5344CB8AC3E}">
-        <p14:creationId xmlns:p14="http://schemas.microsoft.com/office/powerpoint/2010/main" val="1948312763"/>
+        <p14:creationId xmlns:p14="http://schemas.microsoft.com/office/powerpoint/2010/main" val="1927538517"/>
       </p:ext>
     </p:extLst>
   </p:cSld>
@@ -4752,7 +4753,6 @@
               <a:rPr lang="en-US" dirty="0" smtClean="0"/>
               <a:t>Vagrant</a:t>
             </a:r>
-            <a:endParaRPr lang="en-US" dirty="0" smtClean="0"/>
           </a:p>
         </p:txBody>
       </p:sp>
@@ -4839,36 +4839,54 @@
           <a:p>
             <a:r>
               <a:rPr lang="en-US" dirty="0" smtClean="0"/>
-              <a:t>Columnar</a:t>
-            </a:r>
-          </a:p>
-          <a:p>
-            <a:pPr lvl="1"/>
-            <a:r>
-              <a:rPr lang="en-US" dirty="0" smtClean="0"/>
-              <a:t>Imaging pivoting a traditional database table</a:t>
-            </a:r>
-          </a:p>
-          <a:p>
-            <a:pPr lvl="1"/>
-            <a:r>
-              <a:rPr lang="en-US" dirty="0" smtClean="0"/>
-              <a:t>Store columns instead of storing columns in sequential disk pages</a:t>
-            </a:r>
-          </a:p>
-          <a:p>
-            <a:pPr lvl="1"/>
-            <a:r>
-              <a:rPr lang="en-US" dirty="0" smtClean="0"/>
-              <a:t>Super-fast tabulation-type operations (</a:t>
+              <a:t>Key/value</a:t>
+            </a:r>
+          </a:p>
+          <a:p>
+            <a:pPr lvl="1"/>
+            <a:r>
+              <a:rPr lang="en-US" dirty="0" smtClean="0"/>
+              <a:t>Provide a key/value</a:t>
+            </a:r>
+          </a:p>
+          <a:p>
+            <a:pPr lvl="1"/>
+            <a:r>
+              <a:rPr lang="en-US" dirty="0" smtClean="0"/>
+              <a:t>Query a key and get a value returned</a:t>
+            </a:r>
+          </a:p>
+          <a:p>
+            <a:pPr lvl="1"/>
+            <a:r>
+              <a:rPr lang="en-US" dirty="0" smtClean="0"/>
+              <a:t>Based on hashing algorithm &amp; easy to shard</a:t>
+            </a:r>
+          </a:p>
+          <a:p>
+            <a:pPr lvl="1"/>
+            <a:r>
+              <a:rPr lang="en-US" dirty="0" smtClean="0"/>
+              <a:t>Popular way to store web user sessions</a:t>
+            </a:r>
+          </a:p>
+          <a:p>
+            <a:pPr lvl="2"/>
+            <a:r>
+              <a:rPr lang="en-US" dirty="0" smtClean="0"/>
+              <a:t>Key = </a:t>
             </a:r>
             <a:r>
               <a:rPr lang="en-US" dirty="0" err="1" smtClean="0"/>
-              <a:t>whats</a:t>
-            </a:r>
-            <a:r>
-              <a:rPr lang="en-US" dirty="0" smtClean="0"/>
-              <a:t> the total profit across all products in the company)</a:t>
+              <a:t>sessionId</a:t>
+            </a:r>
+            <a:endParaRPr lang="en-US" dirty="0" smtClean="0"/>
+          </a:p>
+          <a:p>
+            <a:pPr lvl="2"/>
+            <a:r>
+              <a:rPr lang="en-US" dirty="0" smtClean="0"/>
+              <a:t>Value = serialized session object</a:t>
             </a:r>
           </a:p>
           <a:p>
@@ -4879,12 +4897,21 @@
             </a:r>
             <a:r>
               <a:rPr lang="en-US" dirty="0" err="1" smtClean="0"/>
-              <a:t>Hbase</a:t>
-            </a:r>
-            <a:r>
-              <a:rPr lang="en-US" dirty="0" smtClean="0"/>
-              <a:t>, Redshift</a:t>
-            </a:r>
+              <a:t>Redis</a:t>
+            </a:r>
+            <a:r>
+              <a:rPr lang="en-US" dirty="0" smtClean="0"/>
+              <a:t>, </a:t>
+            </a:r>
+            <a:r>
+              <a:rPr lang="en-US" dirty="0" err="1" smtClean="0"/>
+              <a:t>memcached</a:t>
+            </a:r>
+            <a:endParaRPr lang="en-US" dirty="0"/>
+          </a:p>
+          <a:p>
+            <a:pPr lvl="1"/>
+            <a:endParaRPr lang="en-US" dirty="0" smtClean="0"/>
           </a:p>
           <a:p>
             <a:pPr marL="457200" lvl="1" indent="0">
@@ -4897,7 +4924,7 @@
     </p:spTree>
     <p:extLst>
       <p:ext uri="{BB962C8B-B14F-4D97-AF65-F5344CB8AC3E}">
-        <p14:creationId xmlns:p14="http://schemas.microsoft.com/office/powerpoint/2010/main" val="617873407"/>
+        <p14:creationId xmlns:p14="http://schemas.microsoft.com/office/powerpoint/2010/main" val="1948312763"/>
       </p:ext>
     </p:extLst>
   </p:cSld>
@@ -4977,43 +5004,36 @@
           <a:p>
             <a:r>
               <a:rPr lang="en-US" dirty="0" smtClean="0"/>
-              <a:t>Document</a:t>
-            </a:r>
-          </a:p>
-          <a:p>
-            <a:pPr lvl="1"/>
-            <a:r>
-              <a:rPr lang="en-US" dirty="0" smtClean="0"/>
-              <a:t>Store documents instead of individual atomic records</a:t>
-            </a:r>
-          </a:p>
-          <a:p>
-            <a:pPr lvl="1"/>
-            <a:r>
-              <a:rPr lang="en-US" dirty="0" smtClean="0"/>
-              <a:t>Each document is stored in the form of </a:t>
+              <a:t>Columnar</a:t>
+            </a:r>
+          </a:p>
+          <a:p>
+            <a:pPr lvl="1"/>
+            <a:r>
+              <a:rPr lang="en-US" dirty="0" smtClean="0"/>
+              <a:t>Imaging pivoting a traditional database table</a:t>
+            </a:r>
+          </a:p>
+          <a:p>
+            <a:pPr lvl="1"/>
+            <a:r>
+              <a:rPr lang="en-US" dirty="0" smtClean="0"/>
+              <a:t>Store columns instead of storing columns in sequential disk pages</a:t>
+            </a:r>
+          </a:p>
+          <a:p>
+            <a:pPr lvl="1"/>
+            <a:r>
+              <a:rPr lang="en-US" dirty="0" smtClean="0"/>
+              <a:t>Super-fast tabulation-type operations (</a:t>
             </a:r>
             <a:r>
               <a:rPr lang="en-US" dirty="0" err="1" smtClean="0"/>
-              <a:t>Javascript</a:t>
-            </a:r>
-            <a:r>
-              <a:rPr lang="en-US" dirty="0" smtClean="0"/>
-              <a:t> Object Notation (JSON)</a:t>
-            </a:r>
-          </a:p>
-          <a:p>
-            <a:pPr lvl="1"/>
-            <a:r>
-              <a:rPr lang="en-US" dirty="0" smtClean="0"/>
-              <a:t>Supports hierarchical and embedded data structures</a:t>
-            </a:r>
-          </a:p>
-          <a:p>
-            <a:pPr lvl="2"/>
-            <a:r>
-              <a:rPr lang="en-US" dirty="0" smtClean="0"/>
-              <a:t>A person can have many addresses, each address is embedded in the document</a:t>
+              <a:t>whats</a:t>
+            </a:r>
+            <a:r>
+              <a:rPr lang="en-US" dirty="0" smtClean="0"/>
+              <a:t> the total profit across all products in the company)</a:t>
             </a:r>
           </a:p>
           <a:p>
@@ -5024,17 +5044,12 @@
             </a:r>
             <a:r>
               <a:rPr lang="en-US" dirty="0" err="1" smtClean="0"/>
-              <a:t>MongoDB</a:t>
-            </a:r>
-            <a:r>
-              <a:rPr lang="en-US" dirty="0" smtClean="0"/>
-              <a:t>, </a:t>
-            </a:r>
-            <a:r>
-              <a:rPr lang="en-US" dirty="0" err="1" smtClean="0"/>
-              <a:t>DynamoDB</a:t>
-            </a:r>
-            <a:endParaRPr lang="en-US" dirty="0" smtClean="0"/>
+              <a:t>Hbase</a:t>
+            </a:r>
+            <a:r>
+              <a:rPr lang="en-US" dirty="0" smtClean="0"/>
+              <a:t>, Redshift</a:t>
+            </a:r>
           </a:p>
           <a:p>
             <a:pPr marL="457200" lvl="1" indent="0">
@@ -5047,7 +5062,7 @@
     </p:spTree>
     <p:extLst>
       <p:ext uri="{BB962C8B-B14F-4D97-AF65-F5344CB8AC3E}">
-        <p14:creationId xmlns:p14="http://schemas.microsoft.com/office/powerpoint/2010/main" val="3038125591"/>
+        <p14:creationId xmlns:p14="http://schemas.microsoft.com/office/powerpoint/2010/main" val="617873407"/>
       </p:ext>
     </p:extLst>
   </p:cSld>
@@ -5127,47 +5142,64 @@
           <a:p>
             <a:r>
               <a:rPr lang="en-US" dirty="0" smtClean="0"/>
-              <a:t>Graph</a:t>
-            </a:r>
-          </a:p>
-          <a:p>
-            <a:pPr lvl="1"/>
-            <a:r>
-              <a:rPr lang="en-US" dirty="0" smtClean="0"/>
-              <a:t>Stores data in nodes and edges of a graph</a:t>
-            </a:r>
-          </a:p>
-          <a:p>
-            <a:pPr lvl="1"/>
-            <a:r>
-              <a:rPr lang="en-US" dirty="0" smtClean="0"/>
-              <a:t>Able to easily store and maintain complex relationships (social media)</a:t>
-            </a:r>
-          </a:p>
-          <a:p>
-            <a:pPr lvl="1"/>
-            <a:r>
-              <a:rPr lang="en-US" dirty="0" smtClean="0"/>
-              <a:t>Example Neo4j</a:t>
-            </a:r>
-          </a:p>
-          <a:p>
-            <a:pPr lvl="1"/>
-            <a:endParaRPr lang="en-US" dirty="0"/>
-          </a:p>
-          <a:p>
-            <a:r>
-              <a:rPr lang="en-US" dirty="0" smtClean="0"/>
-              <a:t>If you are interested in </a:t>
+              <a:t>Document</a:t>
+            </a:r>
+          </a:p>
+          <a:p>
+            <a:pPr lvl="1"/>
+            <a:r>
+              <a:rPr lang="en-US" dirty="0" smtClean="0"/>
+              <a:t>Store documents instead of individual atomic records</a:t>
+            </a:r>
+          </a:p>
+          <a:p>
+            <a:pPr lvl="1"/>
+            <a:r>
+              <a:rPr lang="en-US" dirty="0" smtClean="0"/>
+              <a:t>Each document is stored in the form of </a:t>
             </a:r>
             <a:r>
               <a:rPr lang="en-US" dirty="0" err="1" smtClean="0"/>
-              <a:t>NoSQL</a:t>
-            </a:r>
-            <a:r>
-              <a:rPr lang="en-US" dirty="0" smtClean="0"/>
-              <a:t>, take the Big Data Management course</a:t>
-            </a:r>
+              <a:t>Javascript</a:t>
+            </a:r>
+            <a:r>
+              <a:rPr lang="en-US" dirty="0" smtClean="0"/>
+              <a:t> Object Notation (JSON)</a:t>
+            </a:r>
+          </a:p>
+          <a:p>
+            <a:pPr lvl="1"/>
+            <a:r>
+              <a:rPr lang="en-US" dirty="0" smtClean="0"/>
+              <a:t>Supports hierarchical and embedded data structures</a:t>
+            </a:r>
+          </a:p>
+          <a:p>
+            <a:pPr lvl="2"/>
+            <a:r>
+              <a:rPr lang="en-US" dirty="0" smtClean="0"/>
+              <a:t>A person can have many addresses, each address is embedded in the document</a:t>
+            </a:r>
+          </a:p>
+          <a:p>
+            <a:pPr lvl="1"/>
+            <a:r>
+              <a:rPr lang="en-US" dirty="0" smtClean="0"/>
+              <a:t>Examples: </a:t>
+            </a:r>
+            <a:r>
+              <a:rPr lang="en-US" dirty="0" err="1" smtClean="0"/>
+              <a:t>MongoDB</a:t>
+            </a:r>
+            <a:r>
+              <a:rPr lang="en-US" dirty="0" smtClean="0"/>
+              <a:t>, </a:t>
+            </a:r>
+            <a:r>
+              <a:rPr lang="en-US" dirty="0" err="1" smtClean="0"/>
+              <a:t>DynamoDB</a:t>
+            </a:r>
+            <a:endParaRPr lang="en-US" dirty="0" smtClean="0"/>
           </a:p>
           <a:p>
             <a:pPr marL="457200" lvl="1" indent="0">
@@ -5180,7 +5212,7 @@
     </p:spTree>
     <p:extLst>
       <p:ext uri="{BB962C8B-B14F-4D97-AF65-F5344CB8AC3E}">
-        <p14:creationId xmlns:p14="http://schemas.microsoft.com/office/powerpoint/2010/main" val="545553094"/>
+        <p14:creationId xmlns:p14="http://schemas.microsoft.com/office/powerpoint/2010/main" val="3038125591"/>
       </p:ext>
     </p:extLst>
   </p:cSld>
@@ -5225,8 +5257,12 @@
           <a:lstStyle/>
           <a:p>
             <a:r>
-              <a:rPr lang="en-US" dirty="0" smtClean="0"/>
-              <a:t>Distributed system coupling</a:t>
+              <a:rPr lang="en-US" dirty="0" err="1" smtClean="0"/>
+              <a:t>NoSQL</a:t>
+            </a:r>
+            <a:r>
+              <a:rPr lang="en-US" dirty="0" smtClean="0"/>
+              <a:t> types</a:t>
             </a:r>
             <a:endParaRPr lang="en-US" dirty="0"/>
           </a:p>
@@ -5256,42 +5292,47 @@
           <a:p>
             <a:r>
               <a:rPr lang="en-US" dirty="0" smtClean="0"/>
-              <a:t>You learned about the concept of coupling in the software engineering course </a:t>
-            </a:r>
-          </a:p>
-          <a:p>
-            <a:r>
-              <a:rPr lang="en-US" dirty="0" smtClean="0"/>
-              <a:t>In general, loose coupling is desirable</a:t>
-            </a:r>
-          </a:p>
-          <a:p>
-            <a:pPr lvl="1"/>
-            <a:r>
-              <a:rPr lang="en-US" dirty="0" smtClean="0"/>
-              <a:t>Easier to maintain and replace components</a:t>
-            </a:r>
-          </a:p>
-          <a:p>
-            <a:pPr lvl="1"/>
-            <a:r>
-              <a:rPr lang="en-US" dirty="0" smtClean="0"/>
-              <a:t>Fewer bugs and hidden dependencies</a:t>
-            </a:r>
-          </a:p>
-          <a:p>
-            <a:pPr lvl="1"/>
-            <a:r>
-              <a:rPr lang="en-US" dirty="0" smtClean="0"/>
-              <a:t>More flexible</a:t>
-            </a:r>
-          </a:p>
-          <a:p>
-            <a:r>
-              <a:rPr lang="en-US" dirty="0" smtClean="0"/>
-              <a:t>Loose coupling is highly desirable in distributed systems as well</a:t>
-            </a:r>
-            <a:endParaRPr lang="en-US" dirty="0"/>
+              <a:t>Graph</a:t>
+            </a:r>
+          </a:p>
+          <a:p>
+            <a:pPr lvl="1"/>
+            <a:r>
+              <a:rPr lang="en-US" dirty="0" smtClean="0"/>
+              <a:t>Stores data in nodes and edges of a graph</a:t>
+            </a:r>
+          </a:p>
+          <a:p>
+            <a:pPr lvl="1"/>
+            <a:r>
+              <a:rPr lang="en-US" dirty="0" smtClean="0"/>
+              <a:t>Able to easily store and maintain complex relationships (social media)</a:t>
+            </a:r>
+          </a:p>
+          <a:p>
+            <a:pPr lvl="1"/>
+            <a:r>
+              <a:rPr lang="en-US" dirty="0" smtClean="0"/>
+              <a:t>Example Neo4j</a:t>
+            </a:r>
+          </a:p>
+          <a:p>
+            <a:pPr lvl="1"/>
+            <a:endParaRPr lang="en-US" dirty="0"/>
+          </a:p>
+          <a:p>
+            <a:r>
+              <a:rPr lang="en-US" dirty="0" smtClean="0"/>
+              <a:t>If you are interested in </a:t>
+            </a:r>
+            <a:r>
+              <a:rPr lang="en-US" dirty="0" err="1" smtClean="0"/>
+              <a:t>NoSQL</a:t>
+            </a:r>
+            <a:r>
+              <a:rPr lang="en-US" dirty="0" smtClean="0"/>
+              <a:t>, take the Big Data Management course</a:t>
+            </a:r>
           </a:p>
           <a:p>
             <a:pPr marL="457200" lvl="1" indent="0">
@@ -5304,7 +5345,7 @@
     </p:spTree>
     <p:extLst>
       <p:ext uri="{BB962C8B-B14F-4D97-AF65-F5344CB8AC3E}">
-        <p14:creationId xmlns:p14="http://schemas.microsoft.com/office/powerpoint/2010/main" val="3666338030"/>
+        <p14:creationId xmlns:p14="http://schemas.microsoft.com/office/powerpoint/2010/main" val="545553094"/>
       </p:ext>
     </p:extLst>
   </p:cSld>
@@ -5350,7 +5391,7 @@
           <a:p>
             <a:r>
               <a:rPr lang="en-US" dirty="0" smtClean="0"/>
-              <a:t>Scaling distributed performance</a:t>
+              <a:t>Distributed system coupling</a:t>
             </a:r>
             <a:endParaRPr lang="en-US" dirty="0"/>
           </a:p>
@@ -5380,8 +5421,135 @@
           <a:p>
             <a:r>
               <a:rPr lang="en-US" dirty="0" smtClean="0"/>
+              <a:t>You learned about the concept of coupling in the software engineering course </a:t>
+            </a:r>
+          </a:p>
+          <a:p>
+            <a:r>
+              <a:rPr lang="en-US" dirty="0" smtClean="0"/>
+              <a:t>In general, loose coupling is desirable</a:t>
+            </a:r>
+          </a:p>
+          <a:p>
+            <a:pPr lvl="1"/>
+            <a:r>
+              <a:rPr lang="en-US" dirty="0" smtClean="0"/>
+              <a:t>Easier to maintain and replace components</a:t>
+            </a:r>
+          </a:p>
+          <a:p>
+            <a:pPr lvl="1"/>
+            <a:r>
+              <a:rPr lang="en-US" dirty="0" smtClean="0"/>
+              <a:t>Fewer bugs and hidden dependencies</a:t>
+            </a:r>
+          </a:p>
+          <a:p>
+            <a:pPr lvl="1"/>
+            <a:r>
+              <a:rPr lang="en-US" dirty="0" smtClean="0"/>
+              <a:t>More flexible</a:t>
+            </a:r>
+          </a:p>
+          <a:p>
+            <a:r>
+              <a:rPr lang="en-US" dirty="0" smtClean="0"/>
+              <a:t>Loose coupling is highly desirable in distributed systems as well</a:t>
+            </a:r>
+            <a:endParaRPr lang="en-US" dirty="0"/>
+          </a:p>
+          <a:p>
+            <a:pPr marL="457200" lvl="1" indent="0">
+              <a:buNone/>
+            </a:pPr>
+            <a:endParaRPr lang="en-US" dirty="0" smtClean="0"/>
+          </a:p>
+        </p:txBody>
+      </p:sp>
+    </p:spTree>
+    <p:extLst>
+      <p:ext uri="{BB962C8B-B14F-4D97-AF65-F5344CB8AC3E}">
+        <p14:creationId xmlns:p14="http://schemas.microsoft.com/office/powerpoint/2010/main" val="3666338030"/>
+      </p:ext>
+    </p:extLst>
+  </p:cSld>
+  <p:clrMapOvr>
+    <a:masterClrMapping/>
+  </p:clrMapOvr>
+</p:sld>
+</file>
+
+<file path=ppt/slides/slide25.xml><?xml version="1.0" encoding="utf-8"?>
+<p:sld xmlns:a="http://schemas.openxmlformats.org/drawingml/2006/main" xmlns:r="http://schemas.openxmlformats.org/officeDocument/2006/relationships" xmlns:p="http://schemas.openxmlformats.org/presentationml/2006/main">
+  <p:cSld>
+    <p:spTree>
+      <p:nvGrpSpPr>
+        <p:cNvPr id="1" name=""/>
+        <p:cNvGrpSpPr/>
+        <p:nvPr/>
+      </p:nvGrpSpPr>
+      <p:grpSpPr>
+        <a:xfrm>
+          <a:off x="0" y="0"/>
+          <a:ext cx="0" cy="0"/>
+          <a:chOff x="0" y="0"/>
+          <a:chExt cx="0" cy="0"/>
+        </a:xfrm>
+      </p:grpSpPr>
+      <p:sp>
+        <p:nvSpPr>
+          <p:cNvPr id="2" name="Title 1"/>
+          <p:cNvSpPr>
+            <a:spLocks noGrp="1"/>
+          </p:cNvSpPr>
+          <p:nvPr>
+            <p:ph type="title"/>
+          </p:nvPr>
+        </p:nvSpPr>
+        <p:spPr/>
+        <p:txBody>
+          <a:bodyPr>
+            <a:normAutofit fontScale="90000"/>
+          </a:bodyPr>
+          <a:lstStyle/>
+          <a:p>
+            <a:r>
+              <a:rPr lang="en-US" dirty="0" smtClean="0"/>
+              <a:t>Scaling performance of distributed systems</a:t>
+            </a:r>
+            <a:endParaRPr lang="en-US" dirty="0"/>
+          </a:p>
+        </p:txBody>
+      </p:sp>
+      <p:sp>
+        <p:nvSpPr>
+          <p:cNvPr id="3" name="Content Placeholder 2"/>
+          <p:cNvSpPr>
+            <a:spLocks noGrp="1"/>
+          </p:cNvSpPr>
+          <p:nvPr>
+            <p:ph idx="1"/>
+          </p:nvPr>
+        </p:nvSpPr>
+        <p:spPr>
+          <a:xfrm>
+            <a:off x="457200" y="1600200"/>
+            <a:ext cx="8229600" cy="4920629"/>
+          </a:xfrm>
+        </p:spPr>
+        <p:txBody>
+          <a:bodyPr>
+            <a:normAutofit/>
+          </a:bodyPr>
+          <a:lstStyle/>
+          <a:p>
+            <a:r>
+              <a:rPr lang="en-US" dirty="0" smtClean="0"/>
               <a:t>The speed of small systems cannot easily be translated to large distributed systems</a:t>
             </a:r>
+          </a:p>
+          <a:p>
+            <a:endParaRPr lang="en-US" dirty="0" smtClean="0"/>
           </a:p>
           <a:p>
             <a:r>
@@ -5407,6 +5575,10 @@
               <a:rPr lang="en-US" dirty="0" smtClean="0"/>
               <a:t>Be very wary of these kinds of requests</a:t>
             </a:r>
+          </a:p>
+          <a:p>
+            <a:pPr lvl="1"/>
+            <a:endParaRPr lang="en-US" dirty="0" smtClean="0"/>
           </a:p>
           <a:p>
             <a:r>
@@ -5436,7 +5608,7 @@
 </p:sld>
 </file>
 
-<file path=ppt/slides/slide25.xml><?xml version="1.0" encoding="utf-8"?>
+<file path=ppt/slides/slide26.xml><?xml version="1.0" encoding="utf-8"?>
 <p:sld xmlns:a="http://schemas.openxmlformats.org/drawingml/2006/main" xmlns:r="http://schemas.openxmlformats.org/officeDocument/2006/relationships" xmlns:p="http://schemas.openxmlformats.org/presentationml/2006/main">
   <p:cSld>
     <p:spTree>
@@ -5694,170 +5866,6 @@
 </p:sld>
 </file>
 
-<file path=ppt/slides/slide26.xml><?xml version="1.0" encoding="utf-8"?>
-<p:sld xmlns:a="http://schemas.openxmlformats.org/drawingml/2006/main" xmlns:r="http://schemas.openxmlformats.org/officeDocument/2006/relationships" xmlns:p="http://schemas.openxmlformats.org/presentationml/2006/main">
-  <p:cSld>
-    <p:spTree>
-      <p:nvGrpSpPr>
-        <p:cNvPr id="1" name=""/>
-        <p:cNvGrpSpPr/>
-        <p:nvPr/>
-      </p:nvGrpSpPr>
-      <p:grpSpPr>
-        <a:xfrm>
-          <a:off x="0" y="0"/>
-          <a:ext cx="0" cy="0"/>
-          <a:chOff x="0" y="0"/>
-          <a:chExt cx="0" cy="0"/>
-        </a:xfrm>
-      </p:grpSpPr>
-      <p:sp>
-        <p:nvSpPr>
-          <p:cNvPr id="2" name="Title 1"/>
-          <p:cNvSpPr>
-            <a:spLocks noGrp="1"/>
-          </p:cNvSpPr>
-          <p:nvPr>
-            <p:ph type="title"/>
-          </p:nvPr>
-        </p:nvSpPr>
-        <p:spPr/>
-        <p:txBody>
-          <a:bodyPr>
-            <a:normAutofit/>
-          </a:bodyPr>
-          <a:lstStyle/>
-          <a:p>
-            <a:r>
-              <a:rPr lang="en-US" dirty="0" smtClean="0"/>
-              <a:t>Virtualization</a:t>
-            </a:r>
-            <a:endParaRPr lang="en-US" dirty="0"/>
-          </a:p>
-        </p:txBody>
-      </p:sp>
-      <p:sp>
-        <p:nvSpPr>
-          <p:cNvPr id="3" name="Content Placeholder 2"/>
-          <p:cNvSpPr>
-            <a:spLocks noGrp="1"/>
-          </p:cNvSpPr>
-          <p:nvPr>
-            <p:ph idx="1"/>
-          </p:nvPr>
-        </p:nvSpPr>
-        <p:spPr>
-          <a:xfrm>
-            <a:off x="457200" y="1600200"/>
-            <a:ext cx="8229600" cy="4920629"/>
-          </a:xfrm>
-        </p:spPr>
-        <p:txBody>
-          <a:bodyPr>
-            <a:normAutofit fontScale="92500" lnSpcReduction="20000"/>
-          </a:bodyPr>
-          <a:lstStyle/>
-          <a:p>
-            <a:r>
-              <a:rPr lang="en-US" dirty="0" smtClean="0"/>
-              <a:t>Problem: It’s hard for IT organizations to determine the right-size server to support a required stack</a:t>
-            </a:r>
-          </a:p>
-          <a:p>
-            <a:pPr lvl="1"/>
-            <a:r>
-              <a:rPr lang="en-US" dirty="0" smtClean="0"/>
-              <a:t>How much </a:t>
-            </a:r>
-            <a:r>
-              <a:rPr lang="en-US" dirty="0" err="1" smtClean="0"/>
-              <a:t>cpu</a:t>
-            </a:r>
-            <a:r>
-              <a:rPr lang="en-US" dirty="0" smtClean="0"/>
-              <a:t>, memory, and network?</a:t>
-            </a:r>
-          </a:p>
-          <a:p>
-            <a:pPr lvl="1"/>
-            <a:r>
-              <a:rPr lang="en-US" dirty="0" smtClean="0"/>
-              <a:t>Selected server is either going to be oversized or undersized</a:t>
-            </a:r>
-          </a:p>
-          <a:p>
-            <a:pPr lvl="1"/>
-            <a:r>
-              <a:rPr lang="en-US" dirty="0" smtClean="0"/>
-              <a:t>Common to see servers with 10% </a:t>
-            </a:r>
-            <a:r>
-              <a:rPr lang="en-US" dirty="0" err="1" smtClean="0"/>
-              <a:t>avg</a:t>
-            </a:r>
-            <a:r>
-              <a:rPr lang="en-US" dirty="0" smtClean="0"/>
-              <a:t> </a:t>
-            </a:r>
-            <a:r>
-              <a:rPr lang="en-US" dirty="0" err="1" smtClean="0"/>
-              <a:t>cpu</a:t>
-            </a:r>
-            <a:r>
-              <a:rPr lang="en-US" dirty="0" smtClean="0"/>
-              <a:t> utilization, 90% of system capacity wasted!</a:t>
-            </a:r>
-          </a:p>
-          <a:p>
-            <a:r>
-              <a:rPr lang="en-US" dirty="0" smtClean="0"/>
-              <a:t>Problem: What happens when IT needs to move or upgrade stack to a bigger server?</a:t>
-            </a:r>
-          </a:p>
-          <a:p>
-            <a:pPr lvl="1"/>
-            <a:r>
-              <a:rPr lang="en-US" dirty="0" smtClean="0"/>
-              <a:t>Painful process of building new server, installing applications and moving data (forklift upgrade)</a:t>
-            </a:r>
-            <a:endParaRPr lang="en-US" dirty="0"/>
-          </a:p>
-          <a:p>
-            <a:endParaRPr lang="en-US" dirty="0" smtClean="0"/>
-          </a:p>
-          <a:p>
-            <a:endParaRPr lang="en-US" dirty="0"/>
-          </a:p>
-          <a:p>
-            <a:endParaRPr lang="en-US" dirty="0" smtClean="0"/>
-          </a:p>
-          <a:p>
-            <a:endParaRPr lang="en-US" dirty="0"/>
-          </a:p>
-          <a:p>
-            <a:pPr marL="0" indent="0">
-              <a:buNone/>
-            </a:pPr>
-            <a:endParaRPr lang="en-US" dirty="0"/>
-          </a:p>
-          <a:p>
-            <a:endParaRPr lang="en-US" dirty="0" smtClean="0"/>
-          </a:p>
-        </p:txBody>
-      </p:sp>
-    </p:spTree>
-    <p:extLst>
-      <p:ext uri="{BB962C8B-B14F-4D97-AF65-F5344CB8AC3E}">
-        <p14:creationId xmlns:p14="http://schemas.microsoft.com/office/powerpoint/2010/main" val="3877920237"/>
-      </p:ext>
-    </p:extLst>
-  </p:cSld>
-  <p:clrMapOvr>
-    <a:masterClrMapping/>
-  </p:clrMapOvr>
-</p:sld>
-</file>
-
 <file path=ppt/slides/slide27.xml><?xml version="1.0" encoding="utf-8"?>
 <p:sld xmlns:a="http://schemas.openxmlformats.org/drawingml/2006/main" xmlns:r="http://schemas.openxmlformats.org/officeDocument/2006/relationships" xmlns:p="http://schemas.openxmlformats.org/presentationml/2006/main">
   <p:cSld>
@@ -5918,39 +5926,61 @@
         </p:spPr>
         <p:txBody>
           <a:bodyPr>
-            <a:normAutofit/>
+            <a:normAutofit fontScale="85000" lnSpcReduction="10000"/>
           </a:bodyPr>
           <a:lstStyle/>
           <a:p>
             <a:r>
               <a:rPr lang="en-US" dirty="0" smtClean="0"/>
-              <a:t>Problem: How does IT partition one customer from another?</a:t>
-            </a:r>
-          </a:p>
-          <a:p>
-            <a:pPr lvl="1"/>
-            <a:r>
-              <a:rPr lang="en-US" dirty="0" smtClean="0"/>
-              <a:t>Just buy another server </a:t>
-            </a:r>
-            <a:r>
-              <a:rPr lang="en-US" dirty="0" smtClean="0">
-                <a:sym typeface="Wingdings"/>
-              </a:rPr>
-              <a:t></a:t>
-            </a:r>
-          </a:p>
-          <a:p>
-            <a:pPr lvl="1"/>
-            <a:r>
-              <a:rPr lang="en-US" dirty="0" smtClean="0">
-                <a:sym typeface="Wingdings"/>
-              </a:rPr>
-              <a:t>Expensive to scale when every stack needs a separate physical server</a:t>
-            </a:r>
-          </a:p>
-          <a:p>
+              <a:t>Problem: It’s hard for IT organizations to determine the right-size server to support a required stack</a:t>
+            </a:r>
+          </a:p>
+          <a:p>
+            <a:pPr lvl="1"/>
+            <a:r>
+              <a:rPr lang="en-US" dirty="0" smtClean="0"/>
+              <a:t>How much CPU, memory, and network?</a:t>
+            </a:r>
+          </a:p>
+          <a:p>
+            <a:pPr lvl="1"/>
+            <a:r>
+              <a:rPr lang="en-US" dirty="0" smtClean="0"/>
+              <a:t>Selected server is either going to be oversized or undersized</a:t>
+            </a:r>
+          </a:p>
+          <a:p>
+            <a:pPr lvl="1"/>
+            <a:r>
+              <a:rPr lang="en-US" dirty="0" smtClean="0"/>
+              <a:t>Common to see servers with 10% Avg. </a:t>
+            </a:r>
+            <a:r>
+              <a:rPr lang="en-US" dirty="0" err="1" smtClean="0"/>
+              <a:t>CPUutilization</a:t>
+            </a:r>
+            <a:r>
+              <a:rPr lang="en-US" dirty="0" smtClean="0"/>
+              <a:t>, 90% of system capacity wasted!</a:t>
+            </a:r>
+          </a:p>
+          <a:p>
+            <a:pPr lvl="1"/>
             <a:endParaRPr lang="en-US" dirty="0" smtClean="0"/>
+          </a:p>
+          <a:p>
+            <a:r>
+              <a:rPr lang="en-US" dirty="0" smtClean="0"/>
+              <a:t>Problem: What happens when IT needs to move or upgrade stack to a bigger server?</a:t>
+            </a:r>
+          </a:p>
+          <a:p>
+            <a:pPr lvl="1"/>
+            <a:r>
+              <a:rPr lang="en-US" dirty="0" smtClean="0"/>
+              <a:t>Painful process of building new server, installing applications and moving data (forklift upgrade)</a:t>
+            </a:r>
+            <a:endParaRPr lang="en-US" dirty="0"/>
           </a:p>
           <a:p>
             <a:endParaRPr lang="en-US" dirty="0" smtClean="0"/>
@@ -5978,7 +6008,7 @@
     </p:spTree>
     <p:extLst>
       <p:ext uri="{BB962C8B-B14F-4D97-AF65-F5344CB8AC3E}">
-        <p14:creationId xmlns:p14="http://schemas.microsoft.com/office/powerpoint/2010/main" val="3417819335"/>
+        <p14:creationId xmlns:p14="http://schemas.microsoft.com/office/powerpoint/2010/main" val="3877920237"/>
       </p:ext>
     </p:extLst>
   </p:cSld>
@@ -6048,47 +6078,35 @@
         </p:spPr>
         <p:txBody>
           <a:bodyPr>
-            <a:normAutofit fontScale="92500" lnSpcReduction="20000"/>
+            <a:normAutofit/>
           </a:bodyPr>
           <a:lstStyle/>
           <a:p>
             <a:r>
               <a:rPr lang="en-US" dirty="0" smtClean="0"/>
-              <a:t>Computers basically just execute code statements and address memory</a:t>
-            </a:r>
-          </a:p>
-          <a:p>
-            <a:pPr lvl="1"/>
-            <a:r>
-              <a:rPr lang="en-US" dirty="0" smtClean="0"/>
-              <a:t>Manipulating memory in the right patterns and sequences allows us to create operating systems and applications</a:t>
-            </a:r>
-          </a:p>
-          <a:p>
-            <a:pPr lvl="1"/>
-            <a:r>
-              <a:rPr lang="en-US" dirty="0" smtClean="0"/>
-              <a:t>Program code can be designed to emulate a physical computer</a:t>
-            </a:r>
-          </a:p>
-          <a:p>
-            <a:r>
-              <a:rPr lang="en-US" dirty="0" smtClean="0"/>
-              <a:t>“Virtualization turns hardware into software.”</a:t>
-            </a:r>
-          </a:p>
-          <a:p>
-            <a:pPr lvl="1"/>
-            <a:r>
-              <a:rPr lang="en-US" dirty="0" smtClean="0"/>
-              <a:t>Allows us to run multiple operating systems and stacks of applications on a single physical server</a:t>
-            </a:r>
-          </a:p>
-          <a:p>
-            <a:pPr lvl="1"/>
-            <a:r>
-              <a:rPr lang="en-US" dirty="0" smtClean="0"/>
-              <a:t>Multiple stacks have logical partitions from a process, memory, and networking perspective</a:t>
+              <a:t>Problem: How does IT partition one customer from another?</a:t>
+            </a:r>
+          </a:p>
+          <a:p>
+            <a:pPr lvl="1"/>
+            <a:r>
+              <a:rPr lang="en-US" dirty="0" smtClean="0"/>
+              <a:t>Just buy another server </a:t>
+            </a:r>
+            <a:r>
+              <a:rPr lang="en-US" dirty="0" smtClean="0">
+                <a:sym typeface="Wingdings"/>
+              </a:rPr>
+              <a:t></a:t>
+            </a:r>
+          </a:p>
+          <a:p>
+            <a:pPr lvl="1"/>
+            <a:r>
+              <a:rPr lang="en-US" dirty="0" smtClean="0">
+                <a:sym typeface="Wingdings"/>
+              </a:rPr>
+              <a:t>Expensive to scale when every stack needs a separate physical server</a:t>
             </a:r>
           </a:p>
           <a:p>
@@ -6120,7 +6138,7 @@
     </p:spTree>
     <p:extLst>
       <p:ext uri="{BB962C8B-B14F-4D97-AF65-F5344CB8AC3E}">
-        <p14:creationId xmlns:p14="http://schemas.microsoft.com/office/powerpoint/2010/main" val="4270857555"/>
+        <p14:creationId xmlns:p14="http://schemas.microsoft.com/office/powerpoint/2010/main" val="3417819335"/>
       </p:ext>
     </p:extLst>
   </p:cSld>
@@ -6190,57 +6208,51 @@
         </p:spPr>
         <p:txBody>
           <a:bodyPr>
-            <a:normAutofit/>
+            <a:normAutofit fontScale="92500" lnSpcReduction="20000"/>
           </a:bodyPr>
           <a:lstStyle/>
           <a:p>
             <a:r>
               <a:rPr lang="en-US" dirty="0" smtClean="0"/>
-              <a:t>4 things that gave rise to server-based virtualization:</a:t>
-            </a:r>
-          </a:p>
-          <a:p>
-            <a:pPr lvl="1"/>
-            <a:r>
-              <a:rPr lang="en-US" dirty="0" smtClean="0"/>
-              <a:t>Faster, multi-socket CPU boards</a:t>
-            </a:r>
-          </a:p>
-          <a:p>
-            <a:pPr lvl="2"/>
-            <a:r>
-              <a:rPr lang="en-US" dirty="0" smtClean="0"/>
-              <a:t>Powerful old mainframes supported virtualization, but Intel/AMD-based servers were not powerful enough until late 90’s. </a:t>
-            </a:r>
-          </a:p>
-          <a:p>
-            <a:pPr lvl="1"/>
-            <a:r>
-              <a:rPr lang="en-US" dirty="0" smtClean="0"/>
-              <a:t>Faster, cheaper memory</a:t>
-            </a:r>
-          </a:p>
-          <a:p>
-            <a:pPr lvl="1"/>
-            <a:r>
-              <a:rPr lang="en-US" dirty="0" smtClean="0"/>
-              <a:t>Faster network storage (NAS/Fiber-channel)</a:t>
-            </a:r>
-          </a:p>
-          <a:p>
-            <a:pPr lvl="1"/>
-            <a:r>
-              <a:rPr lang="en-US" dirty="0" smtClean="0"/>
-              <a:t>Development of </a:t>
-            </a:r>
-            <a:r>
-              <a:rPr lang="en-US" dirty="0" err="1" smtClean="0"/>
-              <a:t>VMWare</a:t>
-            </a:r>
-            <a:r>
-              <a:rPr lang="en-US" dirty="0" smtClean="0"/>
-              <a:t> software</a:t>
-            </a:r>
+              <a:t>Computers basically just execute code statements and address memory</a:t>
+            </a:r>
+          </a:p>
+          <a:p>
+            <a:pPr lvl="1"/>
+            <a:r>
+              <a:rPr lang="en-US" dirty="0" smtClean="0"/>
+              <a:t>Manipulating memory in the right patterns and sequences allows us to create operating systems and applications</a:t>
+            </a:r>
+          </a:p>
+          <a:p>
+            <a:pPr lvl="1"/>
+            <a:r>
+              <a:rPr lang="en-US" dirty="0" smtClean="0"/>
+              <a:t>Program code can be designed to emulate a physical computer</a:t>
+            </a:r>
+          </a:p>
+          <a:p>
+            <a:r>
+              <a:rPr lang="en-US" dirty="0" smtClean="0"/>
+              <a:t>“Virtualization turns hardware into software.”</a:t>
+            </a:r>
+          </a:p>
+          <a:p>
+            <a:pPr lvl="1"/>
+            <a:r>
+              <a:rPr lang="en-US" dirty="0" smtClean="0"/>
+              <a:t>Allows us to run multiple operating systems and stacks of applications on a single physical server</a:t>
+            </a:r>
+          </a:p>
+          <a:p>
+            <a:pPr lvl="1"/>
+            <a:r>
+              <a:rPr lang="en-US" dirty="0" smtClean="0"/>
+              <a:t>Multiple stacks have logical partitions from a process, memory, and networking perspective</a:t>
+            </a:r>
+          </a:p>
+          <a:p>
+            <a:endParaRPr lang="en-US" dirty="0" smtClean="0"/>
           </a:p>
           <a:p>
             <a:endParaRPr lang="en-US" dirty="0" smtClean="0"/>
@@ -6268,7 +6280,7 @@
     </p:spTree>
     <p:extLst>
       <p:ext uri="{BB962C8B-B14F-4D97-AF65-F5344CB8AC3E}">
-        <p14:creationId xmlns:p14="http://schemas.microsoft.com/office/powerpoint/2010/main" val="1840026850"/>
+        <p14:creationId xmlns:p14="http://schemas.microsoft.com/office/powerpoint/2010/main" val="4270857555"/>
       </p:ext>
     </p:extLst>
   </p:cSld>
@@ -6404,7 +6416,7 @@
           <a:p>
             <a:r>
               <a:rPr lang="en-US" dirty="0" smtClean="0"/>
-              <a:t>Virtualization solves problems</a:t>
+              <a:t>Virtualization</a:t>
             </a:r>
             <a:endParaRPr lang="en-US" dirty="0"/>
           </a:p>
@@ -6434,43 +6446,53 @@
           <a:p>
             <a:r>
               <a:rPr lang="en-US" dirty="0" smtClean="0"/>
-              <a:t>Virtualization allows multiple stacks to run on one physical machine</a:t>
-            </a:r>
-          </a:p>
-          <a:p>
-            <a:pPr lvl="1"/>
-            <a:r>
-              <a:rPr lang="en-US" dirty="0" smtClean="0"/>
-              <a:t>Increases average resource utilization from 10% to 80-90%</a:t>
-            </a:r>
-          </a:p>
-          <a:p>
-            <a:pPr lvl="1"/>
-            <a:r>
-              <a:rPr lang="en-US" dirty="0" smtClean="0"/>
-              <a:t>Reduces physical footprint of servers</a:t>
-            </a:r>
-          </a:p>
-          <a:p>
-            <a:pPr lvl="1"/>
-            <a:r>
-              <a:rPr lang="en-US" dirty="0" smtClean="0"/>
-              <a:t>Greener approach</a:t>
-            </a:r>
-          </a:p>
-          <a:p>
-            <a:pPr lvl="1"/>
-            <a:r>
-              <a:rPr lang="en-US" dirty="0" smtClean="0"/>
-              <a:t>Sometimes we call this phenomenon </a:t>
-            </a:r>
-            <a:r>
-              <a:rPr lang="en-US" i="1" dirty="0" smtClean="0"/>
-              <a:t>server compression</a:t>
-            </a:r>
-          </a:p>
-          <a:p>
-            <a:pPr lvl="1"/>
+              <a:t>4 things that gave rise to server-based virtualization:</a:t>
+            </a:r>
+          </a:p>
+          <a:p>
+            <a:pPr lvl="1"/>
+            <a:r>
+              <a:rPr lang="en-US" dirty="0" smtClean="0"/>
+              <a:t>Faster, multi-socket CPU boards</a:t>
+            </a:r>
+          </a:p>
+          <a:p>
+            <a:pPr lvl="2"/>
+            <a:r>
+              <a:rPr lang="en-US" dirty="0" smtClean="0"/>
+              <a:t>Powerful old mainframes supported virtualization, but Intel/AMD-based servers were not powerful enough until late 90’s. </a:t>
+            </a:r>
+          </a:p>
+          <a:p>
+            <a:pPr lvl="1"/>
+            <a:r>
+              <a:rPr lang="en-US" dirty="0" smtClean="0"/>
+              <a:t>Faster, cheaper memory</a:t>
+            </a:r>
+          </a:p>
+          <a:p>
+            <a:pPr lvl="1"/>
+            <a:r>
+              <a:rPr lang="en-US" dirty="0" smtClean="0"/>
+              <a:t>Faster network storage (NAS/Fiber-channel)</a:t>
+            </a:r>
+          </a:p>
+          <a:p>
+            <a:pPr lvl="1"/>
+            <a:r>
+              <a:rPr lang="en-US" dirty="0" smtClean="0"/>
+              <a:t>Development of </a:t>
+            </a:r>
+            <a:r>
+              <a:rPr lang="en-US" dirty="0" err="1" smtClean="0"/>
+              <a:t>VMWare</a:t>
+            </a:r>
+            <a:r>
+              <a:rPr lang="en-US" dirty="0" smtClean="0"/>
+              <a:t> software</a:t>
+            </a:r>
+          </a:p>
+          <a:p>
             <a:endParaRPr lang="en-US" dirty="0" smtClean="0"/>
           </a:p>
           <a:p>
@@ -6496,7 +6518,7 @@
     </p:spTree>
     <p:extLst>
       <p:ext uri="{BB962C8B-B14F-4D97-AF65-F5344CB8AC3E}">
-        <p14:creationId xmlns:p14="http://schemas.microsoft.com/office/powerpoint/2010/main" val="370587444"/>
+        <p14:creationId xmlns:p14="http://schemas.microsoft.com/office/powerpoint/2010/main" val="1840026850"/>
       </p:ext>
     </p:extLst>
   </p:cSld>
@@ -6572,28 +6594,44 @@
           <a:p>
             <a:r>
               <a:rPr lang="en-US" dirty="0" smtClean="0"/>
-              <a:t>Servers are turned into software</a:t>
-            </a:r>
-          </a:p>
-          <a:p>
-            <a:pPr lvl="1"/>
-            <a:r>
-              <a:rPr lang="en-US" dirty="0" smtClean="0"/>
-              <a:t>It’s easier to move software around</a:t>
-            </a:r>
-          </a:p>
-          <a:p>
-            <a:pPr lvl="1"/>
-            <a:r>
-              <a:rPr lang="en-US" dirty="0" smtClean="0"/>
-              <a:t>Easy to move a stack from an older physical server to a newer physical server</a:t>
-            </a:r>
-          </a:p>
-          <a:p>
-            <a:r>
-              <a:rPr lang="en-US" dirty="0" smtClean="0"/>
-              <a:t>No need to purchase a separate server for each customer because virtualization provides partitioning.</a:t>
-            </a:r>
+              <a:t>Virtualization allows multiple stacks to run on one physical machine</a:t>
+            </a:r>
+          </a:p>
+          <a:p>
+            <a:pPr lvl="1"/>
+            <a:r>
+              <a:rPr lang="en-US" dirty="0" smtClean="0"/>
+              <a:t>Increases average resource utilization from 10% to 80-90%</a:t>
+            </a:r>
+          </a:p>
+          <a:p>
+            <a:pPr lvl="1"/>
+            <a:r>
+              <a:rPr lang="en-US" dirty="0" smtClean="0"/>
+              <a:t>Reduces physical footprint of servers</a:t>
+            </a:r>
+          </a:p>
+          <a:p>
+            <a:pPr lvl="1"/>
+            <a:r>
+              <a:rPr lang="en-US" dirty="0" smtClean="0"/>
+              <a:t>Greener approach</a:t>
+            </a:r>
+          </a:p>
+          <a:p>
+            <a:pPr lvl="1"/>
+            <a:r>
+              <a:rPr lang="en-US" dirty="0" smtClean="0"/>
+              <a:t>Sometimes we call this phenomenon </a:t>
+            </a:r>
+            <a:r>
+              <a:rPr lang="en-US" i="1" dirty="0" smtClean="0"/>
+              <a:t>server compression</a:t>
+            </a:r>
+          </a:p>
+          <a:p>
+            <a:pPr lvl="1"/>
+            <a:endParaRPr lang="en-US" dirty="0" smtClean="0"/>
           </a:p>
           <a:p>
             <a:endParaRPr lang="en-US" dirty="0"/>
@@ -6618,7 +6656,7 @@
     </p:spTree>
     <p:extLst>
       <p:ext uri="{BB962C8B-B14F-4D97-AF65-F5344CB8AC3E}">
-        <p14:creationId xmlns:p14="http://schemas.microsoft.com/office/powerpoint/2010/main" val="2273451257"/>
+        <p14:creationId xmlns:p14="http://schemas.microsoft.com/office/powerpoint/2010/main" val="370587444"/>
       </p:ext>
     </p:extLst>
   </p:cSld>
@@ -6664,7 +6702,7 @@
           <a:p>
             <a:r>
               <a:rPr lang="en-US" dirty="0" smtClean="0"/>
-              <a:t>Virtualization Types</a:t>
+              <a:t>Virtualization solves problems</a:t>
             </a:r>
             <a:endParaRPr lang="en-US" dirty="0"/>
           </a:p>
@@ -6688,48 +6726,33 @@
         </p:spPr>
         <p:txBody>
           <a:bodyPr>
-            <a:normAutofit fontScale="92500" lnSpcReduction="10000"/>
+            <a:normAutofit/>
           </a:bodyPr>
           <a:lstStyle/>
           <a:p>
             <a:r>
               <a:rPr lang="en-US" dirty="0" smtClean="0"/>
-              <a:t>First, some definitions:</a:t>
-            </a:r>
-          </a:p>
-          <a:p>
-            <a:pPr lvl="1"/>
-            <a:r>
-              <a:rPr lang="en-US" dirty="0" smtClean="0"/>
-              <a:t>Host machine: physical server that supports multiple stacks</a:t>
-            </a:r>
-          </a:p>
-          <a:p>
-            <a:pPr lvl="1"/>
-            <a:r>
-              <a:rPr lang="en-US" dirty="0" smtClean="0"/>
-              <a:t>Virtual machine: virtualized server instance running on a host machine (also known as an instance)</a:t>
-            </a:r>
-          </a:p>
-          <a:p>
-            <a:pPr lvl="1"/>
-            <a:r>
-              <a:rPr lang="en-US" dirty="0" smtClean="0"/>
-              <a:t>Host OS: operating system running on a bare-metal server</a:t>
-            </a:r>
-          </a:p>
-          <a:p>
-            <a:pPr lvl="1"/>
-            <a:r>
-              <a:rPr lang="en-US" dirty="0" smtClean="0"/>
-              <a:t>Guest OS: operating system running on a virtual machine</a:t>
-            </a:r>
-          </a:p>
-          <a:p>
-            <a:pPr lvl="1"/>
-            <a:r>
-              <a:rPr lang="en-US" dirty="0" smtClean="0"/>
-              <a:t>Hypervisor: Software that emulates and manages the communication between virtual machines and the physical server</a:t>
+              <a:t>Servers are turned into software</a:t>
+            </a:r>
+          </a:p>
+          <a:p>
+            <a:pPr lvl="1"/>
+            <a:r>
+              <a:rPr lang="en-US" dirty="0" smtClean="0"/>
+              <a:t>It’s easier to move software around</a:t>
+            </a:r>
+          </a:p>
+          <a:p>
+            <a:pPr lvl="1"/>
+            <a:r>
+              <a:rPr lang="en-US" dirty="0" smtClean="0"/>
+              <a:t>Easy to move a stack from an older physical server to a newer physical server</a:t>
+            </a:r>
+          </a:p>
+          <a:p>
+            <a:r>
+              <a:rPr lang="en-US" dirty="0" smtClean="0"/>
+              <a:t>No need to purchase a separate server for each customer because virtualization provides partitioning.</a:t>
             </a:r>
           </a:p>
           <a:p>
@@ -6755,7 +6778,7 @@
     </p:spTree>
     <p:extLst>
       <p:ext uri="{BB962C8B-B14F-4D97-AF65-F5344CB8AC3E}">
-        <p14:creationId xmlns:p14="http://schemas.microsoft.com/office/powerpoint/2010/main" val="3992047205"/>
+        <p14:creationId xmlns:p14="http://schemas.microsoft.com/office/powerpoint/2010/main" val="2273451257"/>
       </p:ext>
     </p:extLst>
   </p:cSld>
@@ -6825,67 +6848,51 @@
         </p:spPr>
         <p:txBody>
           <a:bodyPr>
-            <a:normAutofit/>
+            <a:normAutofit fontScale="92500" lnSpcReduction="10000"/>
           </a:bodyPr>
           <a:lstStyle/>
           <a:p>
             <a:r>
               <a:rPr lang="en-US" dirty="0" smtClean="0"/>
-              <a:t>Hardware virtualization</a:t>
-            </a:r>
-          </a:p>
-          <a:p>
-            <a:pPr lvl="1"/>
-            <a:r>
-              <a:rPr lang="en-US" dirty="0" smtClean="0"/>
-              <a:t>Part of physical server dedicated to a specific stack</a:t>
-            </a:r>
-          </a:p>
-          <a:p>
-            <a:pPr lvl="1"/>
-            <a:r>
-              <a:rPr lang="en-US" dirty="0" smtClean="0"/>
-              <a:t>Big expensive mainframe-type systems</a:t>
-            </a:r>
-          </a:p>
-          <a:p>
-            <a:r>
-              <a:rPr lang="en-US" dirty="0" smtClean="0"/>
-              <a:t>Software virtualization</a:t>
-            </a:r>
-          </a:p>
-          <a:p>
-            <a:pPr lvl="1"/>
-            <a:r>
-              <a:rPr lang="en-US" dirty="0" smtClean="0"/>
-              <a:t>Type 1 Hypervisor</a:t>
-            </a:r>
-          </a:p>
-          <a:p>
-            <a:pPr lvl="2"/>
-            <a:r>
-              <a:rPr lang="en-US" dirty="0" smtClean="0"/>
-              <a:t>Runs on top of the bare-metal server and sits between hardware and operating systems in the stacks</a:t>
-            </a:r>
-          </a:p>
-          <a:p>
-            <a:pPr lvl="2"/>
-            <a:r>
-              <a:rPr lang="en-US" dirty="0" smtClean="0"/>
-              <a:t>Examples: </a:t>
-            </a:r>
-            <a:r>
-              <a:rPr lang="en-US" dirty="0" err="1" smtClean="0"/>
-              <a:t>VMWare</a:t>
-            </a:r>
-            <a:r>
-              <a:rPr lang="en-US" dirty="0" smtClean="0"/>
-              <a:t> ESX, Microsoft Virtual Server, </a:t>
-            </a:r>
-            <a:r>
-              <a:rPr lang="en-US" dirty="0" err="1" smtClean="0"/>
-              <a:t>Xen</a:t>
-            </a:r>
+              <a:t>First, some definitions:</a:t>
+            </a:r>
+          </a:p>
+          <a:p>
+            <a:pPr lvl="1"/>
+            <a:r>
+              <a:rPr lang="en-US" dirty="0" smtClean="0"/>
+              <a:t>Host machine: physical server that supports multiple stacks</a:t>
+            </a:r>
+          </a:p>
+          <a:p>
+            <a:pPr lvl="1"/>
+            <a:r>
+              <a:rPr lang="en-US" dirty="0" smtClean="0"/>
+              <a:t>Virtual machine: virtualized server instance running on a host machine (also known as an instance)</a:t>
+            </a:r>
+          </a:p>
+          <a:p>
+            <a:pPr lvl="1"/>
+            <a:r>
+              <a:rPr lang="en-US" dirty="0" smtClean="0"/>
+              <a:t>Host OS: operating system running on a bare-metal server</a:t>
+            </a:r>
+          </a:p>
+          <a:p>
+            <a:pPr lvl="1"/>
+            <a:r>
+              <a:rPr lang="en-US" dirty="0" smtClean="0"/>
+              <a:t>Guest OS: operating system running on a virtual machine</a:t>
+            </a:r>
+          </a:p>
+          <a:p>
+            <a:pPr lvl="1"/>
+            <a:r>
+              <a:rPr lang="en-US" dirty="0" smtClean="0"/>
+              <a:t>Hypervisor: Software that emulates and manages the communication between virtual machines and the physical server</a:t>
+            </a:r>
+          </a:p>
+          <a:p>
             <a:endParaRPr lang="en-US" dirty="0"/>
           </a:p>
           <a:p>
@@ -6908,7 +6915,7 @@
     </p:spTree>
     <p:extLst>
       <p:ext uri="{BB962C8B-B14F-4D97-AF65-F5344CB8AC3E}">
-        <p14:creationId xmlns:p14="http://schemas.microsoft.com/office/powerpoint/2010/main" val="4033828629"/>
+        <p14:creationId xmlns:p14="http://schemas.microsoft.com/office/powerpoint/2010/main" val="3992047205"/>
       </p:ext>
     </p:extLst>
   </p:cSld>
@@ -6978,43 +6985,54 @@
         </p:spPr>
         <p:txBody>
           <a:bodyPr>
-            <a:normAutofit fontScale="92500"/>
+            <a:normAutofit/>
           </a:bodyPr>
           <a:lstStyle/>
           <a:p>
-            <a:pPr lvl="1"/>
-            <a:r>
-              <a:rPr lang="en-US" dirty="0" smtClean="0"/>
-              <a:t>Type 2 Hypervisor</a:t>
+            <a:r>
+              <a:rPr lang="en-US" dirty="0" smtClean="0"/>
+              <a:t>Hardware virtualization</a:t>
+            </a:r>
+          </a:p>
+          <a:p>
+            <a:pPr lvl="1"/>
+            <a:r>
+              <a:rPr lang="en-US" dirty="0" smtClean="0"/>
+              <a:t>Part of physical server dedicated to a specific stack</a:t>
+            </a:r>
+          </a:p>
+          <a:p>
+            <a:pPr lvl="1"/>
+            <a:r>
+              <a:rPr lang="en-US" dirty="0" smtClean="0"/>
+              <a:t>Big expensive mainframe-type systems</a:t>
+            </a:r>
+          </a:p>
+          <a:p>
+            <a:r>
+              <a:rPr lang="en-US" dirty="0" smtClean="0"/>
+              <a:t>Software virtualization</a:t>
+            </a:r>
+          </a:p>
+          <a:p>
+            <a:pPr lvl="1"/>
+            <a:r>
+              <a:rPr lang="en-US" dirty="0" smtClean="0"/>
+              <a:t>Type 1 Hypervisor</a:t>
             </a:r>
           </a:p>
           <a:p>
             <a:pPr lvl="2"/>
             <a:r>
               <a:rPr lang="en-US" dirty="0" smtClean="0"/>
-              <a:t>Runs on top of an operating system</a:t>
+              <a:t>Runs on top of the bare-metal server and sits between hardware and operating systems in the stacks</a:t>
             </a:r>
           </a:p>
           <a:p>
             <a:pPr lvl="2"/>
             <a:r>
               <a:rPr lang="en-US" dirty="0" smtClean="0"/>
-              <a:t>Easy installation</a:t>
-            </a:r>
-          </a:p>
-          <a:p>
-            <a:pPr lvl="2"/>
-            <a:r>
-              <a:rPr lang="en-US" dirty="0" smtClean="0"/>
-              <a:t>Example: Oracle </a:t>
-            </a:r>
-            <a:r>
-              <a:rPr lang="en-US" dirty="0" err="1" smtClean="0"/>
-              <a:t>VirtualBox</a:t>
-            </a:r>
-            <a:r>
-              <a:rPr lang="en-US" dirty="0" smtClean="0"/>
-              <a:t>, </a:t>
+              <a:t>Examples: </a:t>
             </a:r>
             <a:r>
               <a:rPr lang="en-US" dirty="0" err="1" smtClean="0"/>
@@ -7022,102 +7040,35 @@
             </a:r>
             <a:r>
               <a:rPr lang="en-US" dirty="0" smtClean="0"/>
-              <a:t> Fusion</a:t>
-            </a:r>
-            <a:endParaRPr lang="en-US" dirty="0"/>
-          </a:p>
-          <a:p>
-            <a:pPr lvl="1"/>
-            <a:r>
-              <a:rPr lang="en-US" dirty="0" smtClean="0"/>
-              <a:t>Type 1 vs. Type 2</a:t>
-            </a:r>
-          </a:p>
-          <a:p>
-            <a:pPr lvl="2"/>
-            <a:r>
-              <a:rPr lang="en-US" dirty="0" smtClean="0"/>
-              <a:t>Type 1 provides higher performance &amp; security</a:t>
-            </a:r>
-          </a:p>
-          <a:p>
-            <a:pPr lvl="1"/>
-            <a:r>
-              <a:rPr lang="en-US" dirty="0" smtClean="0"/>
-              <a:t>Full virtualization vs. </a:t>
+              <a:t> ESX, Microsoft Virtual Server, </a:t>
             </a:r>
             <a:r>
               <a:rPr lang="en-US" dirty="0" err="1" smtClean="0"/>
-              <a:t>Paravirtualization</a:t>
-            </a:r>
+              <a:t>Xen</a:t>
+            </a:r>
+            <a:endParaRPr lang="en-US" dirty="0"/>
+          </a:p>
+          <a:p>
             <a:endParaRPr lang="en-US" dirty="0" smtClean="0"/>
           </a:p>
           <a:p>
-            <a:pPr lvl="2"/>
-            <a:r>
-              <a:rPr lang="en-US" dirty="0" smtClean="0"/>
-              <a:t>Full virtualization = guest operating systems are not “aware” that they are being virtualized</a:t>
-            </a:r>
-          </a:p>
-          <a:p>
-            <a:pPr lvl="2"/>
-            <a:r>
-              <a:rPr lang="en-US" dirty="0" smtClean="0"/>
-              <a:t>Para virtualization = guest operating system are “aware” of virtualization and have special kernel modifications (better performance than full virtualization)</a:t>
-            </a:r>
-          </a:p>
-          <a:p>
-            <a:pPr lvl="1"/>
+            <a:endParaRPr lang="en-US" dirty="0"/>
+          </a:p>
+          <a:p>
+            <a:pPr marL="0" indent="0">
+              <a:buNone/>
+            </a:pPr>
+            <a:endParaRPr lang="en-US" dirty="0"/>
+          </a:p>
+          <a:p>
             <a:endParaRPr lang="en-US" dirty="0" smtClean="0"/>
-          </a:p>
-          <a:p>
-            <a:pPr lvl="2"/>
-            <a:endParaRPr lang="en-US" dirty="0" smtClean="0"/>
-          </a:p>
-          <a:p>
-            <a:endParaRPr lang="en-US" dirty="0"/>
-          </a:p>
-          <a:p>
-            <a:pPr marL="0" indent="0">
-              <a:buNone/>
-            </a:pPr>
-            <a:endParaRPr lang="en-US" dirty="0"/>
-          </a:p>
-          <a:p>
-            <a:endParaRPr lang="en-US" dirty="0" smtClean="0"/>
-          </a:p>
-        </p:txBody>
-      </p:sp>
-      <p:sp>
-        <p:nvSpPr>
-          <p:cNvPr id="4" name="TextBox 3"/>
-          <p:cNvSpPr txBox="1"/>
-          <p:nvPr/>
-        </p:nvSpPr>
-        <p:spPr>
-          <a:xfrm>
-            <a:off x="3561365" y="4268655"/>
-            <a:ext cx="184666" cy="369332"/>
-          </a:xfrm>
-          <a:prstGeom prst="rect">
-            <a:avLst/>
-          </a:prstGeom>
-          <a:noFill/>
-        </p:spPr>
-        <p:txBody>
-          <a:bodyPr wrap="none" rtlCol="0">
-            <a:spAutoFit/>
-          </a:bodyPr>
-          <a:lstStyle/>
-          <a:p>
-            <a:endParaRPr lang="en-US" dirty="0"/>
           </a:p>
         </p:txBody>
       </p:sp>
     </p:spTree>
     <p:extLst>
       <p:ext uri="{BB962C8B-B14F-4D97-AF65-F5344CB8AC3E}">
-        <p14:creationId xmlns:p14="http://schemas.microsoft.com/office/powerpoint/2010/main" val="2526346320"/>
+        <p14:creationId xmlns:p14="http://schemas.microsoft.com/office/powerpoint/2010/main" val="4033828629"/>
       </p:ext>
     </p:extLst>
   </p:cSld>
@@ -7187,6 +7138,215 @@
         </p:spPr>
         <p:txBody>
           <a:bodyPr>
+            <a:normAutofit fontScale="92500"/>
+          </a:bodyPr>
+          <a:lstStyle/>
+          <a:p>
+            <a:pPr lvl="1"/>
+            <a:r>
+              <a:rPr lang="en-US" dirty="0" smtClean="0"/>
+              <a:t>Type 2 Hypervisor</a:t>
+            </a:r>
+          </a:p>
+          <a:p>
+            <a:pPr lvl="2"/>
+            <a:r>
+              <a:rPr lang="en-US" dirty="0" smtClean="0"/>
+              <a:t>Runs on top of an operating system</a:t>
+            </a:r>
+          </a:p>
+          <a:p>
+            <a:pPr lvl="2"/>
+            <a:r>
+              <a:rPr lang="en-US" dirty="0" smtClean="0"/>
+              <a:t>Easy installation</a:t>
+            </a:r>
+          </a:p>
+          <a:p>
+            <a:pPr lvl="2"/>
+            <a:r>
+              <a:rPr lang="en-US" dirty="0" smtClean="0"/>
+              <a:t>Example: Oracle </a:t>
+            </a:r>
+            <a:r>
+              <a:rPr lang="en-US" dirty="0" err="1" smtClean="0"/>
+              <a:t>VirtualBox</a:t>
+            </a:r>
+            <a:r>
+              <a:rPr lang="en-US" dirty="0" smtClean="0"/>
+              <a:t>, </a:t>
+            </a:r>
+            <a:r>
+              <a:rPr lang="en-US" dirty="0" err="1" smtClean="0"/>
+              <a:t>VMWare</a:t>
+            </a:r>
+            <a:r>
+              <a:rPr lang="en-US" dirty="0" smtClean="0"/>
+              <a:t> Fusion</a:t>
+            </a:r>
+            <a:endParaRPr lang="en-US" dirty="0"/>
+          </a:p>
+          <a:p>
+            <a:pPr lvl="1"/>
+            <a:r>
+              <a:rPr lang="en-US" dirty="0" smtClean="0"/>
+              <a:t>Type 1 vs. Type 2</a:t>
+            </a:r>
+          </a:p>
+          <a:p>
+            <a:pPr lvl="2"/>
+            <a:r>
+              <a:rPr lang="en-US" dirty="0" smtClean="0"/>
+              <a:t>Type 1 provides higher performance &amp; security</a:t>
+            </a:r>
+          </a:p>
+          <a:p>
+            <a:pPr lvl="1"/>
+            <a:r>
+              <a:rPr lang="en-US" dirty="0" smtClean="0"/>
+              <a:t>Full virtualization vs. </a:t>
+            </a:r>
+            <a:r>
+              <a:rPr lang="en-US" dirty="0" err="1" smtClean="0"/>
+              <a:t>Paravirtualization</a:t>
+            </a:r>
+            <a:endParaRPr lang="en-US" dirty="0" smtClean="0"/>
+          </a:p>
+          <a:p>
+            <a:pPr lvl="2"/>
+            <a:r>
+              <a:rPr lang="en-US" dirty="0" smtClean="0"/>
+              <a:t>Full virtualization = guest operating systems are not “aware” that they are being virtualized</a:t>
+            </a:r>
+          </a:p>
+          <a:p>
+            <a:pPr lvl="2"/>
+            <a:r>
+              <a:rPr lang="en-US" dirty="0" smtClean="0"/>
+              <a:t>Para virtualization = guest operating system are “aware” of virtualization and have special kernel modifications (better performance than full virtualization)</a:t>
+            </a:r>
+          </a:p>
+          <a:p>
+            <a:pPr lvl="1"/>
+            <a:endParaRPr lang="en-US" dirty="0" smtClean="0"/>
+          </a:p>
+          <a:p>
+            <a:pPr lvl="2"/>
+            <a:endParaRPr lang="en-US" dirty="0" smtClean="0"/>
+          </a:p>
+          <a:p>
+            <a:endParaRPr lang="en-US" dirty="0"/>
+          </a:p>
+          <a:p>
+            <a:pPr marL="0" indent="0">
+              <a:buNone/>
+            </a:pPr>
+            <a:endParaRPr lang="en-US" dirty="0"/>
+          </a:p>
+          <a:p>
+            <a:endParaRPr lang="en-US" dirty="0" smtClean="0"/>
+          </a:p>
+        </p:txBody>
+      </p:sp>
+      <p:sp>
+        <p:nvSpPr>
+          <p:cNvPr id="4" name="TextBox 3"/>
+          <p:cNvSpPr txBox="1"/>
+          <p:nvPr/>
+        </p:nvSpPr>
+        <p:spPr>
+          <a:xfrm>
+            <a:off x="3561365" y="4268655"/>
+            <a:ext cx="184666" cy="369332"/>
+          </a:xfrm>
+          <a:prstGeom prst="rect">
+            <a:avLst/>
+          </a:prstGeom>
+          <a:noFill/>
+        </p:spPr>
+        <p:txBody>
+          <a:bodyPr wrap="none" rtlCol="0">
+            <a:spAutoFit/>
+          </a:bodyPr>
+          <a:lstStyle/>
+          <a:p>
+            <a:endParaRPr lang="en-US" dirty="0"/>
+          </a:p>
+        </p:txBody>
+      </p:sp>
+    </p:spTree>
+    <p:extLst>
+      <p:ext uri="{BB962C8B-B14F-4D97-AF65-F5344CB8AC3E}">
+        <p14:creationId xmlns:p14="http://schemas.microsoft.com/office/powerpoint/2010/main" val="2526346320"/>
+      </p:ext>
+    </p:extLst>
+  </p:cSld>
+  <p:clrMapOvr>
+    <a:masterClrMapping/>
+  </p:clrMapOvr>
+</p:sld>
+</file>
+
+<file path=ppt/slides/slide36.xml><?xml version="1.0" encoding="utf-8"?>
+<p:sld xmlns:a="http://schemas.openxmlformats.org/drawingml/2006/main" xmlns:r="http://schemas.openxmlformats.org/officeDocument/2006/relationships" xmlns:p="http://schemas.openxmlformats.org/presentationml/2006/main">
+  <p:cSld>
+    <p:spTree>
+      <p:nvGrpSpPr>
+        <p:cNvPr id="1" name=""/>
+        <p:cNvGrpSpPr/>
+        <p:nvPr/>
+      </p:nvGrpSpPr>
+      <p:grpSpPr>
+        <a:xfrm>
+          <a:off x="0" y="0"/>
+          <a:ext cx="0" cy="0"/>
+          <a:chOff x="0" y="0"/>
+          <a:chExt cx="0" cy="0"/>
+        </a:xfrm>
+      </p:grpSpPr>
+      <p:sp>
+        <p:nvSpPr>
+          <p:cNvPr id="2" name="Title 1"/>
+          <p:cNvSpPr>
+            <a:spLocks noGrp="1"/>
+          </p:cNvSpPr>
+          <p:nvPr>
+            <p:ph type="title"/>
+          </p:nvPr>
+        </p:nvSpPr>
+        <p:spPr/>
+        <p:txBody>
+          <a:bodyPr>
+            <a:normAutofit/>
+          </a:bodyPr>
+          <a:lstStyle/>
+          <a:p>
+            <a:r>
+              <a:rPr lang="en-US" dirty="0" smtClean="0"/>
+              <a:t>Virtualization Types</a:t>
+            </a:r>
+            <a:endParaRPr lang="en-US" dirty="0"/>
+          </a:p>
+        </p:txBody>
+      </p:sp>
+      <p:sp>
+        <p:nvSpPr>
+          <p:cNvPr id="3" name="Content Placeholder 2"/>
+          <p:cNvSpPr>
+            <a:spLocks noGrp="1"/>
+          </p:cNvSpPr>
+          <p:nvPr>
+            <p:ph idx="1"/>
+          </p:nvPr>
+        </p:nvSpPr>
+        <p:spPr>
+          <a:xfrm>
+            <a:off x="457200" y="1600200"/>
+            <a:ext cx="8229600" cy="4920629"/>
+          </a:xfrm>
+        </p:spPr>
+        <p:txBody>
+          <a:bodyPr>
             <a:normAutofit/>
           </a:bodyPr>
           <a:lstStyle/>
@@ -7293,7 +7453,7 @@
 </p:sld>
 </file>
 
-<file path=ppt/slides/slide36.xml><?xml version="1.0" encoding="utf-8"?>
+<file path=ppt/slides/slide37.xml><?xml version="1.0" encoding="utf-8"?>
 <p:sld xmlns:a="http://schemas.openxmlformats.org/drawingml/2006/main" xmlns:r="http://schemas.openxmlformats.org/officeDocument/2006/relationships" xmlns:p="http://schemas.openxmlformats.org/presentationml/2006/main">
   <p:cSld>
     <p:spTree>
@@ -7445,149 +7605,6 @@
 </p:sld>
 </file>
 
-<file path=ppt/slides/slide37.xml><?xml version="1.0" encoding="utf-8"?>
-<p:sld xmlns:a="http://schemas.openxmlformats.org/drawingml/2006/main" xmlns:r="http://schemas.openxmlformats.org/officeDocument/2006/relationships" xmlns:p="http://schemas.openxmlformats.org/presentationml/2006/main">
-  <p:cSld>
-    <p:spTree>
-      <p:nvGrpSpPr>
-        <p:cNvPr id="1" name=""/>
-        <p:cNvGrpSpPr/>
-        <p:nvPr/>
-      </p:nvGrpSpPr>
-      <p:grpSpPr>
-        <a:xfrm>
-          <a:off x="0" y="0"/>
-          <a:ext cx="0" cy="0"/>
-          <a:chOff x="0" y="0"/>
-          <a:chExt cx="0" cy="0"/>
-        </a:xfrm>
-      </p:grpSpPr>
-      <p:sp>
-        <p:nvSpPr>
-          <p:cNvPr id="2" name="Title 1"/>
-          <p:cNvSpPr>
-            <a:spLocks noGrp="1"/>
-          </p:cNvSpPr>
-          <p:nvPr>
-            <p:ph type="title"/>
-          </p:nvPr>
-        </p:nvSpPr>
-        <p:spPr/>
-        <p:txBody>
-          <a:bodyPr>
-            <a:normAutofit/>
-          </a:bodyPr>
-          <a:lstStyle/>
-          <a:p>
-            <a:r>
-              <a:rPr lang="en-US" dirty="0" smtClean="0"/>
-              <a:t>Virtualization infrastructure</a:t>
-            </a:r>
-            <a:endParaRPr lang="en-US" dirty="0"/>
-          </a:p>
-        </p:txBody>
-      </p:sp>
-      <p:sp>
-        <p:nvSpPr>
-          <p:cNvPr id="3" name="Content Placeholder 2"/>
-          <p:cNvSpPr>
-            <a:spLocks noGrp="1"/>
-          </p:cNvSpPr>
-          <p:nvPr>
-            <p:ph idx="1"/>
-          </p:nvPr>
-        </p:nvSpPr>
-        <p:spPr>
-          <a:xfrm>
-            <a:off x="457200" y="1600200"/>
-            <a:ext cx="8229600" cy="4920629"/>
-          </a:xfrm>
-        </p:spPr>
-        <p:txBody>
-          <a:bodyPr>
-            <a:normAutofit/>
-          </a:bodyPr>
-          <a:lstStyle/>
-          <a:p>
-            <a:r>
-              <a:rPr lang="en-US" dirty="0" smtClean="0"/>
-              <a:t>Other forms of virtualized infrastructure:</a:t>
-            </a:r>
-          </a:p>
-          <a:p>
-            <a:pPr lvl="1"/>
-            <a:r>
-              <a:rPr lang="en-US" dirty="0" smtClean="0"/>
-              <a:t>Virtual Desktop Infrastructure (VDI)</a:t>
-            </a:r>
-          </a:p>
-          <a:p>
-            <a:pPr lvl="1"/>
-            <a:r>
-              <a:rPr lang="en-US" dirty="0" smtClean="0"/>
-              <a:t>Storage virtualization: pooling together storage devices from disparate vendors and presenting as a single device</a:t>
-            </a:r>
-          </a:p>
-          <a:p>
-            <a:pPr lvl="1"/>
-            <a:r>
-              <a:rPr lang="en-US" dirty="0" smtClean="0"/>
-              <a:t>Network virtualization: replace physical switches and firewalls with software (AWS VPC)</a:t>
-            </a:r>
-          </a:p>
-          <a:p>
-            <a:endParaRPr lang="en-US" dirty="0"/>
-          </a:p>
-          <a:p>
-            <a:pPr marL="0" indent="0">
-              <a:buNone/>
-            </a:pPr>
-            <a:endParaRPr lang="en-US" dirty="0"/>
-          </a:p>
-          <a:p>
-            <a:endParaRPr lang="en-US" dirty="0" smtClean="0"/>
-          </a:p>
-        </p:txBody>
-      </p:sp>
-      <p:sp>
-        <p:nvSpPr>
-          <p:cNvPr id="4" name="TextBox 3"/>
-          <p:cNvSpPr txBox="1"/>
-          <p:nvPr/>
-        </p:nvSpPr>
-        <p:spPr>
-          <a:xfrm>
-            <a:off x="3561365" y="4268655"/>
-            <a:ext cx="184666" cy="369332"/>
-          </a:xfrm>
-          <a:prstGeom prst="rect">
-            <a:avLst/>
-          </a:prstGeom>
-          <a:noFill/>
-        </p:spPr>
-        <p:txBody>
-          <a:bodyPr wrap="none" rtlCol="0">
-            <a:spAutoFit/>
-          </a:bodyPr>
-          <a:lstStyle/>
-          <a:p>
-            <a:endParaRPr lang="en-US" dirty="0"/>
-          </a:p>
-        </p:txBody>
-      </p:sp>
-    </p:spTree>
-    <p:extLst>
-      <p:ext uri="{BB962C8B-B14F-4D97-AF65-F5344CB8AC3E}">
-        <p14:creationId xmlns:p14="http://schemas.microsoft.com/office/powerpoint/2010/main" val="2330205531"/>
-      </p:ext>
-    </p:extLst>
-  </p:cSld>
-  <p:clrMapOvr>
-    <a:masterClrMapping/>
-  </p:clrMapOvr>
-</p:sld>
-</file>
-
 <file path=ppt/slides/slide38.xml><?xml version="1.0" encoding="utf-8"?>
 <p:sld xmlns:a="http://schemas.openxmlformats.org/drawingml/2006/main" xmlns:r="http://schemas.openxmlformats.org/officeDocument/2006/relationships" xmlns:p="http://schemas.openxmlformats.org/presentationml/2006/main">
   <p:cSld>
@@ -7623,12 +7640,8 @@
           <a:lstStyle/>
           <a:p>
             <a:r>
-              <a:rPr lang="en-US" dirty="0" err="1" smtClean="0"/>
-              <a:t>VirtualBox</a:t>
-            </a:r>
-            <a:r>
-              <a:rPr lang="en-US" dirty="0" smtClean="0"/>
-              <a:t> Demo</a:t>
+              <a:rPr lang="en-US" dirty="0" smtClean="0"/>
+              <a:t>Virtualization infrastructure</a:t>
             </a:r>
             <a:endParaRPr lang="en-US" dirty="0"/>
           </a:p>
@@ -7658,44 +7671,31 @@
           <a:p>
             <a:r>
               <a:rPr lang="en-US" dirty="0" smtClean="0"/>
-              <a:t>Hypervisor for x86 systems originally developed by </a:t>
-            </a:r>
-            <a:r>
-              <a:rPr lang="en-US" dirty="0" err="1" smtClean="0"/>
-              <a:t>Innotek</a:t>
-            </a:r>
-            <a:r>
-              <a:rPr lang="en-US" dirty="0" smtClean="0"/>
-              <a:t>, acquired by Sun, acquired by Oracle</a:t>
-            </a:r>
-          </a:p>
-          <a:p>
-            <a:r>
-              <a:rPr lang="en-US" dirty="0" smtClean="0"/>
-              <a:t>Core package is open source, extensions are licensed by Oracle for personal/educational use</a:t>
-            </a:r>
-          </a:p>
-          <a:p>
-            <a:r>
-              <a:rPr lang="en-US" dirty="0" smtClean="0"/>
-              <a:t>Not quite as fast as non-free offerings like </a:t>
-            </a:r>
-            <a:r>
-              <a:rPr lang="en-US" dirty="0" err="1" smtClean="0"/>
-              <a:t>VMWare</a:t>
-            </a:r>
-            <a:r>
-              <a:rPr lang="en-US" dirty="0" smtClean="0"/>
-              <a:t> Fusion, but good enough for </a:t>
-            </a:r>
-            <a:r>
-              <a:rPr lang="en-US" dirty="0" err="1" smtClean="0"/>
-              <a:t>dev</a:t>
-            </a:r>
-            <a:r>
-              <a:rPr lang="en-US" dirty="0" smtClean="0"/>
-              <a:t>/testing</a:t>
-            </a:r>
+              <a:t>Other forms of virtualized infrastructure:</a:t>
+            </a:r>
+          </a:p>
+          <a:p>
+            <a:pPr lvl="1"/>
+            <a:r>
+              <a:rPr lang="en-US" dirty="0" smtClean="0"/>
+              <a:t>Virtual Desktop Infrastructure (VDI)</a:t>
+            </a:r>
+          </a:p>
+          <a:p>
+            <a:pPr lvl="1"/>
+            <a:r>
+              <a:rPr lang="en-US" dirty="0" smtClean="0"/>
+              <a:t>Storage virtualization: pooling together storage devices from disparate vendors and presenting as a single device</a:t>
+            </a:r>
+          </a:p>
+          <a:p>
+            <a:pPr lvl="1"/>
+            <a:r>
+              <a:rPr lang="en-US" dirty="0" smtClean="0"/>
+              <a:t>Network virtualization: replace physical switches and firewalls with software (AWS VPC)</a:t>
+            </a:r>
+          </a:p>
+          <a:p>
             <a:endParaRPr lang="en-US" dirty="0"/>
           </a:p>
           <a:p>
@@ -7738,7 +7738,7 @@
     </p:spTree>
     <p:extLst>
       <p:ext uri="{BB962C8B-B14F-4D97-AF65-F5344CB8AC3E}">
-        <p14:creationId xmlns:p14="http://schemas.microsoft.com/office/powerpoint/2010/main" val="3972677190"/>
+        <p14:creationId xmlns:p14="http://schemas.microsoft.com/office/powerpoint/2010/main" val="2330205531"/>
       </p:ext>
     </p:extLst>
   </p:cSld>
@@ -7777,40 +7777,124 @@
         </p:nvSpPr>
         <p:spPr/>
         <p:txBody>
-          <a:bodyPr/>
-          <a:lstStyle/>
-          <a:p>
-            <a:r>
-              <a:rPr lang="en-US" dirty="0" smtClean="0"/>
-              <a:t>DEMO</a:t>
-            </a:r>
-            <a:endParaRPr lang="en-US" dirty="0"/>
-          </a:p>
-        </p:txBody>
-      </p:sp>
-      <p:pic>
-        <p:nvPicPr>
-          <p:cNvPr id="4" name="Content Placeholder 3"/>
-          <p:cNvPicPr>
-            <a:picLocks noGrp="1" noChangeAspect="1"/>
-          </p:cNvPicPr>
+          <a:bodyPr>
+            <a:normAutofit/>
+          </a:bodyPr>
+          <a:lstStyle/>
+          <a:p>
+            <a:r>
+              <a:rPr lang="en-US" dirty="0" err="1" smtClean="0"/>
+              <a:t>VirtualBox</a:t>
+            </a:r>
+            <a:endParaRPr lang="en-US" dirty="0"/>
+          </a:p>
+        </p:txBody>
+      </p:sp>
+      <p:sp>
+        <p:nvSpPr>
+          <p:cNvPr id="3" name="Content Placeholder 2"/>
+          <p:cNvSpPr>
+            <a:spLocks noGrp="1"/>
+          </p:cNvSpPr>
           <p:nvPr>
             <p:ph idx="1"/>
           </p:nvPr>
-        </p:nvPicPr>
-        <p:blipFill>
-          <a:blip r:embed="rId2"/>
-          <a:srcRect t="2393" b="2393"/>
-          <a:stretch>
-            <a:fillRect/>
-          </a:stretch>
-        </p:blipFill>
-        <p:spPr/>
-      </p:pic>
+        </p:nvSpPr>
+        <p:spPr>
+          <a:xfrm>
+            <a:off x="457200" y="1600200"/>
+            <a:ext cx="8229600" cy="4920629"/>
+          </a:xfrm>
+        </p:spPr>
+        <p:txBody>
+          <a:bodyPr>
+            <a:normAutofit/>
+          </a:bodyPr>
+          <a:lstStyle/>
+          <a:p>
+            <a:r>
+              <a:rPr lang="en-US" dirty="0" smtClean="0"/>
+              <a:t>Hypervisor for x86 systems originally developed by </a:t>
+            </a:r>
+            <a:r>
+              <a:rPr lang="en-US" dirty="0" err="1" smtClean="0"/>
+              <a:t>Innotek</a:t>
+            </a:r>
+            <a:r>
+              <a:rPr lang="en-US" dirty="0" smtClean="0"/>
+              <a:t>, acquired by Sun, acquired by Oracle</a:t>
+            </a:r>
+          </a:p>
+          <a:p>
+            <a:r>
+              <a:rPr lang="en-US" dirty="0" smtClean="0"/>
+              <a:t>Core package is open source, extensions are licensed by Oracle for personal/educational use</a:t>
+            </a:r>
+          </a:p>
+          <a:p>
+            <a:r>
+              <a:rPr lang="en-US" dirty="0" smtClean="0"/>
+              <a:t>Not quite as fast as non-free offerings like </a:t>
+            </a:r>
+            <a:r>
+              <a:rPr lang="en-US" dirty="0" err="1" smtClean="0"/>
+              <a:t>VMWare</a:t>
+            </a:r>
+            <a:r>
+              <a:rPr lang="en-US" dirty="0" smtClean="0"/>
+              <a:t> Fusion, but good enough for </a:t>
+            </a:r>
+            <a:r>
+              <a:rPr lang="en-US" dirty="0" err="1" smtClean="0"/>
+              <a:t>dev</a:t>
+            </a:r>
+            <a:r>
+              <a:rPr lang="en-US" dirty="0" smtClean="0"/>
+              <a:t>/testing</a:t>
+            </a:r>
+            <a:endParaRPr lang="en-US" dirty="0"/>
+          </a:p>
+          <a:p>
+            <a:pPr marL="0" indent="0">
+              <a:buNone/>
+            </a:pPr>
+            <a:endParaRPr lang="en-US" dirty="0"/>
+          </a:p>
+          <a:p>
+            <a:endParaRPr lang="en-US" dirty="0" smtClean="0"/>
+          </a:p>
+        </p:txBody>
+      </p:sp>
+      <p:sp>
+        <p:nvSpPr>
+          <p:cNvPr id="4" name="TextBox 3"/>
+          <p:cNvSpPr txBox="1"/>
+          <p:nvPr/>
+        </p:nvSpPr>
+        <p:spPr>
+          <a:xfrm>
+            <a:off x="3561365" y="4268655"/>
+            <a:ext cx="184666" cy="369332"/>
+          </a:xfrm>
+          <a:prstGeom prst="rect">
+            <a:avLst/>
+          </a:prstGeom>
+          <a:noFill/>
+        </p:spPr>
+        <p:txBody>
+          <a:bodyPr wrap="none" rtlCol="0">
+            <a:spAutoFit/>
+          </a:bodyPr>
+          <a:lstStyle/>
+          <a:p>
+            <a:endParaRPr lang="en-US" dirty="0"/>
+          </a:p>
+        </p:txBody>
+      </p:sp>
     </p:spTree>
     <p:extLst>
       <p:ext uri="{BB962C8B-B14F-4D97-AF65-F5344CB8AC3E}">
-        <p14:creationId xmlns:p14="http://schemas.microsoft.com/office/powerpoint/2010/main" val="157011206"/>
+        <p14:creationId xmlns:p14="http://schemas.microsoft.com/office/powerpoint/2010/main" val="3972677190"/>
       </p:ext>
     </p:extLst>
   </p:cSld>
@@ -7986,83 +8070,62 @@
           <a:p>
             <a:r>
               <a:rPr lang="en-US" dirty="0" smtClean="0"/>
-              <a:t>Vagrant demo</a:t>
-            </a:r>
-            <a:endParaRPr lang="en-US" dirty="0"/>
-          </a:p>
-        </p:txBody>
-      </p:sp>
-      <p:sp>
-        <p:nvSpPr>
-          <p:cNvPr id="3" name="Content Placeholder 2"/>
-          <p:cNvSpPr>
-            <a:spLocks noGrp="1"/>
-          </p:cNvSpPr>
+              <a:t>Virtual Box Hands On</a:t>
+            </a:r>
+            <a:endParaRPr lang="en-US" dirty="0"/>
+          </a:p>
+        </p:txBody>
+      </p:sp>
+      <p:pic>
+        <p:nvPicPr>
+          <p:cNvPr id="4" name="Content Placeholder 3"/>
+          <p:cNvPicPr>
+            <a:picLocks noGrp="1" noChangeAspect="1"/>
+          </p:cNvPicPr>
           <p:nvPr>
             <p:ph idx="1"/>
           </p:nvPr>
-        </p:nvSpPr>
-        <p:spPr/>
-        <p:txBody>
-          <a:bodyPr>
-            <a:normAutofit lnSpcReduction="10000"/>
-          </a:bodyPr>
-          <a:lstStyle/>
-          <a:p>
-            <a:r>
-              <a:rPr lang="en-US" dirty="0" smtClean="0"/>
-              <a:t>Creating </a:t>
-            </a:r>
-            <a:r>
-              <a:rPr lang="en-US" smtClean="0"/>
-              <a:t>virtual machines is </a:t>
-            </a:r>
-            <a:r>
-              <a:rPr lang="en-US" dirty="0" smtClean="0"/>
-              <a:t>time-consuming, repetitive, and mistake prone</a:t>
-            </a:r>
-          </a:p>
-          <a:p>
-            <a:pPr lvl="1"/>
-            <a:r>
-              <a:rPr lang="en-US" dirty="0" smtClean="0"/>
-              <a:t>Imagine writing code and needing to stand up a test environment several times a day</a:t>
-            </a:r>
-          </a:p>
-          <a:p>
-            <a:pPr lvl="1"/>
-            <a:r>
-              <a:rPr lang="en-US" dirty="0" smtClean="0"/>
-              <a:t>Need to share a virtual machine with other team members, clients, or the market (do they need to download a large virtual machine image?)</a:t>
-            </a:r>
-          </a:p>
-          <a:p>
-            <a:r>
-              <a:rPr lang="en-US" dirty="0" smtClean="0"/>
-              <a:t>Vagrant automates the creation of virtual machines</a:t>
-            </a:r>
-            <a:r>
-              <a:rPr lang="en-US" dirty="0"/>
-              <a:t> </a:t>
-            </a:r>
-            <a:r>
-              <a:rPr lang="en-US" dirty="0" smtClean="0"/>
-              <a:t>(configuration management)</a:t>
-            </a:r>
-          </a:p>
-          <a:p>
-            <a:pPr lvl="1"/>
-            <a:r>
-              <a:rPr lang="en-US" dirty="0" smtClean="0"/>
-              <a:t>Create one or entire group of machines</a:t>
-            </a:r>
-          </a:p>
-        </p:txBody>
-      </p:sp>
+        </p:nvPicPr>
+        <p:blipFill rotWithShape="1">
+          <a:blip r:embed="rId2"/>
+          <a:srcRect l="-2" t="2393" r="47779" b="2393"/>
+          <a:stretch/>
+        </p:blipFill>
+        <p:spPr>
+          <a:xfrm>
+            <a:off x="2176310" y="1417638"/>
+            <a:ext cx="4297680" cy="4525963"/>
+          </a:xfrm>
+        </p:spPr>
+      </p:pic>
+      <p:pic>
+        <p:nvPicPr>
+          <p:cNvPr id="5" name="Picture 4"/>
+          <p:cNvPicPr>
+            <a:picLocks noChangeAspect="1"/>
+          </p:cNvPicPr>
+          <p:nvPr/>
+        </p:nvPicPr>
+        <p:blipFill>
+          <a:blip r:embed="rId3"/>
+          <a:stretch>
+            <a:fillRect/>
+          </a:stretch>
+        </p:blipFill>
+        <p:spPr>
+          <a:xfrm>
+            <a:off x="7268698" y="403586"/>
+            <a:ext cx="1014052" cy="1014052"/>
+          </a:xfrm>
+          <a:prstGeom prst="rect">
+            <a:avLst/>
+          </a:prstGeom>
+        </p:spPr>
+      </p:pic>
     </p:spTree>
     <p:extLst>
       <p:ext uri="{BB962C8B-B14F-4D97-AF65-F5344CB8AC3E}">
-        <p14:creationId xmlns:p14="http://schemas.microsoft.com/office/powerpoint/2010/main" val="1765959263"/>
+        <p14:creationId xmlns:p14="http://schemas.microsoft.com/office/powerpoint/2010/main" val="157011206"/>
       </p:ext>
     </p:extLst>
   </p:cSld>
@@ -8106,7 +8169,131 @@
           <a:p>
             <a:r>
               <a:rPr lang="en-US" dirty="0" smtClean="0"/>
-              <a:t>Vagrant demo</a:t>
+              <a:t>Vagrant</a:t>
+            </a:r>
+            <a:endParaRPr lang="en-US" dirty="0"/>
+          </a:p>
+        </p:txBody>
+      </p:sp>
+      <p:sp>
+        <p:nvSpPr>
+          <p:cNvPr id="3" name="Content Placeholder 2"/>
+          <p:cNvSpPr>
+            <a:spLocks noGrp="1"/>
+          </p:cNvSpPr>
+          <p:nvPr>
+            <p:ph idx="1"/>
+          </p:nvPr>
+        </p:nvSpPr>
+        <p:spPr/>
+        <p:txBody>
+          <a:bodyPr>
+            <a:normAutofit lnSpcReduction="10000"/>
+          </a:bodyPr>
+          <a:lstStyle/>
+          <a:p>
+            <a:r>
+              <a:rPr lang="en-US" dirty="0" smtClean="0"/>
+              <a:t>Creating </a:t>
+            </a:r>
+            <a:r>
+              <a:rPr lang="en-US" smtClean="0"/>
+              <a:t>virtual machines is </a:t>
+            </a:r>
+            <a:r>
+              <a:rPr lang="en-US" dirty="0" smtClean="0"/>
+              <a:t>time-consuming, repetitive, and mistake prone</a:t>
+            </a:r>
+          </a:p>
+          <a:p>
+            <a:pPr lvl="1"/>
+            <a:r>
+              <a:rPr lang="en-US" dirty="0" smtClean="0"/>
+              <a:t>Imagine writing code and needing to stand up a test environment several times a day</a:t>
+            </a:r>
+          </a:p>
+          <a:p>
+            <a:pPr lvl="1"/>
+            <a:r>
+              <a:rPr lang="en-US" dirty="0" smtClean="0"/>
+              <a:t>Need to share a virtual machine with other team members, clients, or the market (do they need to download a large virtual machine image?)</a:t>
+            </a:r>
+          </a:p>
+          <a:p>
+            <a:r>
+              <a:rPr lang="en-US" dirty="0" smtClean="0"/>
+              <a:t>Vagrant automates the creation of virtual machines</a:t>
+            </a:r>
+            <a:r>
+              <a:rPr lang="en-US" dirty="0"/>
+              <a:t> </a:t>
+            </a:r>
+            <a:r>
+              <a:rPr lang="en-US" dirty="0" smtClean="0"/>
+              <a:t>(configuration management)</a:t>
+            </a:r>
+          </a:p>
+          <a:p>
+            <a:pPr lvl="1"/>
+            <a:r>
+              <a:rPr lang="en-US" dirty="0" smtClean="0"/>
+              <a:t>Create one or entire group of machines</a:t>
+            </a:r>
+          </a:p>
+        </p:txBody>
+      </p:sp>
+    </p:spTree>
+    <p:extLst>
+      <p:ext uri="{BB962C8B-B14F-4D97-AF65-F5344CB8AC3E}">
+        <p14:creationId xmlns:p14="http://schemas.microsoft.com/office/powerpoint/2010/main" val="1765959263"/>
+      </p:ext>
+    </p:extLst>
+  </p:cSld>
+  <p:clrMapOvr>
+    <a:masterClrMapping/>
+  </p:clrMapOvr>
+</p:sld>
+</file>
+
+<file path=ppt/slides/slide42.xml><?xml version="1.0" encoding="utf-8"?>
+<p:sld xmlns:a="http://schemas.openxmlformats.org/drawingml/2006/main" xmlns:r="http://schemas.openxmlformats.org/officeDocument/2006/relationships" xmlns:p="http://schemas.openxmlformats.org/presentationml/2006/main">
+  <p:cSld>
+    <p:spTree>
+      <p:nvGrpSpPr>
+        <p:cNvPr id="1" name=""/>
+        <p:cNvGrpSpPr/>
+        <p:nvPr/>
+      </p:nvGrpSpPr>
+      <p:grpSpPr>
+        <a:xfrm>
+          <a:off x="0" y="0"/>
+          <a:ext cx="0" cy="0"/>
+          <a:chOff x="0" y="0"/>
+          <a:chExt cx="0" cy="0"/>
+        </a:xfrm>
+      </p:grpSpPr>
+      <p:sp>
+        <p:nvSpPr>
+          <p:cNvPr id="2" name="Title 1"/>
+          <p:cNvSpPr>
+            <a:spLocks noGrp="1"/>
+          </p:cNvSpPr>
+          <p:nvPr>
+            <p:ph type="title"/>
+          </p:nvPr>
+        </p:nvSpPr>
+        <p:spPr/>
+        <p:txBody>
+          <a:bodyPr/>
+          <a:lstStyle/>
+          <a:p>
+            <a:r>
+              <a:rPr lang="en-US" dirty="0" smtClean="0"/>
+              <a:t>Vagrant </a:t>
+            </a:r>
+            <a:r>
+              <a:rPr lang="en-US" dirty="0" smtClean="0"/>
+              <a:t>architecture</a:t>
             </a:r>
             <a:endParaRPr lang="en-US" dirty="0"/>
           </a:p>
@@ -8149,7 +8336,7 @@
 </p:sld>
 </file>
 
-<file path=ppt/slides/slide42.xml><?xml version="1.0" encoding="utf-8"?>
+<file path=ppt/slides/slide43.xml><?xml version="1.0" encoding="utf-8"?>
 <p:sld xmlns:a="http://schemas.openxmlformats.org/drawingml/2006/main" xmlns:r="http://schemas.openxmlformats.org/officeDocument/2006/relationships" xmlns:p="http://schemas.openxmlformats.org/presentationml/2006/main">
   <p:cSld>
     <p:spTree>
@@ -8183,7 +8370,11 @@
           <a:p>
             <a:r>
               <a:rPr lang="en-US" dirty="0" smtClean="0"/>
-              <a:t>DEMO</a:t>
+              <a:t>Vagrant Hands</a:t>
+            </a:r>
+            <a:r>
+              <a:rPr lang="en-US" dirty="0" smtClean="0"/>
+              <a:t>-on</a:t>
             </a:r>
             <a:endParaRPr lang="en-US" dirty="0"/>
           </a:p>
@@ -8206,9 +8397,33 @@
         </p:blipFill>
         <p:spPr>
           <a:xfrm>
-            <a:off x="2171515" y="1417638"/>
-            <a:ext cx="4708416" cy="4159101"/>
+            <a:off x="3074212" y="2422509"/>
+            <a:ext cx="2939242" cy="2596331"/>
           </a:xfrm>
+        </p:spPr>
+      </p:pic>
+      <p:pic>
+        <p:nvPicPr>
+          <p:cNvPr id="5" name="Picture 4"/>
+          <p:cNvPicPr>
+            <a:picLocks noChangeAspect="1"/>
+          </p:cNvPicPr>
+          <p:nvPr/>
+        </p:nvPicPr>
+        <p:blipFill>
+          <a:blip r:embed="rId3"/>
+          <a:stretch>
+            <a:fillRect/>
+          </a:stretch>
+        </p:blipFill>
+        <p:spPr>
+          <a:xfrm>
+            <a:off x="7563769" y="403586"/>
+            <a:ext cx="1014052" cy="1014052"/>
+          </a:xfrm>
+          <a:prstGeom prst="rect">
+            <a:avLst/>
+          </a:prstGeom>
         </p:spPr>
       </p:pic>
     </p:spTree>
@@ -8224,7 +8439,7 @@
 </p:sld>
 </file>
 
-<file path=ppt/slides/slide43.xml><?xml version="1.0" encoding="utf-8"?>
+<file path=ppt/slides/slide44.xml><?xml version="1.0" encoding="utf-8"?>
 <p:sld xmlns:a="http://schemas.openxmlformats.org/drawingml/2006/main" xmlns:r="http://schemas.openxmlformats.org/officeDocument/2006/relationships" xmlns:p="http://schemas.openxmlformats.org/presentationml/2006/main">
   <p:cSld>
     <p:spTree>
@@ -8362,7 +8577,85 @@
           <a:p>
             <a:r>
               <a:rPr lang="en-US" dirty="0" smtClean="0"/>
-              <a:t>Distributed infrastructure</a:t>
+              <a:t>Scale Up vs. Out</a:t>
+            </a:r>
+            <a:endParaRPr lang="en-US" dirty="0"/>
+          </a:p>
+        </p:txBody>
+      </p:sp>
+      <p:pic>
+        <p:nvPicPr>
+          <p:cNvPr id="4" name="Picture 3"/>
+          <p:cNvPicPr>
+            <a:picLocks noChangeAspect="1"/>
+          </p:cNvPicPr>
+          <p:nvPr/>
+        </p:nvPicPr>
+        <p:blipFill rotWithShape="1">
+          <a:blip r:embed="rId2"/>
+          <a:srcRect t="19584" b="10493"/>
+          <a:stretch/>
+        </p:blipFill>
+        <p:spPr>
+          <a:xfrm>
+            <a:off x="520700" y="1572768"/>
+            <a:ext cx="8102600" cy="4251960"/>
+          </a:xfrm>
+          <a:prstGeom prst="rect">
+            <a:avLst/>
+          </a:prstGeom>
+        </p:spPr>
+      </p:pic>
+    </p:spTree>
+    <p:extLst>
+      <p:ext uri="{BB962C8B-B14F-4D97-AF65-F5344CB8AC3E}">
+        <p14:creationId xmlns:p14="http://schemas.microsoft.com/office/powerpoint/2010/main" val="3032127918"/>
+      </p:ext>
+    </p:extLst>
+  </p:cSld>
+  <p:clrMapOvr>
+    <a:masterClrMapping/>
+  </p:clrMapOvr>
+</p:sld>
+</file>
+
+<file path=ppt/slides/slide6.xml><?xml version="1.0" encoding="utf-8"?>
+<p:sld xmlns:a="http://schemas.openxmlformats.org/drawingml/2006/main" xmlns:r="http://schemas.openxmlformats.org/officeDocument/2006/relationships" xmlns:p="http://schemas.openxmlformats.org/presentationml/2006/main">
+  <p:cSld>
+    <p:spTree>
+      <p:nvGrpSpPr>
+        <p:cNvPr id="1" name=""/>
+        <p:cNvGrpSpPr/>
+        <p:nvPr/>
+      </p:nvGrpSpPr>
+      <p:grpSpPr>
+        <a:xfrm>
+          <a:off x="0" y="0"/>
+          <a:ext cx="0" cy="0"/>
+          <a:chOff x="0" y="0"/>
+          <a:chExt cx="0" cy="0"/>
+        </a:xfrm>
+      </p:grpSpPr>
+      <p:sp>
+        <p:nvSpPr>
+          <p:cNvPr id="2" name="Title 1"/>
+          <p:cNvSpPr>
+            <a:spLocks noGrp="1"/>
+          </p:cNvSpPr>
+          <p:nvPr>
+            <p:ph type="title"/>
+          </p:nvPr>
+        </p:nvSpPr>
+        <p:spPr/>
+        <p:txBody>
+          <a:bodyPr>
+            <a:normAutofit fontScale="90000"/>
+          </a:bodyPr>
+          <a:lstStyle/>
+          <a:p>
+            <a:r>
+              <a:rPr lang="en-US" dirty="0" smtClean="0"/>
+              <a:t>Managing Distributed infrastructure</a:t>
             </a:r>
             <a:endParaRPr lang="en-US" dirty="0"/>
           </a:p>
@@ -8621,7 +8914,7 @@
 </p:sld>
 </file>
 
-<file path=ppt/slides/slide6.xml><?xml version="1.0" encoding="utf-8"?>
+<file path=ppt/slides/slide7.xml><?xml version="1.0" encoding="utf-8"?>
 <p:sld xmlns:a="http://schemas.openxmlformats.org/drawingml/2006/main" xmlns:r="http://schemas.openxmlformats.org/officeDocument/2006/relationships" xmlns:p="http://schemas.openxmlformats.org/presentationml/2006/main">
   <p:cSld>
     <p:spTree>
@@ -8740,7 +9033,7 @@
 </p:sld>
 </file>
 
-<file path=ppt/slides/slide7.xml><?xml version="1.0" encoding="utf-8"?>
+<file path=ppt/slides/slide8.xml><?xml version="1.0" encoding="utf-8"?>
 <p:sld xmlns:a="http://schemas.openxmlformats.org/drawingml/2006/main" xmlns:r="http://schemas.openxmlformats.org/officeDocument/2006/relationships" xmlns:p="http://schemas.openxmlformats.org/presentationml/2006/main">
   <p:cSld>
     <p:spTree>
@@ -8848,118 +9141,6 @@
 </p:sld>
 </file>
 
-<file path=ppt/slides/slide8.xml><?xml version="1.0" encoding="utf-8"?>
-<p:sld xmlns:a="http://schemas.openxmlformats.org/drawingml/2006/main" xmlns:r="http://schemas.openxmlformats.org/officeDocument/2006/relationships" xmlns:p="http://schemas.openxmlformats.org/presentationml/2006/main">
-  <p:cSld>
-    <p:spTree>
-      <p:nvGrpSpPr>
-        <p:cNvPr id="1" name=""/>
-        <p:cNvGrpSpPr/>
-        <p:nvPr/>
-      </p:nvGrpSpPr>
-      <p:grpSpPr>
-        <a:xfrm>
-          <a:off x="0" y="0"/>
-          <a:ext cx="0" cy="0"/>
-          <a:chOff x="0" y="0"/>
-          <a:chExt cx="0" cy="0"/>
-        </a:xfrm>
-      </p:grpSpPr>
-      <p:sp>
-        <p:nvSpPr>
-          <p:cNvPr id="2" name="Title 1"/>
-          <p:cNvSpPr>
-            <a:spLocks noGrp="1"/>
-          </p:cNvSpPr>
-          <p:nvPr>
-            <p:ph type="title"/>
-          </p:nvPr>
-        </p:nvSpPr>
-        <p:spPr/>
-        <p:txBody>
-          <a:bodyPr>
-            <a:normAutofit/>
-          </a:bodyPr>
-          <a:lstStyle/>
-          <a:p>
-            <a:r>
-              <a:rPr lang="en-US" dirty="0" smtClean="0"/>
-              <a:t>Distributed composition patterns</a:t>
-            </a:r>
-            <a:endParaRPr lang="en-US" dirty="0"/>
-          </a:p>
-        </p:txBody>
-      </p:sp>
-      <p:sp>
-        <p:nvSpPr>
-          <p:cNvPr id="3" name="Content Placeholder 2"/>
-          <p:cNvSpPr>
-            <a:spLocks noGrp="1"/>
-          </p:cNvSpPr>
-          <p:nvPr>
-            <p:ph idx="1"/>
-          </p:nvPr>
-        </p:nvSpPr>
-        <p:spPr>
-          <a:xfrm>
-            <a:off x="457200" y="1600200"/>
-            <a:ext cx="8229600" cy="4920629"/>
-          </a:xfrm>
-        </p:spPr>
-        <p:txBody>
-          <a:bodyPr>
-            <a:normAutofit/>
-          </a:bodyPr>
-          <a:lstStyle/>
-          <a:p>
-            <a:r>
-              <a:rPr lang="en-US" dirty="0" smtClean="0"/>
-              <a:t>LB can use a variety of algorithms to determine which server handles a request</a:t>
-            </a:r>
-          </a:p>
-          <a:p>
-            <a:pPr lvl="1"/>
-            <a:r>
-              <a:rPr lang="en-US" dirty="0" smtClean="0"/>
-              <a:t>Random: each incoming request is sent to a random server in the pool</a:t>
-            </a:r>
-          </a:p>
-          <a:p>
-            <a:pPr marL="457200" lvl="1" indent="0">
-              <a:buNone/>
-            </a:pPr>
-            <a:endParaRPr lang="en-US" dirty="0" smtClean="0"/>
-          </a:p>
-          <a:p>
-            <a:pPr lvl="1"/>
-            <a:r>
-              <a:rPr lang="en-US" dirty="0" smtClean="0"/>
-              <a:t>Round-robin: each incoming request is sent to a different server in a predetermined order (sometimes referred to as </a:t>
-            </a:r>
-            <a:r>
-              <a:rPr lang="en-US" i="1" dirty="0" smtClean="0"/>
-              <a:t>spray-and-pray</a:t>
-            </a:r>
-            <a:r>
-              <a:rPr lang="en-US" dirty="0" smtClean="0"/>
-              <a:t>)</a:t>
-            </a:r>
-          </a:p>
-        </p:txBody>
-      </p:sp>
-    </p:spTree>
-    <p:extLst>
-      <p:ext uri="{BB962C8B-B14F-4D97-AF65-F5344CB8AC3E}">
-        <p14:creationId xmlns:p14="http://schemas.microsoft.com/office/powerpoint/2010/main" val="1555218475"/>
-      </p:ext>
-    </p:extLst>
-  </p:cSld>
-  <p:clrMapOvr>
-    <a:masterClrMapping/>
-  </p:clrMapOvr>
-</p:sld>
-</file>
-
 <file path=ppt/slides/slide9.xml><?xml version="1.0" encoding="utf-8"?>
 <p:sld xmlns:a="http://schemas.openxmlformats.org/drawingml/2006/main" xmlns:r="http://schemas.openxmlformats.org/officeDocument/2006/relationships" xmlns:p="http://schemas.openxmlformats.org/presentationml/2006/main">
   <p:cSld>
@@ -9024,39 +9205,37 @@
           </a:bodyPr>
           <a:lstStyle/>
           <a:p>
-            <a:pPr lvl="1"/>
-            <a:r>
-              <a:rPr lang="en-US" dirty="0" smtClean="0"/>
-              <a:t>Least load: LB monitors load of each server and sends requests to least loaded system</a:t>
-            </a:r>
-          </a:p>
-          <a:p>
-            <a:pPr lvl="2"/>
-            <a:r>
-              <a:rPr lang="en-US" dirty="0" smtClean="0"/>
-              <a:t>Problem? What if least loaded system is actually malfunctioning in some way the LB cannot detect.</a:t>
-            </a:r>
-          </a:p>
-          <a:p>
-            <a:pPr lvl="2"/>
-            <a:r>
-              <a:rPr lang="en-US" dirty="0" smtClean="0"/>
-              <a:t>Least loaded system could be quickly overwhelmed because </a:t>
-            </a:r>
-            <a:r>
-              <a:rPr lang="en-US" dirty="0" err="1" smtClean="0"/>
-              <a:t>avg</a:t>
-            </a:r>
-            <a:r>
-              <a:rPr lang="en-US" dirty="0" smtClean="0"/>
-              <a:t> load metrics lag behind requests (solution = slow start)</a:t>
-            </a:r>
-          </a:p>
-          <a:p>
-            <a:pPr lvl="1"/>
-            <a:r>
-              <a:rPr lang="en-US" dirty="0" smtClean="0"/>
-              <a:t>Weighted round robin: servers are given specific weights so that higher-weighted servers receive a greater percentage of requests</a:t>
+            <a:r>
+              <a:rPr lang="en-US" dirty="0" smtClean="0"/>
+              <a:t>LB can use a variety of algorithms to determine which server handles a request</a:t>
+            </a:r>
+          </a:p>
+          <a:p>
+            <a:pPr lvl="1"/>
+            <a:r>
+              <a:rPr lang="en-US" dirty="0" smtClean="0"/>
+              <a:t>Random: each incoming request is sent to a random server in the pool</a:t>
+            </a:r>
+          </a:p>
+          <a:p>
+            <a:pPr marL="457200" lvl="1" indent="0">
+              <a:buNone/>
+            </a:pPr>
+            <a:endParaRPr lang="en-US" dirty="0" smtClean="0"/>
+          </a:p>
+          <a:p>
+            <a:pPr lvl="1"/>
+            <a:r>
+              <a:rPr lang="en-US" dirty="0" smtClean="0"/>
+              <a:t>Round-robin: each incoming request is sent to a different server in a predetermined order (sometimes referred to as </a:t>
+            </a:r>
+            <a:r>
+              <a:rPr lang="en-US" i="1" dirty="0" smtClean="0"/>
+              <a:t>spray-and-pray</a:t>
+            </a:r>
+            <a:r>
+              <a:rPr lang="en-US" dirty="0" smtClean="0"/>
+              <a:t>)</a:t>
             </a:r>
           </a:p>
         </p:txBody>
@@ -9064,7 +9243,7 @@
     </p:spTree>
     <p:extLst>
       <p:ext uri="{BB962C8B-B14F-4D97-AF65-F5344CB8AC3E}">
-        <p14:creationId xmlns:p14="http://schemas.microsoft.com/office/powerpoint/2010/main" val="2950527336"/>
+        <p14:creationId xmlns:p14="http://schemas.microsoft.com/office/powerpoint/2010/main" val="1555218475"/>
       </p:ext>
     </p:extLst>
   </p:cSld>

--- a/infrastructure-week-3.pptx
+++ b/infrastructure-week-3.pptx
@@ -18,37 +18,40 @@
     <p:sldId id="268" r:id="rId12"/>
     <p:sldId id="267" r:id="rId13"/>
     <p:sldId id="269" r:id="rId14"/>
-    <p:sldId id="270" r:id="rId15"/>
-    <p:sldId id="271" r:id="rId16"/>
-    <p:sldId id="272" r:id="rId17"/>
-    <p:sldId id="273" r:id="rId18"/>
-    <p:sldId id="274" r:id="rId19"/>
-    <p:sldId id="279" r:id="rId20"/>
-    <p:sldId id="280" r:id="rId21"/>
-    <p:sldId id="281" r:id="rId22"/>
-    <p:sldId id="282" r:id="rId23"/>
-    <p:sldId id="283" r:id="rId24"/>
-    <p:sldId id="275" r:id="rId25"/>
-    <p:sldId id="276" r:id="rId26"/>
-    <p:sldId id="277" r:id="rId27"/>
-    <p:sldId id="284" r:id="rId28"/>
-    <p:sldId id="285" r:id="rId29"/>
-    <p:sldId id="286" r:id="rId30"/>
-    <p:sldId id="287" r:id="rId31"/>
-    <p:sldId id="289" r:id="rId32"/>
-    <p:sldId id="290" r:id="rId33"/>
-    <p:sldId id="288" r:id="rId34"/>
-    <p:sldId id="291" r:id="rId35"/>
-    <p:sldId id="292" r:id="rId36"/>
-    <p:sldId id="293" r:id="rId37"/>
-    <p:sldId id="294" r:id="rId38"/>
-    <p:sldId id="295" r:id="rId39"/>
-    <p:sldId id="296" r:id="rId40"/>
-    <p:sldId id="297" r:id="rId41"/>
-    <p:sldId id="298" r:id="rId42"/>
-    <p:sldId id="300" r:id="rId43"/>
-    <p:sldId id="299" r:id="rId44"/>
-    <p:sldId id="278" r:id="rId45"/>
+    <p:sldId id="303" r:id="rId15"/>
+    <p:sldId id="304" r:id="rId16"/>
+    <p:sldId id="270" r:id="rId17"/>
+    <p:sldId id="271" r:id="rId18"/>
+    <p:sldId id="272" r:id="rId19"/>
+    <p:sldId id="273" r:id="rId20"/>
+    <p:sldId id="274" r:id="rId21"/>
+    <p:sldId id="279" r:id="rId22"/>
+    <p:sldId id="280" r:id="rId23"/>
+    <p:sldId id="281" r:id="rId24"/>
+    <p:sldId id="282" r:id="rId25"/>
+    <p:sldId id="283" r:id="rId26"/>
+    <p:sldId id="275" r:id="rId27"/>
+    <p:sldId id="276" r:id="rId28"/>
+    <p:sldId id="302" r:id="rId29"/>
+    <p:sldId id="277" r:id="rId30"/>
+    <p:sldId id="284" r:id="rId31"/>
+    <p:sldId id="285" r:id="rId32"/>
+    <p:sldId id="286" r:id="rId33"/>
+    <p:sldId id="287" r:id="rId34"/>
+    <p:sldId id="289" r:id="rId35"/>
+    <p:sldId id="290" r:id="rId36"/>
+    <p:sldId id="288" r:id="rId37"/>
+    <p:sldId id="291" r:id="rId38"/>
+    <p:sldId id="292" r:id="rId39"/>
+    <p:sldId id="293" r:id="rId40"/>
+    <p:sldId id="294" r:id="rId41"/>
+    <p:sldId id="295" r:id="rId42"/>
+    <p:sldId id="296" r:id="rId43"/>
+    <p:sldId id="297" r:id="rId44"/>
+    <p:sldId id="298" r:id="rId45"/>
+    <p:sldId id="300" r:id="rId46"/>
+    <p:sldId id="299" r:id="rId47"/>
+    <p:sldId id="278" r:id="rId48"/>
   </p:sldIdLst>
   <p:sldSz cx="9144000" cy="6858000" type="screen4x3"/>
   <p:notesSz cx="6858000" cy="9144000"/>
@@ -331,7 +334,7 @@
           <a:p>
             <a:fld id="{C721276B-38BC-F24F-B36B-D23FB353AB88}" type="datetimeFigureOut">
               <a:rPr lang="en-US" smtClean="0"/>
-              <a:t>4/11/16</a:t>
+              <a:t>4/24/16</a:t>
             </a:fld>
             <a:endParaRPr lang="en-US"/>
           </a:p>
@@ -501,7 +504,7 @@
           <a:p>
             <a:fld id="{C721276B-38BC-F24F-B36B-D23FB353AB88}" type="datetimeFigureOut">
               <a:rPr lang="en-US" smtClean="0"/>
-              <a:t>4/11/16</a:t>
+              <a:t>4/24/16</a:t>
             </a:fld>
             <a:endParaRPr lang="en-US"/>
           </a:p>
@@ -681,7 +684,7 @@
           <a:p>
             <a:fld id="{C721276B-38BC-F24F-B36B-D23FB353AB88}" type="datetimeFigureOut">
               <a:rPr lang="en-US" smtClean="0"/>
-              <a:t>4/11/16</a:t>
+              <a:t>4/24/16</a:t>
             </a:fld>
             <a:endParaRPr lang="en-US"/>
           </a:p>
@@ -851,7 +854,7 @@
           <a:p>
             <a:fld id="{C721276B-38BC-F24F-B36B-D23FB353AB88}" type="datetimeFigureOut">
               <a:rPr lang="en-US" smtClean="0"/>
-              <a:t>4/11/16</a:t>
+              <a:t>4/24/16</a:t>
             </a:fld>
             <a:endParaRPr lang="en-US"/>
           </a:p>
@@ -1097,7 +1100,7 @@
           <a:p>
             <a:fld id="{C721276B-38BC-F24F-B36B-D23FB353AB88}" type="datetimeFigureOut">
               <a:rPr lang="en-US" smtClean="0"/>
-              <a:t>4/11/16</a:t>
+              <a:t>4/24/16</a:t>
             </a:fld>
             <a:endParaRPr lang="en-US"/>
           </a:p>
@@ -1385,7 +1388,7 @@
           <a:p>
             <a:fld id="{C721276B-38BC-F24F-B36B-D23FB353AB88}" type="datetimeFigureOut">
               <a:rPr lang="en-US" smtClean="0"/>
-              <a:t>4/11/16</a:t>
+              <a:t>4/24/16</a:t>
             </a:fld>
             <a:endParaRPr lang="en-US"/>
           </a:p>
@@ -1807,7 +1810,7 @@
           <a:p>
             <a:fld id="{C721276B-38BC-F24F-B36B-D23FB353AB88}" type="datetimeFigureOut">
               <a:rPr lang="en-US" smtClean="0"/>
-              <a:t>4/11/16</a:t>
+              <a:t>4/24/16</a:t>
             </a:fld>
             <a:endParaRPr lang="en-US"/>
           </a:p>
@@ -1925,7 +1928,7 @@
           <a:p>
             <a:fld id="{C721276B-38BC-F24F-B36B-D23FB353AB88}" type="datetimeFigureOut">
               <a:rPr lang="en-US" smtClean="0"/>
-              <a:t>4/11/16</a:t>
+              <a:t>4/24/16</a:t>
             </a:fld>
             <a:endParaRPr lang="en-US"/>
           </a:p>
@@ -2020,7 +2023,7 @@
           <a:p>
             <a:fld id="{C721276B-38BC-F24F-B36B-D23FB353AB88}" type="datetimeFigureOut">
               <a:rPr lang="en-US" smtClean="0"/>
-              <a:t>4/11/16</a:t>
+              <a:t>4/24/16</a:t>
             </a:fld>
             <a:endParaRPr lang="en-US"/>
           </a:p>
@@ -2297,7 +2300,7 @@
           <a:p>
             <a:fld id="{C721276B-38BC-F24F-B36B-D23FB353AB88}" type="datetimeFigureOut">
               <a:rPr lang="en-US" smtClean="0"/>
-              <a:t>4/11/16</a:t>
+              <a:t>4/24/16</a:t>
             </a:fld>
             <a:endParaRPr lang="en-US"/>
           </a:p>
@@ -2550,7 +2553,7 @@
           <a:p>
             <a:fld id="{C721276B-38BC-F24F-B36B-D23FB353AB88}" type="datetimeFigureOut">
               <a:rPr lang="en-US" smtClean="0"/>
-              <a:t>4/11/16</a:t>
+              <a:t>4/24/16</a:t>
             </a:fld>
             <a:endParaRPr lang="en-US"/>
           </a:p>
@@ -2763,7 +2766,7 @@
           <a:p>
             <a:fld id="{C721276B-38BC-F24F-B36B-D23FB353AB88}" type="datetimeFigureOut">
               <a:rPr lang="en-US" smtClean="0"/>
-              <a:t>4/11/16</a:t>
+              <a:t>4/24/16</a:t>
             </a:fld>
             <a:endParaRPr lang="en-US"/>
           </a:p>
@@ -3880,6 +3883,204 @@
         </p:nvSpPr>
         <p:spPr/>
         <p:txBody>
+          <a:bodyPr/>
+          <a:lstStyle/>
+          <a:p>
+            <a:r>
+              <a:rPr lang="en-US" dirty="0" smtClean="0"/>
+              <a:t>Database </a:t>
+            </a:r>
+            <a:r>
+              <a:rPr lang="en-US" dirty="0" err="1" smtClean="0"/>
+              <a:t>Sharding</a:t>
+            </a:r>
+            <a:endParaRPr lang="en-US" dirty="0"/>
+          </a:p>
+        </p:txBody>
+      </p:sp>
+      <p:sp>
+        <p:nvSpPr>
+          <p:cNvPr id="3" name="Content Placeholder 2"/>
+          <p:cNvSpPr>
+            <a:spLocks noGrp="1"/>
+          </p:cNvSpPr>
+          <p:nvPr>
+            <p:ph idx="1"/>
+          </p:nvPr>
+        </p:nvSpPr>
+        <p:spPr/>
+        <p:txBody>
+          <a:bodyPr>
+            <a:normAutofit lnSpcReduction="10000"/>
+          </a:bodyPr>
+          <a:lstStyle/>
+          <a:p>
+            <a:r>
+              <a:rPr lang="en-US" dirty="0" smtClean="0"/>
+              <a:t>Partition your database into multiple slices, called shards</a:t>
+            </a:r>
+          </a:p>
+          <a:p>
+            <a:endParaRPr lang="en-US" dirty="0" smtClean="0"/>
+          </a:p>
+          <a:p>
+            <a:r>
+              <a:rPr lang="en-US" dirty="0" smtClean="0"/>
+              <a:t>Shards may be stored on separate servers</a:t>
+            </a:r>
+          </a:p>
+          <a:p>
+            <a:endParaRPr lang="en-US" dirty="0" smtClean="0"/>
+          </a:p>
+          <a:p>
+            <a:r>
+              <a:rPr lang="en-US" dirty="0" smtClean="0"/>
+              <a:t>Shards distribute load horizontally, improving performance for some operations</a:t>
+            </a:r>
+          </a:p>
+          <a:p>
+            <a:pPr lvl="1"/>
+            <a:r>
+              <a:rPr lang="en-US" dirty="0" smtClean="0"/>
+              <a:t>Improved write and indexing performance</a:t>
+            </a:r>
+          </a:p>
+          <a:p>
+            <a:pPr lvl="1"/>
+            <a:r>
+              <a:rPr lang="en-US" dirty="0" smtClean="0"/>
+              <a:t>Potential challenges rebalancing data on shards</a:t>
+            </a:r>
+          </a:p>
+          <a:p>
+            <a:pPr lvl="1"/>
+            <a:endParaRPr lang="en-US" dirty="0"/>
+          </a:p>
+        </p:txBody>
+      </p:sp>
+    </p:spTree>
+    <p:extLst>
+      <p:ext uri="{BB962C8B-B14F-4D97-AF65-F5344CB8AC3E}">
+        <p14:creationId xmlns:p14="http://schemas.microsoft.com/office/powerpoint/2010/main" val="3624715713"/>
+      </p:ext>
+    </p:extLst>
+  </p:cSld>
+  <p:clrMapOvr>
+    <a:masterClrMapping/>
+  </p:clrMapOvr>
+</p:sld>
+</file>
+
+<file path=ppt/slides/slide15.xml><?xml version="1.0" encoding="utf-8"?>
+<p:sld xmlns:a="http://schemas.openxmlformats.org/drawingml/2006/main" xmlns:r="http://schemas.openxmlformats.org/officeDocument/2006/relationships" xmlns:p="http://schemas.openxmlformats.org/presentationml/2006/main">
+  <p:cSld>
+    <p:spTree>
+      <p:nvGrpSpPr>
+        <p:cNvPr id="1" name=""/>
+        <p:cNvGrpSpPr/>
+        <p:nvPr/>
+      </p:nvGrpSpPr>
+      <p:grpSpPr>
+        <a:xfrm>
+          <a:off x="0" y="0"/>
+          <a:ext cx="0" cy="0"/>
+          <a:chOff x="0" y="0"/>
+          <a:chExt cx="0" cy="0"/>
+        </a:xfrm>
+      </p:grpSpPr>
+      <p:sp>
+        <p:nvSpPr>
+          <p:cNvPr id="2" name="Title 1"/>
+          <p:cNvSpPr>
+            <a:spLocks noGrp="1"/>
+          </p:cNvSpPr>
+          <p:nvPr>
+            <p:ph type="title"/>
+          </p:nvPr>
+        </p:nvSpPr>
+        <p:spPr/>
+        <p:txBody>
+          <a:bodyPr/>
+          <a:lstStyle/>
+          <a:p>
+            <a:r>
+              <a:rPr lang="en-US" dirty="0" smtClean="0"/>
+              <a:t>Database </a:t>
+            </a:r>
+            <a:r>
+              <a:rPr lang="en-US" dirty="0" err="1" smtClean="0"/>
+              <a:t>Sharding</a:t>
+            </a:r>
+            <a:endParaRPr lang="en-US" dirty="0"/>
+          </a:p>
+        </p:txBody>
+      </p:sp>
+      <p:pic>
+        <p:nvPicPr>
+          <p:cNvPr id="4" name="Picture 3"/>
+          <p:cNvPicPr>
+            <a:picLocks noChangeAspect="1"/>
+          </p:cNvPicPr>
+          <p:nvPr/>
+        </p:nvPicPr>
+        <p:blipFill>
+          <a:blip r:embed="rId2"/>
+          <a:stretch>
+            <a:fillRect/>
+          </a:stretch>
+        </p:blipFill>
+        <p:spPr>
+          <a:xfrm>
+            <a:off x="1052548" y="1509504"/>
+            <a:ext cx="6990282" cy="4890891"/>
+          </a:xfrm>
+          <a:prstGeom prst="rect">
+            <a:avLst/>
+          </a:prstGeom>
+        </p:spPr>
+      </p:pic>
+    </p:spTree>
+    <p:extLst>
+      <p:ext uri="{BB962C8B-B14F-4D97-AF65-F5344CB8AC3E}">
+        <p14:creationId xmlns:p14="http://schemas.microsoft.com/office/powerpoint/2010/main" val="3592584481"/>
+      </p:ext>
+    </p:extLst>
+  </p:cSld>
+  <p:clrMapOvr>
+    <a:masterClrMapping/>
+  </p:clrMapOvr>
+</p:sld>
+</file>
+
+<file path=ppt/slides/slide16.xml><?xml version="1.0" encoding="utf-8"?>
+<p:sld xmlns:a="http://schemas.openxmlformats.org/drawingml/2006/main" xmlns:r="http://schemas.openxmlformats.org/officeDocument/2006/relationships" xmlns:p="http://schemas.openxmlformats.org/presentationml/2006/main">
+  <p:cSld>
+    <p:spTree>
+      <p:nvGrpSpPr>
+        <p:cNvPr id="1" name=""/>
+        <p:cNvGrpSpPr/>
+        <p:nvPr/>
+      </p:nvGrpSpPr>
+      <p:grpSpPr>
+        <a:xfrm>
+          <a:off x="0" y="0"/>
+          <a:ext cx="0" cy="0"/>
+          <a:chOff x="0" y="0"/>
+          <a:chExt cx="0" cy="0"/>
+        </a:xfrm>
+      </p:grpSpPr>
+      <p:sp>
+        <p:nvSpPr>
+          <p:cNvPr id="2" name="Title 1"/>
+          <p:cNvSpPr>
+            <a:spLocks noGrp="1"/>
+          </p:cNvSpPr>
+          <p:nvPr>
+            <p:ph type="title"/>
+          </p:nvPr>
+        </p:nvSpPr>
+        <p:spPr/>
+        <p:txBody>
           <a:bodyPr>
             <a:normAutofit/>
           </a:bodyPr>
@@ -4006,268 +4207,6 @@
 </p:sld>
 </file>
 
-<file path=ppt/slides/slide15.xml><?xml version="1.0" encoding="utf-8"?>
-<p:sld xmlns:a="http://schemas.openxmlformats.org/drawingml/2006/main" xmlns:r="http://schemas.openxmlformats.org/officeDocument/2006/relationships" xmlns:p="http://schemas.openxmlformats.org/presentationml/2006/main">
-  <p:cSld>
-    <p:spTree>
-      <p:nvGrpSpPr>
-        <p:cNvPr id="1" name=""/>
-        <p:cNvGrpSpPr/>
-        <p:nvPr/>
-      </p:nvGrpSpPr>
-      <p:grpSpPr>
-        <a:xfrm>
-          <a:off x="0" y="0"/>
-          <a:ext cx="0" cy="0"/>
-          <a:chOff x="0" y="0"/>
-          <a:chExt cx="0" cy="0"/>
-        </a:xfrm>
-      </p:grpSpPr>
-      <p:sp>
-        <p:nvSpPr>
-          <p:cNvPr id="2" name="Title 1"/>
-          <p:cNvSpPr>
-            <a:spLocks noGrp="1"/>
-          </p:cNvSpPr>
-          <p:nvPr>
-            <p:ph type="title"/>
-          </p:nvPr>
-        </p:nvSpPr>
-        <p:spPr/>
-        <p:txBody>
-          <a:bodyPr>
-            <a:normAutofit/>
-          </a:bodyPr>
-          <a:lstStyle/>
-          <a:p>
-            <a:r>
-              <a:rPr lang="en-US" dirty="0" smtClean="0"/>
-              <a:t>CAP Principle</a:t>
-            </a:r>
-            <a:endParaRPr lang="en-US" dirty="0"/>
-          </a:p>
-        </p:txBody>
-      </p:sp>
-      <p:sp>
-        <p:nvSpPr>
-          <p:cNvPr id="3" name="Content Placeholder 2"/>
-          <p:cNvSpPr>
-            <a:spLocks noGrp="1"/>
-          </p:cNvSpPr>
-          <p:nvPr>
-            <p:ph idx="1"/>
-          </p:nvPr>
-        </p:nvSpPr>
-        <p:spPr>
-          <a:xfrm>
-            <a:off x="457200" y="1600200"/>
-            <a:ext cx="8229600" cy="4920629"/>
-          </a:xfrm>
-        </p:spPr>
-        <p:txBody>
-          <a:bodyPr>
-            <a:normAutofit fontScale="92500"/>
-          </a:bodyPr>
-          <a:lstStyle/>
-          <a:p>
-            <a:r>
-              <a:rPr lang="en-US" dirty="0" smtClean="0"/>
-              <a:t>Consistency</a:t>
-            </a:r>
-          </a:p>
-          <a:p>
-            <a:pPr lvl="1"/>
-            <a:r>
-              <a:rPr lang="en-US" dirty="0" smtClean="0"/>
-              <a:t>All nodes see the same data at the same time</a:t>
-            </a:r>
-          </a:p>
-          <a:p>
-            <a:pPr lvl="1"/>
-            <a:r>
-              <a:rPr lang="en-US" dirty="0" smtClean="0"/>
-              <a:t>Options:</a:t>
-            </a:r>
-          </a:p>
-          <a:p>
-            <a:pPr lvl="2"/>
-            <a:r>
-              <a:rPr lang="en-US" dirty="0"/>
-              <a:t>A</a:t>
-            </a:r>
-            <a:r>
-              <a:rPr lang="en-US" dirty="0" smtClean="0"/>
-              <a:t>pplication waits until all server nodes are updated (slow)</a:t>
-            </a:r>
-          </a:p>
-          <a:p>
-            <a:pPr lvl="2"/>
-            <a:r>
-              <a:rPr lang="en-US" dirty="0" smtClean="0"/>
-              <a:t>Application reads data from an available server knowing data might be outdated (fast – eventual consistency)</a:t>
-            </a:r>
-          </a:p>
-          <a:p>
-            <a:pPr lvl="1"/>
-            <a:r>
-              <a:rPr lang="en-US" dirty="0" smtClean="0"/>
-              <a:t>Apps where transactions are significant, like banks, need strong consistency</a:t>
-            </a:r>
-          </a:p>
-          <a:p>
-            <a:pPr lvl="1"/>
-            <a:r>
-              <a:rPr lang="en-US" dirty="0" smtClean="0"/>
-              <a:t>Apps where speed is more important than data recency, like social media, leverage eventual consistency</a:t>
-            </a:r>
-          </a:p>
-          <a:p>
-            <a:pPr lvl="2"/>
-            <a:endParaRPr lang="en-US" dirty="0"/>
-          </a:p>
-          <a:p>
-            <a:pPr marL="457200" lvl="1" indent="0">
-              <a:buNone/>
-            </a:pPr>
-            <a:endParaRPr lang="en-US" dirty="0" smtClean="0"/>
-          </a:p>
-        </p:txBody>
-      </p:sp>
-    </p:spTree>
-    <p:extLst>
-      <p:ext uri="{BB962C8B-B14F-4D97-AF65-F5344CB8AC3E}">
-        <p14:creationId xmlns:p14="http://schemas.microsoft.com/office/powerpoint/2010/main" val="1430246649"/>
-      </p:ext>
-    </p:extLst>
-  </p:cSld>
-  <p:clrMapOvr>
-    <a:masterClrMapping/>
-  </p:clrMapOvr>
-</p:sld>
-</file>
-
-<file path=ppt/slides/slide16.xml><?xml version="1.0" encoding="utf-8"?>
-<p:sld xmlns:a="http://schemas.openxmlformats.org/drawingml/2006/main" xmlns:r="http://schemas.openxmlformats.org/officeDocument/2006/relationships" xmlns:p="http://schemas.openxmlformats.org/presentationml/2006/main">
-  <p:cSld>
-    <p:spTree>
-      <p:nvGrpSpPr>
-        <p:cNvPr id="1" name=""/>
-        <p:cNvGrpSpPr/>
-        <p:nvPr/>
-      </p:nvGrpSpPr>
-      <p:grpSpPr>
-        <a:xfrm>
-          <a:off x="0" y="0"/>
-          <a:ext cx="0" cy="0"/>
-          <a:chOff x="0" y="0"/>
-          <a:chExt cx="0" cy="0"/>
-        </a:xfrm>
-      </p:grpSpPr>
-      <p:sp>
-        <p:nvSpPr>
-          <p:cNvPr id="2" name="Title 1"/>
-          <p:cNvSpPr>
-            <a:spLocks noGrp="1"/>
-          </p:cNvSpPr>
-          <p:nvPr>
-            <p:ph type="title"/>
-          </p:nvPr>
-        </p:nvSpPr>
-        <p:spPr/>
-        <p:txBody>
-          <a:bodyPr>
-            <a:normAutofit/>
-          </a:bodyPr>
-          <a:lstStyle/>
-          <a:p>
-            <a:r>
-              <a:rPr lang="en-US" dirty="0" smtClean="0"/>
-              <a:t>CAP Principle</a:t>
-            </a:r>
-            <a:endParaRPr lang="en-US" dirty="0"/>
-          </a:p>
-        </p:txBody>
-      </p:sp>
-      <p:sp>
-        <p:nvSpPr>
-          <p:cNvPr id="3" name="Content Placeholder 2"/>
-          <p:cNvSpPr>
-            <a:spLocks noGrp="1"/>
-          </p:cNvSpPr>
-          <p:nvPr>
-            <p:ph idx="1"/>
-          </p:nvPr>
-        </p:nvSpPr>
-        <p:spPr>
-          <a:xfrm>
-            <a:off x="457200" y="1600200"/>
-            <a:ext cx="8229600" cy="4920629"/>
-          </a:xfrm>
-        </p:spPr>
-        <p:txBody>
-          <a:bodyPr>
-            <a:normAutofit/>
-          </a:bodyPr>
-          <a:lstStyle/>
-          <a:p>
-            <a:r>
-              <a:rPr lang="en-US" dirty="0" smtClean="0"/>
-              <a:t>Availability</a:t>
-            </a:r>
-          </a:p>
-          <a:p>
-            <a:pPr lvl="1"/>
-            <a:r>
-              <a:rPr lang="en-US" dirty="0" smtClean="0"/>
-              <a:t>Means that the system is accessible when a user makes a request. It’s up!</a:t>
-            </a:r>
-          </a:p>
-          <a:p>
-            <a:pPr lvl="1"/>
-            <a:r>
-              <a:rPr lang="en-US" dirty="0" smtClean="0"/>
-              <a:t>We spread and replicate data on multiple servers to guarantee availability</a:t>
-            </a:r>
-          </a:p>
-          <a:p>
-            <a:pPr lvl="1"/>
-            <a:r>
-              <a:rPr lang="en-US" dirty="0" smtClean="0"/>
-              <a:t>Can an application on a single server be available? Sure, but a single server isn’t a distributed architecture. </a:t>
-            </a:r>
-            <a:r>
-              <a:rPr lang="en-US" dirty="0" smtClean="0">
-                <a:sym typeface="Wingdings"/>
-              </a:rPr>
-              <a:t></a:t>
-            </a:r>
-            <a:r>
-              <a:rPr lang="en-US" dirty="0" smtClean="0"/>
-              <a:t> </a:t>
-            </a:r>
-            <a:endParaRPr lang="en-US" dirty="0"/>
-          </a:p>
-          <a:p>
-            <a:pPr marL="457200" lvl="1" indent="0">
-              <a:buNone/>
-            </a:pPr>
-            <a:endParaRPr lang="en-US" dirty="0" smtClean="0"/>
-          </a:p>
-        </p:txBody>
-      </p:sp>
-    </p:spTree>
-    <p:extLst>
-      <p:ext uri="{BB962C8B-B14F-4D97-AF65-F5344CB8AC3E}">
-        <p14:creationId xmlns:p14="http://schemas.microsoft.com/office/powerpoint/2010/main" val="680282628"/>
-      </p:ext>
-    </p:extLst>
-  </p:cSld>
-  <p:clrMapOvr>
-    <a:masterClrMapping/>
-  </p:clrMapOvr>
-</p:sld>
-</file>
-
 <file path=ppt/slides/slide17.xml><?xml version="1.0" encoding="utf-8"?>
 <p:sld xmlns:a="http://schemas.openxmlformats.org/drawingml/2006/main" xmlns:r="http://schemas.openxmlformats.org/officeDocument/2006/relationships" xmlns:p="http://schemas.openxmlformats.org/presentationml/2006/main">
   <p:cSld>
@@ -4328,35 +4267,63 @@
         </p:spPr>
         <p:txBody>
           <a:bodyPr>
-            <a:normAutofit/>
+            <a:normAutofit fontScale="92500"/>
           </a:bodyPr>
           <a:lstStyle/>
           <a:p>
             <a:r>
               <a:rPr lang="en-US" dirty="0" smtClean="0"/>
-              <a:t>Partition tolerance</a:t>
-            </a:r>
-          </a:p>
-          <a:p>
-            <a:pPr lvl="1"/>
-            <a:r>
-              <a:rPr lang="en-US" dirty="0" smtClean="0"/>
-              <a:t>The system continues to operate despite the failure of part of the system.</a:t>
-            </a:r>
-          </a:p>
-          <a:p>
-            <a:pPr lvl="1"/>
-            <a:r>
-              <a:rPr lang="en-US" dirty="0" smtClean="0"/>
-              <a:t>Classic failure scenario: network link is severed between groups in a pool of servers, creating a partition (split-brain scenario)</a:t>
+              <a:t>Consistency</a:t>
+            </a:r>
+          </a:p>
+          <a:p>
+            <a:pPr lvl="1"/>
+            <a:r>
+              <a:rPr lang="en-US" dirty="0" smtClean="0"/>
+              <a:t>All nodes see the same data at the same time</a:t>
+            </a:r>
+          </a:p>
+          <a:p>
+            <a:pPr lvl="1"/>
+            <a:r>
+              <a:rPr lang="en-US" dirty="0" smtClean="0"/>
+              <a:t>Options:</a:t>
             </a:r>
           </a:p>
           <a:p>
             <a:pPr lvl="2"/>
             <a:r>
-              <a:rPr lang="en-US" dirty="0" smtClean="0"/>
-              <a:t>Can’t maintain consistency because writes to one partition cannot be communicated to other.</a:t>
-            </a:r>
+              <a:rPr lang="en-US" dirty="0"/>
+              <a:t>A</a:t>
+            </a:r>
+            <a:r>
+              <a:rPr lang="en-US" dirty="0" smtClean="0"/>
+              <a:t>pplication waits until all server nodes are updated (slow)</a:t>
+            </a:r>
+          </a:p>
+          <a:p>
+            <a:pPr lvl="2"/>
+            <a:r>
+              <a:rPr lang="en-US" dirty="0" smtClean="0"/>
+              <a:t>Application reads data from an available server knowing data might be outdated (fast – eventual consistency)</a:t>
+            </a:r>
+          </a:p>
+          <a:p>
+            <a:pPr lvl="1"/>
+            <a:r>
+              <a:rPr lang="en-US" dirty="0" smtClean="0"/>
+              <a:t>Apps where transactions are significant, like banks, need strong consistency</a:t>
+            </a:r>
+          </a:p>
+          <a:p>
+            <a:pPr lvl="1"/>
+            <a:r>
+              <a:rPr lang="en-US" dirty="0" smtClean="0"/>
+              <a:t>Apps where speed is more important than data recency, like social media, leverage eventual consistency</a:t>
+            </a:r>
+          </a:p>
+          <a:p>
+            <a:pPr lvl="2"/>
             <a:endParaRPr lang="en-US" dirty="0"/>
           </a:p>
           <a:p>
@@ -4370,7 +4337,7 @@
     </p:spTree>
     <p:extLst>
       <p:ext uri="{BB962C8B-B14F-4D97-AF65-F5344CB8AC3E}">
-        <p14:creationId xmlns:p14="http://schemas.microsoft.com/office/powerpoint/2010/main" val="2891315054"/>
+        <p14:creationId xmlns:p14="http://schemas.microsoft.com/office/powerpoint/2010/main" val="1430246649"/>
       </p:ext>
     </p:extLst>
   </p:cSld>
@@ -4444,60 +4411,41 @@
           </a:bodyPr>
           <a:lstStyle/>
           <a:p>
-            <a:pPr marL="0" indent="0">
-              <a:buNone/>
-            </a:pPr>
-            <a:r>
-              <a:rPr lang="en-US" dirty="0" smtClean="0"/>
-              <a:t>Q: Why is understanding CAP important? </a:t>
-            </a:r>
-          </a:p>
-          <a:p>
-            <a:pPr marL="0" indent="0">
-              <a:buNone/>
-            </a:pPr>
-            <a:r>
-              <a:rPr lang="en-US" dirty="0" smtClean="0"/>
-              <a:t>A: Because it informs our design decisions when building highly distributed systems</a:t>
-            </a:r>
-          </a:p>
-          <a:p>
-            <a:pPr marL="0" indent="0">
-              <a:buNone/>
-            </a:pPr>
-            <a:endParaRPr lang="en-US" dirty="0"/>
-          </a:p>
-          <a:p>
-            <a:pPr lvl="1"/>
-            <a:r>
-              <a:rPr lang="en-US" dirty="0" smtClean="0"/>
-              <a:t>Consistency &amp; Availability (Traditional RDMS)</a:t>
-            </a:r>
-          </a:p>
-          <a:p>
-            <a:pPr lvl="1"/>
-            <a:r>
-              <a:rPr lang="en-US" dirty="0" smtClean="0"/>
-              <a:t>Consistency &amp; Partition Tolerance (</a:t>
-            </a:r>
-            <a:r>
-              <a:rPr lang="en-US" dirty="0" err="1" smtClean="0"/>
-              <a:t>MongoDB</a:t>
-            </a:r>
-            <a:r>
-              <a:rPr lang="en-US" dirty="0" smtClean="0"/>
-              <a:t>)</a:t>
-            </a:r>
-          </a:p>
-          <a:p>
-            <a:pPr lvl="1"/>
-            <a:r>
-              <a:rPr lang="en-US" dirty="0" smtClean="0"/>
-              <a:t>Availability &amp; Partition Tolerance (Dynamo)</a:t>
-            </a:r>
-          </a:p>
-          <a:p>
-            <a:pPr lvl="1"/>
+            <a:r>
+              <a:rPr lang="en-US" dirty="0" smtClean="0"/>
+              <a:t>Availability</a:t>
+            </a:r>
+          </a:p>
+          <a:p>
+            <a:pPr lvl="1"/>
+            <a:r>
+              <a:rPr lang="en-US" dirty="0" smtClean="0"/>
+              <a:t>Means that the system is accessible when a user makes a request. It’s up!</a:t>
+            </a:r>
+          </a:p>
+          <a:p>
+            <a:pPr lvl="1"/>
+            <a:r>
+              <a:rPr lang="en-US" dirty="0" smtClean="0"/>
+              <a:t>We spread and replicate data on multiple servers to guarantee availability</a:t>
+            </a:r>
+          </a:p>
+          <a:p>
+            <a:pPr lvl="1"/>
+            <a:r>
+              <a:rPr lang="en-US" dirty="0" smtClean="0"/>
+              <a:t>Can an application on a single server be available? Sure, but a single server isn’t a distributed architecture. </a:t>
+            </a:r>
+            <a:r>
+              <a:rPr lang="en-US" dirty="0" smtClean="0">
+                <a:sym typeface="Wingdings"/>
+              </a:rPr>
+              <a:t></a:t>
+            </a:r>
+            <a:r>
+              <a:rPr lang="en-US" dirty="0" smtClean="0"/>
+              <a:t> </a:t>
+            </a:r>
             <a:endParaRPr lang="en-US" dirty="0"/>
           </a:p>
           <a:p>
@@ -4511,7 +4459,7 @@
     </p:spTree>
     <p:extLst>
       <p:ext uri="{BB962C8B-B14F-4D97-AF65-F5344CB8AC3E}">
-        <p14:creationId xmlns:p14="http://schemas.microsoft.com/office/powerpoint/2010/main" val="2830511430"/>
+        <p14:creationId xmlns:p14="http://schemas.microsoft.com/office/powerpoint/2010/main" val="680282628"/>
       </p:ext>
     </p:extLst>
   </p:cSld>
@@ -4556,8 +4504,8 @@
           <a:lstStyle/>
           <a:p>
             <a:r>
-              <a:rPr lang="en-US" dirty="0" err="1" smtClean="0"/>
-              <a:t>NoSQL</a:t>
+              <a:rPr lang="en-US" dirty="0" smtClean="0"/>
+              <a:t>CAP Principle</a:t>
             </a:r>
             <a:endParaRPr lang="en-US" dirty="0"/>
           </a:p>
@@ -4581,83 +4529,34 @@
         </p:spPr>
         <p:txBody>
           <a:bodyPr>
-            <a:normAutofit fontScale="92500" lnSpcReduction="20000"/>
+            <a:normAutofit/>
           </a:bodyPr>
           <a:lstStyle/>
           <a:p>
             <a:r>
               <a:rPr lang="en-US" dirty="0" smtClean="0"/>
-              <a:t>Growth of </a:t>
-            </a:r>
-            <a:r>
-              <a:rPr lang="en-US" dirty="0" err="1" smtClean="0"/>
-              <a:t>NoSQL</a:t>
-            </a:r>
-            <a:r>
-              <a:rPr lang="en-US" dirty="0" smtClean="0"/>
-              <a:t> correlated to the growth of distributed systems</a:t>
-            </a:r>
-          </a:p>
-          <a:p>
-            <a:r>
-              <a:rPr lang="en-US" dirty="0" smtClean="0"/>
-              <a:t>Store data closer to the way it’s actually represented</a:t>
-            </a:r>
-          </a:p>
-          <a:p>
-            <a:r>
-              <a:rPr lang="en-US" dirty="0" err="1" smtClean="0"/>
-              <a:t>NoSQL</a:t>
-            </a:r>
-            <a:r>
-              <a:rPr lang="en-US" dirty="0"/>
-              <a:t> </a:t>
-            </a:r>
-            <a:r>
-              <a:rPr lang="en-US" dirty="0" smtClean="0"/>
-              <a:t>= Not only SQL</a:t>
-            </a:r>
-          </a:p>
-          <a:p>
-            <a:r>
-              <a:rPr lang="en-US" dirty="0" smtClean="0"/>
-              <a:t>Several different types of </a:t>
-            </a:r>
-            <a:r>
-              <a:rPr lang="en-US" dirty="0" err="1" smtClean="0"/>
-              <a:t>NoSQL</a:t>
-            </a:r>
-            <a:r>
-              <a:rPr lang="en-US" dirty="0" smtClean="0"/>
-              <a:t> database, each solving different scaling issues</a:t>
-            </a:r>
-          </a:p>
-          <a:p>
-            <a:r>
-              <a:rPr lang="en-US" dirty="0" smtClean="0"/>
-              <a:t>Big data is a major scaling issue</a:t>
-            </a:r>
-          </a:p>
-          <a:p>
-            <a:pPr lvl="1"/>
-            <a:r>
-              <a:rPr lang="en-US" dirty="0" err="1" smtClean="0"/>
-              <a:t>NoSQL</a:t>
-            </a:r>
-            <a:r>
-              <a:rPr lang="en-US" dirty="0" smtClean="0"/>
-              <a:t> approach is to shard the data</a:t>
-            </a:r>
-          </a:p>
-          <a:p>
-            <a:pPr lvl="1"/>
-            <a:r>
-              <a:rPr lang="en-US" dirty="0" err="1" smtClean="0"/>
-              <a:t>Sharding</a:t>
-            </a:r>
-            <a:r>
-              <a:rPr lang="en-US" dirty="0" smtClean="0"/>
-              <a:t> = partitioning the data across multiple databases</a:t>
+              <a:t>Partition tolerance</a:t>
+            </a:r>
+          </a:p>
+          <a:p>
+            <a:pPr lvl="1"/>
+            <a:r>
+              <a:rPr lang="en-US" dirty="0" smtClean="0"/>
+              <a:t>The system continues to operate despite the failure of part of the system.</a:t>
+            </a:r>
+          </a:p>
+          <a:p>
+            <a:pPr lvl="1"/>
+            <a:r>
+              <a:rPr lang="en-US" dirty="0" smtClean="0"/>
+              <a:t>Classic failure scenario: network link is severed between groups in a pool of servers, creating a partition (split-brain scenario)</a:t>
+            </a:r>
+          </a:p>
+          <a:p>
+            <a:pPr lvl="2"/>
+            <a:r>
+              <a:rPr lang="en-US" dirty="0" smtClean="0"/>
+              <a:t>Can’t maintain consistency because writes to one partition cannot be communicated to other.</a:t>
             </a:r>
             <a:endParaRPr lang="en-US" dirty="0"/>
           </a:p>
@@ -4672,7 +4571,7 @@
     </p:spTree>
     <p:extLst>
       <p:ext uri="{BB962C8B-B14F-4D97-AF65-F5344CB8AC3E}">
-        <p14:creationId xmlns:p14="http://schemas.microsoft.com/office/powerpoint/2010/main" val="1927538517"/>
+        <p14:creationId xmlns:p14="http://schemas.microsoft.com/office/powerpoint/2010/main" val="2891315054"/>
       </p:ext>
     </p:extLst>
   </p:cSld>
@@ -4804,12 +4703,8 @@
           <a:lstStyle/>
           <a:p>
             <a:r>
-              <a:rPr lang="en-US" dirty="0" err="1" smtClean="0"/>
-              <a:t>NoSQL</a:t>
-            </a:r>
-            <a:r>
-              <a:rPr lang="en-US" dirty="0" smtClean="0"/>
-              <a:t> types</a:t>
+              <a:rPr lang="en-US" dirty="0" smtClean="0"/>
+              <a:t>CAP Principle</a:t>
             </a:r>
             <a:endParaRPr lang="en-US" dirty="0"/>
           </a:p>
@@ -4837,81 +4732,61 @@
           </a:bodyPr>
           <a:lstStyle/>
           <a:p>
-            <a:r>
-              <a:rPr lang="en-US" dirty="0" smtClean="0"/>
-              <a:t>Key/value</a:t>
-            </a:r>
-          </a:p>
-          <a:p>
-            <a:pPr lvl="1"/>
-            <a:r>
-              <a:rPr lang="en-US" dirty="0" smtClean="0"/>
-              <a:t>Provide a key/value</a:t>
-            </a:r>
-          </a:p>
-          <a:p>
-            <a:pPr lvl="1"/>
-            <a:r>
-              <a:rPr lang="en-US" dirty="0" smtClean="0"/>
-              <a:t>Query a key and get a value returned</a:t>
-            </a:r>
-          </a:p>
-          <a:p>
-            <a:pPr lvl="1"/>
-            <a:r>
-              <a:rPr lang="en-US" dirty="0" smtClean="0"/>
-              <a:t>Based on hashing algorithm &amp; easy to shard</a:t>
-            </a:r>
-          </a:p>
-          <a:p>
-            <a:pPr lvl="1"/>
-            <a:r>
-              <a:rPr lang="en-US" dirty="0" smtClean="0"/>
-              <a:t>Popular way to store web user sessions</a:t>
-            </a:r>
-          </a:p>
-          <a:p>
-            <a:pPr lvl="2"/>
-            <a:r>
-              <a:rPr lang="en-US" dirty="0" smtClean="0"/>
-              <a:t>Key = </a:t>
+            <a:pPr marL="0" indent="0">
+              <a:buNone/>
+            </a:pPr>
+            <a:r>
+              <a:rPr lang="en-US" dirty="0" smtClean="0"/>
+              <a:t>Q: Why is understanding CAP important? </a:t>
+            </a:r>
+          </a:p>
+          <a:p>
+            <a:pPr marL="0" indent="0">
+              <a:buNone/>
+            </a:pPr>
+            <a:r>
+              <a:rPr lang="en-US" dirty="0" smtClean="0"/>
+              <a:t>A: Because it informs our design decisions when building highly distributed systems</a:t>
+            </a:r>
+          </a:p>
+          <a:p>
+            <a:pPr marL="0" indent="0">
+              <a:buNone/>
+            </a:pPr>
+            <a:endParaRPr lang="en-US" dirty="0"/>
+          </a:p>
+          <a:p>
+            <a:pPr lvl="1"/>
+            <a:r>
+              <a:rPr lang="en-US" dirty="0" smtClean="0"/>
+              <a:t>Consistency &amp; Availability (Traditional RDMS)</a:t>
+            </a:r>
+          </a:p>
+          <a:p>
+            <a:pPr lvl="1"/>
+            <a:r>
+              <a:rPr lang="en-US" dirty="0" smtClean="0"/>
+              <a:t>Consistency &amp; Partition Tolerance (</a:t>
             </a:r>
             <a:r>
               <a:rPr lang="en-US" dirty="0" err="1" smtClean="0"/>
-              <a:t>sessionId</a:t>
-            </a:r>
-            <a:endParaRPr lang="en-US" dirty="0" smtClean="0"/>
-          </a:p>
-          <a:p>
-            <a:pPr lvl="2"/>
-            <a:r>
-              <a:rPr lang="en-US" dirty="0" smtClean="0"/>
-              <a:t>Value = serialized session object</a:t>
-            </a:r>
-          </a:p>
-          <a:p>
-            <a:pPr lvl="1"/>
-            <a:r>
-              <a:rPr lang="en-US" dirty="0" smtClean="0"/>
-              <a:t>Examples: </a:t>
-            </a:r>
-            <a:r>
-              <a:rPr lang="en-US" dirty="0" err="1" smtClean="0"/>
-              <a:t>Redis</a:t>
-            </a:r>
-            <a:r>
-              <a:rPr lang="en-US" dirty="0" smtClean="0"/>
-              <a:t>, </a:t>
-            </a:r>
-            <a:r>
-              <a:rPr lang="en-US" dirty="0" err="1" smtClean="0"/>
-              <a:t>memcached</a:t>
-            </a:r>
-            <a:endParaRPr lang="en-US" dirty="0"/>
-          </a:p>
-          <a:p>
-            <a:pPr lvl="1"/>
-            <a:endParaRPr lang="en-US" dirty="0" smtClean="0"/>
+              <a:t>MongoDB</a:t>
+            </a:r>
+            <a:r>
+              <a:rPr lang="en-US" dirty="0" smtClean="0"/>
+              <a:t>)</a:t>
+            </a:r>
+          </a:p>
+          <a:p>
+            <a:pPr lvl="1"/>
+            <a:r>
+              <a:rPr lang="en-US" dirty="0" smtClean="0"/>
+              <a:t>Availability &amp; Partition Tolerance (Dynamo)</a:t>
+            </a:r>
+          </a:p>
+          <a:p>
+            <a:pPr lvl="1"/>
+            <a:endParaRPr lang="en-US" dirty="0"/>
           </a:p>
           <a:p>
             <a:pPr marL="457200" lvl="1" indent="0">
@@ -4924,7 +4799,7 @@
     </p:spTree>
     <p:extLst>
       <p:ext uri="{BB962C8B-B14F-4D97-AF65-F5344CB8AC3E}">
-        <p14:creationId xmlns:p14="http://schemas.microsoft.com/office/powerpoint/2010/main" val="1948312763"/>
+        <p14:creationId xmlns:p14="http://schemas.microsoft.com/office/powerpoint/2010/main" val="2830511430"/>
       </p:ext>
     </p:extLst>
   </p:cSld>
@@ -4972,10 +4847,6 @@
               <a:rPr lang="en-US" dirty="0" err="1" smtClean="0"/>
               <a:t>NoSQL</a:t>
             </a:r>
-            <a:r>
-              <a:rPr lang="en-US" dirty="0" smtClean="0"/>
-              <a:t> types</a:t>
-            </a:r>
             <a:endParaRPr lang="en-US" dirty="0"/>
           </a:p>
         </p:txBody>
@@ -4998,58 +4869,85 @@
         </p:spPr>
         <p:txBody>
           <a:bodyPr>
-            <a:normAutofit/>
+            <a:normAutofit fontScale="92500" lnSpcReduction="20000"/>
           </a:bodyPr>
           <a:lstStyle/>
           <a:p>
             <a:r>
               <a:rPr lang="en-US" dirty="0" smtClean="0"/>
-              <a:t>Columnar</a:t>
-            </a:r>
-          </a:p>
-          <a:p>
-            <a:pPr lvl="1"/>
-            <a:r>
-              <a:rPr lang="en-US" dirty="0" smtClean="0"/>
-              <a:t>Imaging pivoting a traditional database table</a:t>
-            </a:r>
-          </a:p>
-          <a:p>
-            <a:pPr lvl="1"/>
-            <a:r>
-              <a:rPr lang="en-US" dirty="0" smtClean="0"/>
-              <a:t>Store columns instead of storing columns in sequential disk pages</a:t>
-            </a:r>
-          </a:p>
-          <a:p>
-            <a:pPr lvl="1"/>
-            <a:r>
-              <a:rPr lang="en-US" dirty="0" smtClean="0"/>
-              <a:t>Super-fast tabulation-type operations (</a:t>
+              <a:t>Growth of </a:t>
             </a:r>
             <a:r>
               <a:rPr lang="en-US" dirty="0" err="1" smtClean="0"/>
-              <a:t>whats</a:t>
-            </a:r>
-            <a:r>
-              <a:rPr lang="en-US" dirty="0" smtClean="0"/>
-              <a:t> the total profit across all products in the company)</a:t>
-            </a:r>
-          </a:p>
-          <a:p>
-            <a:pPr lvl="1"/>
-            <a:r>
-              <a:rPr lang="en-US" dirty="0" smtClean="0"/>
-              <a:t>Examples: </a:t>
-            </a:r>
+              <a:t>NoSQL</a:t>
+            </a:r>
+            <a:r>
+              <a:rPr lang="en-US" dirty="0" smtClean="0"/>
+              <a:t> correlated to the growth of distributed systems</a:t>
+            </a:r>
+          </a:p>
+          <a:p>
+            <a:r>
+              <a:rPr lang="en-US" dirty="0" smtClean="0"/>
+              <a:t>Store data closer to the way it’s actually represented</a:t>
+            </a:r>
+          </a:p>
+          <a:p>
             <a:r>
               <a:rPr lang="en-US" dirty="0" err="1" smtClean="0"/>
-              <a:t>Hbase</a:t>
-            </a:r>
-            <a:r>
-              <a:rPr lang="en-US" dirty="0" smtClean="0"/>
-              <a:t>, Redshift</a:t>
-            </a:r>
+              <a:t>NoSQL</a:t>
+            </a:r>
+            <a:r>
+              <a:rPr lang="en-US" dirty="0"/>
+              <a:t> </a:t>
+            </a:r>
+            <a:r>
+              <a:rPr lang="en-US" dirty="0" smtClean="0"/>
+              <a:t>= Not only SQL</a:t>
+            </a:r>
+          </a:p>
+          <a:p>
+            <a:r>
+              <a:rPr lang="en-US" dirty="0" smtClean="0"/>
+              <a:t>Several different types of </a:t>
+            </a:r>
+            <a:r>
+              <a:rPr lang="en-US" dirty="0" err="1" smtClean="0"/>
+              <a:t>NoSQL</a:t>
+            </a:r>
+            <a:r>
+              <a:rPr lang="en-US" dirty="0" smtClean="0"/>
+              <a:t> database, each solving different scaling issues</a:t>
+            </a:r>
+          </a:p>
+          <a:p>
+            <a:r>
+              <a:rPr lang="en-US" dirty="0" smtClean="0"/>
+              <a:t>Big data is a major scaling issue</a:t>
+            </a:r>
+          </a:p>
+          <a:p>
+            <a:pPr lvl="1"/>
+            <a:r>
+              <a:rPr lang="en-US" dirty="0" err="1" smtClean="0"/>
+              <a:t>NoSQL</a:t>
+            </a:r>
+            <a:r>
+              <a:rPr lang="en-US" dirty="0" smtClean="0"/>
+              <a:t> approach is to shard the data</a:t>
+            </a:r>
+          </a:p>
+          <a:p>
+            <a:pPr lvl="1"/>
+            <a:r>
+              <a:rPr lang="en-US" dirty="0" err="1" smtClean="0"/>
+              <a:t>Sharding</a:t>
+            </a:r>
+            <a:r>
+              <a:rPr lang="en-US" dirty="0" smtClean="0"/>
+              <a:t> = partitioning the data across multiple databases</a:t>
+            </a:r>
+            <a:endParaRPr lang="en-US" dirty="0"/>
           </a:p>
           <a:p>
             <a:pPr marL="457200" lvl="1" indent="0">
@@ -5062,7 +4960,7 @@
     </p:spTree>
     <p:extLst>
       <p:ext uri="{BB962C8B-B14F-4D97-AF65-F5344CB8AC3E}">
-        <p14:creationId xmlns:p14="http://schemas.microsoft.com/office/powerpoint/2010/main" val="617873407"/>
+        <p14:creationId xmlns:p14="http://schemas.microsoft.com/office/powerpoint/2010/main" val="1927538517"/>
       </p:ext>
     </p:extLst>
   </p:cSld>
@@ -5142,43 +5040,54 @@
           <a:p>
             <a:r>
               <a:rPr lang="en-US" dirty="0" smtClean="0"/>
-              <a:t>Document</a:t>
-            </a:r>
-          </a:p>
-          <a:p>
-            <a:pPr lvl="1"/>
-            <a:r>
-              <a:rPr lang="en-US" dirty="0" smtClean="0"/>
-              <a:t>Store documents instead of individual atomic records</a:t>
-            </a:r>
-          </a:p>
-          <a:p>
-            <a:pPr lvl="1"/>
-            <a:r>
-              <a:rPr lang="en-US" dirty="0" smtClean="0"/>
-              <a:t>Each document is stored in the form of </a:t>
+              <a:t>Key/value</a:t>
+            </a:r>
+          </a:p>
+          <a:p>
+            <a:pPr lvl="1"/>
+            <a:r>
+              <a:rPr lang="en-US" dirty="0" smtClean="0"/>
+              <a:t>Provide a key/value</a:t>
+            </a:r>
+          </a:p>
+          <a:p>
+            <a:pPr lvl="1"/>
+            <a:r>
+              <a:rPr lang="en-US" dirty="0" smtClean="0"/>
+              <a:t>Query a key and get a value returned</a:t>
+            </a:r>
+          </a:p>
+          <a:p>
+            <a:pPr lvl="1"/>
+            <a:r>
+              <a:rPr lang="en-US" dirty="0" smtClean="0"/>
+              <a:t>Based on hashing algorithm &amp; easy to shard</a:t>
+            </a:r>
+          </a:p>
+          <a:p>
+            <a:pPr lvl="1"/>
+            <a:r>
+              <a:rPr lang="en-US" dirty="0" smtClean="0"/>
+              <a:t>Popular way to store web user sessions</a:t>
+            </a:r>
+          </a:p>
+          <a:p>
+            <a:pPr lvl="2"/>
+            <a:r>
+              <a:rPr lang="en-US" dirty="0" smtClean="0"/>
+              <a:t>Key = </a:t>
             </a:r>
             <a:r>
               <a:rPr lang="en-US" dirty="0" err="1" smtClean="0"/>
-              <a:t>Javascript</a:t>
-            </a:r>
-            <a:r>
-              <a:rPr lang="en-US" dirty="0" smtClean="0"/>
-              <a:t> Object Notation (JSON)</a:t>
-            </a:r>
-          </a:p>
-          <a:p>
-            <a:pPr lvl="1"/>
-            <a:r>
-              <a:rPr lang="en-US" dirty="0" smtClean="0"/>
-              <a:t>Supports hierarchical and embedded data structures</a:t>
-            </a:r>
+              <a:t>sessionId</a:t>
+            </a:r>
+            <a:endParaRPr lang="en-US" dirty="0" smtClean="0"/>
           </a:p>
           <a:p>
             <a:pPr lvl="2"/>
             <a:r>
               <a:rPr lang="en-US" dirty="0" smtClean="0"/>
-              <a:t>A person can have many addresses, each address is embedded in the document</a:t>
+              <a:t>Value = serialized session object</a:t>
             </a:r>
           </a:p>
           <a:p>
@@ -5189,7 +5098,7 @@
             </a:r>
             <a:r>
               <a:rPr lang="en-US" dirty="0" err="1" smtClean="0"/>
-              <a:t>MongoDB</a:t>
+              <a:t>Redis</a:t>
             </a:r>
             <a:r>
               <a:rPr lang="en-US" dirty="0" smtClean="0"/>
@@ -5197,8 +5106,12 @@
             </a:r>
             <a:r>
               <a:rPr lang="en-US" dirty="0" err="1" smtClean="0"/>
-              <a:t>DynamoDB</a:t>
-            </a:r>
+              <a:t>memcached</a:t>
+            </a:r>
+            <a:endParaRPr lang="en-US" dirty="0"/>
+          </a:p>
+          <a:p>
+            <a:pPr lvl="1"/>
             <a:endParaRPr lang="en-US" dirty="0" smtClean="0"/>
           </a:p>
           <a:p>
@@ -5212,7 +5125,7 @@
     </p:spTree>
     <p:extLst>
       <p:ext uri="{BB962C8B-B14F-4D97-AF65-F5344CB8AC3E}">
-        <p14:creationId xmlns:p14="http://schemas.microsoft.com/office/powerpoint/2010/main" val="3038125591"/>
+        <p14:creationId xmlns:p14="http://schemas.microsoft.com/office/powerpoint/2010/main" val="1948312763"/>
       </p:ext>
     </p:extLst>
   </p:cSld>
@@ -5292,46 +5205,51 @@
           <a:p>
             <a:r>
               <a:rPr lang="en-US" dirty="0" smtClean="0"/>
-              <a:t>Graph</a:t>
-            </a:r>
-          </a:p>
-          <a:p>
-            <a:pPr lvl="1"/>
-            <a:r>
-              <a:rPr lang="en-US" dirty="0" smtClean="0"/>
-              <a:t>Stores data in nodes and edges of a graph</a:t>
-            </a:r>
-          </a:p>
-          <a:p>
-            <a:pPr lvl="1"/>
-            <a:r>
-              <a:rPr lang="en-US" dirty="0" smtClean="0"/>
-              <a:t>Able to easily store and maintain complex relationships (social media)</a:t>
-            </a:r>
-          </a:p>
-          <a:p>
-            <a:pPr lvl="1"/>
-            <a:r>
-              <a:rPr lang="en-US" dirty="0" smtClean="0"/>
-              <a:t>Example Neo4j</a:t>
-            </a:r>
-          </a:p>
-          <a:p>
-            <a:pPr lvl="1"/>
-            <a:endParaRPr lang="en-US" dirty="0"/>
-          </a:p>
-          <a:p>
-            <a:r>
-              <a:rPr lang="en-US" dirty="0" smtClean="0"/>
-              <a:t>If you are interested in </a:t>
+              <a:t>Columnar</a:t>
+            </a:r>
+          </a:p>
+          <a:p>
+            <a:pPr lvl="1"/>
+            <a:r>
+              <a:rPr lang="en-US" dirty="0" smtClean="0"/>
+              <a:t>Imaging pivoting a traditional database table</a:t>
+            </a:r>
+          </a:p>
+          <a:p>
+            <a:pPr lvl="1"/>
+            <a:r>
+              <a:rPr lang="en-US" dirty="0" smtClean="0"/>
+              <a:t>Store columns instead of storing columns in sequential disk pages</a:t>
+            </a:r>
+          </a:p>
+          <a:p>
+            <a:pPr lvl="1"/>
+            <a:r>
+              <a:rPr lang="en-US" dirty="0" smtClean="0"/>
+              <a:t>Super-fast tabulation-type operations (</a:t>
             </a:r>
             <a:r>
               <a:rPr lang="en-US" dirty="0" err="1" smtClean="0"/>
-              <a:t>NoSQL</a:t>
-            </a:r>
-            <a:r>
-              <a:rPr lang="en-US" dirty="0" smtClean="0"/>
-              <a:t>, take the Big Data Management course</a:t>
+              <a:t>whats</a:t>
+            </a:r>
+            <a:r>
+              <a:rPr lang="en-US" dirty="0" smtClean="0"/>
+              <a:t> the total profit across all products in the company)</a:t>
+            </a:r>
+          </a:p>
+          <a:p>
+            <a:pPr lvl="1"/>
+            <a:r>
+              <a:rPr lang="en-US" dirty="0" smtClean="0"/>
+              <a:t>Examples: </a:t>
+            </a:r>
+            <a:r>
+              <a:rPr lang="en-US" dirty="0" err="1" smtClean="0"/>
+              <a:t>Hbase</a:t>
+            </a:r>
+            <a:r>
+              <a:rPr lang="en-US" dirty="0" smtClean="0"/>
+              <a:t>, Redshift</a:t>
             </a:r>
           </a:p>
           <a:p>
@@ -5345,7 +5263,7 @@
     </p:spTree>
     <p:extLst>
       <p:ext uri="{BB962C8B-B14F-4D97-AF65-F5344CB8AC3E}">
-        <p14:creationId xmlns:p14="http://schemas.microsoft.com/office/powerpoint/2010/main" val="545553094"/>
+        <p14:creationId xmlns:p14="http://schemas.microsoft.com/office/powerpoint/2010/main" val="617873407"/>
       </p:ext>
     </p:extLst>
   </p:cSld>
@@ -5390,8 +5308,12 @@
           <a:lstStyle/>
           <a:p>
             <a:r>
-              <a:rPr lang="en-US" dirty="0" smtClean="0"/>
-              <a:t>Distributed system coupling</a:t>
+              <a:rPr lang="en-US" dirty="0" err="1" smtClean="0"/>
+              <a:t>NoSQL</a:t>
+            </a:r>
+            <a:r>
+              <a:rPr lang="en-US" dirty="0" smtClean="0"/>
+              <a:t> types</a:t>
             </a:r>
             <a:endParaRPr lang="en-US" dirty="0"/>
           </a:p>
@@ -5421,42 +5343,64 @@
           <a:p>
             <a:r>
               <a:rPr lang="en-US" dirty="0" smtClean="0"/>
-              <a:t>You learned about the concept of coupling in the software engineering course </a:t>
-            </a:r>
-          </a:p>
-          <a:p>
-            <a:r>
-              <a:rPr lang="en-US" dirty="0" smtClean="0"/>
-              <a:t>In general, loose coupling is desirable</a:t>
-            </a:r>
-          </a:p>
-          <a:p>
-            <a:pPr lvl="1"/>
-            <a:r>
-              <a:rPr lang="en-US" dirty="0" smtClean="0"/>
-              <a:t>Easier to maintain and replace components</a:t>
-            </a:r>
-          </a:p>
-          <a:p>
-            <a:pPr lvl="1"/>
-            <a:r>
-              <a:rPr lang="en-US" dirty="0" smtClean="0"/>
-              <a:t>Fewer bugs and hidden dependencies</a:t>
-            </a:r>
-          </a:p>
-          <a:p>
-            <a:pPr lvl="1"/>
-            <a:r>
-              <a:rPr lang="en-US" dirty="0" smtClean="0"/>
-              <a:t>More flexible</a:t>
-            </a:r>
-          </a:p>
-          <a:p>
-            <a:r>
-              <a:rPr lang="en-US" dirty="0" smtClean="0"/>
-              <a:t>Loose coupling is highly desirable in distributed systems as well</a:t>
-            </a:r>
-            <a:endParaRPr lang="en-US" dirty="0"/>
+              <a:t>Document</a:t>
+            </a:r>
+          </a:p>
+          <a:p>
+            <a:pPr lvl="1"/>
+            <a:r>
+              <a:rPr lang="en-US" dirty="0" smtClean="0"/>
+              <a:t>Store documents instead of individual atomic records</a:t>
+            </a:r>
+          </a:p>
+          <a:p>
+            <a:pPr lvl="1"/>
+            <a:r>
+              <a:rPr lang="en-US" dirty="0" smtClean="0"/>
+              <a:t>Each document is stored in the form of </a:t>
+            </a:r>
+            <a:r>
+              <a:rPr lang="en-US" dirty="0" err="1" smtClean="0"/>
+              <a:t>Javascript</a:t>
+            </a:r>
+            <a:r>
+              <a:rPr lang="en-US" dirty="0" smtClean="0"/>
+              <a:t> Object Notation (JSON)</a:t>
+            </a:r>
+          </a:p>
+          <a:p>
+            <a:pPr lvl="1"/>
+            <a:r>
+              <a:rPr lang="en-US" dirty="0" smtClean="0"/>
+              <a:t>Supports hierarchical and embedded data structures</a:t>
+            </a:r>
+          </a:p>
+          <a:p>
+            <a:pPr lvl="2"/>
+            <a:r>
+              <a:rPr lang="en-US" dirty="0" smtClean="0"/>
+              <a:t>A person can have many addresses, each address is embedded in the document</a:t>
+            </a:r>
+          </a:p>
+          <a:p>
+            <a:pPr lvl="1"/>
+            <a:r>
+              <a:rPr lang="en-US" dirty="0" smtClean="0"/>
+              <a:t>Examples: </a:t>
+            </a:r>
+            <a:r>
+              <a:rPr lang="en-US" dirty="0" err="1" smtClean="0"/>
+              <a:t>MongoDB</a:t>
+            </a:r>
+            <a:r>
+              <a:rPr lang="en-US" dirty="0" smtClean="0"/>
+              <a:t>, </a:t>
+            </a:r>
+            <a:r>
+              <a:rPr lang="en-US" dirty="0" err="1" smtClean="0"/>
+              <a:t>DynamoDB</a:t>
+            </a:r>
+            <a:endParaRPr lang="en-US" dirty="0" smtClean="0"/>
           </a:p>
           <a:p>
             <a:pPr marL="457200" lvl="1" indent="0">
@@ -5469,7 +5413,7 @@
     </p:spTree>
     <p:extLst>
       <p:ext uri="{BB962C8B-B14F-4D97-AF65-F5344CB8AC3E}">
-        <p14:creationId xmlns:p14="http://schemas.microsoft.com/office/powerpoint/2010/main" val="3666338030"/>
+        <p14:creationId xmlns:p14="http://schemas.microsoft.com/office/powerpoint/2010/main" val="3038125591"/>
       </p:ext>
     </p:extLst>
   </p:cSld>
@@ -5509,13 +5453,17 @@
         <p:spPr/>
         <p:txBody>
           <a:bodyPr>
-            <a:normAutofit fontScale="90000"/>
+            <a:normAutofit/>
           </a:bodyPr>
           <a:lstStyle/>
           <a:p>
             <a:r>
-              <a:rPr lang="en-US" dirty="0" smtClean="0"/>
-              <a:t>Scaling performance of distributed systems</a:t>
+              <a:rPr lang="en-US" dirty="0" err="1" smtClean="0"/>
+              <a:t>NoSQL</a:t>
+            </a:r>
+            <a:r>
+              <a:rPr lang="en-US" dirty="0" smtClean="0"/>
+              <a:t> types</a:t>
             </a:r>
             <a:endParaRPr lang="en-US" dirty="0"/>
           </a:p>
@@ -5545,6 +5493,259 @@
           <a:p>
             <a:r>
               <a:rPr lang="en-US" dirty="0" smtClean="0"/>
+              <a:t>Graph</a:t>
+            </a:r>
+          </a:p>
+          <a:p>
+            <a:pPr lvl="1"/>
+            <a:r>
+              <a:rPr lang="en-US" dirty="0" smtClean="0"/>
+              <a:t>Stores data in nodes and edges of a graph</a:t>
+            </a:r>
+          </a:p>
+          <a:p>
+            <a:pPr lvl="1"/>
+            <a:r>
+              <a:rPr lang="en-US" dirty="0" smtClean="0"/>
+              <a:t>Able to easily store and maintain complex relationships (social media)</a:t>
+            </a:r>
+          </a:p>
+          <a:p>
+            <a:pPr lvl="1"/>
+            <a:r>
+              <a:rPr lang="en-US" dirty="0" smtClean="0"/>
+              <a:t>Example Neo4j</a:t>
+            </a:r>
+          </a:p>
+          <a:p>
+            <a:pPr lvl="1"/>
+            <a:endParaRPr lang="en-US" dirty="0"/>
+          </a:p>
+          <a:p>
+            <a:r>
+              <a:rPr lang="en-US" dirty="0" smtClean="0"/>
+              <a:t>If you are interested in </a:t>
+            </a:r>
+            <a:r>
+              <a:rPr lang="en-US" dirty="0" err="1" smtClean="0"/>
+              <a:t>NoSQL</a:t>
+            </a:r>
+            <a:r>
+              <a:rPr lang="en-US" dirty="0" smtClean="0"/>
+              <a:t>, take the Big Data Management course</a:t>
+            </a:r>
+          </a:p>
+          <a:p>
+            <a:pPr marL="457200" lvl="1" indent="0">
+              <a:buNone/>
+            </a:pPr>
+            <a:endParaRPr lang="en-US" dirty="0" smtClean="0"/>
+          </a:p>
+        </p:txBody>
+      </p:sp>
+    </p:spTree>
+    <p:extLst>
+      <p:ext uri="{BB962C8B-B14F-4D97-AF65-F5344CB8AC3E}">
+        <p14:creationId xmlns:p14="http://schemas.microsoft.com/office/powerpoint/2010/main" val="545553094"/>
+      </p:ext>
+    </p:extLst>
+  </p:cSld>
+  <p:clrMapOvr>
+    <a:masterClrMapping/>
+  </p:clrMapOvr>
+</p:sld>
+</file>
+
+<file path=ppt/slides/slide26.xml><?xml version="1.0" encoding="utf-8"?>
+<p:sld xmlns:a="http://schemas.openxmlformats.org/drawingml/2006/main" xmlns:r="http://schemas.openxmlformats.org/officeDocument/2006/relationships" xmlns:p="http://schemas.openxmlformats.org/presentationml/2006/main">
+  <p:cSld>
+    <p:spTree>
+      <p:nvGrpSpPr>
+        <p:cNvPr id="1" name=""/>
+        <p:cNvGrpSpPr/>
+        <p:nvPr/>
+      </p:nvGrpSpPr>
+      <p:grpSpPr>
+        <a:xfrm>
+          <a:off x="0" y="0"/>
+          <a:ext cx="0" cy="0"/>
+          <a:chOff x="0" y="0"/>
+          <a:chExt cx="0" cy="0"/>
+        </a:xfrm>
+      </p:grpSpPr>
+      <p:sp>
+        <p:nvSpPr>
+          <p:cNvPr id="2" name="Title 1"/>
+          <p:cNvSpPr>
+            <a:spLocks noGrp="1"/>
+          </p:cNvSpPr>
+          <p:nvPr>
+            <p:ph type="title"/>
+          </p:nvPr>
+        </p:nvSpPr>
+        <p:spPr/>
+        <p:txBody>
+          <a:bodyPr>
+            <a:normAutofit/>
+          </a:bodyPr>
+          <a:lstStyle/>
+          <a:p>
+            <a:r>
+              <a:rPr lang="en-US" dirty="0" smtClean="0"/>
+              <a:t>Distributed system coupling</a:t>
+            </a:r>
+            <a:endParaRPr lang="en-US" dirty="0"/>
+          </a:p>
+        </p:txBody>
+      </p:sp>
+      <p:sp>
+        <p:nvSpPr>
+          <p:cNvPr id="3" name="Content Placeholder 2"/>
+          <p:cNvSpPr>
+            <a:spLocks noGrp="1"/>
+          </p:cNvSpPr>
+          <p:nvPr>
+            <p:ph idx="1"/>
+          </p:nvPr>
+        </p:nvSpPr>
+        <p:spPr>
+          <a:xfrm>
+            <a:off x="457200" y="1600200"/>
+            <a:ext cx="8229600" cy="4920629"/>
+          </a:xfrm>
+        </p:spPr>
+        <p:txBody>
+          <a:bodyPr>
+            <a:normAutofit/>
+          </a:bodyPr>
+          <a:lstStyle/>
+          <a:p>
+            <a:r>
+              <a:rPr lang="en-US" dirty="0" smtClean="0"/>
+              <a:t>You learned about the concept of coupling in the software engineering course </a:t>
+            </a:r>
+          </a:p>
+          <a:p>
+            <a:r>
+              <a:rPr lang="en-US" dirty="0" smtClean="0"/>
+              <a:t>In general, loose coupling is desirable</a:t>
+            </a:r>
+          </a:p>
+          <a:p>
+            <a:pPr lvl="1"/>
+            <a:r>
+              <a:rPr lang="en-US" dirty="0" smtClean="0"/>
+              <a:t>Easier to maintain and replace components</a:t>
+            </a:r>
+          </a:p>
+          <a:p>
+            <a:pPr lvl="1"/>
+            <a:r>
+              <a:rPr lang="en-US" dirty="0" smtClean="0"/>
+              <a:t>Fewer bugs and hidden dependencies</a:t>
+            </a:r>
+          </a:p>
+          <a:p>
+            <a:pPr lvl="1"/>
+            <a:r>
+              <a:rPr lang="en-US" dirty="0" smtClean="0"/>
+              <a:t>More flexible</a:t>
+            </a:r>
+          </a:p>
+          <a:p>
+            <a:r>
+              <a:rPr lang="en-US" dirty="0" smtClean="0"/>
+              <a:t>Loose coupling is highly desirable in distributed systems as well</a:t>
+            </a:r>
+            <a:endParaRPr lang="en-US" dirty="0"/>
+          </a:p>
+          <a:p>
+            <a:pPr marL="457200" lvl="1" indent="0">
+              <a:buNone/>
+            </a:pPr>
+            <a:endParaRPr lang="en-US" dirty="0" smtClean="0"/>
+          </a:p>
+        </p:txBody>
+      </p:sp>
+    </p:spTree>
+    <p:extLst>
+      <p:ext uri="{BB962C8B-B14F-4D97-AF65-F5344CB8AC3E}">
+        <p14:creationId xmlns:p14="http://schemas.microsoft.com/office/powerpoint/2010/main" val="3666338030"/>
+      </p:ext>
+    </p:extLst>
+  </p:cSld>
+  <p:clrMapOvr>
+    <a:masterClrMapping/>
+  </p:clrMapOvr>
+</p:sld>
+</file>
+
+<file path=ppt/slides/slide27.xml><?xml version="1.0" encoding="utf-8"?>
+<p:sld xmlns:a="http://schemas.openxmlformats.org/drawingml/2006/main" xmlns:r="http://schemas.openxmlformats.org/officeDocument/2006/relationships" xmlns:p="http://schemas.openxmlformats.org/presentationml/2006/main">
+  <p:cSld>
+    <p:spTree>
+      <p:nvGrpSpPr>
+        <p:cNvPr id="1" name=""/>
+        <p:cNvGrpSpPr/>
+        <p:nvPr/>
+      </p:nvGrpSpPr>
+      <p:grpSpPr>
+        <a:xfrm>
+          <a:off x="0" y="0"/>
+          <a:ext cx="0" cy="0"/>
+          <a:chOff x="0" y="0"/>
+          <a:chExt cx="0" cy="0"/>
+        </a:xfrm>
+      </p:grpSpPr>
+      <p:sp>
+        <p:nvSpPr>
+          <p:cNvPr id="2" name="Title 1"/>
+          <p:cNvSpPr>
+            <a:spLocks noGrp="1"/>
+          </p:cNvSpPr>
+          <p:nvPr>
+            <p:ph type="title"/>
+          </p:nvPr>
+        </p:nvSpPr>
+        <p:spPr/>
+        <p:txBody>
+          <a:bodyPr>
+            <a:normAutofit fontScale="90000"/>
+          </a:bodyPr>
+          <a:lstStyle/>
+          <a:p>
+            <a:r>
+              <a:rPr lang="en-US" dirty="0" smtClean="0"/>
+              <a:t>Scaling performance of distributed systems</a:t>
+            </a:r>
+            <a:endParaRPr lang="en-US" dirty="0"/>
+          </a:p>
+        </p:txBody>
+      </p:sp>
+      <p:sp>
+        <p:nvSpPr>
+          <p:cNvPr id="3" name="Content Placeholder 2"/>
+          <p:cNvSpPr>
+            <a:spLocks noGrp="1"/>
+          </p:cNvSpPr>
+          <p:nvPr>
+            <p:ph idx="1"/>
+          </p:nvPr>
+        </p:nvSpPr>
+        <p:spPr>
+          <a:xfrm>
+            <a:off x="457200" y="1600200"/>
+            <a:ext cx="8229600" cy="4920629"/>
+          </a:xfrm>
+        </p:spPr>
+        <p:txBody>
+          <a:bodyPr>
+            <a:normAutofit/>
+          </a:bodyPr>
+          <a:lstStyle/>
+          <a:p>
+            <a:r>
+              <a:rPr lang="en-US" dirty="0" smtClean="0"/>
               <a:t>The speed of small systems cannot easily be translated to large distributed systems</a:t>
             </a:r>
           </a:p>
@@ -5558,15 +5759,15 @@
             </a:r>
             <a:r>
               <a:rPr lang="en-US" dirty="0" smtClean="0"/>
-              <a:t>etwork and disk I/O is orders of magnitude slower than </a:t>
-            </a:r>
-            <a:r>
-              <a:rPr lang="en-US" dirty="0" err="1" smtClean="0"/>
-              <a:t>cpu</a:t>
-            </a:r>
-            <a:r>
-              <a:rPr lang="en-US" dirty="0" smtClean="0"/>
-              <a:t> and memory access</a:t>
+              <a:t>etwork and disk I/O is orders of magnitude slower </a:t>
+            </a:r>
+            <a:r>
+              <a:rPr lang="en-US" smtClean="0"/>
+              <a:t>than CPU and </a:t>
+            </a:r>
+            <a:r>
+              <a:rPr lang="en-US" dirty="0" smtClean="0"/>
+              <a:t>memory access</a:t>
             </a:r>
           </a:p>
           <a:p>
@@ -5608,7 +5809,61 @@
 </p:sld>
 </file>
 
-<file path=ppt/slides/slide26.xml><?xml version="1.0" encoding="utf-8"?>
+<file path=ppt/slides/slide28.xml><?xml version="1.0" encoding="utf-8"?>
+<p:sld xmlns:a="http://schemas.openxmlformats.org/drawingml/2006/main" xmlns:r="http://schemas.openxmlformats.org/officeDocument/2006/relationships" xmlns:p="http://schemas.openxmlformats.org/presentationml/2006/main">
+  <p:cSld>
+    <p:spTree>
+      <p:nvGrpSpPr>
+        <p:cNvPr id="1" name=""/>
+        <p:cNvGrpSpPr/>
+        <p:nvPr/>
+      </p:nvGrpSpPr>
+      <p:grpSpPr>
+        <a:xfrm>
+          <a:off x="0" y="0"/>
+          <a:ext cx="0" cy="0"/>
+          <a:chOff x="0" y="0"/>
+          <a:chExt cx="0" cy="0"/>
+        </a:xfrm>
+      </p:grpSpPr>
+      <p:pic>
+        <p:nvPicPr>
+          <p:cNvPr id="9" name="Picture 8"/>
+          <p:cNvPicPr>
+            <a:picLocks noChangeAspect="1"/>
+          </p:cNvPicPr>
+          <p:nvPr/>
+        </p:nvPicPr>
+        <p:blipFill>
+          <a:blip r:embed="rId2"/>
+          <a:stretch>
+            <a:fillRect/>
+          </a:stretch>
+        </p:blipFill>
+        <p:spPr>
+          <a:xfrm>
+            <a:off x="520700" y="381000"/>
+            <a:ext cx="8102600" cy="6083300"/>
+          </a:xfrm>
+          <a:prstGeom prst="rect">
+            <a:avLst/>
+          </a:prstGeom>
+        </p:spPr>
+      </p:pic>
+    </p:spTree>
+    <p:extLst>
+      <p:ext uri="{BB962C8B-B14F-4D97-AF65-F5344CB8AC3E}">
+        <p14:creationId xmlns:p14="http://schemas.microsoft.com/office/powerpoint/2010/main" val="3896508063"/>
+      </p:ext>
+    </p:extLst>
+  </p:cSld>
+  <p:clrMapOvr>
+    <a:masterClrMapping/>
+  </p:clrMapOvr>
+</p:sld>
+</file>
+
+<file path=ppt/slides/slide29.xml><?xml version="1.0" encoding="utf-8"?>
 <p:sld xmlns:a="http://schemas.openxmlformats.org/drawingml/2006/main" xmlns:r="http://schemas.openxmlformats.org/officeDocument/2006/relationships" xmlns:p="http://schemas.openxmlformats.org/presentationml/2006/main">
   <p:cSld>
     <p:spTree>
@@ -5866,430 +6121,6 @@
 </p:sld>
 </file>
 
-<file path=ppt/slides/slide27.xml><?xml version="1.0" encoding="utf-8"?>
-<p:sld xmlns:a="http://schemas.openxmlformats.org/drawingml/2006/main" xmlns:r="http://schemas.openxmlformats.org/officeDocument/2006/relationships" xmlns:p="http://schemas.openxmlformats.org/presentationml/2006/main">
-  <p:cSld>
-    <p:spTree>
-      <p:nvGrpSpPr>
-        <p:cNvPr id="1" name=""/>
-        <p:cNvGrpSpPr/>
-        <p:nvPr/>
-      </p:nvGrpSpPr>
-      <p:grpSpPr>
-        <a:xfrm>
-          <a:off x="0" y="0"/>
-          <a:ext cx="0" cy="0"/>
-          <a:chOff x="0" y="0"/>
-          <a:chExt cx="0" cy="0"/>
-        </a:xfrm>
-      </p:grpSpPr>
-      <p:sp>
-        <p:nvSpPr>
-          <p:cNvPr id="2" name="Title 1"/>
-          <p:cNvSpPr>
-            <a:spLocks noGrp="1"/>
-          </p:cNvSpPr>
-          <p:nvPr>
-            <p:ph type="title"/>
-          </p:nvPr>
-        </p:nvSpPr>
-        <p:spPr/>
-        <p:txBody>
-          <a:bodyPr>
-            <a:normAutofit/>
-          </a:bodyPr>
-          <a:lstStyle/>
-          <a:p>
-            <a:r>
-              <a:rPr lang="en-US" dirty="0" smtClean="0"/>
-              <a:t>Virtualization</a:t>
-            </a:r>
-            <a:endParaRPr lang="en-US" dirty="0"/>
-          </a:p>
-        </p:txBody>
-      </p:sp>
-      <p:sp>
-        <p:nvSpPr>
-          <p:cNvPr id="3" name="Content Placeholder 2"/>
-          <p:cNvSpPr>
-            <a:spLocks noGrp="1"/>
-          </p:cNvSpPr>
-          <p:nvPr>
-            <p:ph idx="1"/>
-          </p:nvPr>
-        </p:nvSpPr>
-        <p:spPr>
-          <a:xfrm>
-            <a:off x="457200" y="1600200"/>
-            <a:ext cx="8229600" cy="4920629"/>
-          </a:xfrm>
-        </p:spPr>
-        <p:txBody>
-          <a:bodyPr>
-            <a:normAutofit fontScale="85000" lnSpcReduction="10000"/>
-          </a:bodyPr>
-          <a:lstStyle/>
-          <a:p>
-            <a:r>
-              <a:rPr lang="en-US" dirty="0" smtClean="0"/>
-              <a:t>Problem: It’s hard for IT organizations to determine the right-size server to support a required stack</a:t>
-            </a:r>
-          </a:p>
-          <a:p>
-            <a:pPr lvl="1"/>
-            <a:r>
-              <a:rPr lang="en-US" dirty="0" smtClean="0"/>
-              <a:t>How much CPU, memory, and network?</a:t>
-            </a:r>
-          </a:p>
-          <a:p>
-            <a:pPr lvl="1"/>
-            <a:r>
-              <a:rPr lang="en-US" dirty="0" smtClean="0"/>
-              <a:t>Selected server is either going to be oversized or undersized</a:t>
-            </a:r>
-          </a:p>
-          <a:p>
-            <a:pPr lvl="1"/>
-            <a:r>
-              <a:rPr lang="en-US" dirty="0" smtClean="0"/>
-              <a:t>Common to see servers with 10% Avg. </a:t>
-            </a:r>
-            <a:r>
-              <a:rPr lang="en-US" dirty="0" err="1" smtClean="0"/>
-              <a:t>CPUutilization</a:t>
-            </a:r>
-            <a:r>
-              <a:rPr lang="en-US" dirty="0" smtClean="0"/>
-              <a:t>, 90% of system capacity wasted!</a:t>
-            </a:r>
-          </a:p>
-          <a:p>
-            <a:pPr lvl="1"/>
-            <a:endParaRPr lang="en-US" dirty="0" smtClean="0"/>
-          </a:p>
-          <a:p>
-            <a:r>
-              <a:rPr lang="en-US" dirty="0" smtClean="0"/>
-              <a:t>Problem: What happens when IT needs to move or upgrade stack to a bigger server?</a:t>
-            </a:r>
-          </a:p>
-          <a:p>
-            <a:pPr lvl="1"/>
-            <a:r>
-              <a:rPr lang="en-US" dirty="0" smtClean="0"/>
-              <a:t>Painful process of building new server, installing applications and moving data (forklift upgrade)</a:t>
-            </a:r>
-            <a:endParaRPr lang="en-US" dirty="0"/>
-          </a:p>
-          <a:p>
-            <a:endParaRPr lang="en-US" dirty="0" smtClean="0"/>
-          </a:p>
-          <a:p>
-            <a:endParaRPr lang="en-US" dirty="0"/>
-          </a:p>
-          <a:p>
-            <a:endParaRPr lang="en-US" dirty="0" smtClean="0"/>
-          </a:p>
-          <a:p>
-            <a:endParaRPr lang="en-US" dirty="0"/>
-          </a:p>
-          <a:p>
-            <a:pPr marL="0" indent="0">
-              <a:buNone/>
-            </a:pPr>
-            <a:endParaRPr lang="en-US" dirty="0"/>
-          </a:p>
-          <a:p>
-            <a:endParaRPr lang="en-US" dirty="0" smtClean="0"/>
-          </a:p>
-        </p:txBody>
-      </p:sp>
-    </p:spTree>
-    <p:extLst>
-      <p:ext uri="{BB962C8B-B14F-4D97-AF65-F5344CB8AC3E}">
-        <p14:creationId xmlns:p14="http://schemas.microsoft.com/office/powerpoint/2010/main" val="3877920237"/>
-      </p:ext>
-    </p:extLst>
-  </p:cSld>
-  <p:clrMapOvr>
-    <a:masterClrMapping/>
-  </p:clrMapOvr>
-</p:sld>
-</file>
-
-<file path=ppt/slides/slide28.xml><?xml version="1.0" encoding="utf-8"?>
-<p:sld xmlns:a="http://schemas.openxmlformats.org/drawingml/2006/main" xmlns:r="http://schemas.openxmlformats.org/officeDocument/2006/relationships" xmlns:p="http://schemas.openxmlformats.org/presentationml/2006/main">
-  <p:cSld>
-    <p:spTree>
-      <p:nvGrpSpPr>
-        <p:cNvPr id="1" name=""/>
-        <p:cNvGrpSpPr/>
-        <p:nvPr/>
-      </p:nvGrpSpPr>
-      <p:grpSpPr>
-        <a:xfrm>
-          <a:off x="0" y="0"/>
-          <a:ext cx="0" cy="0"/>
-          <a:chOff x="0" y="0"/>
-          <a:chExt cx="0" cy="0"/>
-        </a:xfrm>
-      </p:grpSpPr>
-      <p:sp>
-        <p:nvSpPr>
-          <p:cNvPr id="2" name="Title 1"/>
-          <p:cNvSpPr>
-            <a:spLocks noGrp="1"/>
-          </p:cNvSpPr>
-          <p:nvPr>
-            <p:ph type="title"/>
-          </p:nvPr>
-        </p:nvSpPr>
-        <p:spPr/>
-        <p:txBody>
-          <a:bodyPr>
-            <a:normAutofit/>
-          </a:bodyPr>
-          <a:lstStyle/>
-          <a:p>
-            <a:r>
-              <a:rPr lang="en-US" dirty="0" smtClean="0"/>
-              <a:t>Virtualization</a:t>
-            </a:r>
-            <a:endParaRPr lang="en-US" dirty="0"/>
-          </a:p>
-        </p:txBody>
-      </p:sp>
-      <p:sp>
-        <p:nvSpPr>
-          <p:cNvPr id="3" name="Content Placeholder 2"/>
-          <p:cNvSpPr>
-            <a:spLocks noGrp="1"/>
-          </p:cNvSpPr>
-          <p:nvPr>
-            <p:ph idx="1"/>
-          </p:nvPr>
-        </p:nvSpPr>
-        <p:spPr>
-          <a:xfrm>
-            <a:off x="457200" y="1600200"/>
-            <a:ext cx="8229600" cy="4920629"/>
-          </a:xfrm>
-        </p:spPr>
-        <p:txBody>
-          <a:bodyPr>
-            <a:normAutofit/>
-          </a:bodyPr>
-          <a:lstStyle/>
-          <a:p>
-            <a:r>
-              <a:rPr lang="en-US" dirty="0" smtClean="0"/>
-              <a:t>Problem: How does IT partition one customer from another?</a:t>
-            </a:r>
-          </a:p>
-          <a:p>
-            <a:pPr lvl="1"/>
-            <a:r>
-              <a:rPr lang="en-US" dirty="0" smtClean="0"/>
-              <a:t>Just buy another server </a:t>
-            </a:r>
-            <a:r>
-              <a:rPr lang="en-US" dirty="0" smtClean="0">
-                <a:sym typeface="Wingdings"/>
-              </a:rPr>
-              <a:t></a:t>
-            </a:r>
-          </a:p>
-          <a:p>
-            <a:pPr lvl="1"/>
-            <a:r>
-              <a:rPr lang="en-US" dirty="0" smtClean="0">
-                <a:sym typeface="Wingdings"/>
-              </a:rPr>
-              <a:t>Expensive to scale when every stack needs a separate physical server</a:t>
-            </a:r>
-          </a:p>
-          <a:p>
-            <a:endParaRPr lang="en-US" dirty="0" smtClean="0"/>
-          </a:p>
-          <a:p>
-            <a:endParaRPr lang="en-US" dirty="0" smtClean="0"/>
-          </a:p>
-          <a:p>
-            <a:endParaRPr lang="en-US" dirty="0"/>
-          </a:p>
-          <a:p>
-            <a:endParaRPr lang="en-US" dirty="0" smtClean="0"/>
-          </a:p>
-          <a:p>
-            <a:endParaRPr lang="en-US" dirty="0"/>
-          </a:p>
-          <a:p>
-            <a:pPr marL="0" indent="0">
-              <a:buNone/>
-            </a:pPr>
-            <a:endParaRPr lang="en-US" dirty="0"/>
-          </a:p>
-          <a:p>
-            <a:endParaRPr lang="en-US" dirty="0" smtClean="0"/>
-          </a:p>
-        </p:txBody>
-      </p:sp>
-    </p:spTree>
-    <p:extLst>
-      <p:ext uri="{BB962C8B-B14F-4D97-AF65-F5344CB8AC3E}">
-        <p14:creationId xmlns:p14="http://schemas.microsoft.com/office/powerpoint/2010/main" val="3417819335"/>
-      </p:ext>
-    </p:extLst>
-  </p:cSld>
-  <p:clrMapOvr>
-    <a:masterClrMapping/>
-  </p:clrMapOvr>
-</p:sld>
-</file>
-
-<file path=ppt/slides/slide29.xml><?xml version="1.0" encoding="utf-8"?>
-<p:sld xmlns:a="http://schemas.openxmlformats.org/drawingml/2006/main" xmlns:r="http://schemas.openxmlformats.org/officeDocument/2006/relationships" xmlns:p="http://schemas.openxmlformats.org/presentationml/2006/main">
-  <p:cSld>
-    <p:spTree>
-      <p:nvGrpSpPr>
-        <p:cNvPr id="1" name=""/>
-        <p:cNvGrpSpPr/>
-        <p:nvPr/>
-      </p:nvGrpSpPr>
-      <p:grpSpPr>
-        <a:xfrm>
-          <a:off x="0" y="0"/>
-          <a:ext cx="0" cy="0"/>
-          <a:chOff x="0" y="0"/>
-          <a:chExt cx="0" cy="0"/>
-        </a:xfrm>
-      </p:grpSpPr>
-      <p:sp>
-        <p:nvSpPr>
-          <p:cNvPr id="2" name="Title 1"/>
-          <p:cNvSpPr>
-            <a:spLocks noGrp="1"/>
-          </p:cNvSpPr>
-          <p:nvPr>
-            <p:ph type="title"/>
-          </p:nvPr>
-        </p:nvSpPr>
-        <p:spPr/>
-        <p:txBody>
-          <a:bodyPr>
-            <a:normAutofit/>
-          </a:bodyPr>
-          <a:lstStyle/>
-          <a:p>
-            <a:r>
-              <a:rPr lang="en-US" dirty="0" smtClean="0"/>
-              <a:t>Virtualization</a:t>
-            </a:r>
-            <a:endParaRPr lang="en-US" dirty="0"/>
-          </a:p>
-        </p:txBody>
-      </p:sp>
-      <p:sp>
-        <p:nvSpPr>
-          <p:cNvPr id="3" name="Content Placeholder 2"/>
-          <p:cNvSpPr>
-            <a:spLocks noGrp="1"/>
-          </p:cNvSpPr>
-          <p:nvPr>
-            <p:ph idx="1"/>
-          </p:nvPr>
-        </p:nvSpPr>
-        <p:spPr>
-          <a:xfrm>
-            <a:off x="457200" y="1600200"/>
-            <a:ext cx="8229600" cy="4920629"/>
-          </a:xfrm>
-        </p:spPr>
-        <p:txBody>
-          <a:bodyPr>
-            <a:normAutofit fontScale="92500" lnSpcReduction="20000"/>
-          </a:bodyPr>
-          <a:lstStyle/>
-          <a:p>
-            <a:r>
-              <a:rPr lang="en-US" dirty="0" smtClean="0"/>
-              <a:t>Computers basically just execute code statements and address memory</a:t>
-            </a:r>
-          </a:p>
-          <a:p>
-            <a:pPr lvl="1"/>
-            <a:r>
-              <a:rPr lang="en-US" dirty="0" smtClean="0"/>
-              <a:t>Manipulating memory in the right patterns and sequences allows us to create operating systems and applications</a:t>
-            </a:r>
-          </a:p>
-          <a:p>
-            <a:pPr lvl="1"/>
-            <a:r>
-              <a:rPr lang="en-US" dirty="0" smtClean="0"/>
-              <a:t>Program code can be designed to emulate a physical computer</a:t>
-            </a:r>
-          </a:p>
-          <a:p>
-            <a:r>
-              <a:rPr lang="en-US" dirty="0" smtClean="0"/>
-              <a:t>“Virtualization turns hardware into software.”</a:t>
-            </a:r>
-          </a:p>
-          <a:p>
-            <a:pPr lvl="1"/>
-            <a:r>
-              <a:rPr lang="en-US" dirty="0" smtClean="0"/>
-              <a:t>Allows us to run multiple operating systems and stacks of applications on a single physical server</a:t>
-            </a:r>
-          </a:p>
-          <a:p>
-            <a:pPr lvl="1"/>
-            <a:r>
-              <a:rPr lang="en-US" dirty="0" smtClean="0"/>
-              <a:t>Multiple stacks have logical partitions from a process, memory, and networking perspective</a:t>
-            </a:r>
-          </a:p>
-          <a:p>
-            <a:endParaRPr lang="en-US" dirty="0" smtClean="0"/>
-          </a:p>
-          <a:p>
-            <a:endParaRPr lang="en-US" dirty="0" smtClean="0"/>
-          </a:p>
-          <a:p>
-            <a:endParaRPr lang="en-US" dirty="0"/>
-          </a:p>
-          <a:p>
-            <a:endParaRPr lang="en-US" dirty="0" smtClean="0"/>
-          </a:p>
-          <a:p>
-            <a:endParaRPr lang="en-US" dirty="0"/>
-          </a:p>
-          <a:p>
-            <a:pPr marL="0" indent="0">
-              <a:buNone/>
-            </a:pPr>
-            <a:endParaRPr lang="en-US" dirty="0"/>
-          </a:p>
-          <a:p>
-            <a:endParaRPr lang="en-US" dirty="0" smtClean="0"/>
-          </a:p>
-        </p:txBody>
-      </p:sp>
-    </p:spTree>
-    <p:extLst>
-      <p:ext uri="{BB962C8B-B14F-4D97-AF65-F5344CB8AC3E}">
-        <p14:creationId xmlns:p14="http://schemas.microsoft.com/office/powerpoint/2010/main" val="4270857555"/>
-      </p:ext>
-    </p:extLst>
-  </p:cSld>
-  <p:clrMapOvr>
-    <a:masterClrMapping/>
-  </p:clrMapOvr>
-</p:sld>
-</file>
-
 <file path=ppt/slides/slide3.xml><?xml version="1.0" encoding="utf-8"?>
 <p:sld xmlns:a="http://schemas.openxmlformats.org/drawingml/2006/main" xmlns:r="http://schemas.openxmlformats.org/officeDocument/2006/relationships" xmlns:p="http://schemas.openxmlformats.org/presentationml/2006/main">
   <p:cSld>
@@ -6440,57 +6271,61 @@
         </p:spPr>
         <p:txBody>
           <a:bodyPr>
-            <a:normAutofit/>
+            <a:normAutofit fontScale="85000" lnSpcReduction="10000"/>
           </a:bodyPr>
           <a:lstStyle/>
           <a:p>
             <a:r>
               <a:rPr lang="en-US" dirty="0" smtClean="0"/>
-              <a:t>4 things that gave rise to server-based virtualization:</a:t>
-            </a:r>
-          </a:p>
-          <a:p>
-            <a:pPr lvl="1"/>
-            <a:r>
-              <a:rPr lang="en-US" dirty="0" smtClean="0"/>
-              <a:t>Faster, multi-socket CPU boards</a:t>
-            </a:r>
-          </a:p>
-          <a:p>
-            <a:pPr lvl="2"/>
-            <a:r>
-              <a:rPr lang="en-US" dirty="0" smtClean="0"/>
-              <a:t>Powerful old mainframes supported virtualization, but Intel/AMD-based servers were not powerful enough until late 90’s. </a:t>
-            </a:r>
-          </a:p>
-          <a:p>
-            <a:pPr lvl="1"/>
-            <a:r>
-              <a:rPr lang="en-US" dirty="0" smtClean="0"/>
-              <a:t>Faster, cheaper memory</a:t>
-            </a:r>
-          </a:p>
-          <a:p>
-            <a:pPr lvl="1"/>
-            <a:r>
-              <a:rPr lang="en-US" dirty="0" smtClean="0"/>
-              <a:t>Faster network storage (NAS/Fiber-channel)</a:t>
-            </a:r>
-          </a:p>
-          <a:p>
-            <a:pPr lvl="1"/>
-            <a:r>
-              <a:rPr lang="en-US" dirty="0" smtClean="0"/>
-              <a:t>Development of </a:t>
+              <a:t>Problem: It’s hard for IT organizations to determine the right-size server to support a required stack</a:t>
+            </a:r>
+          </a:p>
+          <a:p>
+            <a:pPr lvl="1"/>
+            <a:r>
+              <a:rPr lang="en-US" dirty="0" smtClean="0"/>
+              <a:t>How much CPU, memory, and network?</a:t>
+            </a:r>
+          </a:p>
+          <a:p>
+            <a:pPr lvl="1"/>
+            <a:r>
+              <a:rPr lang="en-US" dirty="0" smtClean="0"/>
+              <a:t>Selected server is either going to be oversized or undersized</a:t>
+            </a:r>
+          </a:p>
+          <a:p>
+            <a:pPr lvl="1"/>
+            <a:r>
+              <a:rPr lang="en-US" dirty="0" smtClean="0"/>
+              <a:t>Common to see servers with 10% Avg. </a:t>
             </a:r>
             <a:r>
               <a:rPr lang="en-US" dirty="0" err="1" smtClean="0"/>
-              <a:t>VMWare</a:t>
-            </a:r>
-            <a:r>
-              <a:rPr lang="en-US" dirty="0" smtClean="0"/>
-              <a:t> software</a:t>
-            </a:r>
+              <a:t>CPUutilization</a:t>
+            </a:r>
+            <a:r>
+              <a:rPr lang="en-US" dirty="0" smtClean="0"/>
+              <a:t>, 90% of system capacity wasted!</a:t>
+            </a:r>
+          </a:p>
+          <a:p>
+            <a:pPr lvl="1"/>
+            <a:endParaRPr lang="en-US" dirty="0" smtClean="0"/>
+          </a:p>
+          <a:p>
+            <a:r>
+              <a:rPr lang="en-US" dirty="0" smtClean="0"/>
+              <a:t>Problem: What happens when IT needs to move or upgrade stack to a bigger server?</a:t>
+            </a:r>
+          </a:p>
+          <a:p>
+            <a:pPr lvl="1"/>
+            <a:r>
+              <a:rPr lang="en-US" dirty="0" smtClean="0"/>
+              <a:t>Painful process of building new server, installing applications and moving data (forklift upgrade)</a:t>
+            </a:r>
+            <a:endParaRPr lang="en-US" dirty="0"/>
           </a:p>
           <a:p>
             <a:endParaRPr lang="en-US" dirty="0" smtClean="0"/>
@@ -6518,7 +6353,7 @@
     </p:spTree>
     <p:extLst>
       <p:ext uri="{BB962C8B-B14F-4D97-AF65-F5344CB8AC3E}">
-        <p14:creationId xmlns:p14="http://schemas.microsoft.com/office/powerpoint/2010/main" val="1840026850"/>
+        <p14:creationId xmlns:p14="http://schemas.microsoft.com/office/powerpoint/2010/main" val="3877920237"/>
       </p:ext>
     </p:extLst>
   </p:cSld>
@@ -6564,7 +6399,7 @@
           <a:p>
             <a:r>
               <a:rPr lang="en-US" dirty="0" smtClean="0"/>
-              <a:t>Virtualization solves problems</a:t>
+              <a:t>Virtualization</a:t>
             </a:r>
             <a:endParaRPr lang="en-US" dirty="0"/>
           </a:p>
@@ -6594,43 +6429,35 @@
           <a:p>
             <a:r>
               <a:rPr lang="en-US" dirty="0" smtClean="0"/>
-              <a:t>Virtualization allows multiple stacks to run on one physical machine</a:t>
-            </a:r>
-          </a:p>
-          <a:p>
-            <a:pPr lvl="1"/>
-            <a:r>
-              <a:rPr lang="en-US" dirty="0" smtClean="0"/>
-              <a:t>Increases average resource utilization from 10% to 80-90%</a:t>
-            </a:r>
-          </a:p>
-          <a:p>
-            <a:pPr lvl="1"/>
-            <a:r>
-              <a:rPr lang="en-US" dirty="0" smtClean="0"/>
-              <a:t>Reduces physical footprint of servers</a:t>
-            </a:r>
-          </a:p>
-          <a:p>
-            <a:pPr lvl="1"/>
-            <a:r>
-              <a:rPr lang="en-US" dirty="0" smtClean="0"/>
-              <a:t>Greener approach</a:t>
-            </a:r>
-          </a:p>
-          <a:p>
-            <a:pPr lvl="1"/>
-            <a:r>
-              <a:rPr lang="en-US" dirty="0" smtClean="0"/>
-              <a:t>Sometimes we call this phenomenon </a:t>
-            </a:r>
-            <a:r>
-              <a:rPr lang="en-US" i="1" dirty="0" smtClean="0"/>
-              <a:t>server compression</a:t>
-            </a:r>
-          </a:p>
-          <a:p>
-            <a:pPr lvl="1"/>
+              <a:t>Problem: How does IT partition one customer from another?</a:t>
+            </a:r>
+          </a:p>
+          <a:p>
+            <a:pPr lvl="1"/>
+            <a:r>
+              <a:rPr lang="en-US" dirty="0" smtClean="0"/>
+              <a:t>Just buy another server </a:t>
+            </a:r>
+            <a:r>
+              <a:rPr lang="en-US" dirty="0" smtClean="0">
+                <a:sym typeface="Wingdings"/>
+              </a:rPr>
+              <a:t></a:t>
+            </a:r>
+          </a:p>
+          <a:p>
+            <a:pPr lvl="1"/>
+            <a:r>
+              <a:rPr lang="en-US" dirty="0" smtClean="0">
+                <a:sym typeface="Wingdings"/>
+              </a:rPr>
+              <a:t>Expensive to scale when every stack needs a separate physical server</a:t>
+            </a:r>
+          </a:p>
+          <a:p>
+            <a:endParaRPr lang="en-US" dirty="0" smtClean="0"/>
+          </a:p>
+          <a:p>
             <a:endParaRPr lang="en-US" dirty="0" smtClean="0"/>
           </a:p>
           <a:p>
@@ -6656,7 +6483,7 @@
     </p:spTree>
     <p:extLst>
       <p:ext uri="{BB962C8B-B14F-4D97-AF65-F5344CB8AC3E}">
-        <p14:creationId xmlns:p14="http://schemas.microsoft.com/office/powerpoint/2010/main" val="370587444"/>
+        <p14:creationId xmlns:p14="http://schemas.microsoft.com/office/powerpoint/2010/main" val="3417819335"/>
       </p:ext>
     </p:extLst>
   </p:cSld>
@@ -6702,7 +6529,7 @@
           <a:p>
             <a:r>
               <a:rPr lang="en-US" dirty="0" smtClean="0"/>
-              <a:t>Virtualization solves problems</a:t>
+              <a:t>Virtualization</a:t>
             </a:r>
             <a:endParaRPr lang="en-US" dirty="0"/>
           </a:p>
@@ -6726,34 +6553,54 @@
         </p:spPr>
         <p:txBody>
           <a:bodyPr>
-            <a:normAutofit/>
+            <a:normAutofit fontScale="92500" lnSpcReduction="20000"/>
           </a:bodyPr>
           <a:lstStyle/>
           <a:p>
             <a:r>
               <a:rPr lang="en-US" dirty="0" smtClean="0"/>
-              <a:t>Servers are turned into software</a:t>
-            </a:r>
-          </a:p>
-          <a:p>
-            <a:pPr lvl="1"/>
-            <a:r>
-              <a:rPr lang="en-US" dirty="0" smtClean="0"/>
-              <a:t>It’s easier to move software around</a:t>
-            </a:r>
-          </a:p>
-          <a:p>
-            <a:pPr lvl="1"/>
-            <a:r>
-              <a:rPr lang="en-US" dirty="0" smtClean="0"/>
-              <a:t>Easy to move a stack from an older physical server to a newer physical server</a:t>
-            </a:r>
-          </a:p>
-          <a:p>
-            <a:r>
-              <a:rPr lang="en-US" dirty="0" smtClean="0"/>
-              <a:t>No need to purchase a separate server for each customer because virtualization provides partitioning.</a:t>
-            </a:r>
+              <a:t>Computers basically just execute code statements and address memory</a:t>
+            </a:r>
+          </a:p>
+          <a:p>
+            <a:pPr lvl="1"/>
+            <a:r>
+              <a:rPr lang="en-US" dirty="0" smtClean="0"/>
+              <a:t>Manipulating memory in the right patterns and sequences allows us to create operating systems and applications</a:t>
+            </a:r>
+          </a:p>
+          <a:p>
+            <a:pPr lvl="1"/>
+            <a:r>
+              <a:rPr lang="en-US" dirty="0" smtClean="0"/>
+              <a:t>Program code can be designed to emulate a physical computer</a:t>
+            </a:r>
+          </a:p>
+          <a:p>
+            <a:r>
+              <a:rPr lang="en-US" dirty="0" smtClean="0"/>
+              <a:t>“Virtualization turns hardware into software.”</a:t>
+            </a:r>
+          </a:p>
+          <a:p>
+            <a:pPr lvl="1"/>
+            <a:r>
+              <a:rPr lang="en-US" dirty="0" smtClean="0"/>
+              <a:t>Allows us to run multiple operating systems and stacks of applications on a single physical server</a:t>
+            </a:r>
+          </a:p>
+          <a:p>
+            <a:pPr lvl="1"/>
+            <a:r>
+              <a:rPr lang="en-US" dirty="0" smtClean="0"/>
+              <a:t>Multiple stacks have logical partitions from a process, memory, and networking perspective</a:t>
+            </a:r>
+          </a:p>
+          <a:p>
+            <a:endParaRPr lang="en-US" dirty="0" smtClean="0"/>
+          </a:p>
+          <a:p>
+            <a:endParaRPr lang="en-US" dirty="0" smtClean="0"/>
           </a:p>
           <a:p>
             <a:endParaRPr lang="en-US" dirty="0"/>
@@ -6778,7 +6625,7 @@
     </p:spTree>
     <p:extLst>
       <p:ext uri="{BB962C8B-B14F-4D97-AF65-F5344CB8AC3E}">
-        <p14:creationId xmlns:p14="http://schemas.microsoft.com/office/powerpoint/2010/main" val="2273451257"/>
+        <p14:creationId xmlns:p14="http://schemas.microsoft.com/office/powerpoint/2010/main" val="4270857555"/>
       </p:ext>
     </p:extLst>
   </p:cSld>
@@ -6824,7 +6671,7 @@
           <a:p>
             <a:r>
               <a:rPr lang="en-US" dirty="0" smtClean="0"/>
-              <a:t>Virtualization Types</a:t>
+              <a:t>Virtualization</a:t>
             </a:r>
             <a:endParaRPr lang="en-US" dirty="0"/>
           </a:p>
@@ -6848,49 +6695,60 @@
         </p:spPr>
         <p:txBody>
           <a:bodyPr>
-            <a:normAutofit fontScale="92500" lnSpcReduction="10000"/>
+            <a:normAutofit/>
           </a:bodyPr>
           <a:lstStyle/>
           <a:p>
             <a:r>
               <a:rPr lang="en-US" dirty="0" smtClean="0"/>
-              <a:t>First, some definitions:</a:t>
-            </a:r>
-          </a:p>
-          <a:p>
-            <a:pPr lvl="1"/>
-            <a:r>
-              <a:rPr lang="en-US" dirty="0" smtClean="0"/>
-              <a:t>Host machine: physical server that supports multiple stacks</a:t>
-            </a:r>
-          </a:p>
-          <a:p>
-            <a:pPr lvl="1"/>
-            <a:r>
-              <a:rPr lang="en-US" dirty="0" smtClean="0"/>
-              <a:t>Virtual machine: virtualized server instance running on a host machine (also known as an instance)</a:t>
-            </a:r>
-          </a:p>
-          <a:p>
-            <a:pPr lvl="1"/>
-            <a:r>
-              <a:rPr lang="en-US" dirty="0" smtClean="0"/>
-              <a:t>Host OS: operating system running on a bare-metal server</a:t>
-            </a:r>
-          </a:p>
-          <a:p>
-            <a:pPr lvl="1"/>
-            <a:r>
-              <a:rPr lang="en-US" dirty="0" smtClean="0"/>
-              <a:t>Guest OS: operating system running on a virtual machine</a:t>
-            </a:r>
-          </a:p>
-          <a:p>
-            <a:pPr lvl="1"/>
-            <a:r>
-              <a:rPr lang="en-US" dirty="0" smtClean="0"/>
-              <a:t>Hypervisor: Software that emulates and manages the communication between virtual machines and the physical server</a:t>
-            </a:r>
+              <a:t>4 things that gave rise to server-based virtualization:</a:t>
+            </a:r>
+          </a:p>
+          <a:p>
+            <a:pPr lvl="1"/>
+            <a:r>
+              <a:rPr lang="en-US" dirty="0" smtClean="0"/>
+              <a:t>Faster, multi-socket CPU boards</a:t>
+            </a:r>
+          </a:p>
+          <a:p>
+            <a:pPr lvl="2"/>
+            <a:r>
+              <a:rPr lang="en-US" dirty="0" smtClean="0"/>
+              <a:t>Powerful old mainframes supported virtualization, but Intel/AMD-based servers were not powerful enough until late 90’s. </a:t>
+            </a:r>
+          </a:p>
+          <a:p>
+            <a:pPr lvl="1"/>
+            <a:r>
+              <a:rPr lang="en-US" dirty="0" smtClean="0"/>
+              <a:t>Faster, cheaper memory</a:t>
+            </a:r>
+          </a:p>
+          <a:p>
+            <a:pPr lvl="1"/>
+            <a:r>
+              <a:rPr lang="en-US" dirty="0" smtClean="0"/>
+              <a:t>Faster network storage (NAS/Fiber-channel)</a:t>
+            </a:r>
+          </a:p>
+          <a:p>
+            <a:pPr lvl="1"/>
+            <a:r>
+              <a:rPr lang="en-US" dirty="0" smtClean="0"/>
+              <a:t>Development of </a:t>
+            </a:r>
+            <a:r>
+              <a:rPr lang="en-US" dirty="0" err="1" smtClean="0"/>
+              <a:t>VMWare</a:t>
+            </a:r>
+            <a:r>
+              <a:rPr lang="en-US" dirty="0" smtClean="0"/>
+              <a:t> software</a:t>
+            </a:r>
+          </a:p>
+          <a:p>
+            <a:endParaRPr lang="en-US" dirty="0" smtClean="0"/>
           </a:p>
           <a:p>
             <a:endParaRPr lang="en-US" dirty="0"/>
@@ -6915,7 +6773,7 @@
     </p:spTree>
     <p:extLst>
       <p:ext uri="{BB962C8B-B14F-4D97-AF65-F5344CB8AC3E}">
-        <p14:creationId xmlns:p14="http://schemas.microsoft.com/office/powerpoint/2010/main" val="3992047205"/>
+        <p14:creationId xmlns:p14="http://schemas.microsoft.com/office/powerpoint/2010/main" val="1840026850"/>
       </p:ext>
     </p:extLst>
   </p:cSld>
@@ -6961,7 +6819,7 @@
           <a:p>
             <a:r>
               <a:rPr lang="en-US" dirty="0" smtClean="0"/>
-              <a:t>Virtualization Types</a:t>
+              <a:t>Virtualization solves problems</a:t>
             </a:r>
             <a:endParaRPr lang="en-US" dirty="0"/>
           </a:p>
@@ -6991,61 +6849,46 @@
           <a:p>
             <a:r>
               <a:rPr lang="en-US" dirty="0" smtClean="0"/>
-              <a:t>Hardware virtualization</a:t>
-            </a:r>
-          </a:p>
-          <a:p>
-            <a:pPr lvl="1"/>
-            <a:r>
-              <a:rPr lang="en-US" dirty="0" smtClean="0"/>
-              <a:t>Part of physical server dedicated to a specific stack</a:t>
-            </a:r>
-          </a:p>
-          <a:p>
-            <a:pPr lvl="1"/>
-            <a:r>
-              <a:rPr lang="en-US" dirty="0" smtClean="0"/>
-              <a:t>Big expensive mainframe-type systems</a:t>
-            </a:r>
-          </a:p>
-          <a:p>
-            <a:r>
-              <a:rPr lang="en-US" dirty="0" smtClean="0"/>
-              <a:t>Software virtualization</a:t>
-            </a:r>
-          </a:p>
-          <a:p>
-            <a:pPr lvl="1"/>
-            <a:r>
-              <a:rPr lang="en-US" dirty="0" smtClean="0"/>
-              <a:t>Type 1 Hypervisor</a:t>
-            </a:r>
-          </a:p>
-          <a:p>
-            <a:pPr lvl="2"/>
-            <a:r>
-              <a:rPr lang="en-US" dirty="0" smtClean="0"/>
-              <a:t>Runs on top of the bare-metal server and sits between hardware and operating systems in the stacks</a:t>
-            </a:r>
-          </a:p>
-          <a:p>
-            <a:pPr lvl="2"/>
-            <a:r>
-              <a:rPr lang="en-US" dirty="0" smtClean="0"/>
-              <a:t>Examples: </a:t>
-            </a:r>
-            <a:r>
-              <a:rPr lang="en-US" dirty="0" err="1" smtClean="0"/>
-              <a:t>VMWare</a:t>
-            </a:r>
-            <a:r>
-              <a:rPr lang="en-US" dirty="0" smtClean="0"/>
-              <a:t> ESX, Microsoft Virtual Server, </a:t>
-            </a:r>
-            <a:r>
-              <a:rPr lang="en-US" dirty="0" err="1" smtClean="0"/>
-              <a:t>Xen</a:t>
-            </a:r>
+              <a:t>Virtualization allows multiple stacks to run on one physical machine</a:t>
+            </a:r>
+          </a:p>
+          <a:p>
+            <a:pPr lvl="1"/>
+            <a:r>
+              <a:rPr lang="en-US" dirty="0" smtClean="0"/>
+              <a:t>Increases average resource utilization from 10% to 80-90%</a:t>
+            </a:r>
+          </a:p>
+          <a:p>
+            <a:pPr lvl="1"/>
+            <a:r>
+              <a:rPr lang="en-US" dirty="0" smtClean="0"/>
+              <a:t>Reduces physical footprint of servers</a:t>
+            </a:r>
+          </a:p>
+          <a:p>
+            <a:pPr lvl="1"/>
+            <a:r>
+              <a:rPr lang="en-US" dirty="0" smtClean="0"/>
+              <a:t>Greener approach</a:t>
+            </a:r>
+          </a:p>
+          <a:p>
+            <a:pPr lvl="1"/>
+            <a:r>
+              <a:rPr lang="en-US" dirty="0" smtClean="0"/>
+              <a:t>Sometimes we call this phenomenon </a:t>
+            </a:r>
+            <a:r>
+              <a:rPr lang="en-US" i="1" dirty="0" smtClean="0"/>
+              <a:t>server compression</a:t>
+            </a:r>
+          </a:p>
+          <a:p>
+            <a:pPr lvl="1"/>
+            <a:endParaRPr lang="en-US" dirty="0" smtClean="0"/>
+          </a:p>
+          <a:p>
             <a:endParaRPr lang="en-US" dirty="0"/>
           </a:p>
           <a:p>
@@ -7068,7 +6911,7 @@
     </p:spTree>
     <p:extLst>
       <p:ext uri="{BB962C8B-B14F-4D97-AF65-F5344CB8AC3E}">
-        <p14:creationId xmlns:p14="http://schemas.microsoft.com/office/powerpoint/2010/main" val="4033828629"/>
+        <p14:creationId xmlns:p14="http://schemas.microsoft.com/office/powerpoint/2010/main" val="370587444"/>
       </p:ext>
     </p:extLst>
   </p:cSld>
@@ -7114,7 +6957,7 @@
           <a:p>
             <a:r>
               <a:rPr lang="en-US" dirty="0" smtClean="0"/>
-              <a:t>Virtualization Types</a:t>
+              <a:t>Virtualization solves problems</a:t>
             </a:r>
             <a:endParaRPr lang="en-US" dirty="0"/>
           </a:p>
@@ -7138,146 +6981,59 @@
         </p:spPr>
         <p:txBody>
           <a:bodyPr>
-            <a:normAutofit fontScale="92500"/>
+            <a:normAutofit/>
           </a:bodyPr>
           <a:lstStyle/>
           <a:p>
-            <a:pPr lvl="1"/>
-            <a:r>
-              <a:rPr lang="en-US" dirty="0" smtClean="0"/>
-              <a:t>Type 2 Hypervisor</a:t>
-            </a:r>
-          </a:p>
-          <a:p>
-            <a:pPr lvl="2"/>
-            <a:r>
-              <a:rPr lang="en-US" dirty="0" smtClean="0"/>
-              <a:t>Runs on top of an operating system</a:t>
-            </a:r>
-          </a:p>
-          <a:p>
-            <a:pPr lvl="2"/>
-            <a:r>
-              <a:rPr lang="en-US" dirty="0" smtClean="0"/>
-              <a:t>Easy installation</a:t>
-            </a:r>
-          </a:p>
-          <a:p>
-            <a:pPr lvl="2"/>
-            <a:r>
-              <a:rPr lang="en-US" dirty="0" smtClean="0"/>
-              <a:t>Example: Oracle </a:t>
-            </a:r>
-            <a:r>
-              <a:rPr lang="en-US" dirty="0" err="1" smtClean="0"/>
-              <a:t>VirtualBox</a:t>
-            </a:r>
-            <a:r>
-              <a:rPr lang="en-US" dirty="0" smtClean="0"/>
-              <a:t>, </a:t>
-            </a:r>
-            <a:r>
-              <a:rPr lang="en-US" dirty="0" err="1" smtClean="0"/>
-              <a:t>VMWare</a:t>
-            </a:r>
-            <a:r>
-              <a:rPr lang="en-US" dirty="0" smtClean="0"/>
-              <a:t> Fusion</a:t>
-            </a:r>
-            <a:endParaRPr lang="en-US" dirty="0"/>
-          </a:p>
-          <a:p>
-            <a:pPr lvl="1"/>
-            <a:r>
-              <a:rPr lang="en-US" dirty="0" smtClean="0"/>
-              <a:t>Type 1 vs. Type 2</a:t>
-            </a:r>
-          </a:p>
-          <a:p>
-            <a:pPr lvl="2"/>
-            <a:r>
-              <a:rPr lang="en-US" dirty="0" smtClean="0"/>
-              <a:t>Type 1 provides higher performance &amp; security</a:t>
-            </a:r>
-          </a:p>
-          <a:p>
-            <a:pPr lvl="1"/>
-            <a:r>
-              <a:rPr lang="en-US" dirty="0" smtClean="0"/>
-              <a:t>Full virtualization vs. </a:t>
-            </a:r>
-            <a:r>
-              <a:rPr lang="en-US" dirty="0" err="1" smtClean="0"/>
-              <a:t>Paravirtualization</a:t>
-            </a:r>
+            <a:r>
+              <a:rPr lang="en-US" dirty="0" smtClean="0"/>
+              <a:t>Servers are turned into software</a:t>
+            </a:r>
+          </a:p>
+          <a:p>
+            <a:pPr lvl="1"/>
+            <a:r>
+              <a:rPr lang="en-US" dirty="0" smtClean="0"/>
+              <a:t>It’s easier to move software around</a:t>
+            </a:r>
+          </a:p>
+          <a:p>
+            <a:pPr lvl="1"/>
+            <a:r>
+              <a:rPr lang="en-US" dirty="0" smtClean="0"/>
+              <a:t>Easy to move a stack from an older physical server to a newer physical server</a:t>
+            </a:r>
+          </a:p>
+          <a:p>
+            <a:r>
+              <a:rPr lang="en-US" dirty="0" smtClean="0"/>
+              <a:t>No need to purchase a separate server for each customer because virtualization provides partitioning.</a:t>
+            </a:r>
+          </a:p>
+          <a:p>
+            <a:endParaRPr lang="en-US" dirty="0"/>
+          </a:p>
+          <a:p>
             <a:endParaRPr lang="en-US" dirty="0" smtClean="0"/>
           </a:p>
           <a:p>
-            <a:pPr lvl="2"/>
-            <a:r>
-              <a:rPr lang="en-US" dirty="0" smtClean="0"/>
-              <a:t>Full virtualization = guest operating systems are not “aware” that they are being virtualized</a:t>
-            </a:r>
-          </a:p>
-          <a:p>
-            <a:pPr lvl="2"/>
-            <a:r>
-              <a:rPr lang="en-US" dirty="0" smtClean="0"/>
-              <a:t>Para virtualization = guest operating system are “aware” of virtualization and have special kernel modifications (better performance than full virtualization)</a:t>
-            </a:r>
-          </a:p>
-          <a:p>
-            <a:pPr lvl="1"/>
+            <a:endParaRPr lang="en-US" dirty="0"/>
+          </a:p>
+          <a:p>
+            <a:pPr marL="0" indent="0">
+              <a:buNone/>
+            </a:pPr>
+            <a:endParaRPr lang="en-US" dirty="0"/>
+          </a:p>
+          <a:p>
             <a:endParaRPr lang="en-US" dirty="0" smtClean="0"/>
-          </a:p>
-          <a:p>
-            <a:pPr lvl="2"/>
-            <a:endParaRPr lang="en-US" dirty="0" smtClean="0"/>
-          </a:p>
-          <a:p>
-            <a:endParaRPr lang="en-US" dirty="0"/>
-          </a:p>
-          <a:p>
-            <a:pPr marL="0" indent="0">
-              <a:buNone/>
-            </a:pPr>
-            <a:endParaRPr lang="en-US" dirty="0"/>
-          </a:p>
-          <a:p>
-            <a:endParaRPr lang="en-US" dirty="0" smtClean="0"/>
-          </a:p>
-        </p:txBody>
-      </p:sp>
-      <p:sp>
-        <p:nvSpPr>
-          <p:cNvPr id="4" name="TextBox 3"/>
-          <p:cNvSpPr txBox="1"/>
-          <p:nvPr/>
-        </p:nvSpPr>
-        <p:spPr>
-          <a:xfrm>
-            <a:off x="3561365" y="4268655"/>
-            <a:ext cx="184666" cy="369332"/>
-          </a:xfrm>
-          <a:prstGeom prst="rect">
-            <a:avLst/>
-          </a:prstGeom>
-          <a:noFill/>
-        </p:spPr>
-        <p:txBody>
-          <a:bodyPr wrap="none" rtlCol="0">
-            <a:spAutoFit/>
-          </a:bodyPr>
-          <a:lstStyle/>
-          <a:p>
-            <a:endParaRPr lang="en-US" dirty="0"/>
           </a:p>
         </p:txBody>
       </p:sp>
     </p:spTree>
     <p:extLst>
       <p:ext uri="{BB962C8B-B14F-4D97-AF65-F5344CB8AC3E}">
-        <p14:creationId xmlns:p14="http://schemas.microsoft.com/office/powerpoint/2010/main" val="2526346320"/>
+        <p14:creationId xmlns:p14="http://schemas.microsoft.com/office/powerpoint/2010/main" val="2273451257"/>
       </p:ext>
     </p:extLst>
   </p:cSld>
@@ -7347,6 +7103,505 @@
         </p:spPr>
         <p:txBody>
           <a:bodyPr>
+            <a:normAutofit fontScale="92500" lnSpcReduction="10000"/>
+          </a:bodyPr>
+          <a:lstStyle/>
+          <a:p>
+            <a:r>
+              <a:rPr lang="en-US" dirty="0" smtClean="0"/>
+              <a:t>First, some definitions:</a:t>
+            </a:r>
+          </a:p>
+          <a:p>
+            <a:pPr lvl="1"/>
+            <a:r>
+              <a:rPr lang="en-US" dirty="0" smtClean="0"/>
+              <a:t>Host machine: physical server that supports multiple stacks</a:t>
+            </a:r>
+          </a:p>
+          <a:p>
+            <a:pPr lvl="1"/>
+            <a:r>
+              <a:rPr lang="en-US" dirty="0" smtClean="0"/>
+              <a:t>Virtual machine: virtualized server instance running on a host machine (also known as an instance)</a:t>
+            </a:r>
+          </a:p>
+          <a:p>
+            <a:pPr lvl="1"/>
+            <a:r>
+              <a:rPr lang="en-US" dirty="0" smtClean="0"/>
+              <a:t>Host OS: operating system running on a bare-metal server</a:t>
+            </a:r>
+          </a:p>
+          <a:p>
+            <a:pPr lvl="1"/>
+            <a:r>
+              <a:rPr lang="en-US" dirty="0" smtClean="0"/>
+              <a:t>Guest OS: operating system running on a virtual machine</a:t>
+            </a:r>
+          </a:p>
+          <a:p>
+            <a:pPr lvl="1"/>
+            <a:r>
+              <a:rPr lang="en-US" dirty="0" smtClean="0"/>
+              <a:t>Hypervisor: Software that emulates and manages the communication between virtual machines and the physical server</a:t>
+            </a:r>
+          </a:p>
+          <a:p>
+            <a:endParaRPr lang="en-US" dirty="0"/>
+          </a:p>
+          <a:p>
+            <a:endParaRPr lang="en-US" dirty="0" smtClean="0"/>
+          </a:p>
+          <a:p>
+            <a:endParaRPr lang="en-US" dirty="0"/>
+          </a:p>
+          <a:p>
+            <a:pPr marL="0" indent="0">
+              <a:buNone/>
+            </a:pPr>
+            <a:endParaRPr lang="en-US" dirty="0"/>
+          </a:p>
+          <a:p>
+            <a:endParaRPr lang="en-US" dirty="0" smtClean="0"/>
+          </a:p>
+        </p:txBody>
+      </p:sp>
+    </p:spTree>
+    <p:extLst>
+      <p:ext uri="{BB962C8B-B14F-4D97-AF65-F5344CB8AC3E}">
+        <p14:creationId xmlns:p14="http://schemas.microsoft.com/office/powerpoint/2010/main" val="3992047205"/>
+      </p:ext>
+    </p:extLst>
+  </p:cSld>
+  <p:clrMapOvr>
+    <a:masterClrMapping/>
+  </p:clrMapOvr>
+</p:sld>
+</file>
+
+<file path=ppt/slides/slide37.xml><?xml version="1.0" encoding="utf-8"?>
+<p:sld xmlns:a="http://schemas.openxmlformats.org/drawingml/2006/main" xmlns:r="http://schemas.openxmlformats.org/officeDocument/2006/relationships" xmlns:p="http://schemas.openxmlformats.org/presentationml/2006/main">
+  <p:cSld>
+    <p:spTree>
+      <p:nvGrpSpPr>
+        <p:cNvPr id="1" name=""/>
+        <p:cNvGrpSpPr/>
+        <p:nvPr/>
+      </p:nvGrpSpPr>
+      <p:grpSpPr>
+        <a:xfrm>
+          <a:off x="0" y="0"/>
+          <a:ext cx="0" cy="0"/>
+          <a:chOff x="0" y="0"/>
+          <a:chExt cx="0" cy="0"/>
+        </a:xfrm>
+      </p:grpSpPr>
+      <p:sp>
+        <p:nvSpPr>
+          <p:cNvPr id="2" name="Title 1"/>
+          <p:cNvSpPr>
+            <a:spLocks noGrp="1"/>
+          </p:cNvSpPr>
+          <p:nvPr>
+            <p:ph type="title"/>
+          </p:nvPr>
+        </p:nvSpPr>
+        <p:spPr/>
+        <p:txBody>
+          <a:bodyPr>
+            <a:normAutofit/>
+          </a:bodyPr>
+          <a:lstStyle/>
+          <a:p>
+            <a:r>
+              <a:rPr lang="en-US" dirty="0" smtClean="0"/>
+              <a:t>Virtualization Types</a:t>
+            </a:r>
+            <a:endParaRPr lang="en-US" dirty="0"/>
+          </a:p>
+        </p:txBody>
+      </p:sp>
+      <p:sp>
+        <p:nvSpPr>
+          <p:cNvPr id="3" name="Content Placeholder 2"/>
+          <p:cNvSpPr>
+            <a:spLocks noGrp="1"/>
+          </p:cNvSpPr>
+          <p:nvPr>
+            <p:ph idx="1"/>
+          </p:nvPr>
+        </p:nvSpPr>
+        <p:spPr>
+          <a:xfrm>
+            <a:off x="457200" y="1600200"/>
+            <a:ext cx="8229600" cy="4920629"/>
+          </a:xfrm>
+        </p:spPr>
+        <p:txBody>
+          <a:bodyPr>
+            <a:normAutofit/>
+          </a:bodyPr>
+          <a:lstStyle/>
+          <a:p>
+            <a:r>
+              <a:rPr lang="en-US" dirty="0" smtClean="0"/>
+              <a:t>Hardware virtualization</a:t>
+            </a:r>
+          </a:p>
+          <a:p>
+            <a:pPr lvl="1"/>
+            <a:r>
+              <a:rPr lang="en-US" dirty="0" smtClean="0"/>
+              <a:t>Part of physical server dedicated to a specific stack</a:t>
+            </a:r>
+          </a:p>
+          <a:p>
+            <a:pPr lvl="1"/>
+            <a:r>
+              <a:rPr lang="en-US" dirty="0" smtClean="0"/>
+              <a:t>Big expensive mainframe-type systems</a:t>
+            </a:r>
+          </a:p>
+          <a:p>
+            <a:r>
+              <a:rPr lang="en-US" dirty="0" smtClean="0"/>
+              <a:t>Software virtualization</a:t>
+            </a:r>
+          </a:p>
+          <a:p>
+            <a:pPr lvl="1"/>
+            <a:r>
+              <a:rPr lang="en-US" dirty="0" smtClean="0"/>
+              <a:t>Type 1 Hypervisor</a:t>
+            </a:r>
+          </a:p>
+          <a:p>
+            <a:pPr lvl="2"/>
+            <a:r>
+              <a:rPr lang="en-US" dirty="0" smtClean="0"/>
+              <a:t>Runs on top of the bare-metal server and sits between hardware and operating systems in the stacks</a:t>
+            </a:r>
+          </a:p>
+          <a:p>
+            <a:pPr lvl="2"/>
+            <a:r>
+              <a:rPr lang="en-US" dirty="0" smtClean="0"/>
+              <a:t>Examples: </a:t>
+            </a:r>
+            <a:r>
+              <a:rPr lang="en-US" dirty="0" err="1" smtClean="0"/>
+              <a:t>VMWare</a:t>
+            </a:r>
+            <a:r>
+              <a:rPr lang="en-US" dirty="0" smtClean="0"/>
+              <a:t> ESX, Microsoft Virtual Server, </a:t>
+            </a:r>
+            <a:r>
+              <a:rPr lang="en-US" dirty="0" err="1" smtClean="0"/>
+              <a:t>Xen</a:t>
+            </a:r>
+            <a:endParaRPr lang="en-US" dirty="0"/>
+          </a:p>
+          <a:p>
+            <a:endParaRPr lang="en-US" dirty="0" smtClean="0"/>
+          </a:p>
+          <a:p>
+            <a:endParaRPr lang="en-US" dirty="0"/>
+          </a:p>
+          <a:p>
+            <a:pPr marL="0" indent="0">
+              <a:buNone/>
+            </a:pPr>
+            <a:endParaRPr lang="en-US" dirty="0"/>
+          </a:p>
+          <a:p>
+            <a:endParaRPr lang="en-US" dirty="0" smtClean="0"/>
+          </a:p>
+        </p:txBody>
+      </p:sp>
+    </p:spTree>
+    <p:extLst>
+      <p:ext uri="{BB962C8B-B14F-4D97-AF65-F5344CB8AC3E}">
+        <p14:creationId xmlns:p14="http://schemas.microsoft.com/office/powerpoint/2010/main" val="4033828629"/>
+      </p:ext>
+    </p:extLst>
+  </p:cSld>
+  <p:clrMapOvr>
+    <a:masterClrMapping/>
+  </p:clrMapOvr>
+</p:sld>
+</file>
+
+<file path=ppt/slides/slide38.xml><?xml version="1.0" encoding="utf-8"?>
+<p:sld xmlns:a="http://schemas.openxmlformats.org/drawingml/2006/main" xmlns:r="http://schemas.openxmlformats.org/officeDocument/2006/relationships" xmlns:p="http://schemas.openxmlformats.org/presentationml/2006/main">
+  <p:cSld>
+    <p:spTree>
+      <p:nvGrpSpPr>
+        <p:cNvPr id="1" name=""/>
+        <p:cNvGrpSpPr/>
+        <p:nvPr/>
+      </p:nvGrpSpPr>
+      <p:grpSpPr>
+        <a:xfrm>
+          <a:off x="0" y="0"/>
+          <a:ext cx="0" cy="0"/>
+          <a:chOff x="0" y="0"/>
+          <a:chExt cx="0" cy="0"/>
+        </a:xfrm>
+      </p:grpSpPr>
+      <p:sp>
+        <p:nvSpPr>
+          <p:cNvPr id="2" name="Title 1"/>
+          <p:cNvSpPr>
+            <a:spLocks noGrp="1"/>
+          </p:cNvSpPr>
+          <p:nvPr>
+            <p:ph type="title"/>
+          </p:nvPr>
+        </p:nvSpPr>
+        <p:spPr/>
+        <p:txBody>
+          <a:bodyPr>
+            <a:normAutofit/>
+          </a:bodyPr>
+          <a:lstStyle/>
+          <a:p>
+            <a:r>
+              <a:rPr lang="en-US" dirty="0" smtClean="0"/>
+              <a:t>Virtualization Types</a:t>
+            </a:r>
+            <a:endParaRPr lang="en-US" dirty="0"/>
+          </a:p>
+        </p:txBody>
+      </p:sp>
+      <p:sp>
+        <p:nvSpPr>
+          <p:cNvPr id="3" name="Content Placeholder 2"/>
+          <p:cNvSpPr>
+            <a:spLocks noGrp="1"/>
+          </p:cNvSpPr>
+          <p:nvPr>
+            <p:ph idx="1"/>
+          </p:nvPr>
+        </p:nvSpPr>
+        <p:spPr>
+          <a:xfrm>
+            <a:off x="457200" y="1600200"/>
+            <a:ext cx="8229600" cy="4920629"/>
+          </a:xfrm>
+        </p:spPr>
+        <p:txBody>
+          <a:bodyPr>
+            <a:normAutofit fontScale="92500"/>
+          </a:bodyPr>
+          <a:lstStyle/>
+          <a:p>
+            <a:pPr lvl="1"/>
+            <a:r>
+              <a:rPr lang="en-US" dirty="0" smtClean="0"/>
+              <a:t>Type 2 Hypervisor</a:t>
+            </a:r>
+          </a:p>
+          <a:p>
+            <a:pPr lvl="2"/>
+            <a:r>
+              <a:rPr lang="en-US" dirty="0" smtClean="0"/>
+              <a:t>Runs on top of an operating system</a:t>
+            </a:r>
+          </a:p>
+          <a:p>
+            <a:pPr lvl="2"/>
+            <a:r>
+              <a:rPr lang="en-US" dirty="0" smtClean="0"/>
+              <a:t>Easy installation</a:t>
+            </a:r>
+          </a:p>
+          <a:p>
+            <a:pPr lvl="2"/>
+            <a:r>
+              <a:rPr lang="en-US" dirty="0" smtClean="0"/>
+              <a:t>Example: Oracle </a:t>
+            </a:r>
+            <a:r>
+              <a:rPr lang="en-US" dirty="0" err="1" smtClean="0"/>
+              <a:t>VirtualBox</a:t>
+            </a:r>
+            <a:r>
+              <a:rPr lang="en-US" dirty="0" smtClean="0"/>
+              <a:t>, </a:t>
+            </a:r>
+            <a:r>
+              <a:rPr lang="en-US" dirty="0" err="1" smtClean="0"/>
+              <a:t>VMWare</a:t>
+            </a:r>
+            <a:r>
+              <a:rPr lang="en-US" dirty="0" smtClean="0"/>
+              <a:t> Fusion</a:t>
+            </a:r>
+            <a:endParaRPr lang="en-US" dirty="0"/>
+          </a:p>
+          <a:p>
+            <a:pPr lvl="1"/>
+            <a:r>
+              <a:rPr lang="en-US" dirty="0" smtClean="0"/>
+              <a:t>Type 1 vs. Type 2</a:t>
+            </a:r>
+          </a:p>
+          <a:p>
+            <a:pPr lvl="2"/>
+            <a:r>
+              <a:rPr lang="en-US" dirty="0" smtClean="0"/>
+              <a:t>Type 1 provides higher performance &amp; security</a:t>
+            </a:r>
+          </a:p>
+          <a:p>
+            <a:pPr lvl="1"/>
+            <a:r>
+              <a:rPr lang="en-US" dirty="0" smtClean="0"/>
+              <a:t>Full virtualization vs. </a:t>
+            </a:r>
+            <a:r>
+              <a:rPr lang="en-US" dirty="0" err="1" smtClean="0"/>
+              <a:t>Paravirtualization</a:t>
+            </a:r>
+            <a:endParaRPr lang="en-US" dirty="0" smtClean="0"/>
+          </a:p>
+          <a:p>
+            <a:pPr lvl="2"/>
+            <a:r>
+              <a:rPr lang="en-US" dirty="0" smtClean="0"/>
+              <a:t>Full virtualization = guest operating systems are not “aware” that they are being virtualized</a:t>
+            </a:r>
+          </a:p>
+          <a:p>
+            <a:pPr lvl="2"/>
+            <a:r>
+              <a:rPr lang="en-US" dirty="0" smtClean="0"/>
+              <a:t>Para virtualization = guest operating system are “aware” of virtualization and have special kernel modifications (better performance than full virtualization)</a:t>
+            </a:r>
+          </a:p>
+          <a:p>
+            <a:pPr lvl="1"/>
+            <a:endParaRPr lang="en-US" dirty="0" smtClean="0"/>
+          </a:p>
+          <a:p>
+            <a:pPr lvl="2"/>
+            <a:endParaRPr lang="en-US" dirty="0" smtClean="0"/>
+          </a:p>
+          <a:p>
+            <a:endParaRPr lang="en-US" dirty="0"/>
+          </a:p>
+          <a:p>
+            <a:pPr marL="0" indent="0">
+              <a:buNone/>
+            </a:pPr>
+            <a:endParaRPr lang="en-US" dirty="0"/>
+          </a:p>
+          <a:p>
+            <a:endParaRPr lang="en-US" dirty="0" smtClean="0"/>
+          </a:p>
+        </p:txBody>
+      </p:sp>
+      <p:sp>
+        <p:nvSpPr>
+          <p:cNvPr id="4" name="TextBox 3"/>
+          <p:cNvSpPr txBox="1"/>
+          <p:nvPr/>
+        </p:nvSpPr>
+        <p:spPr>
+          <a:xfrm>
+            <a:off x="3561365" y="4268655"/>
+            <a:ext cx="184666" cy="369332"/>
+          </a:xfrm>
+          <a:prstGeom prst="rect">
+            <a:avLst/>
+          </a:prstGeom>
+          <a:noFill/>
+        </p:spPr>
+        <p:txBody>
+          <a:bodyPr wrap="none" rtlCol="0">
+            <a:spAutoFit/>
+          </a:bodyPr>
+          <a:lstStyle/>
+          <a:p>
+            <a:endParaRPr lang="en-US" dirty="0"/>
+          </a:p>
+        </p:txBody>
+      </p:sp>
+    </p:spTree>
+    <p:extLst>
+      <p:ext uri="{BB962C8B-B14F-4D97-AF65-F5344CB8AC3E}">
+        <p14:creationId xmlns:p14="http://schemas.microsoft.com/office/powerpoint/2010/main" val="2526346320"/>
+      </p:ext>
+    </p:extLst>
+  </p:cSld>
+  <p:clrMapOvr>
+    <a:masterClrMapping/>
+  </p:clrMapOvr>
+</p:sld>
+</file>
+
+<file path=ppt/slides/slide39.xml><?xml version="1.0" encoding="utf-8"?>
+<p:sld xmlns:a="http://schemas.openxmlformats.org/drawingml/2006/main" xmlns:r="http://schemas.openxmlformats.org/officeDocument/2006/relationships" xmlns:p="http://schemas.openxmlformats.org/presentationml/2006/main">
+  <p:cSld>
+    <p:spTree>
+      <p:nvGrpSpPr>
+        <p:cNvPr id="1" name=""/>
+        <p:cNvGrpSpPr/>
+        <p:nvPr/>
+      </p:nvGrpSpPr>
+      <p:grpSpPr>
+        <a:xfrm>
+          <a:off x="0" y="0"/>
+          <a:ext cx="0" cy="0"/>
+          <a:chOff x="0" y="0"/>
+          <a:chExt cx="0" cy="0"/>
+        </a:xfrm>
+      </p:grpSpPr>
+      <p:sp>
+        <p:nvSpPr>
+          <p:cNvPr id="2" name="Title 1"/>
+          <p:cNvSpPr>
+            <a:spLocks noGrp="1"/>
+          </p:cNvSpPr>
+          <p:nvPr>
+            <p:ph type="title"/>
+          </p:nvPr>
+        </p:nvSpPr>
+        <p:spPr/>
+        <p:txBody>
+          <a:bodyPr>
+            <a:normAutofit/>
+          </a:bodyPr>
+          <a:lstStyle/>
+          <a:p>
+            <a:r>
+              <a:rPr lang="en-US" dirty="0" smtClean="0"/>
+              <a:t>Virtualization Types</a:t>
+            </a:r>
+            <a:endParaRPr lang="en-US" dirty="0"/>
+          </a:p>
+        </p:txBody>
+      </p:sp>
+      <p:sp>
+        <p:nvSpPr>
+          <p:cNvPr id="3" name="Content Placeholder 2"/>
+          <p:cNvSpPr>
+            <a:spLocks noGrp="1"/>
+          </p:cNvSpPr>
+          <p:nvPr>
+            <p:ph idx="1"/>
+          </p:nvPr>
+        </p:nvSpPr>
+        <p:spPr>
+          <a:xfrm>
+            <a:off x="457200" y="1600200"/>
+            <a:ext cx="8229600" cy="4920629"/>
+          </a:xfrm>
+        </p:spPr>
+        <p:txBody>
+          <a:bodyPr>
             <a:normAutofit/>
           </a:bodyPr>
           <a:lstStyle/>
@@ -7453,7 +7708,139 @@
 </p:sld>
 </file>
 
-<file path=ppt/slides/slide37.xml><?xml version="1.0" encoding="utf-8"?>
+<file path=ppt/slides/slide4.xml><?xml version="1.0" encoding="utf-8"?>
+<p:sld xmlns:a="http://schemas.openxmlformats.org/drawingml/2006/main" xmlns:r="http://schemas.openxmlformats.org/officeDocument/2006/relationships" xmlns:p="http://schemas.openxmlformats.org/presentationml/2006/main">
+  <p:cSld>
+    <p:spTree>
+      <p:nvGrpSpPr>
+        <p:cNvPr id="1" name=""/>
+        <p:cNvGrpSpPr/>
+        <p:nvPr/>
+      </p:nvGrpSpPr>
+      <p:grpSpPr>
+        <a:xfrm>
+          <a:off x="0" y="0"/>
+          <a:ext cx="0" cy="0"/>
+          <a:chOff x="0" y="0"/>
+          <a:chExt cx="0" cy="0"/>
+        </a:xfrm>
+      </p:grpSpPr>
+      <p:sp>
+        <p:nvSpPr>
+          <p:cNvPr id="2" name="Title 1"/>
+          <p:cNvSpPr>
+            <a:spLocks noGrp="1"/>
+          </p:cNvSpPr>
+          <p:nvPr>
+            <p:ph type="title"/>
+          </p:nvPr>
+        </p:nvSpPr>
+        <p:spPr/>
+        <p:txBody>
+          <a:bodyPr/>
+          <a:lstStyle/>
+          <a:p>
+            <a:r>
+              <a:rPr lang="en-US" dirty="0" smtClean="0"/>
+              <a:t>Distributed infrastructure</a:t>
+            </a:r>
+            <a:endParaRPr lang="en-US" dirty="0"/>
+          </a:p>
+        </p:txBody>
+      </p:sp>
+      <p:sp>
+        <p:nvSpPr>
+          <p:cNvPr id="3" name="Content Placeholder 2"/>
+          <p:cNvSpPr>
+            <a:spLocks noGrp="1"/>
+          </p:cNvSpPr>
+          <p:nvPr>
+            <p:ph idx="1"/>
+          </p:nvPr>
+        </p:nvSpPr>
+        <p:spPr/>
+        <p:txBody>
+          <a:bodyPr/>
+          <a:lstStyle/>
+          <a:p>
+            <a:r>
+              <a:rPr lang="en-US" dirty="0" smtClean="0"/>
+              <a:t>Let’s look at where we’ve been</a:t>
+            </a:r>
+          </a:p>
+          <a:p>
+            <a:pPr lvl="2"/>
+            <a:r>
+              <a:rPr lang="en-US" dirty="0" smtClean="0"/>
+              <a:t>Mainframes presenting applications via direct terminals</a:t>
+            </a:r>
+          </a:p>
+          <a:p>
+            <a:pPr lvl="2"/>
+            <a:r>
+              <a:rPr lang="en-US" dirty="0" smtClean="0"/>
+              <a:t>Personal computers running desktop applications</a:t>
+            </a:r>
+          </a:p>
+          <a:p>
+            <a:pPr lvl="2"/>
+            <a:r>
+              <a:rPr lang="en-US" dirty="0" smtClean="0"/>
+              <a:t>Client-server applications (thick client &lt;-&gt; database)</a:t>
+            </a:r>
+          </a:p>
+          <a:p>
+            <a:pPr lvl="2"/>
+            <a:r>
+              <a:rPr lang="en-US" dirty="0" smtClean="0"/>
+              <a:t>Web applications (thin client &lt;-&gt; </a:t>
+            </a:r>
+            <a:r>
+              <a:rPr lang="en-US" dirty="0" err="1" smtClean="0"/>
+              <a:t>middleware+db</a:t>
+            </a:r>
+            <a:r>
+              <a:rPr lang="en-US" dirty="0" smtClean="0"/>
+              <a:t>)</a:t>
+            </a:r>
+          </a:p>
+          <a:p>
+            <a:pPr lvl="2"/>
+            <a:r>
+              <a:rPr lang="en-US" dirty="0" smtClean="0"/>
+              <a:t>Distributed applications (highly scaled in the cloud)</a:t>
+            </a:r>
+          </a:p>
+          <a:p>
+            <a:pPr lvl="2"/>
+            <a:endParaRPr lang="en-US" dirty="0" smtClean="0"/>
+          </a:p>
+          <a:p>
+            <a:r>
+              <a:rPr lang="en-US" dirty="0" smtClean="0"/>
+              <a:t>Distributed apps are broken into small components which can be individually scaled</a:t>
+            </a:r>
+          </a:p>
+          <a:p>
+            <a:pPr lvl="2"/>
+            <a:endParaRPr lang="en-US" dirty="0" smtClean="0"/>
+          </a:p>
+        </p:txBody>
+      </p:sp>
+    </p:spTree>
+    <p:extLst>
+      <p:ext uri="{BB962C8B-B14F-4D97-AF65-F5344CB8AC3E}">
+        <p14:creationId xmlns:p14="http://schemas.microsoft.com/office/powerpoint/2010/main" val="3242115394"/>
+      </p:ext>
+    </p:extLst>
+  </p:cSld>
+  <p:clrMapOvr>
+    <a:masterClrMapping/>
+  </p:clrMapOvr>
+</p:sld>
+</file>
+
+<file path=ppt/slides/slide40.xml><?xml version="1.0" encoding="utf-8"?>
 <p:sld xmlns:a="http://schemas.openxmlformats.org/drawingml/2006/main" xmlns:r="http://schemas.openxmlformats.org/officeDocument/2006/relationships" xmlns:p="http://schemas.openxmlformats.org/presentationml/2006/main">
   <p:cSld>
     <p:spTree>
@@ -7605,7 +7992,7 @@
 </p:sld>
 </file>
 
-<file path=ppt/slides/slide38.xml><?xml version="1.0" encoding="utf-8"?>
+<file path=ppt/slides/slide41.xml><?xml version="1.0" encoding="utf-8"?>
 <p:sld xmlns:a="http://schemas.openxmlformats.org/drawingml/2006/main" xmlns:r="http://schemas.openxmlformats.org/officeDocument/2006/relationships" xmlns:p="http://schemas.openxmlformats.org/presentationml/2006/main">
   <p:cSld>
     <p:spTree>
@@ -7748,7 +8135,7 @@
 </p:sld>
 </file>
 
-<file path=ppt/slides/slide39.xml><?xml version="1.0" encoding="utf-8"?>
+<file path=ppt/slides/slide42.xml><?xml version="1.0" encoding="utf-8"?>
 <p:sld xmlns:a="http://schemas.openxmlformats.org/drawingml/2006/main" xmlns:r="http://schemas.openxmlformats.org/officeDocument/2006/relationships" xmlns:p="http://schemas.openxmlformats.org/presentationml/2006/main">
   <p:cSld>
     <p:spTree>
@@ -7904,139 +8291,7 @@
 </p:sld>
 </file>
 
-<file path=ppt/slides/slide4.xml><?xml version="1.0" encoding="utf-8"?>
-<p:sld xmlns:a="http://schemas.openxmlformats.org/drawingml/2006/main" xmlns:r="http://schemas.openxmlformats.org/officeDocument/2006/relationships" xmlns:p="http://schemas.openxmlformats.org/presentationml/2006/main">
-  <p:cSld>
-    <p:spTree>
-      <p:nvGrpSpPr>
-        <p:cNvPr id="1" name=""/>
-        <p:cNvGrpSpPr/>
-        <p:nvPr/>
-      </p:nvGrpSpPr>
-      <p:grpSpPr>
-        <a:xfrm>
-          <a:off x="0" y="0"/>
-          <a:ext cx="0" cy="0"/>
-          <a:chOff x="0" y="0"/>
-          <a:chExt cx="0" cy="0"/>
-        </a:xfrm>
-      </p:grpSpPr>
-      <p:sp>
-        <p:nvSpPr>
-          <p:cNvPr id="2" name="Title 1"/>
-          <p:cNvSpPr>
-            <a:spLocks noGrp="1"/>
-          </p:cNvSpPr>
-          <p:nvPr>
-            <p:ph type="title"/>
-          </p:nvPr>
-        </p:nvSpPr>
-        <p:spPr/>
-        <p:txBody>
-          <a:bodyPr/>
-          <a:lstStyle/>
-          <a:p>
-            <a:r>
-              <a:rPr lang="en-US" dirty="0" smtClean="0"/>
-              <a:t>Distributed infrastructure</a:t>
-            </a:r>
-            <a:endParaRPr lang="en-US" dirty="0"/>
-          </a:p>
-        </p:txBody>
-      </p:sp>
-      <p:sp>
-        <p:nvSpPr>
-          <p:cNvPr id="3" name="Content Placeholder 2"/>
-          <p:cNvSpPr>
-            <a:spLocks noGrp="1"/>
-          </p:cNvSpPr>
-          <p:nvPr>
-            <p:ph idx="1"/>
-          </p:nvPr>
-        </p:nvSpPr>
-        <p:spPr/>
-        <p:txBody>
-          <a:bodyPr/>
-          <a:lstStyle/>
-          <a:p>
-            <a:r>
-              <a:rPr lang="en-US" dirty="0" smtClean="0"/>
-              <a:t>Let’s look at where we’ve been</a:t>
-            </a:r>
-          </a:p>
-          <a:p>
-            <a:pPr lvl="2"/>
-            <a:r>
-              <a:rPr lang="en-US" dirty="0" smtClean="0"/>
-              <a:t>Mainframes presenting applications via direct terminals</a:t>
-            </a:r>
-          </a:p>
-          <a:p>
-            <a:pPr lvl="2"/>
-            <a:r>
-              <a:rPr lang="en-US" dirty="0" smtClean="0"/>
-              <a:t>Personal computers running desktop applications</a:t>
-            </a:r>
-          </a:p>
-          <a:p>
-            <a:pPr lvl="2"/>
-            <a:r>
-              <a:rPr lang="en-US" dirty="0" smtClean="0"/>
-              <a:t>Client-server applications (thick client &lt;-&gt; database)</a:t>
-            </a:r>
-          </a:p>
-          <a:p>
-            <a:pPr lvl="2"/>
-            <a:r>
-              <a:rPr lang="en-US" dirty="0" smtClean="0"/>
-              <a:t>Web applications (thin client &lt;-&gt; </a:t>
-            </a:r>
-            <a:r>
-              <a:rPr lang="en-US" dirty="0" err="1" smtClean="0"/>
-              <a:t>middleware+db</a:t>
-            </a:r>
-            <a:r>
-              <a:rPr lang="en-US" dirty="0" smtClean="0"/>
-              <a:t>)</a:t>
-            </a:r>
-          </a:p>
-          <a:p>
-            <a:pPr lvl="2"/>
-            <a:r>
-              <a:rPr lang="en-US" dirty="0" smtClean="0"/>
-              <a:t>Distributed applications (highly scaled in the cloud)</a:t>
-            </a:r>
-          </a:p>
-          <a:p>
-            <a:pPr lvl="2"/>
-            <a:endParaRPr lang="en-US" dirty="0" smtClean="0"/>
-          </a:p>
-          <a:p>
-            <a:r>
-              <a:rPr lang="en-US" dirty="0" smtClean="0"/>
-              <a:t>Distributed apps are broken into small components which can be individually scaled</a:t>
-            </a:r>
-          </a:p>
-          <a:p>
-            <a:pPr lvl="2"/>
-            <a:endParaRPr lang="en-US" dirty="0" smtClean="0"/>
-          </a:p>
-        </p:txBody>
-      </p:sp>
-    </p:spTree>
-    <p:extLst>
-      <p:ext uri="{BB962C8B-B14F-4D97-AF65-F5344CB8AC3E}">
-        <p14:creationId xmlns:p14="http://schemas.microsoft.com/office/powerpoint/2010/main" val="3242115394"/>
-      </p:ext>
-    </p:extLst>
-  </p:cSld>
-  <p:clrMapOvr>
-    <a:masterClrMapping/>
-  </p:clrMapOvr>
-</p:sld>
-</file>
-
-<file path=ppt/slides/slide40.xml><?xml version="1.0" encoding="utf-8"?>
+<file path=ppt/slides/slide43.xml><?xml version="1.0" encoding="utf-8"?>
 <p:sld xmlns:a="http://schemas.openxmlformats.org/drawingml/2006/main" xmlns:r="http://schemas.openxmlformats.org/officeDocument/2006/relationships" xmlns:p="http://schemas.openxmlformats.org/presentationml/2006/main">
   <p:cSld>
     <p:spTree>
@@ -8135,7 +8390,7 @@
 </p:sld>
 </file>
 
-<file path=ppt/slides/slide41.xml><?xml version="1.0" encoding="utf-8"?>
+<file path=ppt/slides/slide44.xml><?xml version="1.0" encoding="utf-8"?>
 <p:sld xmlns:a="http://schemas.openxmlformats.org/drawingml/2006/main" xmlns:r="http://schemas.openxmlformats.org/officeDocument/2006/relationships" xmlns:p="http://schemas.openxmlformats.org/presentationml/2006/main">
   <p:cSld>
     <p:spTree>
@@ -8255,7 +8510,7 @@
 </p:sld>
 </file>
 
-<file path=ppt/slides/slide42.xml><?xml version="1.0" encoding="utf-8"?>
+<file path=ppt/slides/slide45.xml><?xml version="1.0" encoding="utf-8"?>
 <p:sld xmlns:a="http://schemas.openxmlformats.org/drawingml/2006/main" xmlns:r="http://schemas.openxmlformats.org/officeDocument/2006/relationships" xmlns:p="http://schemas.openxmlformats.org/presentationml/2006/main">
   <p:cSld>
     <p:spTree>
@@ -8289,11 +8544,7 @@
           <a:p>
             <a:r>
               <a:rPr lang="en-US" dirty="0" smtClean="0"/>
-              <a:t>Vagrant </a:t>
-            </a:r>
-            <a:r>
-              <a:rPr lang="en-US" dirty="0" smtClean="0"/>
-              <a:t>architecture</a:t>
+              <a:t>Vagrant architecture</a:t>
             </a:r>
             <a:endParaRPr lang="en-US" dirty="0"/>
           </a:p>
@@ -8336,7 +8587,7 @@
 </p:sld>
 </file>
 
-<file path=ppt/slides/slide43.xml><?xml version="1.0" encoding="utf-8"?>
+<file path=ppt/slides/slide46.xml><?xml version="1.0" encoding="utf-8"?>
 <p:sld xmlns:a="http://schemas.openxmlformats.org/drawingml/2006/main" xmlns:r="http://schemas.openxmlformats.org/officeDocument/2006/relationships" xmlns:p="http://schemas.openxmlformats.org/presentationml/2006/main">
   <p:cSld>
     <p:spTree>
@@ -8370,11 +8621,7 @@
           <a:p>
             <a:r>
               <a:rPr lang="en-US" dirty="0" smtClean="0"/>
-              <a:t>Vagrant Hands</a:t>
-            </a:r>
-            <a:r>
-              <a:rPr lang="en-US" dirty="0" smtClean="0"/>
-              <a:t>-on</a:t>
+              <a:t>Vagrant Hands-on</a:t>
             </a:r>
             <a:endParaRPr lang="en-US" dirty="0"/>
           </a:p>
@@ -8439,7 +8686,7 @@
 </p:sld>
 </file>
 
-<file path=ppt/slides/slide44.xml><?xml version="1.0" encoding="utf-8"?>
+<file path=ppt/slides/slide47.xml><?xml version="1.0" encoding="utf-8"?>
 <p:sld xmlns:a="http://schemas.openxmlformats.org/drawingml/2006/main" xmlns:r="http://schemas.openxmlformats.org/officeDocument/2006/relationships" xmlns:p="http://schemas.openxmlformats.org/presentationml/2006/main">
   <p:cSld>
     <p:spTree>

--- a/infrastructure-week-3.pptx
+++ b/infrastructure-week-3.pptx
@@ -334,7 +334,7 @@
           <a:p>
             <a:fld id="{C721276B-38BC-F24F-B36B-D23FB353AB88}" type="datetimeFigureOut">
               <a:rPr lang="en-US" smtClean="0"/>
-              <a:t>4/24/16</a:t>
+              <a:t>5/4/16</a:t>
             </a:fld>
             <a:endParaRPr lang="en-US"/>
           </a:p>
@@ -504,7 +504,7 @@
           <a:p>
             <a:fld id="{C721276B-38BC-F24F-B36B-D23FB353AB88}" type="datetimeFigureOut">
               <a:rPr lang="en-US" smtClean="0"/>
-              <a:t>4/24/16</a:t>
+              <a:t>5/4/16</a:t>
             </a:fld>
             <a:endParaRPr lang="en-US"/>
           </a:p>
@@ -684,7 +684,7 @@
           <a:p>
             <a:fld id="{C721276B-38BC-F24F-B36B-D23FB353AB88}" type="datetimeFigureOut">
               <a:rPr lang="en-US" smtClean="0"/>
-              <a:t>4/24/16</a:t>
+              <a:t>5/4/16</a:t>
             </a:fld>
             <a:endParaRPr lang="en-US"/>
           </a:p>
@@ -854,7 +854,7 @@
           <a:p>
             <a:fld id="{C721276B-38BC-F24F-B36B-D23FB353AB88}" type="datetimeFigureOut">
               <a:rPr lang="en-US" smtClean="0"/>
-              <a:t>4/24/16</a:t>
+              <a:t>5/4/16</a:t>
             </a:fld>
             <a:endParaRPr lang="en-US"/>
           </a:p>
@@ -1100,7 +1100,7 @@
           <a:p>
             <a:fld id="{C721276B-38BC-F24F-B36B-D23FB353AB88}" type="datetimeFigureOut">
               <a:rPr lang="en-US" smtClean="0"/>
-              <a:t>4/24/16</a:t>
+              <a:t>5/4/16</a:t>
             </a:fld>
             <a:endParaRPr lang="en-US"/>
           </a:p>
@@ -1388,7 +1388,7 @@
           <a:p>
             <a:fld id="{C721276B-38BC-F24F-B36B-D23FB353AB88}" type="datetimeFigureOut">
               <a:rPr lang="en-US" smtClean="0"/>
-              <a:t>4/24/16</a:t>
+              <a:t>5/4/16</a:t>
             </a:fld>
             <a:endParaRPr lang="en-US"/>
           </a:p>
@@ -1810,7 +1810,7 @@
           <a:p>
             <a:fld id="{C721276B-38BC-F24F-B36B-D23FB353AB88}" type="datetimeFigureOut">
               <a:rPr lang="en-US" smtClean="0"/>
-              <a:t>4/24/16</a:t>
+              <a:t>5/4/16</a:t>
             </a:fld>
             <a:endParaRPr lang="en-US"/>
           </a:p>
@@ -1928,7 +1928,7 @@
           <a:p>
             <a:fld id="{C721276B-38BC-F24F-B36B-D23FB353AB88}" type="datetimeFigureOut">
               <a:rPr lang="en-US" smtClean="0"/>
-              <a:t>4/24/16</a:t>
+              <a:t>5/4/16</a:t>
             </a:fld>
             <a:endParaRPr lang="en-US"/>
           </a:p>
@@ -2023,7 +2023,7 @@
           <a:p>
             <a:fld id="{C721276B-38BC-F24F-B36B-D23FB353AB88}" type="datetimeFigureOut">
               <a:rPr lang="en-US" smtClean="0"/>
-              <a:t>4/24/16</a:t>
+              <a:t>5/4/16</a:t>
             </a:fld>
             <a:endParaRPr lang="en-US"/>
           </a:p>
@@ -2300,7 +2300,7 @@
           <a:p>
             <a:fld id="{C721276B-38BC-F24F-B36B-D23FB353AB88}" type="datetimeFigureOut">
               <a:rPr lang="en-US" smtClean="0"/>
-              <a:t>4/24/16</a:t>
+              <a:t>5/4/16</a:t>
             </a:fld>
             <a:endParaRPr lang="en-US"/>
           </a:p>
@@ -2553,7 +2553,7 @@
           <a:p>
             <a:fld id="{C721276B-38BC-F24F-B36B-D23FB353AB88}" type="datetimeFigureOut">
               <a:rPr lang="en-US" smtClean="0"/>
-              <a:t>4/24/16</a:t>
+              <a:t>5/4/16</a:t>
             </a:fld>
             <a:endParaRPr lang="en-US"/>
           </a:p>
@@ -2766,7 +2766,7 @@
           <a:p>
             <a:fld id="{C721276B-38BC-F24F-B36B-D23FB353AB88}" type="datetimeFigureOut">
               <a:rPr lang="en-US" smtClean="0"/>
-              <a:t>4/24/16</a:t>
+              <a:t>5/4/16</a:t>
             </a:fld>
             <a:endParaRPr lang="en-US"/>
           </a:p>
@@ -3211,12 +3211,28 @@
               </a:rPr>
             </a:br>
             <a:r>
+              <a:rPr lang="en-US" sz="3600">
+                <a:solidFill>
+                  <a:prstClr val="black"/>
+                </a:solidFill>
+              </a:rPr>
+              <a:t>SEIS </a:t>
+            </a:r>
+            <a:r>
+              <a:rPr lang="en-US" sz="3600" smtClean="0">
+                <a:solidFill>
+                  <a:prstClr val="black"/>
+                </a:solidFill>
+              </a:rPr>
+              <a:t>665</a:t>
+            </a:r>
+            <a:r>
               <a:rPr lang="en-US" sz="3600" dirty="0">
                 <a:solidFill>
                   <a:prstClr val="black"/>
                 </a:solidFill>
               </a:rPr>
-              <a:t>SEIS 6XX</a:t>
+              <a:t/>
             </a:r>
             <a:br>
               <a:rPr lang="en-US" sz="3600" dirty="0">

--- a/infrastructure-week-3.pptx
+++ b/infrastructure-week-3.pptx
@@ -334,7 +334,7 @@
           <a:p>
             <a:fld id="{C721276B-38BC-F24F-B36B-D23FB353AB88}" type="datetimeFigureOut">
               <a:rPr lang="en-US" smtClean="0"/>
-              <a:t>5/4/16</a:t>
+              <a:t>8/13/16</a:t>
             </a:fld>
             <a:endParaRPr lang="en-US"/>
           </a:p>
@@ -504,7 +504,7 @@
           <a:p>
             <a:fld id="{C721276B-38BC-F24F-B36B-D23FB353AB88}" type="datetimeFigureOut">
               <a:rPr lang="en-US" smtClean="0"/>
-              <a:t>5/4/16</a:t>
+              <a:t>8/13/16</a:t>
             </a:fld>
             <a:endParaRPr lang="en-US"/>
           </a:p>
@@ -684,7 +684,7 @@
           <a:p>
             <a:fld id="{C721276B-38BC-F24F-B36B-D23FB353AB88}" type="datetimeFigureOut">
               <a:rPr lang="en-US" smtClean="0"/>
-              <a:t>5/4/16</a:t>
+              <a:t>8/13/16</a:t>
             </a:fld>
             <a:endParaRPr lang="en-US"/>
           </a:p>
@@ -854,7 +854,7 @@
           <a:p>
             <a:fld id="{C721276B-38BC-F24F-B36B-D23FB353AB88}" type="datetimeFigureOut">
               <a:rPr lang="en-US" smtClean="0"/>
-              <a:t>5/4/16</a:t>
+              <a:t>8/13/16</a:t>
             </a:fld>
             <a:endParaRPr lang="en-US"/>
           </a:p>
@@ -1100,7 +1100,7 @@
           <a:p>
             <a:fld id="{C721276B-38BC-F24F-B36B-D23FB353AB88}" type="datetimeFigureOut">
               <a:rPr lang="en-US" smtClean="0"/>
-              <a:t>5/4/16</a:t>
+              <a:t>8/13/16</a:t>
             </a:fld>
             <a:endParaRPr lang="en-US"/>
           </a:p>
@@ -1388,7 +1388,7 @@
           <a:p>
             <a:fld id="{C721276B-38BC-F24F-B36B-D23FB353AB88}" type="datetimeFigureOut">
               <a:rPr lang="en-US" smtClean="0"/>
-              <a:t>5/4/16</a:t>
+              <a:t>8/13/16</a:t>
             </a:fld>
             <a:endParaRPr lang="en-US"/>
           </a:p>
@@ -1810,7 +1810,7 @@
           <a:p>
             <a:fld id="{C721276B-38BC-F24F-B36B-D23FB353AB88}" type="datetimeFigureOut">
               <a:rPr lang="en-US" smtClean="0"/>
-              <a:t>5/4/16</a:t>
+              <a:t>8/13/16</a:t>
             </a:fld>
             <a:endParaRPr lang="en-US"/>
           </a:p>
@@ -1928,7 +1928,7 @@
           <a:p>
             <a:fld id="{C721276B-38BC-F24F-B36B-D23FB353AB88}" type="datetimeFigureOut">
               <a:rPr lang="en-US" smtClean="0"/>
-              <a:t>5/4/16</a:t>
+              <a:t>8/13/16</a:t>
             </a:fld>
             <a:endParaRPr lang="en-US"/>
           </a:p>
@@ -2023,7 +2023,7 @@
           <a:p>
             <a:fld id="{C721276B-38BC-F24F-B36B-D23FB353AB88}" type="datetimeFigureOut">
               <a:rPr lang="en-US" smtClean="0"/>
-              <a:t>5/4/16</a:t>
+              <a:t>8/13/16</a:t>
             </a:fld>
             <a:endParaRPr lang="en-US"/>
           </a:p>
@@ -2300,7 +2300,7 @@
           <a:p>
             <a:fld id="{C721276B-38BC-F24F-B36B-D23FB353AB88}" type="datetimeFigureOut">
               <a:rPr lang="en-US" smtClean="0"/>
-              <a:t>5/4/16</a:t>
+              <a:t>8/13/16</a:t>
             </a:fld>
             <a:endParaRPr lang="en-US"/>
           </a:p>
@@ -2553,7 +2553,7 @@
           <a:p>
             <a:fld id="{C721276B-38BC-F24F-B36B-D23FB353AB88}" type="datetimeFigureOut">
               <a:rPr lang="en-US" smtClean="0"/>
-              <a:t>5/4/16</a:t>
+              <a:t>8/13/16</a:t>
             </a:fld>
             <a:endParaRPr lang="en-US"/>
           </a:p>
@@ -2766,7 +2766,7 @@
           <a:p>
             <a:fld id="{C721276B-38BC-F24F-B36B-D23FB353AB88}" type="datetimeFigureOut">
               <a:rPr lang="en-US" smtClean="0"/>
-              <a:t>5/4/16</a:t>
+              <a:t>8/13/16</a:t>
             </a:fld>
             <a:endParaRPr lang="en-US"/>
           </a:p>
@@ -4654,14 +4654,16 @@
           <a:p>
             <a:r>
               <a:rPr lang="en-US" dirty="0" smtClean="0"/>
-              <a:t>Distributed infrastructure (CSA Chapter 1)</a:t>
-            </a:r>
+              <a:t>Distributed infrastructure </a:t>
+            </a:r>
+            <a:endParaRPr lang="en-US" dirty="0" smtClean="0"/>
           </a:p>
           <a:p>
             <a:r>
               <a:rPr lang="en-US" dirty="0" smtClean="0"/>
               <a:t>Virtualization</a:t>
             </a:r>
+            <a:endParaRPr lang="en-US" dirty="0" smtClean="0"/>
           </a:p>
           <a:p>
             <a:r>
@@ -8774,8 +8776,13 @@
           <a:p>
             <a:r>
               <a:rPr lang="en-US" dirty="0" smtClean="0"/>
-              <a:t>Read Practice of Cloud Systems Administration Appendix B</a:t>
-            </a:r>
+              <a:t>Read Practice of Cloud Systems Administration </a:t>
+            </a:r>
+            <a:r>
+              <a:rPr lang="en-US" dirty="0" smtClean="0"/>
+              <a:t>Chapter 3</a:t>
+            </a:r>
+            <a:endParaRPr lang="en-US" dirty="0" smtClean="0"/>
           </a:p>
           <a:p>
             <a:r>
